--- a/Case Study 2.pptx
+++ b/Case Study 2.pptx
@@ -5,19 +5,23 @@
     <p:sldMasterId id="2147483990" r:id="rId1"/>
   </p:sldMasterIdLst>
   <p:notesMasterIdLst>
-    <p:notesMasterId r:id="rId12"/>
+    <p:notesMasterId r:id="rId16"/>
   </p:notesMasterIdLst>
   <p:sldIdLst>
     <p:sldId id="256" r:id="rId2"/>
     <p:sldId id="277" r:id="rId3"/>
     <p:sldId id="283" r:id="rId4"/>
     <p:sldId id="280" r:id="rId5"/>
-    <p:sldId id="279" r:id="rId6"/>
-    <p:sldId id="281" r:id="rId7"/>
-    <p:sldId id="282" r:id="rId8"/>
-    <p:sldId id="284" r:id="rId9"/>
-    <p:sldId id="285" r:id="rId10"/>
-    <p:sldId id="278" r:id="rId11"/>
+    <p:sldId id="287" r:id="rId6"/>
+    <p:sldId id="286" r:id="rId7"/>
+    <p:sldId id="281" r:id="rId8"/>
+    <p:sldId id="288" r:id="rId9"/>
+    <p:sldId id="282" r:id="rId10"/>
+    <p:sldId id="284" r:id="rId11"/>
+    <p:sldId id="289" r:id="rId12"/>
+    <p:sldId id="290" r:id="rId13"/>
+    <p:sldId id="285" r:id="rId14"/>
+    <p:sldId id="278" r:id="rId15"/>
   </p:sldIdLst>
   <p:sldSz cx="12192000" cy="6858000"/>
   <p:notesSz cx="6858000" cy="9144000"/>
@@ -7513,7 +7517,7 @@
           <a:p>
             <a:fld id="{FC9BBDA9-00D3-4ABB-A2C2-7F9B3CD25872}" type="datetimeFigureOut">
               <a:rPr lang="en-US" smtClean="0"/>
-              <a:t>4/12/2018</a:t>
+              <a:t>4/14/2018</a:t>
             </a:fld>
             <a:endParaRPr lang="en-US"/>
           </a:p>
@@ -7824,6 +7828,174 @@
           <a:bodyPr/>
           <a:lstStyle/>
           <a:p>
+            <a:endParaRPr lang="en-US" dirty="0"/>
+          </a:p>
+        </p:txBody>
+      </p:sp>
+      <p:sp>
+        <p:nvSpPr>
+          <p:cNvPr id="4" name="Slide Number Placeholder 3"/>
+          <p:cNvSpPr>
+            <a:spLocks noGrp="1"/>
+          </p:cNvSpPr>
+          <p:nvPr>
+            <p:ph type="sldNum" sz="quarter" idx="10"/>
+          </p:nvPr>
+        </p:nvSpPr>
+        <p:spPr/>
+        <p:txBody>
+          <a:bodyPr/>
+          <a:lstStyle/>
+          <a:p>
+            <a:fld id="{F6B20B5B-F85A-4AD1-94B7-E3315E48E274}" type="slidenum">
+              <a:rPr lang="en-US" smtClean="0"/>
+              <a:t>5</a:t>
+            </a:fld>
+            <a:endParaRPr lang="en-US"/>
+          </a:p>
+        </p:txBody>
+      </p:sp>
+    </p:spTree>
+    <p:extLst>
+      <p:ext uri="{BB962C8B-B14F-4D97-AF65-F5344CB8AC3E}">
+        <p14:creationId xmlns:p14="http://schemas.microsoft.com/office/powerpoint/2010/main" val="2086929050"/>
+      </p:ext>
+    </p:extLst>
+  </p:cSld>
+  <p:clrMapOvr>
+    <a:masterClrMapping/>
+  </p:clrMapOvr>
+</p:notes>
+</file>
+
+<file path=ppt/notesSlides/notesSlide2.xml><?xml version="1.0" encoding="utf-8"?>
+<p:notes xmlns:a="http://schemas.openxmlformats.org/drawingml/2006/main" xmlns:r="http://schemas.openxmlformats.org/officeDocument/2006/relationships" xmlns:p="http://schemas.openxmlformats.org/presentationml/2006/main">
+  <p:cSld>
+    <p:spTree>
+      <p:nvGrpSpPr>
+        <p:cNvPr id="1" name=""/>
+        <p:cNvGrpSpPr/>
+        <p:nvPr/>
+      </p:nvGrpSpPr>
+      <p:grpSpPr>
+        <a:xfrm>
+          <a:off x="0" y="0"/>
+          <a:ext cx="0" cy="0"/>
+          <a:chOff x="0" y="0"/>
+          <a:chExt cx="0" cy="0"/>
+        </a:xfrm>
+      </p:grpSpPr>
+      <p:sp>
+        <p:nvSpPr>
+          <p:cNvPr id="2" name="Slide Image Placeholder 1"/>
+          <p:cNvSpPr>
+            <a:spLocks noGrp="1" noRot="1" noChangeAspect="1"/>
+          </p:cNvSpPr>
+          <p:nvPr>
+            <p:ph type="sldImg"/>
+          </p:nvPr>
+        </p:nvSpPr>
+        <p:spPr/>
+      </p:sp>
+      <p:sp>
+        <p:nvSpPr>
+          <p:cNvPr id="3" name="Notes Placeholder 2"/>
+          <p:cNvSpPr>
+            <a:spLocks noGrp="1"/>
+          </p:cNvSpPr>
+          <p:nvPr>
+            <p:ph type="body" idx="1"/>
+          </p:nvPr>
+        </p:nvSpPr>
+        <p:spPr/>
+        <p:txBody>
+          <a:bodyPr/>
+          <a:lstStyle/>
+          <a:p>
+            <a:endParaRPr lang="en-US" dirty="0"/>
+          </a:p>
+        </p:txBody>
+      </p:sp>
+      <p:sp>
+        <p:nvSpPr>
+          <p:cNvPr id="4" name="Slide Number Placeholder 3"/>
+          <p:cNvSpPr>
+            <a:spLocks noGrp="1"/>
+          </p:cNvSpPr>
+          <p:nvPr>
+            <p:ph type="sldNum" sz="quarter" idx="10"/>
+          </p:nvPr>
+        </p:nvSpPr>
+        <p:spPr/>
+        <p:txBody>
+          <a:bodyPr/>
+          <a:lstStyle/>
+          <a:p>
+            <a:fld id="{F6B20B5B-F85A-4AD1-94B7-E3315E48E274}" type="slidenum">
+              <a:rPr lang="en-US" smtClean="0"/>
+              <a:t>6</a:t>
+            </a:fld>
+            <a:endParaRPr lang="en-US"/>
+          </a:p>
+        </p:txBody>
+      </p:sp>
+    </p:spTree>
+    <p:extLst>
+      <p:ext uri="{BB962C8B-B14F-4D97-AF65-F5344CB8AC3E}">
+        <p14:creationId xmlns:p14="http://schemas.microsoft.com/office/powerpoint/2010/main" val="1373066755"/>
+      </p:ext>
+    </p:extLst>
+  </p:cSld>
+  <p:clrMapOvr>
+    <a:masterClrMapping/>
+  </p:clrMapOvr>
+</p:notes>
+</file>
+
+<file path=ppt/notesSlides/notesSlide3.xml><?xml version="1.0" encoding="utf-8"?>
+<p:notes xmlns:a="http://schemas.openxmlformats.org/drawingml/2006/main" xmlns:r="http://schemas.openxmlformats.org/officeDocument/2006/relationships" xmlns:p="http://schemas.openxmlformats.org/presentationml/2006/main">
+  <p:cSld>
+    <p:spTree>
+      <p:nvGrpSpPr>
+        <p:cNvPr id="1" name=""/>
+        <p:cNvGrpSpPr/>
+        <p:nvPr/>
+      </p:nvGrpSpPr>
+      <p:grpSpPr>
+        <a:xfrm>
+          <a:off x="0" y="0"/>
+          <a:ext cx="0" cy="0"/>
+          <a:chOff x="0" y="0"/>
+          <a:chExt cx="0" cy="0"/>
+        </a:xfrm>
+      </p:grpSpPr>
+      <p:sp>
+        <p:nvSpPr>
+          <p:cNvPr id="2" name="Slide Image Placeholder 1"/>
+          <p:cNvSpPr>
+            <a:spLocks noGrp="1" noRot="1" noChangeAspect="1"/>
+          </p:cNvSpPr>
+          <p:nvPr>
+            <p:ph type="sldImg"/>
+          </p:nvPr>
+        </p:nvSpPr>
+        <p:spPr/>
+      </p:sp>
+      <p:sp>
+        <p:nvSpPr>
+          <p:cNvPr id="3" name="Notes Placeholder 2"/>
+          <p:cNvSpPr>
+            <a:spLocks noGrp="1"/>
+          </p:cNvSpPr>
+          <p:nvPr>
+            <p:ph type="body" idx="1"/>
+          </p:nvPr>
+        </p:nvSpPr>
+        <p:spPr/>
+        <p:txBody>
+          <a:bodyPr/>
+          <a:lstStyle/>
+          <a:p>
             <a:r>
               <a:rPr lang="en-US" dirty="0"/>
               <a:t>All models can predict attrition given our data set. Selected the logistic regression analysis.</a:t>
@@ -7857,7 +8029,7 @@
           <a:p>
             <a:fld id="{F6B20B5B-F85A-4AD1-94B7-E3315E48E274}" type="slidenum">
               <a:rPr lang="en-US" smtClean="0"/>
-              <a:t>7</a:t>
+              <a:t>9</a:t>
             </a:fld>
             <a:endParaRPr lang="en-US"/>
           </a:p>
@@ -8122,7 +8294,7 @@
             <a:fld id="{5586B75A-687E-405C-8A0B-8D00578BA2C3}" type="datetimeFigureOut">
               <a:rPr lang="en-US" smtClean="0"/>
               <a:pPr/>
-              <a:t>4/12/2018</a:t>
+              <a:t>4/14/2018</a:t>
             </a:fld>
             <a:endParaRPr lang="en-US" dirty="0"/>
           </a:p>
@@ -8386,7 +8558,7 @@
             <a:fld id="{5586B75A-687E-405C-8A0B-8D00578BA2C3}" type="datetimeFigureOut">
               <a:rPr lang="en-US" smtClean="0"/>
               <a:pPr/>
-              <a:t>4/12/2018</a:t>
+              <a:t>4/14/2018</a:t>
             </a:fld>
             <a:endParaRPr lang="en-US" dirty="0"/>
           </a:p>
@@ -8623,7 +8795,7 @@
             <a:fld id="{5586B75A-687E-405C-8A0B-8D00578BA2C3}" type="datetimeFigureOut">
               <a:rPr lang="en-US" smtClean="0"/>
               <a:pPr/>
-              <a:t>4/12/2018</a:t>
+              <a:t>4/14/2018</a:t>
             </a:fld>
             <a:endParaRPr lang="en-US" dirty="0"/>
           </a:p>
@@ -8793,7 +8965,7 @@
             <a:fld id="{5586B75A-687E-405C-8A0B-8D00578BA2C3}" type="datetimeFigureOut">
               <a:rPr lang="en-US" smtClean="0"/>
               <a:pPr/>
-              <a:t>4/12/2018</a:t>
+              <a:t>4/14/2018</a:t>
             </a:fld>
             <a:endParaRPr lang="en-US" dirty="0"/>
           </a:p>
@@ -9052,7 +9224,7 @@
             <a:fld id="{5586B75A-687E-405C-8A0B-8D00578BA2C3}" type="datetimeFigureOut">
               <a:rPr lang="en-US" smtClean="0"/>
               <a:pPr/>
-              <a:t>4/12/2018</a:t>
+              <a:t>4/14/2018</a:t>
             </a:fld>
             <a:endParaRPr lang="en-US" dirty="0"/>
           </a:p>
@@ -9360,7 +9532,7 @@
             <a:fld id="{5586B75A-687E-405C-8A0B-8D00578BA2C3}" type="datetimeFigureOut">
               <a:rPr lang="en-US" smtClean="0"/>
               <a:pPr/>
-              <a:t>4/12/2018</a:t>
+              <a:t>4/14/2018</a:t>
             </a:fld>
             <a:endParaRPr lang="en-US" dirty="0"/>
           </a:p>
@@ -9664,7 +9836,7 @@
             <a:fld id="{5586B75A-687E-405C-8A0B-8D00578BA2C3}" type="datetimeFigureOut">
               <a:rPr lang="en-US" smtClean="0"/>
               <a:pPr/>
-              <a:t>4/12/2018</a:t>
+              <a:t>4/14/2018</a:t>
             </a:fld>
             <a:endParaRPr lang="en-US" dirty="0"/>
           </a:p>
@@ -10088,7 +10260,7 @@
             <a:fld id="{5586B75A-687E-405C-8A0B-8D00578BA2C3}" type="datetimeFigureOut">
               <a:rPr lang="en-US" smtClean="0"/>
               <a:pPr/>
-              <a:t>4/12/2018</a:t>
+              <a:t>4/14/2018</a:t>
             </a:fld>
             <a:endParaRPr lang="en-US" dirty="0"/>
           </a:p>
@@ -10185,7 +10357,7 @@
             <a:fld id="{5586B75A-687E-405C-8A0B-8D00578BA2C3}" type="datetimeFigureOut">
               <a:rPr lang="en-US" smtClean="0"/>
               <a:pPr/>
-              <a:t>4/12/2018</a:t>
+              <a:t>4/14/2018</a:t>
             </a:fld>
             <a:endParaRPr lang="en-US" dirty="0"/>
           </a:p>
@@ -10354,7 +10526,7 @@
             <a:fld id="{5586B75A-687E-405C-8A0B-8D00578BA2C3}" type="datetimeFigureOut">
               <a:rPr lang="en-US" smtClean="0"/>
               <a:pPr/>
-              <a:t>4/12/2018</a:t>
+              <a:t>4/14/2018</a:t>
             </a:fld>
             <a:endParaRPr lang="en-US" dirty="0"/>
           </a:p>
@@ -10734,7 +10906,7 @@
             <a:fld id="{5586B75A-687E-405C-8A0B-8D00578BA2C3}" type="datetimeFigureOut">
               <a:rPr lang="en-US" smtClean="0"/>
               <a:pPr/>
-              <a:t>4/12/2018</a:t>
+              <a:t>4/14/2018</a:t>
             </a:fld>
             <a:endParaRPr lang="en-US" dirty="0"/>
           </a:p>
@@ -11025,7 +11197,7 @@
             <a:fld id="{5586B75A-687E-405C-8A0B-8D00578BA2C3}" type="datetimeFigureOut">
               <a:rPr lang="en-US" smtClean="0"/>
               <a:pPr/>
-              <a:t>4/12/2018</a:t>
+              <a:t>4/14/2018</a:t>
             </a:fld>
             <a:endParaRPr lang="en-US" dirty="0"/>
           </a:p>
@@ -11238,7 +11410,7 @@
             <a:fld id="{5586B75A-687E-405C-8A0B-8D00578BA2C3}" type="datetimeFigureOut">
               <a:rPr lang="en-US" smtClean="0"/>
               <a:pPr/>
-              <a:t>4/12/2018</a:t>
+              <a:t>4/14/2018</a:t>
             </a:fld>
             <a:endParaRPr lang="en-US" dirty="0"/>
           </a:p>
@@ -11942,6 +12114,3161 @@
           <p:cNvPr id="2" name="Title 1">
             <a:extLst>
               <a:ext uri="{FF2B5EF4-FFF2-40B4-BE49-F238E27FC236}">
+                <a16:creationId xmlns:a16="http://schemas.microsoft.com/office/drawing/2014/main" id="{C2A905E7-DBAD-46FE-9ECE-04947C458B80}"/>
+              </a:ext>
+            </a:extLst>
+          </p:cNvPr>
+          <p:cNvSpPr>
+            <a:spLocks noGrp="1"/>
+          </p:cNvSpPr>
+          <p:nvPr>
+            <p:ph type="title"/>
+          </p:nvPr>
+        </p:nvSpPr>
+        <p:spPr/>
+        <p:txBody>
+          <a:bodyPr>
+            <a:normAutofit fontScale="90000"/>
+          </a:bodyPr>
+          <a:lstStyle/>
+          <a:p>
+            <a:r>
+              <a:rPr lang="en-US" dirty="0"/>
+              <a:t>Logistic Regression analysis – final model</a:t>
+            </a:r>
+          </a:p>
+        </p:txBody>
+      </p:sp>
+      <p:graphicFrame>
+        <p:nvGraphicFramePr>
+          <p:cNvPr id="4" name="Table 3">
+            <a:extLst>
+              <a:ext uri="{FF2B5EF4-FFF2-40B4-BE49-F238E27FC236}">
+                <a16:creationId xmlns:a16="http://schemas.microsoft.com/office/drawing/2014/main" id="{3D998220-C407-4191-AB11-3494F89996F4}"/>
+              </a:ext>
+            </a:extLst>
+          </p:cNvPr>
+          <p:cNvGraphicFramePr>
+            <a:graphicFrameLocks noGrp="1"/>
+          </p:cNvGraphicFramePr>
+          <p:nvPr>
+            <p:extLst>
+              <p:ext uri="{D42A27DB-BD31-4B8C-83A1-F6EECF244321}">
+                <p14:modId xmlns:p14="http://schemas.microsoft.com/office/powerpoint/2010/main" val="3384005943"/>
+              </p:ext>
+            </p:extLst>
+          </p:nvPr>
+        </p:nvGraphicFramePr>
+        <p:xfrm>
+          <a:off x="1790701" y="1576388"/>
+          <a:ext cx="4194175" cy="4924417"/>
+        </p:xfrm>
+        <a:graphic>
+          <a:graphicData uri="http://schemas.openxmlformats.org/drawingml/2006/table">
+            <a:tbl>
+              <a:tblPr firstRow="1" bandRow="1">
+                <a:tableStyleId>{93296810-A885-4BE3-A3E7-6D5BEEA58F35}</a:tableStyleId>
+              </a:tblPr>
+              <a:tblGrid>
+                <a:gridCol w="2130803">
+                  <a:extLst>
+                    <a:ext uri="{9D8B030D-6E8A-4147-A177-3AD203B41FA5}">
+                      <a16:colId xmlns:a16="http://schemas.microsoft.com/office/drawing/2014/main" val="2140873009"/>
+                    </a:ext>
+                  </a:extLst>
+                </a:gridCol>
+                <a:gridCol w="924729">
+                  <a:extLst>
+                    <a:ext uri="{9D8B030D-6E8A-4147-A177-3AD203B41FA5}">
+                      <a16:colId xmlns:a16="http://schemas.microsoft.com/office/drawing/2014/main" val="421182900"/>
+                    </a:ext>
+                  </a:extLst>
+                </a:gridCol>
+                <a:gridCol w="1138643">
+                  <a:extLst>
+                    <a:ext uri="{9D8B030D-6E8A-4147-A177-3AD203B41FA5}">
+                      <a16:colId xmlns:a16="http://schemas.microsoft.com/office/drawing/2014/main" val="2135523426"/>
+                    </a:ext>
+                  </a:extLst>
+                </a:gridCol>
+              </a:tblGrid>
+              <a:tr h="381473">
+                <a:tc>
+                  <a:txBody>
+                    <a:bodyPr/>
+                    <a:lstStyle/>
+                    <a:p>
+                      <a:pPr algn="l" fontAlgn="b"/>
+                      <a:r>
+                        <a:rPr lang="en-US" sz="1400" u="none" strike="noStrike" dirty="0">
+                          <a:effectLst/>
+                        </a:rPr>
+                        <a:t>KPI (1 of 2)</a:t>
+                      </a:r>
+                      <a:endParaRPr lang="en-US" sz="1400" b="1" i="0" u="none" strike="noStrike" dirty="0">
+                        <a:solidFill>
+                          <a:srgbClr val="FFFFFF"/>
+                        </a:solidFill>
+                        <a:effectLst/>
+                        <a:latin typeface="Calibri" panose="020F0502020204030204" pitchFamily="34" charset="0"/>
+                      </a:endParaRPr>
+                    </a:p>
+                  </a:txBody>
+                  <a:tcPr marL="2162" marR="2162" marT="2162" marB="0" anchor="ctr"/>
+                </a:tc>
+                <a:tc>
+                  <a:txBody>
+                    <a:bodyPr/>
+                    <a:lstStyle/>
+                    <a:p>
+                      <a:pPr algn="ctr" fontAlgn="b"/>
+                      <a:r>
+                        <a:rPr lang="en-US" sz="1400" u="none" strike="noStrike" dirty="0">
+                          <a:effectLst/>
+                        </a:rPr>
+                        <a:t>Estimate</a:t>
+                      </a:r>
+                      <a:endParaRPr lang="en-US" sz="1400" b="1" i="0" u="none" strike="noStrike" dirty="0">
+                        <a:solidFill>
+                          <a:srgbClr val="FFFFFF"/>
+                        </a:solidFill>
+                        <a:effectLst/>
+                        <a:latin typeface="Calibri" panose="020F0502020204030204" pitchFamily="34" charset="0"/>
+                      </a:endParaRPr>
+                    </a:p>
+                  </a:txBody>
+                  <a:tcPr marL="2162" marR="2162" marT="2162" marB="0" anchor="ctr"/>
+                </a:tc>
+                <a:tc>
+                  <a:txBody>
+                    <a:bodyPr/>
+                    <a:lstStyle/>
+                    <a:p>
+                      <a:pPr algn="ctr" fontAlgn="b"/>
+                      <a:r>
+                        <a:rPr lang="en-US" sz="1400" u="none" strike="noStrike" dirty="0">
+                          <a:effectLst/>
+                        </a:rPr>
+                        <a:t>Probability</a:t>
+                      </a:r>
+                      <a:endParaRPr lang="en-US" sz="1400" b="1" i="0" u="none" strike="noStrike" dirty="0">
+                        <a:solidFill>
+                          <a:srgbClr val="FFFFFF"/>
+                        </a:solidFill>
+                        <a:effectLst/>
+                        <a:latin typeface="Calibri" panose="020F0502020204030204" pitchFamily="34" charset="0"/>
+                      </a:endParaRPr>
+                    </a:p>
+                  </a:txBody>
+                  <a:tcPr marL="2162" marR="2162" marT="2162" marB="0" anchor="ctr"/>
+                </a:tc>
+                <a:extLst>
+                  <a:ext uri="{0D108BD9-81ED-4DB2-BD59-A6C34878D82A}">
+                    <a16:rowId xmlns:a16="http://schemas.microsoft.com/office/drawing/2014/main" val="3895160457"/>
+                  </a:ext>
+                </a:extLst>
+              </a:tr>
+              <a:tr h="267232">
+                <a:tc>
+                  <a:txBody>
+                    <a:bodyPr/>
+                    <a:lstStyle/>
+                    <a:p>
+                      <a:pPr algn="l" fontAlgn="b"/>
+                      <a:r>
+                        <a:rPr lang="en-US" sz="1200" u="none" strike="noStrike" dirty="0">
+                          <a:effectLst/>
+                        </a:rPr>
+                        <a:t>Over Time - Yes</a:t>
+                      </a:r>
+                      <a:endParaRPr lang="en-US" sz="1200" b="0" i="0" u="none" strike="noStrike" dirty="0">
+                        <a:solidFill>
+                          <a:srgbClr val="000000"/>
+                        </a:solidFill>
+                        <a:effectLst/>
+                        <a:latin typeface="Calibri" panose="020F0502020204030204" pitchFamily="34" charset="0"/>
+                      </a:endParaRPr>
+                    </a:p>
+                  </a:txBody>
+                  <a:tcPr marL="2162" marR="2162" marT="2162" marB="0" anchor="b"/>
+                </a:tc>
+                <a:tc>
+                  <a:txBody>
+                    <a:bodyPr/>
+                    <a:lstStyle/>
+                    <a:p>
+                      <a:pPr algn="ctr" fontAlgn="b"/>
+                      <a:r>
+                        <a:rPr lang="en-US" sz="1200" u="none" strike="noStrike" dirty="0">
+                          <a:effectLst/>
+                        </a:rPr>
+                        <a:t>2.002</a:t>
+                      </a:r>
+                      <a:endParaRPr lang="en-US" sz="1200" b="0" i="0" u="none" strike="noStrike" dirty="0">
+                        <a:solidFill>
+                          <a:srgbClr val="000000"/>
+                        </a:solidFill>
+                        <a:effectLst/>
+                        <a:latin typeface="Calibri" panose="020F0502020204030204" pitchFamily="34" charset="0"/>
+                      </a:endParaRPr>
+                    </a:p>
+                  </a:txBody>
+                  <a:tcPr marL="2162" marR="2162" marT="2162" marB="0" anchor="b"/>
+                </a:tc>
+                <a:tc>
+                  <a:txBody>
+                    <a:bodyPr/>
+                    <a:lstStyle/>
+                    <a:p>
+                      <a:pPr algn="ctr" fontAlgn="b"/>
+                      <a:r>
+                        <a:rPr lang="en-US" sz="1200" u="none" strike="noStrike">
+                          <a:effectLst/>
+                        </a:rPr>
+                        <a:t>7.59E-21</a:t>
+                      </a:r>
+                      <a:endParaRPr lang="en-US" sz="1200" b="0" i="0" u="none" strike="noStrike">
+                        <a:solidFill>
+                          <a:srgbClr val="000000"/>
+                        </a:solidFill>
+                        <a:effectLst/>
+                        <a:latin typeface="Calibri" panose="020F0502020204030204" pitchFamily="34" charset="0"/>
+                      </a:endParaRPr>
+                    </a:p>
+                  </a:txBody>
+                  <a:tcPr marL="2162" marR="2162" marT="2162" marB="0" anchor="b"/>
+                </a:tc>
+                <a:extLst>
+                  <a:ext uri="{0D108BD9-81ED-4DB2-BD59-A6C34878D82A}">
+                    <a16:rowId xmlns:a16="http://schemas.microsoft.com/office/drawing/2014/main" val="873972951"/>
+                  </a:ext>
+                </a:extLst>
+              </a:tr>
+              <a:tr h="267232">
+                <a:tc>
+                  <a:txBody>
+                    <a:bodyPr/>
+                    <a:lstStyle/>
+                    <a:p>
+                      <a:pPr algn="l" fontAlgn="b"/>
+                      <a:r>
+                        <a:rPr lang="en-US" sz="1200" u="none" strike="noStrike" dirty="0">
+                          <a:effectLst/>
+                        </a:rPr>
+                        <a:t>Job Satisfaction - 4</a:t>
+                      </a:r>
+                      <a:endParaRPr lang="en-US" sz="1200" b="0" i="0" u="none" strike="noStrike" dirty="0">
+                        <a:solidFill>
+                          <a:srgbClr val="000000"/>
+                        </a:solidFill>
+                        <a:effectLst/>
+                        <a:latin typeface="Calibri" panose="020F0502020204030204" pitchFamily="34" charset="0"/>
+                      </a:endParaRPr>
+                    </a:p>
+                  </a:txBody>
+                  <a:tcPr marL="2162" marR="2162" marT="2162" marB="0" anchor="b"/>
+                </a:tc>
+                <a:tc>
+                  <a:txBody>
+                    <a:bodyPr/>
+                    <a:lstStyle/>
+                    <a:p>
+                      <a:pPr algn="ctr" fontAlgn="b"/>
+                      <a:r>
+                        <a:rPr lang="en-US" sz="1200" u="none" strike="noStrike">
+                          <a:effectLst/>
+                        </a:rPr>
+                        <a:t>-1.441</a:t>
+                      </a:r>
+                      <a:endParaRPr lang="en-US" sz="1200" b="0" i="0" u="none" strike="noStrike">
+                        <a:solidFill>
+                          <a:srgbClr val="000000"/>
+                        </a:solidFill>
+                        <a:effectLst/>
+                        <a:latin typeface="Calibri" panose="020F0502020204030204" pitchFamily="34" charset="0"/>
+                      </a:endParaRPr>
+                    </a:p>
+                  </a:txBody>
+                  <a:tcPr marL="2162" marR="2162" marT="2162" marB="0" anchor="b"/>
+                </a:tc>
+                <a:tc>
+                  <a:txBody>
+                    <a:bodyPr/>
+                    <a:lstStyle/>
+                    <a:p>
+                      <a:pPr algn="ctr" fontAlgn="b"/>
+                      <a:r>
+                        <a:rPr lang="en-US" sz="1200" u="none" strike="noStrike">
+                          <a:effectLst/>
+                        </a:rPr>
+                        <a:t>8.06E-07</a:t>
+                      </a:r>
+                      <a:endParaRPr lang="en-US" sz="1200" b="0" i="0" u="none" strike="noStrike">
+                        <a:solidFill>
+                          <a:srgbClr val="000000"/>
+                        </a:solidFill>
+                        <a:effectLst/>
+                        <a:latin typeface="Calibri" panose="020F0502020204030204" pitchFamily="34" charset="0"/>
+                      </a:endParaRPr>
+                    </a:p>
+                  </a:txBody>
+                  <a:tcPr marL="2162" marR="2162" marT="2162" marB="0" anchor="b"/>
+                </a:tc>
+                <a:extLst>
+                  <a:ext uri="{0D108BD9-81ED-4DB2-BD59-A6C34878D82A}">
+                    <a16:rowId xmlns:a16="http://schemas.microsoft.com/office/drawing/2014/main" val="2511161141"/>
+                  </a:ext>
+                </a:extLst>
+              </a:tr>
+              <a:tr h="267232">
+                <a:tc>
+                  <a:txBody>
+                    <a:bodyPr/>
+                    <a:lstStyle/>
+                    <a:p>
+                      <a:pPr algn="l" fontAlgn="b"/>
+                      <a:r>
+                        <a:rPr lang="en-US" sz="1200" u="none" strike="noStrike" dirty="0">
+                          <a:effectLst/>
+                        </a:rPr>
+                        <a:t>Marital Status - Single</a:t>
+                      </a:r>
+                      <a:endParaRPr lang="en-US" sz="1200" b="0" i="0" u="none" strike="noStrike" dirty="0">
+                        <a:solidFill>
+                          <a:srgbClr val="000000"/>
+                        </a:solidFill>
+                        <a:effectLst/>
+                        <a:latin typeface="Calibri" panose="020F0502020204030204" pitchFamily="34" charset="0"/>
+                      </a:endParaRPr>
+                    </a:p>
+                  </a:txBody>
+                  <a:tcPr marL="2162" marR="2162" marT="2162" marB="0" anchor="b"/>
+                </a:tc>
+                <a:tc>
+                  <a:txBody>
+                    <a:bodyPr/>
+                    <a:lstStyle/>
+                    <a:p>
+                      <a:pPr algn="ctr" fontAlgn="b"/>
+                      <a:r>
+                        <a:rPr lang="en-US" sz="1200" u="none" strike="noStrike" dirty="0">
+                          <a:effectLst/>
+                        </a:rPr>
+                        <a:t>1.456</a:t>
+                      </a:r>
+                      <a:endParaRPr lang="en-US" sz="1200" b="0" i="0" u="none" strike="noStrike" dirty="0">
+                        <a:solidFill>
+                          <a:srgbClr val="000000"/>
+                        </a:solidFill>
+                        <a:effectLst/>
+                        <a:latin typeface="Calibri" panose="020F0502020204030204" pitchFamily="34" charset="0"/>
+                      </a:endParaRPr>
+                    </a:p>
+                  </a:txBody>
+                  <a:tcPr marL="2162" marR="2162" marT="2162" marB="0" anchor="b"/>
+                </a:tc>
+                <a:tc>
+                  <a:txBody>
+                    <a:bodyPr/>
+                    <a:lstStyle/>
+                    <a:p>
+                      <a:pPr algn="ctr" fontAlgn="b"/>
+                      <a:r>
+                        <a:rPr lang="en-US" sz="1200" u="none" strike="noStrike" dirty="0">
+                          <a:effectLst/>
+                        </a:rPr>
+                        <a:t>1.39E-06</a:t>
+                      </a:r>
+                      <a:endParaRPr lang="en-US" sz="1200" b="0" i="0" u="none" strike="noStrike" dirty="0">
+                        <a:solidFill>
+                          <a:srgbClr val="000000"/>
+                        </a:solidFill>
+                        <a:effectLst/>
+                        <a:latin typeface="Calibri" panose="020F0502020204030204" pitchFamily="34" charset="0"/>
+                      </a:endParaRPr>
+                    </a:p>
+                  </a:txBody>
+                  <a:tcPr marL="2162" marR="2162" marT="2162" marB="0" anchor="b"/>
+                </a:tc>
+                <a:extLst>
+                  <a:ext uri="{0D108BD9-81ED-4DB2-BD59-A6C34878D82A}">
+                    <a16:rowId xmlns:a16="http://schemas.microsoft.com/office/drawing/2014/main" val="3249196363"/>
+                  </a:ext>
+                </a:extLst>
+              </a:tr>
+              <a:tr h="267232">
+                <a:tc>
+                  <a:txBody>
+                    <a:bodyPr/>
+                    <a:lstStyle/>
+                    <a:p>
+                      <a:pPr algn="l" fontAlgn="ctr"/>
+                      <a:r>
+                        <a:rPr lang="en-US" sz="1200" u="none" strike="noStrike" dirty="0">
+                          <a:effectLst/>
+                        </a:rPr>
+                        <a:t>Environment Satisfaction - 4</a:t>
+                      </a:r>
+                      <a:endParaRPr lang="en-US" sz="1200" b="0" i="0" u="none" strike="noStrike" dirty="0">
+                        <a:solidFill>
+                          <a:srgbClr val="24292E"/>
+                        </a:solidFill>
+                        <a:effectLst/>
+                        <a:latin typeface="Consolas" panose="020B0609020204030204" pitchFamily="49" charset="0"/>
+                      </a:endParaRPr>
+                    </a:p>
+                  </a:txBody>
+                  <a:tcPr marL="2162" marR="2162" marT="2162" marB="0" anchor="ctr"/>
+                </a:tc>
+                <a:tc>
+                  <a:txBody>
+                    <a:bodyPr/>
+                    <a:lstStyle/>
+                    <a:p>
+                      <a:pPr algn="ctr" fontAlgn="b"/>
+                      <a:r>
+                        <a:rPr lang="en-US" sz="1200" u="none" strike="noStrike" dirty="0">
+                          <a:effectLst/>
+                        </a:rPr>
+                        <a:t>-1.267</a:t>
+                      </a:r>
+                      <a:endParaRPr lang="en-US" sz="1200" b="0" i="0" u="none" strike="noStrike" dirty="0">
+                        <a:solidFill>
+                          <a:srgbClr val="000000"/>
+                        </a:solidFill>
+                        <a:effectLst/>
+                        <a:latin typeface="Calibri" panose="020F0502020204030204" pitchFamily="34" charset="0"/>
+                      </a:endParaRPr>
+                    </a:p>
+                  </a:txBody>
+                  <a:tcPr marL="2162" marR="2162" marT="2162" marB="0" anchor="b"/>
+                </a:tc>
+                <a:tc>
+                  <a:txBody>
+                    <a:bodyPr/>
+                    <a:lstStyle/>
+                    <a:p>
+                      <a:pPr algn="ctr" fontAlgn="b"/>
+                      <a:r>
+                        <a:rPr lang="en-US" sz="1200" u="none" strike="noStrike">
+                          <a:effectLst/>
+                        </a:rPr>
+                        <a:t>6.61E-06</a:t>
+                      </a:r>
+                      <a:endParaRPr lang="en-US" sz="1200" b="0" i="0" u="none" strike="noStrike">
+                        <a:solidFill>
+                          <a:srgbClr val="000000"/>
+                        </a:solidFill>
+                        <a:effectLst/>
+                        <a:latin typeface="Calibri" panose="020F0502020204030204" pitchFamily="34" charset="0"/>
+                      </a:endParaRPr>
+                    </a:p>
+                  </a:txBody>
+                  <a:tcPr marL="2162" marR="2162" marT="2162" marB="0" anchor="b"/>
+                </a:tc>
+                <a:extLst>
+                  <a:ext uri="{0D108BD9-81ED-4DB2-BD59-A6C34878D82A}">
+                    <a16:rowId xmlns:a16="http://schemas.microsoft.com/office/drawing/2014/main" val="2477883847"/>
+                  </a:ext>
+                </a:extLst>
+              </a:tr>
+              <a:tr h="267232">
+                <a:tc>
+                  <a:txBody>
+                    <a:bodyPr/>
+                    <a:lstStyle/>
+                    <a:p>
+                      <a:pPr algn="l" fontAlgn="b"/>
+                      <a:r>
+                        <a:rPr lang="en-US" sz="1200" u="none" strike="noStrike" dirty="0">
+                          <a:effectLst/>
+                        </a:rPr>
+                        <a:t>Years Since Last Promotion</a:t>
+                      </a:r>
+                      <a:endParaRPr lang="en-US" sz="1200" b="0" i="0" u="none" strike="noStrike" dirty="0">
+                        <a:solidFill>
+                          <a:srgbClr val="000000"/>
+                        </a:solidFill>
+                        <a:effectLst/>
+                        <a:latin typeface="Calibri" panose="020F0502020204030204" pitchFamily="34" charset="0"/>
+                      </a:endParaRPr>
+                    </a:p>
+                  </a:txBody>
+                  <a:tcPr marL="2162" marR="2162" marT="2162" marB="0" anchor="b"/>
+                </a:tc>
+                <a:tc>
+                  <a:txBody>
+                    <a:bodyPr/>
+                    <a:lstStyle/>
+                    <a:p>
+                      <a:pPr algn="ctr" fontAlgn="b"/>
+                      <a:r>
+                        <a:rPr lang="en-US" sz="1200" u="none" strike="noStrike">
+                          <a:effectLst/>
+                        </a:rPr>
+                        <a:t>0.2028</a:t>
+                      </a:r>
+                      <a:endParaRPr lang="en-US" sz="1200" b="0" i="0" u="none" strike="noStrike">
+                        <a:solidFill>
+                          <a:srgbClr val="000000"/>
+                        </a:solidFill>
+                        <a:effectLst/>
+                        <a:latin typeface="Calibri" panose="020F0502020204030204" pitchFamily="34" charset="0"/>
+                      </a:endParaRPr>
+                    </a:p>
+                  </a:txBody>
+                  <a:tcPr marL="2162" marR="2162" marT="2162" marB="0" anchor="b"/>
+                </a:tc>
+                <a:tc>
+                  <a:txBody>
+                    <a:bodyPr/>
+                    <a:lstStyle/>
+                    <a:p>
+                      <a:pPr algn="ctr" fontAlgn="b"/>
+                      <a:r>
+                        <a:rPr lang="en-US" sz="1200" u="none" strike="noStrike" dirty="0">
+                          <a:effectLst/>
+                        </a:rPr>
+                        <a:t>3.15E-05</a:t>
+                      </a:r>
+                      <a:endParaRPr lang="en-US" sz="1200" b="0" i="0" u="none" strike="noStrike" dirty="0">
+                        <a:solidFill>
+                          <a:srgbClr val="000000"/>
+                        </a:solidFill>
+                        <a:effectLst/>
+                        <a:latin typeface="Calibri" panose="020F0502020204030204" pitchFamily="34" charset="0"/>
+                      </a:endParaRPr>
+                    </a:p>
+                  </a:txBody>
+                  <a:tcPr marL="2162" marR="2162" marT="2162" marB="0" anchor="b"/>
+                </a:tc>
+                <a:extLst>
+                  <a:ext uri="{0D108BD9-81ED-4DB2-BD59-A6C34878D82A}">
+                    <a16:rowId xmlns:a16="http://schemas.microsoft.com/office/drawing/2014/main" val="3082597626"/>
+                  </a:ext>
+                </a:extLst>
+              </a:tr>
+              <a:tr h="267232">
+                <a:tc>
+                  <a:txBody>
+                    <a:bodyPr/>
+                    <a:lstStyle/>
+                    <a:p>
+                      <a:pPr algn="l" fontAlgn="ctr"/>
+                      <a:r>
+                        <a:rPr lang="en-US" sz="1200" u="none" strike="noStrike" dirty="0">
+                          <a:effectLst/>
+                        </a:rPr>
+                        <a:t>Distance From Home</a:t>
+                      </a:r>
+                      <a:endParaRPr lang="en-US" sz="1200" b="0" i="0" u="none" strike="noStrike" dirty="0">
+                        <a:solidFill>
+                          <a:srgbClr val="24292E"/>
+                        </a:solidFill>
+                        <a:effectLst/>
+                        <a:latin typeface="Consolas" panose="020B0609020204030204" pitchFamily="49" charset="0"/>
+                      </a:endParaRPr>
+                    </a:p>
+                  </a:txBody>
+                  <a:tcPr marL="2162" marR="2162" marT="2162" marB="0" anchor="ctr"/>
+                </a:tc>
+                <a:tc>
+                  <a:txBody>
+                    <a:bodyPr/>
+                    <a:lstStyle/>
+                    <a:p>
+                      <a:pPr algn="ctr" fontAlgn="b"/>
+                      <a:r>
+                        <a:rPr lang="en-US" sz="1200" u="none" strike="noStrike">
+                          <a:effectLst/>
+                        </a:rPr>
+                        <a:t>0.04841</a:t>
+                      </a:r>
+                      <a:endParaRPr lang="en-US" sz="1200" b="0" i="0" u="none" strike="noStrike">
+                        <a:solidFill>
+                          <a:srgbClr val="000000"/>
+                        </a:solidFill>
+                        <a:effectLst/>
+                        <a:latin typeface="Calibri" panose="020F0502020204030204" pitchFamily="34" charset="0"/>
+                      </a:endParaRPr>
+                    </a:p>
+                  </a:txBody>
+                  <a:tcPr marL="2162" marR="2162" marT="2162" marB="0" anchor="b"/>
+                </a:tc>
+                <a:tc>
+                  <a:txBody>
+                    <a:bodyPr/>
+                    <a:lstStyle/>
+                    <a:p>
+                      <a:pPr algn="ctr" fontAlgn="b"/>
+                      <a:r>
+                        <a:rPr lang="en-US" sz="1200" u="none" strike="noStrike">
+                          <a:effectLst/>
+                        </a:rPr>
+                        <a:t>4.23E-05</a:t>
+                      </a:r>
+                      <a:endParaRPr lang="en-US" sz="1200" b="0" i="0" u="none" strike="noStrike">
+                        <a:solidFill>
+                          <a:srgbClr val="000000"/>
+                        </a:solidFill>
+                        <a:effectLst/>
+                        <a:latin typeface="Calibri" panose="020F0502020204030204" pitchFamily="34" charset="0"/>
+                      </a:endParaRPr>
+                    </a:p>
+                  </a:txBody>
+                  <a:tcPr marL="2162" marR="2162" marT="2162" marB="0" anchor="b"/>
+                </a:tc>
+                <a:extLst>
+                  <a:ext uri="{0D108BD9-81ED-4DB2-BD59-A6C34878D82A}">
+                    <a16:rowId xmlns:a16="http://schemas.microsoft.com/office/drawing/2014/main" val="3834578694"/>
+                  </a:ext>
+                </a:extLst>
+              </a:tr>
+              <a:tr h="267232">
+                <a:tc>
+                  <a:txBody>
+                    <a:bodyPr/>
+                    <a:lstStyle/>
+                    <a:p>
+                      <a:pPr algn="l" fontAlgn="b"/>
+                      <a:r>
+                        <a:rPr lang="en-US" sz="1200" u="none" strike="noStrike" dirty="0" err="1">
+                          <a:effectLst/>
+                        </a:rPr>
+                        <a:t>JobRoleSalesRepresentative</a:t>
+                      </a:r>
+                      <a:endParaRPr lang="en-US" sz="1200" b="0" i="0" u="none" strike="noStrike" dirty="0">
+                        <a:solidFill>
+                          <a:srgbClr val="000000"/>
+                        </a:solidFill>
+                        <a:effectLst/>
+                        <a:latin typeface="Calibri" panose="020F0502020204030204" pitchFamily="34" charset="0"/>
+                      </a:endParaRPr>
+                    </a:p>
+                  </a:txBody>
+                  <a:tcPr marL="2162" marR="2162" marT="2162" marB="0" anchor="b"/>
+                </a:tc>
+                <a:tc>
+                  <a:txBody>
+                    <a:bodyPr/>
+                    <a:lstStyle/>
+                    <a:p>
+                      <a:pPr algn="ctr" fontAlgn="b"/>
+                      <a:r>
+                        <a:rPr lang="en-US" sz="1200" u="none" strike="noStrike">
+                          <a:effectLst/>
+                        </a:rPr>
+                        <a:t>2.195</a:t>
+                      </a:r>
+                      <a:endParaRPr lang="en-US" sz="1200" b="0" i="0" u="none" strike="noStrike">
+                        <a:solidFill>
+                          <a:srgbClr val="000000"/>
+                        </a:solidFill>
+                        <a:effectLst/>
+                        <a:latin typeface="Calibri" panose="020F0502020204030204" pitchFamily="34" charset="0"/>
+                      </a:endParaRPr>
+                    </a:p>
+                  </a:txBody>
+                  <a:tcPr marL="2162" marR="2162" marT="2162" marB="0" anchor="b"/>
+                </a:tc>
+                <a:tc>
+                  <a:txBody>
+                    <a:bodyPr/>
+                    <a:lstStyle/>
+                    <a:p>
+                      <a:pPr algn="ctr" fontAlgn="b"/>
+                      <a:r>
+                        <a:rPr lang="en-US" sz="1200" u="none" strike="noStrike">
+                          <a:effectLst/>
+                        </a:rPr>
+                        <a:t>7.01E-05</a:t>
+                      </a:r>
+                      <a:endParaRPr lang="en-US" sz="1200" b="0" i="0" u="none" strike="noStrike">
+                        <a:solidFill>
+                          <a:srgbClr val="000000"/>
+                        </a:solidFill>
+                        <a:effectLst/>
+                        <a:latin typeface="Calibri" panose="020F0502020204030204" pitchFamily="34" charset="0"/>
+                      </a:endParaRPr>
+                    </a:p>
+                  </a:txBody>
+                  <a:tcPr marL="2162" marR="2162" marT="2162" marB="0" anchor="b"/>
+                </a:tc>
+                <a:extLst>
+                  <a:ext uri="{0D108BD9-81ED-4DB2-BD59-A6C34878D82A}">
+                    <a16:rowId xmlns:a16="http://schemas.microsoft.com/office/drawing/2014/main" val="3017980900"/>
+                  </a:ext>
+                </a:extLst>
+              </a:tr>
+              <a:tr h="267232">
+                <a:tc>
+                  <a:txBody>
+                    <a:bodyPr/>
+                    <a:lstStyle/>
+                    <a:p>
+                      <a:pPr algn="l" fontAlgn="ctr"/>
+                      <a:r>
+                        <a:rPr lang="en-US" sz="1200" u="none" strike="noStrike">
+                          <a:effectLst/>
+                        </a:rPr>
+                        <a:t>**EnvironmentSatisfaction3**</a:t>
+                      </a:r>
+                      <a:endParaRPr lang="en-US" sz="1200" b="0" i="0" u="none" strike="noStrike">
+                        <a:solidFill>
+                          <a:srgbClr val="24292E"/>
+                        </a:solidFill>
+                        <a:effectLst/>
+                        <a:latin typeface="Consolas" panose="020B0609020204030204" pitchFamily="49" charset="0"/>
+                      </a:endParaRPr>
+                    </a:p>
+                  </a:txBody>
+                  <a:tcPr marL="2162" marR="2162" marT="2162" marB="0" anchor="ctr"/>
+                </a:tc>
+                <a:tc>
+                  <a:txBody>
+                    <a:bodyPr/>
+                    <a:lstStyle/>
+                    <a:p>
+                      <a:pPr algn="ctr" fontAlgn="b"/>
+                      <a:r>
+                        <a:rPr lang="en-US" sz="1200" u="none" strike="noStrike">
+                          <a:effectLst/>
+                        </a:rPr>
+                        <a:t>-0.9925</a:t>
+                      </a:r>
+                      <a:endParaRPr lang="en-US" sz="1200" b="0" i="0" u="none" strike="noStrike">
+                        <a:solidFill>
+                          <a:srgbClr val="000000"/>
+                        </a:solidFill>
+                        <a:effectLst/>
+                        <a:latin typeface="Calibri" panose="020F0502020204030204" pitchFamily="34" charset="0"/>
+                      </a:endParaRPr>
+                    </a:p>
+                  </a:txBody>
+                  <a:tcPr marL="2162" marR="2162" marT="2162" marB="0" anchor="b"/>
+                </a:tc>
+                <a:tc>
+                  <a:txBody>
+                    <a:bodyPr/>
+                    <a:lstStyle/>
+                    <a:p>
+                      <a:pPr algn="ctr" fontAlgn="b"/>
+                      <a:r>
+                        <a:rPr lang="en-US" sz="1200" u="none" strike="noStrike">
+                          <a:effectLst/>
+                        </a:rPr>
+                        <a:t>0.0002872</a:t>
+                      </a:r>
+                      <a:endParaRPr lang="en-US" sz="1200" b="0" i="0" u="none" strike="noStrike">
+                        <a:solidFill>
+                          <a:srgbClr val="000000"/>
+                        </a:solidFill>
+                        <a:effectLst/>
+                        <a:latin typeface="Calibri" panose="020F0502020204030204" pitchFamily="34" charset="0"/>
+                      </a:endParaRPr>
+                    </a:p>
+                  </a:txBody>
+                  <a:tcPr marL="2162" marR="2162" marT="2162" marB="0" anchor="b"/>
+                </a:tc>
+                <a:extLst>
+                  <a:ext uri="{0D108BD9-81ED-4DB2-BD59-A6C34878D82A}">
+                    <a16:rowId xmlns:a16="http://schemas.microsoft.com/office/drawing/2014/main" val="2650801401"/>
+                  </a:ext>
+                </a:extLst>
+              </a:tr>
+              <a:tr h="267232">
+                <a:tc>
+                  <a:txBody>
+                    <a:bodyPr/>
+                    <a:lstStyle/>
+                    <a:p>
+                      <a:pPr algn="l" fontAlgn="ctr"/>
+                      <a:r>
+                        <a:rPr lang="en-US" sz="1200" u="none" strike="noStrike" dirty="0">
+                          <a:effectLst/>
+                        </a:rPr>
+                        <a:t>**EnvironmentSatisfaction2**</a:t>
+                      </a:r>
+                      <a:endParaRPr lang="en-US" sz="1200" b="0" i="0" u="none" strike="noStrike" dirty="0">
+                        <a:solidFill>
+                          <a:srgbClr val="24292E"/>
+                        </a:solidFill>
+                        <a:effectLst/>
+                        <a:latin typeface="Consolas" panose="020B0609020204030204" pitchFamily="49" charset="0"/>
+                      </a:endParaRPr>
+                    </a:p>
+                  </a:txBody>
+                  <a:tcPr marL="2162" marR="2162" marT="2162" marB="0" anchor="ctr"/>
+                </a:tc>
+                <a:tc>
+                  <a:txBody>
+                    <a:bodyPr/>
+                    <a:lstStyle/>
+                    <a:p>
+                      <a:pPr algn="ctr" fontAlgn="b"/>
+                      <a:r>
+                        <a:rPr lang="en-US" sz="1200" u="none" strike="noStrike">
+                          <a:effectLst/>
+                        </a:rPr>
+                        <a:t>-1.101</a:t>
+                      </a:r>
+                      <a:endParaRPr lang="en-US" sz="1200" b="0" i="0" u="none" strike="noStrike">
+                        <a:solidFill>
+                          <a:srgbClr val="000000"/>
+                        </a:solidFill>
+                        <a:effectLst/>
+                        <a:latin typeface="Calibri" panose="020F0502020204030204" pitchFamily="34" charset="0"/>
+                      </a:endParaRPr>
+                    </a:p>
+                  </a:txBody>
+                  <a:tcPr marL="2162" marR="2162" marT="2162" marB="0" anchor="b"/>
+                </a:tc>
+                <a:tc>
+                  <a:txBody>
+                    <a:bodyPr/>
+                    <a:lstStyle/>
+                    <a:p>
+                      <a:pPr algn="ctr" fontAlgn="b"/>
+                      <a:r>
+                        <a:rPr lang="en-US" sz="1200" u="none" strike="noStrike" dirty="0">
+                          <a:effectLst/>
+                        </a:rPr>
+                        <a:t>0.0004351</a:t>
+                      </a:r>
+                      <a:endParaRPr lang="en-US" sz="1200" b="0" i="0" u="none" strike="noStrike" dirty="0">
+                        <a:solidFill>
+                          <a:srgbClr val="000000"/>
+                        </a:solidFill>
+                        <a:effectLst/>
+                        <a:latin typeface="Calibri" panose="020F0502020204030204" pitchFamily="34" charset="0"/>
+                      </a:endParaRPr>
+                    </a:p>
+                  </a:txBody>
+                  <a:tcPr marL="2162" marR="2162" marT="2162" marB="0" anchor="b"/>
+                </a:tc>
+                <a:extLst>
+                  <a:ext uri="{0D108BD9-81ED-4DB2-BD59-A6C34878D82A}">
+                    <a16:rowId xmlns:a16="http://schemas.microsoft.com/office/drawing/2014/main" val="4179910891"/>
+                  </a:ext>
+                </a:extLst>
+              </a:tr>
+              <a:tr h="267232">
+                <a:tc>
+                  <a:txBody>
+                    <a:bodyPr/>
+                    <a:lstStyle/>
+                    <a:p>
+                      <a:pPr algn="l" fontAlgn="b"/>
+                      <a:r>
+                        <a:rPr lang="en-US" sz="1200" u="none" strike="noStrike">
+                          <a:effectLst/>
+                        </a:rPr>
+                        <a:t>**JobRoleLaboratoryTechnician**</a:t>
+                      </a:r>
+                      <a:endParaRPr lang="en-US" sz="1200" b="0" i="0" u="none" strike="noStrike">
+                        <a:solidFill>
+                          <a:srgbClr val="000000"/>
+                        </a:solidFill>
+                        <a:effectLst/>
+                        <a:latin typeface="Calibri" panose="020F0502020204030204" pitchFamily="34" charset="0"/>
+                      </a:endParaRPr>
+                    </a:p>
+                  </a:txBody>
+                  <a:tcPr marL="2162" marR="2162" marT="2162" marB="0" anchor="b"/>
+                </a:tc>
+                <a:tc>
+                  <a:txBody>
+                    <a:bodyPr/>
+                    <a:lstStyle/>
+                    <a:p>
+                      <a:pPr algn="ctr" fontAlgn="b"/>
+                      <a:r>
+                        <a:rPr lang="en-US" sz="1200" u="none" strike="noStrike">
+                          <a:effectLst/>
+                        </a:rPr>
+                        <a:t>1.679</a:t>
+                      </a:r>
+                      <a:endParaRPr lang="en-US" sz="1200" b="0" i="0" u="none" strike="noStrike">
+                        <a:solidFill>
+                          <a:srgbClr val="000000"/>
+                        </a:solidFill>
+                        <a:effectLst/>
+                        <a:latin typeface="Calibri" panose="020F0502020204030204" pitchFamily="34" charset="0"/>
+                      </a:endParaRPr>
+                    </a:p>
+                  </a:txBody>
+                  <a:tcPr marL="2162" marR="2162" marT="2162" marB="0" anchor="b"/>
+                </a:tc>
+                <a:tc>
+                  <a:txBody>
+                    <a:bodyPr/>
+                    <a:lstStyle/>
+                    <a:p>
+                      <a:pPr algn="ctr" fontAlgn="b"/>
+                      <a:r>
+                        <a:rPr lang="en-US" sz="1200" u="none" strike="noStrike">
+                          <a:effectLst/>
+                        </a:rPr>
+                        <a:t>0.0004873</a:t>
+                      </a:r>
+                      <a:endParaRPr lang="en-US" sz="1200" b="0" i="0" u="none" strike="noStrike">
+                        <a:solidFill>
+                          <a:srgbClr val="000000"/>
+                        </a:solidFill>
+                        <a:effectLst/>
+                        <a:latin typeface="Calibri" panose="020F0502020204030204" pitchFamily="34" charset="0"/>
+                      </a:endParaRPr>
+                    </a:p>
+                  </a:txBody>
+                  <a:tcPr marL="2162" marR="2162" marT="2162" marB="0" anchor="b"/>
+                </a:tc>
+                <a:extLst>
+                  <a:ext uri="{0D108BD9-81ED-4DB2-BD59-A6C34878D82A}">
+                    <a16:rowId xmlns:a16="http://schemas.microsoft.com/office/drawing/2014/main" val="1809167530"/>
+                  </a:ext>
+                </a:extLst>
+              </a:tr>
+              <a:tr h="267232">
+                <a:tc>
+                  <a:txBody>
+                    <a:bodyPr/>
+                    <a:lstStyle/>
+                    <a:p>
+                      <a:pPr algn="l" fontAlgn="b"/>
+                      <a:r>
+                        <a:rPr lang="en-US" sz="1200" u="none" strike="noStrike">
+                          <a:effectLst/>
+                        </a:rPr>
+                        <a:t>**JobInvolvement4**</a:t>
+                      </a:r>
+                      <a:endParaRPr lang="en-US" sz="1200" b="0" i="0" u="none" strike="noStrike">
+                        <a:solidFill>
+                          <a:srgbClr val="000000"/>
+                        </a:solidFill>
+                        <a:effectLst/>
+                        <a:latin typeface="Calibri" panose="020F0502020204030204" pitchFamily="34" charset="0"/>
+                      </a:endParaRPr>
+                    </a:p>
+                  </a:txBody>
+                  <a:tcPr marL="2162" marR="2162" marT="2162" marB="0" anchor="b"/>
+                </a:tc>
+                <a:tc>
+                  <a:txBody>
+                    <a:bodyPr/>
+                    <a:lstStyle/>
+                    <a:p>
+                      <a:pPr algn="ctr" fontAlgn="b"/>
+                      <a:r>
+                        <a:rPr lang="en-US" sz="1200" u="none" strike="noStrike">
+                          <a:effectLst/>
+                        </a:rPr>
+                        <a:t>-1.743</a:t>
+                      </a:r>
+                      <a:endParaRPr lang="en-US" sz="1200" b="0" i="0" u="none" strike="noStrike">
+                        <a:solidFill>
+                          <a:srgbClr val="000000"/>
+                        </a:solidFill>
+                        <a:effectLst/>
+                        <a:latin typeface="Calibri" panose="020F0502020204030204" pitchFamily="34" charset="0"/>
+                      </a:endParaRPr>
+                    </a:p>
+                  </a:txBody>
+                  <a:tcPr marL="2162" marR="2162" marT="2162" marB="0" anchor="b"/>
+                </a:tc>
+                <a:tc>
+                  <a:txBody>
+                    <a:bodyPr/>
+                    <a:lstStyle/>
+                    <a:p>
+                      <a:pPr algn="ctr" fontAlgn="b"/>
+                      <a:r>
+                        <a:rPr lang="en-US" sz="1200" u="none" strike="noStrike">
+                          <a:effectLst/>
+                        </a:rPr>
+                        <a:t>0.000664</a:t>
+                      </a:r>
+                      <a:endParaRPr lang="en-US" sz="1200" b="0" i="0" u="none" strike="noStrike">
+                        <a:solidFill>
+                          <a:srgbClr val="000000"/>
+                        </a:solidFill>
+                        <a:effectLst/>
+                        <a:latin typeface="Calibri" panose="020F0502020204030204" pitchFamily="34" charset="0"/>
+                      </a:endParaRPr>
+                    </a:p>
+                  </a:txBody>
+                  <a:tcPr marL="2162" marR="2162" marT="2162" marB="0" anchor="b"/>
+                </a:tc>
+                <a:extLst>
+                  <a:ext uri="{0D108BD9-81ED-4DB2-BD59-A6C34878D82A}">
+                    <a16:rowId xmlns:a16="http://schemas.microsoft.com/office/drawing/2014/main" val="2827500354"/>
+                  </a:ext>
+                </a:extLst>
+              </a:tr>
+              <a:tr h="267232">
+                <a:tc>
+                  <a:txBody>
+                    <a:bodyPr/>
+                    <a:lstStyle/>
+                    <a:p>
+                      <a:pPr algn="l" fontAlgn="b"/>
+                      <a:r>
+                        <a:rPr lang="en-US" sz="1200" u="none" strike="noStrike">
+                          <a:effectLst/>
+                        </a:rPr>
+                        <a:t>**JobInvolvement3**</a:t>
+                      </a:r>
+                      <a:endParaRPr lang="en-US" sz="1200" b="0" i="0" u="none" strike="noStrike">
+                        <a:solidFill>
+                          <a:srgbClr val="000000"/>
+                        </a:solidFill>
+                        <a:effectLst/>
+                        <a:latin typeface="Calibri" panose="020F0502020204030204" pitchFamily="34" charset="0"/>
+                      </a:endParaRPr>
+                    </a:p>
+                  </a:txBody>
+                  <a:tcPr marL="2162" marR="2162" marT="2162" marB="0" anchor="b"/>
+                </a:tc>
+                <a:tc>
+                  <a:txBody>
+                    <a:bodyPr/>
+                    <a:lstStyle/>
+                    <a:p>
+                      <a:pPr algn="ctr" fontAlgn="b"/>
+                      <a:r>
+                        <a:rPr lang="en-US" sz="1200" u="none" strike="noStrike">
+                          <a:effectLst/>
+                        </a:rPr>
+                        <a:t>-1.223</a:t>
+                      </a:r>
+                      <a:endParaRPr lang="en-US" sz="1200" b="0" i="0" u="none" strike="noStrike">
+                        <a:solidFill>
+                          <a:srgbClr val="000000"/>
+                        </a:solidFill>
+                        <a:effectLst/>
+                        <a:latin typeface="Calibri" panose="020F0502020204030204" pitchFamily="34" charset="0"/>
+                      </a:endParaRPr>
+                    </a:p>
+                  </a:txBody>
+                  <a:tcPr marL="2162" marR="2162" marT="2162" marB="0" anchor="b"/>
+                </a:tc>
+                <a:tc>
+                  <a:txBody>
+                    <a:bodyPr/>
+                    <a:lstStyle/>
+                    <a:p>
+                      <a:pPr algn="ctr" fontAlgn="b"/>
+                      <a:r>
+                        <a:rPr lang="en-US" sz="1200" u="none" strike="noStrike">
+                          <a:effectLst/>
+                        </a:rPr>
+                        <a:t>0.001263</a:t>
+                      </a:r>
+                      <a:endParaRPr lang="en-US" sz="1200" b="0" i="0" u="none" strike="noStrike">
+                        <a:solidFill>
+                          <a:srgbClr val="000000"/>
+                        </a:solidFill>
+                        <a:effectLst/>
+                        <a:latin typeface="Calibri" panose="020F0502020204030204" pitchFamily="34" charset="0"/>
+                      </a:endParaRPr>
+                    </a:p>
+                  </a:txBody>
+                  <a:tcPr marL="2162" marR="2162" marT="2162" marB="0" anchor="b"/>
+                </a:tc>
+                <a:extLst>
+                  <a:ext uri="{0D108BD9-81ED-4DB2-BD59-A6C34878D82A}">
+                    <a16:rowId xmlns:a16="http://schemas.microsoft.com/office/drawing/2014/main" val="4146152755"/>
+                  </a:ext>
+                </a:extLst>
+              </a:tr>
+              <a:tr h="267232">
+                <a:tc>
+                  <a:txBody>
+                    <a:bodyPr/>
+                    <a:lstStyle/>
+                    <a:p>
+                      <a:pPr algn="l" fontAlgn="b"/>
+                      <a:r>
+                        <a:rPr lang="en-US" sz="1200" u="none" strike="noStrike">
+                          <a:effectLst/>
+                        </a:rPr>
+                        <a:t>**TrainingTimesLastYear**</a:t>
+                      </a:r>
+                      <a:endParaRPr lang="en-US" sz="1200" b="0" i="0" u="none" strike="noStrike">
+                        <a:solidFill>
+                          <a:srgbClr val="000000"/>
+                        </a:solidFill>
+                        <a:effectLst/>
+                        <a:latin typeface="Calibri" panose="020F0502020204030204" pitchFamily="34" charset="0"/>
+                      </a:endParaRPr>
+                    </a:p>
+                  </a:txBody>
+                  <a:tcPr marL="2162" marR="2162" marT="2162" marB="0" anchor="b"/>
+                </a:tc>
+                <a:tc>
+                  <a:txBody>
+                    <a:bodyPr/>
+                    <a:lstStyle/>
+                    <a:p>
+                      <a:pPr algn="ctr" fontAlgn="b"/>
+                      <a:r>
+                        <a:rPr lang="en-US" sz="1200" u="none" strike="noStrike">
+                          <a:effectLst/>
+                        </a:rPr>
+                        <a:t>-0.2507</a:t>
+                      </a:r>
+                      <a:endParaRPr lang="en-US" sz="1200" b="0" i="0" u="none" strike="noStrike">
+                        <a:solidFill>
+                          <a:srgbClr val="000000"/>
+                        </a:solidFill>
+                        <a:effectLst/>
+                        <a:latin typeface="Calibri" panose="020F0502020204030204" pitchFamily="34" charset="0"/>
+                      </a:endParaRPr>
+                    </a:p>
+                  </a:txBody>
+                  <a:tcPr marL="2162" marR="2162" marT="2162" marB="0" anchor="b"/>
+                </a:tc>
+                <a:tc>
+                  <a:txBody>
+                    <a:bodyPr/>
+                    <a:lstStyle/>
+                    <a:p>
+                      <a:pPr algn="ctr" fontAlgn="b"/>
+                      <a:r>
+                        <a:rPr lang="en-US" sz="1200" u="none" strike="noStrike">
+                          <a:effectLst/>
+                        </a:rPr>
+                        <a:t>0.001918</a:t>
+                      </a:r>
+                      <a:endParaRPr lang="en-US" sz="1200" b="0" i="0" u="none" strike="noStrike">
+                        <a:solidFill>
+                          <a:srgbClr val="000000"/>
+                        </a:solidFill>
+                        <a:effectLst/>
+                        <a:latin typeface="Calibri" panose="020F0502020204030204" pitchFamily="34" charset="0"/>
+                      </a:endParaRPr>
+                    </a:p>
+                  </a:txBody>
+                  <a:tcPr marL="2162" marR="2162" marT="2162" marB="0" anchor="b"/>
+                </a:tc>
+                <a:extLst>
+                  <a:ext uri="{0D108BD9-81ED-4DB2-BD59-A6C34878D82A}">
+                    <a16:rowId xmlns:a16="http://schemas.microsoft.com/office/drawing/2014/main" val="739147984"/>
+                  </a:ext>
+                </a:extLst>
+              </a:tr>
+              <a:tr h="267232">
+                <a:tc>
+                  <a:txBody>
+                    <a:bodyPr/>
+                    <a:lstStyle/>
+                    <a:p>
+                      <a:pPr algn="l" fontAlgn="b"/>
+                      <a:r>
+                        <a:rPr lang="en-US" sz="1200" u="none" strike="noStrike">
+                          <a:effectLst/>
+                        </a:rPr>
+                        <a:t>**JobInvolvement2**</a:t>
+                      </a:r>
+                      <a:endParaRPr lang="en-US" sz="1200" b="0" i="0" u="none" strike="noStrike">
+                        <a:solidFill>
+                          <a:srgbClr val="000000"/>
+                        </a:solidFill>
+                        <a:effectLst/>
+                        <a:latin typeface="Calibri" panose="020F0502020204030204" pitchFamily="34" charset="0"/>
+                      </a:endParaRPr>
+                    </a:p>
+                  </a:txBody>
+                  <a:tcPr marL="2162" marR="2162" marT="2162" marB="0" anchor="b"/>
+                </a:tc>
+                <a:tc>
+                  <a:txBody>
+                    <a:bodyPr/>
+                    <a:lstStyle/>
+                    <a:p>
+                      <a:pPr algn="ctr" fontAlgn="b"/>
+                      <a:r>
+                        <a:rPr lang="en-US" sz="1200" u="none" strike="noStrike">
+                          <a:effectLst/>
+                        </a:rPr>
+                        <a:t>-1.22</a:t>
+                      </a:r>
+                      <a:endParaRPr lang="en-US" sz="1200" b="0" i="0" u="none" strike="noStrike">
+                        <a:solidFill>
+                          <a:srgbClr val="000000"/>
+                        </a:solidFill>
+                        <a:effectLst/>
+                        <a:latin typeface="Calibri" panose="020F0502020204030204" pitchFamily="34" charset="0"/>
+                      </a:endParaRPr>
+                    </a:p>
+                  </a:txBody>
+                  <a:tcPr marL="2162" marR="2162" marT="2162" marB="0" anchor="b"/>
+                </a:tc>
+                <a:tc>
+                  <a:txBody>
+                    <a:bodyPr/>
+                    <a:lstStyle/>
+                    <a:p>
+                      <a:pPr algn="ctr" fontAlgn="b"/>
+                      <a:r>
+                        <a:rPr lang="en-US" sz="1200" u="none" strike="noStrike">
+                          <a:effectLst/>
+                        </a:rPr>
+                        <a:t>0.002915</a:t>
+                      </a:r>
+                      <a:endParaRPr lang="en-US" sz="1200" b="0" i="0" u="none" strike="noStrike">
+                        <a:solidFill>
+                          <a:srgbClr val="000000"/>
+                        </a:solidFill>
+                        <a:effectLst/>
+                        <a:latin typeface="Calibri" panose="020F0502020204030204" pitchFamily="34" charset="0"/>
+                      </a:endParaRPr>
+                    </a:p>
+                  </a:txBody>
+                  <a:tcPr marL="2162" marR="2162" marT="2162" marB="0" anchor="b"/>
+                </a:tc>
+                <a:extLst>
+                  <a:ext uri="{0D108BD9-81ED-4DB2-BD59-A6C34878D82A}">
+                    <a16:rowId xmlns:a16="http://schemas.microsoft.com/office/drawing/2014/main" val="4119834022"/>
+                  </a:ext>
+                </a:extLst>
+              </a:tr>
+              <a:tr h="267232">
+                <a:tc>
+                  <a:txBody>
+                    <a:bodyPr/>
+                    <a:lstStyle/>
+                    <a:p>
+                      <a:pPr algn="l" fontAlgn="b"/>
+                      <a:r>
+                        <a:rPr lang="en-US" sz="1200" u="none" strike="noStrike">
+                          <a:effectLst/>
+                        </a:rPr>
+                        <a:t>**JobRoleHumanResources**</a:t>
+                      </a:r>
+                      <a:endParaRPr lang="en-US" sz="1200" b="0" i="0" u="none" strike="noStrike">
+                        <a:solidFill>
+                          <a:srgbClr val="000000"/>
+                        </a:solidFill>
+                        <a:effectLst/>
+                        <a:latin typeface="Calibri" panose="020F0502020204030204" pitchFamily="34" charset="0"/>
+                      </a:endParaRPr>
+                    </a:p>
+                  </a:txBody>
+                  <a:tcPr marL="2162" marR="2162" marT="2162" marB="0" anchor="b"/>
+                </a:tc>
+                <a:tc>
+                  <a:txBody>
+                    <a:bodyPr/>
+                    <a:lstStyle/>
+                    <a:p>
+                      <a:pPr algn="ctr" fontAlgn="b"/>
+                      <a:r>
+                        <a:rPr lang="en-US" sz="1200" u="none" strike="noStrike">
+                          <a:effectLst/>
+                        </a:rPr>
+                        <a:t>1.803</a:t>
+                      </a:r>
+                      <a:endParaRPr lang="en-US" sz="1200" b="0" i="0" u="none" strike="noStrike">
+                        <a:solidFill>
+                          <a:srgbClr val="000000"/>
+                        </a:solidFill>
+                        <a:effectLst/>
+                        <a:latin typeface="Calibri" panose="020F0502020204030204" pitchFamily="34" charset="0"/>
+                      </a:endParaRPr>
+                    </a:p>
+                  </a:txBody>
+                  <a:tcPr marL="2162" marR="2162" marT="2162" marB="0" anchor="b"/>
+                </a:tc>
+                <a:tc>
+                  <a:txBody>
+                    <a:bodyPr/>
+                    <a:lstStyle/>
+                    <a:p>
+                      <a:pPr algn="ctr" fontAlgn="b"/>
+                      <a:r>
+                        <a:rPr lang="en-US" sz="1200" u="none" strike="noStrike" dirty="0">
+                          <a:effectLst/>
+                        </a:rPr>
+                        <a:t>0.003652</a:t>
+                      </a:r>
+                      <a:endParaRPr lang="en-US" sz="1200" b="0" i="0" u="none" strike="noStrike" dirty="0">
+                        <a:solidFill>
+                          <a:srgbClr val="000000"/>
+                        </a:solidFill>
+                        <a:effectLst/>
+                        <a:latin typeface="Calibri" panose="020F0502020204030204" pitchFamily="34" charset="0"/>
+                      </a:endParaRPr>
+                    </a:p>
+                  </a:txBody>
+                  <a:tcPr marL="2162" marR="2162" marT="2162" marB="0" anchor="b"/>
+                </a:tc>
+                <a:extLst>
+                  <a:ext uri="{0D108BD9-81ED-4DB2-BD59-A6C34878D82A}">
+                    <a16:rowId xmlns:a16="http://schemas.microsoft.com/office/drawing/2014/main" val="2549638496"/>
+                  </a:ext>
+                </a:extLst>
+              </a:tr>
+              <a:tr h="267232">
+                <a:tc>
+                  <a:txBody>
+                    <a:bodyPr/>
+                    <a:lstStyle/>
+                    <a:p>
+                      <a:pPr algn="l" fontAlgn="ctr"/>
+                      <a:r>
+                        <a:rPr lang="en-US" sz="1200" u="none" strike="noStrike">
+                          <a:effectLst/>
+                        </a:rPr>
+                        <a:t>**RelationshipSatisfaction4**</a:t>
+                      </a:r>
+                      <a:endParaRPr lang="en-US" sz="1200" b="0" i="0" u="none" strike="noStrike">
+                        <a:solidFill>
+                          <a:srgbClr val="24292E"/>
+                        </a:solidFill>
+                        <a:effectLst/>
+                        <a:latin typeface="Consolas" panose="020B0609020204030204" pitchFamily="49" charset="0"/>
+                      </a:endParaRPr>
+                    </a:p>
+                  </a:txBody>
+                  <a:tcPr marL="2162" marR="2162" marT="2162" marB="0" anchor="ctr"/>
+                </a:tc>
+                <a:tc>
+                  <a:txBody>
+                    <a:bodyPr/>
+                    <a:lstStyle/>
+                    <a:p>
+                      <a:pPr algn="ctr" fontAlgn="b"/>
+                      <a:r>
+                        <a:rPr lang="en-US" sz="1200" u="none" strike="noStrike">
+                          <a:effectLst/>
+                        </a:rPr>
+                        <a:t>-0.808</a:t>
+                      </a:r>
+                      <a:endParaRPr lang="en-US" sz="1200" b="0" i="0" u="none" strike="noStrike">
+                        <a:solidFill>
+                          <a:srgbClr val="000000"/>
+                        </a:solidFill>
+                        <a:effectLst/>
+                        <a:latin typeface="Calibri" panose="020F0502020204030204" pitchFamily="34" charset="0"/>
+                      </a:endParaRPr>
+                    </a:p>
+                  </a:txBody>
+                  <a:tcPr marL="2162" marR="2162" marT="2162" marB="0" anchor="b"/>
+                </a:tc>
+                <a:tc>
+                  <a:txBody>
+                    <a:bodyPr/>
+                    <a:lstStyle/>
+                    <a:p>
+                      <a:pPr algn="ctr" fontAlgn="b"/>
+                      <a:r>
+                        <a:rPr lang="en-US" sz="1200" u="none" strike="noStrike">
+                          <a:effectLst/>
+                        </a:rPr>
+                        <a:t>0.004164</a:t>
+                      </a:r>
+                      <a:endParaRPr lang="en-US" sz="1200" b="0" i="0" u="none" strike="noStrike">
+                        <a:solidFill>
+                          <a:srgbClr val="000000"/>
+                        </a:solidFill>
+                        <a:effectLst/>
+                        <a:latin typeface="Calibri" panose="020F0502020204030204" pitchFamily="34" charset="0"/>
+                      </a:endParaRPr>
+                    </a:p>
+                  </a:txBody>
+                  <a:tcPr marL="2162" marR="2162" marT="2162" marB="0" anchor="b"/>
+                </a:tc>
+                <a:extLst>
+                  <a:ext uri="{0D108BD9-81ED-4DB2-BD59-A6C34878D82A}">
+                    <a16:rowId xmlns:a16="http://schemas.microsoft.com/office/drawing/2014/main" val="2162838825"/>
+                  </a:ext>
+                </a:extLst>
+              </a:tr>
+              <a:tr h="267232">
+                <a:tc>
+                  <a:txBody>
+                    <a:bodyPr/>
+                    <a:lstStyle/>
+                    <a:p>
+                      <a:pPr algn="l" fontAlgn="b"/>
+                      <a:r>
+                        <a:rPr lang="en-US" sz="1200" u="none" strike="noStrike">
+                          <a:effectLst/>
+                        </a:rPr>
+                        <a:t>**JobRoleSalesExecutive**</a:t>
+                      </a:r>
+                      <a:endParaRPr lang="en-US" sz="1200" b="0" i="0" u="none" strike="noStrike">
+                        <a:solidFill>
+                          <a:srgbClr val="000000"/>
+                        </a:solidFill>
+                        <a:effectLst/>
+                        <a:latin typeface="Calibri" panose="020F0502020204030204" pitchFamily="34" charset="0"/>
+                      </a:endParaRPr>
+                    </a:p>
+                  </a:txBody>
+                  <a:tcPr marL="2162" marR="2162" marT="2162" marB="0" anchor="b"/>
+                </a:tc>
+                <a:tc>
+                  <a:txBody>
+                    <a:bodyPr/>
+                    <a:lstStyle/>
+                    <a:p>
+                      <a:pPr algn="ctr" fontAlgn="b"/>
+                      <a:r>
+                        <a:rPr lang="en-US" sz="1200" u="none" strike="noStrike">
+                          <a:effectLst/>
+                        </a:rPr>
+                        <a:t>1.323</a:t>
+                      </a:r>
+                      <a:endParaRPr lang="en-US" sz="1200" b="0" i="0" u="none" strike="noStrike">
+                        <a:solidFill>
+                          <a:srgbClr val="000000"/>
+                        </a:solidFill>
+                        <a:effectLst/>
+                        <a:latin typeface="Calibri" panose="020F0502020204030204" pitchFamily="34" charset="0"/>
+                      </a:endParaRPr>
+                    </a:p>
+                  </a:txBody>
+                  <a:tcPr marL="2162" marR="2162" marT="2162" marB="0" anchor="b"/>
+                </a:tc>
+                <a:tc>
+                  <a:txBody>
+                    <a:bodyPr/>
+                    <a:lstStyle/>
+                    <a:p>
+                      <a:pPr algn="ctr" fontAlgn="b"/>
+                      <a:r>
+                        <a:rPr lang="en-US" sz="1200" u="none" strike="noStrike" dirty="0">
+                          <a:effectLst/>
+                        </a:rPr>
+                        <a:t>0.005139</a:t>
+                      </a:r>
+                      <a:endParaRPr lang="en-US" sz="1200" b="0" i="0" u="none" strike="noStrike" dirty="0">
+                        <a:solidFill>
+                          <a:srgbClr val="000000"/>
+                        </a:solidFill>
+                        <a:effectLst/>
+                        <a:latin typeface="Calibri" panose="020F0502020204030204" pitchFamily="34" charset="0"/>
+                      </a:endParaRPr>
+                    </a:p>
+                  </a:txBody>
+                  <a:tcPr marL="2162" marR="2162" marT="2162" marB="0" anchor="b"/>
+                </a:tc>
+                <a:extLst>
+                  <a:ext uri="{0D108BD9-81ED-4DB2-BD59-A6C34878D82A}">
+                    <a16:rowId xmlns:a16="http://schemas.microsoft.com/office/drawing/2014/main" val="2486544018"/>
+                  </a:ext>
+                </a:extLst>
+              </a:tr>
+            </a:tbl>
+          </a:graphicData>
+        </a:graphic>
+      </p:graphicFrame>
+      <p:graphicFrame>
+        <p:nvGraphicFramePr>
+          <p:cNvPr id="5" name="Table 4">
+            <a:extLst>
+              <a:ext uri="{FF2B5EF4-FFF2-40B4-BE49-F238E27FC236}">
+                <a16:creationId xmlns:a16="http://schemas.microsoft.com/office/drawing/2014/main" id="{C941908E-5CB0-495F-9B88-88DFE879EAD1}"/>
+              </a:ext>
+            </a:extLst>
+          </p:cNvPr>
+          <p:cNvGraphicFramePr>
+            <a:graphicFrameLocks noGrp="1"/>
+          </p:cNvGraphicFramePr>
+          <p:nvPr>
+            <p:extLst>
+              <p:ext uri="{D42A27DB-BD31-4B8C-83A1-F6EECF244321}">
+                <p14:modId xmlns:p14="http://schemas.microsoft.com/office/powerpoint/2010/main" val="954884661"/>
+              </p:ext>
+            </p:extLst>
+          </p:nvPr>
+        </p:nvGraphicFramePr>
+        <p:xfrm>
+          <a:off x="6224588" y="1576388"/>
+          <a:ext cx="4276725" cy="4924416"/>
+        </p:xfrm>
+        <a:graphic>
+          <a:graphicData uri="http://schemas.openxmlformats.org/drawingml/2006/table">
+            <a:tbl>
+              <a:tblPr firstRow="1" bandRow="1">
+                <a:tableStyleId>{93296810-A885-4BE3-A3E7-6D5BEEA58F35}</a:tableStyleId>
+              </a:tblPr>
+              <a:tblGrid>
+                <a:gridCol w="2172742">
+                  <a:extLst>
+                    <a:ext uri="{9D8B030D-6E8A-4147-A177-3AD203B41FA5}">
+                      <a16:colId xmlns:a16="http://schemas.microsoft.com/office/drawing/2014/main" val="2854051971"/>
+                    </a:ext>
+                  </a:extLst>
+                </a:gridCol>
+                <a:gridCol w="941933">
+                  <a:extLst>
+                    <a:ext uri="{9D8B030D-6E8A-4147-A177-3AD203B41FA5}">
+                      <a16:colId xmlns:a16="http://schemas.microsoft.com/office/drawing/2014/main" val="3099366176"/>
+                    </a:ext>
+                  </a:extLst>
+                </a:gridCol>
+                <a:gridCol w="1162050">
+                  <a:extLst>
+                    <a:ext uri="{9D8B030D-6E8A-4147-A177-3AD203B41FA5}">
+                      <a16:colId xmlns:a16="http://schemas.microsoft.com/office/drawing/2014/main" val="3016556889"/>
+                    </a:ext>
+                  </a:extLst>
+                </a:gridCol>
+              </a:tblGrid>
+              <a:tr h="407255">
+                <a:tc>
+                  <a:txBody>
+                    <a:bodyPr/>
+                    <a:lstStyle/>
+                    <a:p>
+                      <a:pPr algn="l" fontAlgn="b"/>
+                      <a:r>
+                        <a:rPr lang="en-US" sz="1400" u="none" strike="noStrike" dirty="0">
+                          <a:effectLst/>
+                        </a:rPr>
+                        <a:t>KPI (2 of 2)</a:t>
+                      </a:r>
+                      <a:endParaRPr lang="en-US" sz="1400" b="1" i="0" u="none" strike="noStrike" dirty="0">
+                        <a:solidFill>
+                          <a:srgbClr val="FFFFFF"/>
+                        </a:solidFill>
+                        <a:effectLst/>
+                        <a:latin typeface="Calibri" panose="020F0502020204030204" pitchFamily="34" charset="0"/>
+                      </a:endParaRPr>
+                    </a:p>
+                  </a:txBody>
+                  <a:tcPr marL="2162" marR="2162" marT="2162" marB="0" anchor="ctr"/>
+                </a:tc>
+                <a:tc>
+                  <a:txBody>
+                    <a:bodyPr/>
+                    <a:lstStyle/>
+                    <a:p>
+                      <a:pPr algn="ctr" fontAlgn="b"/>
+                      <a:r>
+                        <a:rPr lang="en-US" sz="1400" u="none" strike="noStrike" dirty="0">
+                          <a:effectLst/>
+                        </a:rPr>
+                        <a:t>Estimate</a:t>
+                      </a:r>
+                      <a:endParaRPr lang="en-US" sz="1400" b="1" i="0" u="none" strike="noStrike" dirty="0">
+                        <a:solidFill>
+                          <a:srgbClr val="FFFFFF"/>
+                        </a:solidFill>
+                        <a:effectLst/>
+                        <a:latin typeface="Calibri" panose="020F0502020204030204" pitchFamily="34" charset="0"/>
+                      </a:endParaRPr>
+                    </a:p>
+                  </a:txBody>
+                  <a:tcPr marL="2162" marR="2162" marT="2162" marB="0" anchor="ctr"/>
+                </a:tc>
+                <a:tc>
+                  <a:txBody>
+                    <a:bodyPr/>
+                    <a:lstStyle/>
+                    <a:p>
+                      <a:pPr algn="ctr" fontAlgn="b"/>
+                      <a:r>
+                        <a:rPr lang="en-US" sz="1400" u="none" strike="noStrike" dirty="0">
+                          <a:effectLst/>
+                        </a:rPr>
+                        <a:t>Probability</a:t>
+                      </a:r>
+                      <a:endParaRPr lang="en-US" sz="1400" b="1" i="0" u="none" strike="noStrike" dirty="0">
+                        <a:solidFill>
+                          <a:srgbClr val="FFFFFF"/>
+                        </a:solidFill>
+                        <a:effectLst/>
+                        <a:latin typeface="Calibri" panose="020F0502020204030204" pitchFamily="34" charset="0"/>
+                      </a:endParaRPr>
+                    </a:p>
+                  </a:txBody>
+                  <a:tcPr marL="2162" marR="2162" marT="2162" marB="0" anchor="ctr"/>
+                </a:tc>
+                <a:extLst>
+                  <a:ext uri="{0D108BD9-81ED-4DB2-BD59-A6C34878D82A}">
+                    <a16:rowId xmlns:a16="http://schemas.microsoft.com/office/drawing/2014/main" val="1731691893"/>
+                  </a:ext>
+                </a:extLst>
+              </a:tr>
+              <a:tr h="260487">
+                <a:tc>
+                  <a:txBody>
+                    <a:bodyPr/>
+                    <a:lstStyle/>
+                    <a:p>
+                      <a:pPr algn="l" fontAlgn="b"/>
+                      <a:r>
+                        <a:rPr lang="en-US" sz="1200" u="none" strike="noStrike" dirty="0">
+                          <a:effectLst/>
+                        </a:rPr>
+                        <a:t>**</a:t>
+                      </a:r>
+                      <a:r>
+                        <a:rPr lang="en-US" sz="1200" u="none" strike="noStrike" dirty="0" err="1">
+                          <a:effectLst/>
+                        </a:rPr>
+                        <a:t>YearsWithCurrManager</a:t>
+                      </a:r>
+                      <a:r>
+                        <a:rPr lang="en-US" sz="1200" u="none" strike="noStrike" dirty="0">
+                          <a:effectLst/>
+                        </a:rPr>
+                        <a:t>**</a:t>
+                      </a:r>
+                      <a:endParaRPr lang="en-US" sz="1200" b="0" i="0" u="none" strike="noStrike" dirty="0">
+                        <a:solidFill>
+                          <a:srgbClr val="000000"/>
+                        </a:solidFill>
+                        <a:effectLst/>
+                        <a:latin typeface="Calibri" panose="020F0502020204030204" pitchFamily="34" charset="0"/>
+                      </a:endParaRPr>
+                    </a:p>
+                  </a:txBody>
+                  <a:tcPr marL="2162" marR="2162" marT="2162" marB="0" anchor="b"/>
+                </a:tc>
+                <a:tc>
+                  <a:txBody>
+                    <a:bodyPr/>
+                    <a:lstStyle/>
+                    <a:p>
+                      <a:pPr algn="ctr" fontAlgn="b"/>
+                      <a:r>
+                        <a:rPr lang="en-US" sz="1200" u="none" strike="noStrike" dirty="0">
+                          <a:effectLst/>
+                        </a:rPr>
+                        <a:t>-0.1448</a:t>
+                      </a:r>
+                      <a:endParaRPr lang="en-US" sz="1200" b="0" i="0" u="none" strike="noStrike" dirty="0">
+                        <a:solidFill>
+                          <a:srgbClr val="000000"/>
+                        </a:solidFill>
+                        <a:effectLst/>
+                        <a:latin typeface="Calibri" panose="020F0502020204030204" pitchFamily="34" charset="0"/>
+                      </a:endParaRPr>
+                    </a:p>
+                  </a:txBody>
+                  <a:tcPr marL="2162" marR="2162" marT="2162" marB="0" anchor="b"/>
+                </a:tc>
+                <a:tc>
+                  <a:txBody>
+                    <a:bodyPr/>
+                    <a:lstStyle/>
+                    <a:p>
+                      <a:pPr algn="ctr" fontAlgn="b"/>
+                      <a:r>
+                        <a:rPr lang="en-US" sz="1200" u="none" strike="noStrike" dirty="0">
+                          <a:effectLst/>
+                        </a:rPr>
+                        <a:t>0.005414</a:t>
+                      </a:r>
+                      <a:endParaRPr lang="en-US" sz="1200" b="0" i="0" u="none" strike="noStrike" dirty="0">
+                        <a:solidFill>
+                          <a:srgbClr val="000000"/>
+                        </a:solidFill>
+                        <a:effectLst/>
+                        <a:latin typeface="Calibri" panose="020F0502020204030204" pitchFamily="34" charset="0"/>
+                      </a:endParaRPr>
+                    </a:p>
+                  </a:txBody>
+                  <a:tcPr marL="2162" marR="2162" marT="2162" marB="0" anchor="b"/>
+                </a:tc>
+                <a:extLst>
+                  <a:ext uri="{0D108BD9-81ED-4DB2-BD59-A6C34878D82A}">
+                    <a16:rowId xmlns:a16="http://schemas.microsoft.com/office/drawing/2014/main" val="1270869386"/>
+                  </a:ext>
+                </a:extLst>
+              </a:tr>
+              <a:tr h="260487">
+                <a:tc>
+                  <a:txBody>
+                    <a:bodyPr/>
+                    <a:lstStyle/>
+                    <a:p>
+                      <a:pPr algn="l" fontAlgn="b"/>
+                      <a:r>
+                        <a:rPr lang="en-US" sz="1200" u="none" strike="noStrike">
+                          <a:effectLst/>
+                        </a:rPr>
+                        <a:t>**WorkLifeBalance3**</a:t>
+                      </a:r>
+                      <a:endParaRPr lang="en-US" sz="1200" b="0" i="0" u="none" strike="noStrike">
+                        <a:solidFill>
+                          <a:srgbClr val="000000"/>
+                        </a:solidFill>
+                        <a:effectLst/>
+                        <a:latin typeface="Calibri" panose="020F0502020204030204" pitchFamily="34" charset="0"/>
+                      </a:endParaRPr>
+                    </a:p>
+                  </a:txBody>
+                  <a:tcPr marL="2162" marR="2162" marT="2162" marB="0" anchor="b"/>
+                </a:tc>
+                <a:tc>
+                  <a:txBody>
+                    <a:bodyPr/>
+                    <a:lstStyle/>
+                    <a:p>
+                      <a:pPr algn="ctr" fontAlgn="b"/>
+                      <a:r>
+                        <a:rPr lang="en-US" sz="1200" u="none" strike="noStrike">
+                          <a:effectLst/>
+                        </a:rPr>
+                        <a:t>-1.111</a:t>
+                      </a:r>
+                      <a:endParaRPr lang="en-US" sz="1200" b="0" i="0" u="none" strike="noStrike">
+                        <a:solidFill>
+                          <a:srgbClr val="000000"/>
+                        </a:solidFill>
+                        <a:effectLst/>
+                        <a:latin typeface="Calibri" panose="020F0502020204030204" pitchFamily="34" charset="0"/>
+                      </a:endParaRPr>
+                    </a:p>
+                  </a:txBody>
+                  <a:tcPr marL="2162" marR="2162" marT="2162" marB="0" anchor="b"/>
+                </a:tc>
+                <a:tc>
+                  <a:txBody>
+                    <a:bodyPr/>
+                    <a:lstStyle/>
+                    <a:p>
+                      <a:pPr algn="ctr" fontAlgn="b"/>
+                      <a:r>
+                        <a:rPr lang="en-US" sz="1200" u="none" strike="noStrike">
+                          <a:effectLst/>
+                        </a:rPr>
+                        <a:t>0.00638</a:t>
+                      </a:r>
+                      <a:endParaRPr lang="en-US" sz="1200" b="0" i="0" u="none" strike="noStrike">
+                        <a:solidFill>
+                          <a:srgbClr val="000000"/>
+                        </a:solidFill>
+                        <a:effectLst/>
+                        <a:latin typeface="Calibri" panose="020F0502020204030204" pitchFamily="34" charset="0"/>
+                      </a:endParaRPr>
+                    </a:p>
+                  </a:txBody>
+                  <a:tcPr marL="2162" marR="2162" marT="2162" marB="0" anchor="b"/>
+                </a:tc>
+                <a:extLst>
+                  <a:ext uri="{0D108BD9-81ED-4DB2-BD59-A6C34878D82A}">
+                    <a16:rowId xmlns:a16="http://schemas.microsoft.com/office/drawing/2014/main" val="3633577877"/>
+                  </a:ext>
+                </a:extLst>
+              </a:tr>
+              <a:tr h="260487">
+                <a:tc>
+                  <a:txBody>
+                    <a:bodyPr/>
+                    <a:lstStyle/>
+                    <a:p>
+                      <a:pPr algn="l" fontAlgn="b"/>
+                      <a:r>
+                        <a:rPr lang="en-US" sz="1200" u="none" strike="noStrike">
+                          <a:effectLst/>
+                        </a:rPr>
+                        <a:t>**YearsInCurrentRole**</a:t>
+                      </a:r>
+                      <a:endParaRPr lang="en-US" sz="1200" b="0" i="0" u="none" strike="noStrike">
+                        <a:solidFill>
+                          <a:srgbClr val="000000"/>
+                        </a:solidFill>
+                        <a:effectLst/>
+                        <a:latin typeface="Calibri" panose="020F0502020204030204" pitchFamily="34" charset="0"/>
+                      </a:endParaRPr>
+                    </a:p>
+                  </a:txBody>
+                  <a:tcPr marL="2162" marR="2162" marT="2162" marB="0" anchor="b"/>
+                </a:tc>
+                <a:tc>
+                  <a:txBody>
+                    <a:bodyPr/>
+                    <a:lstStyle/>
+                    <a:p>
+                      <a:pPr algn="ctr" fontAlgn="b"/>
+                      <a:r>
+                        <a:rPr lang="en-US" sz="1200" u="none" strike="noStrike">
+                          <a:effectLst/>
+                        </a:rPr>
+                        <a:t>-0.1422</a:t>
+                      </a:r>
+                      <a:endParaRPr lang="en-US" sz="1200" b="0" i="0" u="none" strike="noStrike">
+                        <a:solidFill>
+                          <a:srgbClr val="000000"/>
+                        </a:solidFill>
+                        <a:effectLst/>
+                        <a:latin typeface="Calibri" panose="020F0502020204030204" pitchFamily="34" charset="0"/>
+                      </a:endParaRPr>
+                    </a:p>
+                  </a:txBody>
+                  <a:tcPr marL="2162" marR="2162" marT="2162" marB="0" anchor="b"/>
+                </a:tc>
+                <a:tc>
+                  <a:txBody>
+                    <a:bodyPr/>
+                    <a:lstStyle/>
+                    <a:p>
+                      <a:pPr algn="ctr" fontAlgn="b"/>
+                      <a:r>
+                        <a:rPr lang="en-US" sz="1200" u="none" strike="noStrike">
+                          <a:effectLst/>
+                        </a:rPr>
+                        <a:t>0.006733</a:t>
+                      </a:r>
+                      <a:endParaRPr lang="en-US" sz="1200" b="0" i="0" u="none" strike="noStrike">
+                        <a:solidFill>
+                          <a:srgbClr val="000000"/>
+                        </a:solidFill>
+                        <a:effectLst/>
+                        <a:latin typeface="Calibri" panose="020F0502020204030204" pitchFamily="34" charset="0"/>
+                      </a:endParaRPr>
+                    </a:p>
+                  </a:txBody>
+                  <a:tcPr marL="2162" marR="2162" marT="2162" marB="0" anchor="b"/>
+                </a:tc>
+                <a:extLst>
+                  <a:ext uri="{0D108BD9-81ED-4DB2-BD59-A6C34878D82A}">
+                    <a16:rowId xmlns:a16="http://schemas.microsoft.com/office/drawing/2014/main" val="606194166"/>
+                  </a:ext>
+                </a:extLst>
+              </a:tr>
+              <a:tr h="260487">
+                <a:tc>
+                  <a:txBody>
+                    <a:bodyPr/>
+                    <a:lstStyle/>
+                    <a:p>
+                      <a:pPr algn="l" fontAlgn="ctr"/>
+                      <a:r>
+                        <a:rPr lang="en-US" sz="1200" u="none" strike="noStrike" dirty="0">
+                          <a:effectLst/>
+                        </a:rPr>
+                        <a:t>**RelationshipSatisfaction2**</a:t>
+                      </a:r>
+                      <a:endParaRPr lang="en-US" sz="1200" b="0" i="0" u="none" strike="noStrike" dirty="0">
+                        <a:solidFill>
+                          <a:srgbClr val="24292E"/>
+                        </a:solidFill>
+                        <a:effectLst/>
+                        <a:latin typeface="Consolas" panose="020B0609020204030204" pitchFamily="49" charset="0"/>
+                      </a:endParaRPr>
+                    </a:p>
+                  </a:txBody>
+                  <a:tcPr marL="2162" marR="2162" marT="2162" marB="0" anchor="ctr"/>
+                </a:tc>
+                <a:tc>
+                  <a:txBody>
+                    <a:bodyPr/>
+                    <a:lstStyle/>
+                    <a:p>
+                      <a:pPr algn="ctr" fontAlgn="b"/>
+                      <a:r>
+                        <a:rPr lang="en-US" sz="1200" u="none" strike="noStrike">
+                          <a:effectLst/>
+                        </a:rPr>
+                        <a:t>-0.8518</a:t>
+                      </a:r>
+                      <a:endParaRPr lang="en-US" sz="1200" b="0" i="0" u="none" strike="noStrike">
+                        <a:solidFill>
+                          <a:srgbClr val="000000"/>
+                        </a:solidFill>
+                        <a:effectLst/>
+                        <a:latin typeface="Calibri" panose="020F0502020204030204" pitchFamily="34" charset="0"/>
+                      </a:endParaRPr>
+                    </a:p>
+                  </a:txBody>
+                  <a:tcPr marL="2162" marR="2162" marT="2162" marB="0" anchor="b"/>
+                </a:tc>
+                <a:tc>
+                  <a:txBody>
+                    <a:bodyPr/>
+                    <a:lstStyle/>
+                    <a:p>
+                      <a:pPr algn="ctr" fontAlgn="b"/>
+                      <a:r>
+                        <a:rPr lang="en-US" sz="1200" u="none" strike="noStrike">
+                          <a:effectLst/>
+                        </a:rPr>
+                        <a:t>0.007649</a:t>
+                      </a:r>
+                      <a:endParaRPr lang="en-US" sz="1200" b="0" i="0" u="none" strike="noStrike">
+                        <a:solidFill>
+                          <a:srgbClr val="000000"/>
+                        </a:solidFill>
+                        <a:effectLst/>
+                        <a:latin typeface="Calibri" panose="020F0502020204030204" pitchFamily="34" charset="0"/>
+                      </a:endParaRPr>
+                    </a:p>
+                  </a:txBody>
+                  <a:tcPr marL="2162" marR="2162" marT="2162" marB="0" anchor="b"/>
+                </a:tc>
+                <a:extLst>
+                  <a:ext uri="{0D108BD9-81ED-4DB2-BD59-A6C34878D82A}">
+                    <a16:rowId xmlns:a16="http://schemas.microsoft.com/office/drawing/2014/main" val="75221881"/>
+                  </a:ext>
+                </a:extLst>
+              </a:tr>
+              <a:tr h="260487">
+                <a:tc>
+                  <a:txBody>
+                    <a:bodyPr/>
+                    <a:lstStyle/>
+                    <a:p>
+                      <a:pPr algn="l" fontAlgn="ctr"/>
+                      <a:r>
+                        <a:rPr lang="en-US" sz="1200" u="none" strike="noStrike">
+                          <a:effectLst/>
+                        </a:rPr>
+                        <a:t>**RelationshipSatisfaction3**</a:t>
+                      </a:r>
+                      <a:endParaRPr lang="en-US" sz="1200" b="0" i="0" u="none" strike="noStrike">
+                        <a:solidFill>
+                          <a:srgbClr val="24292E"/>
+                        </a:solidFill>
+                        <a:effectLst/>
+                        <a:latin typeface="Consolas" panose="020B0609020204030204" pitchFamily="49" charset="0"/>
+                      </a:endParaRPr>
+                    </a:p>
+                  </a:txBody>
+                  <a:tcPr marL="2162" marR="2162" marT="2162" marB="0" anchor="ctr"/>
+                </a:tc>
+                <a:tc>
+                  <a:txBody>
+                    <a:bodyPr/>
+                    <a:lstStyle/>
+                    <a:p>
+                      <a:pPr algn="ctr" fontAlgn="b"/>
+                      <a:r>
+                        <a:rPr lang="en-US" sz="1200" u="none" strike="noStrike">
+                          <a:effectLst/>
+                        </a:rPr>
+                        <a:t>-0.7248</a:t>
+                      </a:r>
+                      <a:endParaRPr lang="en-US" sz="1200" b="0" i="0" u="none" strike="noStrike">
+                        <a:solidFill>
+                          <a:srgbClr val="000000"/>
+                        </a:solidFill>
+                        <a:effectLst/>
+                        <a:latin typeface="Calibri" panose="020F0502020204030204" pitchFamily="34" charset="0"/>
+                      </a:endParaRPr>
+                    </a:p>
+                  </a:txBody>
+                  <a:tcPr marL="2162" marR="2162" marT="2162" marB="0" anchor="b"/>
+                </a:tc>
+                <a:tc>
+                  <a:txBody>
+                    <a:bodyPr/>
+                    <a:lstStyle/>
+                    <a:p>
+                      <a:pPr algn="ctr" fontAlgn="b"/>
+                      <a:r>
+                        <a:rPr lang="en-US" sz="1200" u="none" strike="noStrike">
+                          <a:effectLst/>
+                        </a:rPr>
+                        <a:t>0.009146</a:t>
+                      </a:r>
+                      <a:endParaRPr lang="en-US" sz="1200" b="0" i="0" u="none" strike="noStrike">
+                        <a:solidFill>
+                          <a:srgbClr val="000000"/>
+                        </a:solidFill>
+                        <a:effectLst/>
+                        <a:latin typeface="Calibri" panose="020F0502020204030204" pitchFamily="34" charset="0"/>
+                      </a:endParaRPr>
+                    </a:p>
+                  </a:txBody>
+                  <a:tcPr marL="2162" marR="2162" marT="2162" marB="0" anchor="b"/>
+                </a:tc>
+                <a:extLst>
+                  <a:ext uri="{0D108BD9-81ED-4DB2-BD59-A6C34878D82A}">
+                    <a16:rowId xmlns:a16="http://schemas.microsoft.com/office/drawing/2014/main" val="726598574"/>
+                  </a:ext>
+                </a:extLst>
+              </a:tr>
+              <a:tr h="260487">
+                <a:tc>
+                  <a:txBody>
+                    <a:bodyPr/>
+                    <a:lstStyle/>
+                    <a:p>
+                      <a:pPr algn="l" fontAlgn="b"/>
+                      <a:r>
+                        <a:rPr lang="en-US" sz="1200" u="none" strike="noStrike" dirty="0">
+                          <a:effectLst/>
+                        </a:rPr>
+                        <a:t>**JobSatisfaction3**</a:t>
+                      </a:r>
+                      <a:endParaRPr lang="en-US" sz="1200" b="0" i="0" u="none" strike="noStrike" dirty="0">
+                        <a:solidFill>
+                          <a:srgbClr val="000000"/>
+                        </a:solidFill>
+                        <a:effectLst/>
+                        <a:latin typeface="Calibri" panose="020F0502020204030204" pitchFamily="34" charset="0"/>
+                      </a:endParaRPr>
+                    </a:p>
+                  </a:txBody>
+                  <a:tcPr marL="2162" marR="2162" marT="2162" marB="0" anchor="b"/>
+                </a:tc>
+                <a:tc>
+                  <a:txBody>
+                    <a:bodyPr/>
+                    <a:lstStyle/>
+                    <a:p>
+                      <a:pPr algn="ctr" fontAlgn="b"/>
+                      <a:r>
+                        <a:rPr lang="en-US" sz="1200" u="none" strike="noStrike">
+                          <a:effectLst/>
+                        </a:rPr>
+                        <a:t>-0.685</a:t>
+                      </a:r>
+                      <a:endParaRPr lang="en-US" sz="1200" b="0" i="0" u="none" strike="noStrike">
+                        <a:solidFill>
+                          <a:srgbClr val="000000"/>
+                        </a:solidFill>
+                        <a:effectLst/>
+                        <a:latin typeface="Calibri" panose="020F0502020204030204" pitchFamily="34" charset="0"/>
+                      </a:endParaRPr>
+                    </a:p>
+                  </a:txBody>
+                  <a:tcPr marL="2162" marR="2162" marT="2162" marB="0" anchor="b"/>
+                </a:tc>
+                <a:tc>
+                  <a:txBody>
+                    <a:bodyPr/>
+                    <a:lstStyle/>
+                    <a:p>
+                      <a:pPr algn="ctr" fontAlgn="b"/>
+                      <a:r>
+                        <a:rPr lang="en-US" sz="1200" u="none" strike="noStrike">
+                          <a:effectLst/>
+                        </a:rPr>
+                        <a:t>0.01102</a:t>
+                      </a:r>
+                      <a:endParaRPr lang="en-US" sz="1200" b="0" i="0" u="none" strike="noStrike">
+                        <a:solidFill>
+                          <a:srgbClr val="000000"/>
+                        </a:solidFill>
+                        <a:effectLst/>
+                        <a:latin typeface="Calibri" panose="020F0502020204030204" pitchFamily="34" charset="0"/>
+                      </a:endParaRPr>
+                    </a:p>
+                  </a:txBody>
+                  <a:tcPr marL="2162" marR="2162" marT="2162" marB="0" anchor="b"/>
+                </a:tc>
+                <a:extLst>
+                  <a:ext uri="{0D108BD9-81ED-4DB2-BD59-A6C34878D82A}">
+                    <a16:rowId xmlns:a16="http://schemas.microsoft.com/office/drawing/2014/main" val="2117787272"/>
+                  </a:ext>
+                </a:extLst>
+              </a:tr>
+              <a:tr h="260487">
+                <a:tc>
+                  <a:txBody>
+                    <a:bodyPr/>
+                    <a:lstStyle/>
+                    <a:p>
+                      <a:pPr algn="l" fontAlgn="b"/>
+                      <a:r>
+                        <a:rPr lang="en-US" sz="1200" u="none" strike="noStrike">
+                          <a:effectLst/>
+                        </a:rPr>
+                        <a:t>**NumCompaniesWorked**</a:t>
+                      </a:r>
+                      <a:endParaRPr lang="en-US" sz="1200" b="0" i="0" u="none" strike="noStrike">
+                        <a:solidFill>
+                          <a:srgbClr val="000000"/>
+                        </a:solidFill>
+                        <a:effectLst/>
+                        <a:latin typeface="Calibri" panose="020F0502020204030204" pitchFamily="34" charset="0"/>
+                      </a:endParaRPr>
+                    </a:p>
+                  </a:txBody>
+                  <a:tcPr marL="2162" marR="2162" marT="2162" marB="0" anchor="b"/>
+                </a:tc>
+                <a:tc>
+                  <a:txBody>
+                    <a:bodyPr/>
+                    <a:lstStyle/>
+                    <a:p>
+                      <a:pPr algn="ctr" fontAlgn="b"/>
+                      <a:r>
+                        <a:rPr lang="en-US" sz="1200" u="none" strike="noStrike">
+                          <a:effectLst/>
+                        </a:rPr>
+                        <a:t>0.1071</a:t>
+                      </a:r>
+                      <a:endParaRPr lang="en-US" sz="1200" b="0" i="0" u="none" strike="noStrike">
+                        <a:solidFill>
+                          <a:srgbClr val="000000"/>
+                        </a:solidFill>
+                        <a:effectLst/>
+                        <a:latin typeface="Calibri" panose="020F0502020204030204" pitchFamily="34" charset="0"/>
+                      </a:endParaRPr>
+                    </a:p>
+                  </a:txBody>
+                  <a:tcPr marL="2162" marR="2162" marT="2162" marB="0" anchor="b"/>
+                </a:tc>
+                <a:tc>
+                  <a:txBody>
+                    <a:bodyPr/>
+                    <a:lstStyle/>
+                    <a:p>
+                      <a:pPr algn="ctr" fontAlgn="b"/>
+                      <a:r>
+                        <a:rPr lang="en-US" sz="1200" u="none" strike="noStrike">
+                          <a:effectLst/>
+                        </a:rPr>
+                        <a:t>0.01271</a:t>
+                      </a:r>
+                      <a:endParaRPr lang="en-US" sz="1200" b="0" i="0" u="none" strike="noStrike">
+                        <a:solidFill>
+                          <a:srgbClr val="000000"/>
+                        </a:solidFill>
+                        <a:effectLst/>
+                        <a:latin typeface="Calibri" panose="020F0502020204030204" pitchFamily="34" charset="0"/>
+                      </a:endParaRPr>
+                    </a:p>
+                  </a:txBody>
+                  <a:tcPr marL="2162" marR="2162" marT="2162" marB="0" anchor="b"/>
+                </a:tc>
+                <a:extLst>
+                  <a:ext uri="{0D108BD9-81ED-4DB2-BD59-A6C34878D82A}">
+                    <a16:rowId xmlns:a16="http://schemas.microsoft.com/office/drawing/2014/main" val="486714889"/>
+                  </a:ext>
+                </a:extLst>
+              </a:tr>
+              <a:tr h="260487">
+                <a:tc>
+                  <a:txBody>
+                    <a:bodyPr/>
+                    <a:lstStyle/>
+                    <a:p>
+                      <a:pPr algn="l" fontAlgn="ctr"/>
+                      <a:r>
+                        <a:rPr lang="en-US" sz="1200" u="none" strike="noStrike" dirty="0">
+                          <a:effectLst/>
+                        </a:rPr>
+                        <a:t>**</a:t>
+                      </a:r>
+                      <a:r>
+                        <a:rPr lang="en-US" sz="1200" u="none" strike="noStrike" dirty="0" err="1">
+                          <a:effectLst/>
+                        </a:rPr>
+                        <a:t>JobRoleResearchScientist</a:t>
+                      </a:r>
+                      <a:r>
+                        <a:rPr lang="en-US" sz="1200" u="none" strike="noStrike" dirty="0">
+                          <a:effectLst/>
+                        </a:rPr>
+                        <a:t>**</a:t>
+                      </a:r>
+                      <a:endParaRPr lang="en-US" sz="1200" b="0" i="0" u="none" strike="noStrike" dirty="0">
+                        <a:solidFill>
+                          <a:srgbClr val="24292E"/>
+                        </a:solidFill>
+                        <a:effectLst/>
+                        <a:latin typeface="Consolas" panose="020B0609020204030204" pitchFamily="49" charset="0"/>
+                      </a:endParaRPr>
+                    </a:p>
+                  </a:txBody>
+                  <a:tcPr marL="2162" marR="2162" marT="2162" marB="0" anchor="ctr"/>
+                </a:tc>
+                <a:tc>
+                  <a:txBody>
+                    <a:bodyPr/>
+                    <a:lstStyle/>
+                    <a:p>
+                      <a:pPr algn="ctr" fontAlgn="b"/>
+                      <a:r>
+                        <a:rPr lang="en-US" sz="1200" u="none" strike="noStrike" dirty="0">
+                          <a:effectLst/>
+                        </a:rPr>
+                        <a:t>0.7686</a:t>
+                      </a:r>
+                      <a:endParaRPr lang="en-US" sz="1200" b="0" i="0" u="none" strike="noStrike" dirty="0">
+                        <a:solidFill>
+                          <a:srgbClr val="000000"/>
+                        </a:solidFill>
+                        <a:effectLst/>
+                        <a:latin typeface="Calibri" panose="020F0502020204030204" pitchFamily="34" charset="0"/>
+                      </a:endParaRPr>
+                    </a:p>
+                  </a:txBody>
+                  <a:tcPr marL="2162" marR="2162" marT="2162" marB="0" anchor="b"/>
+                </a:tc>
+                <a:tc>
+                  <a:txBody>
+                    <a:bodyPr/>
+                    <a:lstStyle/>
+                    <a:p>
+                      <a:pPr algn="ctr" fontAlgn="b"/>
+                      <a:r>
+                        <a:rPr lang="en-US" sz="1200" u="none" strike="noStrike" dirty="0">
+                          <a:effectLst/>
+                        </a:rPr>
+                        <a:t>0.1126</a:t>
+                      </a:r>
+                      <a:endParaRPr lang="en-US" sz="1200" b="0" i="0" u="none" strike="noStrike" dirty="0">
+                        <a:solidFill>
+                          <a:srgbClr val="000000"/>
+                        </a:solidFill>
+                        <a:effectLst/>
+                        <a:latin typeface="Calibri" panose="020F0502020204030204" pitchFamily="34" charset="0"/>
+                      </a:endParaRPr>
+                    </a:p>
+                  </a:txBody>
+                  <a:tcPr marL="2162" marR="2162" marT="2162" marB="0" anchor="b"/>
+                </a:tc>
+                <a:extLst>
+                  <a:ext uri="{0D108BD9-81ED-4DB2-BD59-A6C34878D82A}">
+                    <a16:rowId xmlns:a16="http://schemas.microsoft.com/office/drawing/2014/main" val="319693140"/>
+                  </a:ext>
+                </a:extLst>
+              </a:tr>
+              <a:tr h="260487">
+                <a:tc>
+                  <a:txBody>
+                    <a:bodyPr/>
+                    <a:lstStyle/>
+                    <a:p>
+                      <a:pPr algn="l" fontAlgn="b"/>
+                      <a:r>
+                        <a:rPr lang="en-US" sz="1200" u="none" strike="noStrike">
+                          <a:effectLst/>
+                        </a:rPr>
+                        <a:t>**JobSatisfaction2**</a:t>
+                      </a:r>
+                      <a:endParaRPr lang="en-US" sz="1200" b="0" i="0" u="none" strike="noStrike">
+                        <a:solidFill>
+                          <a:srgbClr val="000000"/>
+                        </a:solidFill>
+                        <a:effectLst/>
+                        <a:latin typeface="Calibri" panose="020F0502020204030204" pitchFamily="34" charset="0"/>
+                      </a:endParaRPr>
+                    </a:p>
+                  </a:txBody>
+                  <a:tcPr marL="2162" marR="2162" marT="2162" marB="0" anchor="b"/>
+                </a:tc>
+                <a:tc>
+                  <a:txBody>
+                    <a:bodyPr/>
+                    <a:lstStyle/>
+                    <a:p>
+                      <a:pPr algn="ctr" fontAlgn="b"/>
+                      <a:r>
+                        <a:rPr lang="en-US" sz="1200" u="none" strike="noStrike" dirty="0">
+                          <a:effectLst/>
+                        </a:rPr>
+                        <a:t>-0.4199</a:t>
+                      </a:r>
+                      <a:endParaRPr lang="en-US" sz="1200" b="0" i="0" u="none" strike="noStrike" dirty="0">
+                        <a:solidFill>
+                          <a:srgbClr val="000000"/>
+                        </a:solidFill>
+                        <a:effectLst/>
+                        <a:latin typeface="Calibri" panose="020F0502020204030204" pitchFamily="34" charset="0"/>
+                      </a:endParaRPr>
+                    </a:p>
+                  </a:txBody>
+                  <a:tcPr marL="2162" marR="2162" marT="2162" marB="0" anchor="b"/>
+                </a:tc>
+                <a:tc>
+                  <a:txBody>
+                    <a:bodyPr/>
+                    <a:lstStyle/>
+                    <a:p>
+                      <a:pPr algn="ctr" fontAlgn="b"/>
+                      <a:r>
+                        <a:rPr lang="en-US" sz="1200" u="none" strike="noStrike">
+                          <a:effectLst/>
+                        </a:rPr>
+                        <a:t>0.159</a:t>
+                      </a:r>
+                      <a:endParaRPr lang="en-US" sz="1200" b="0" i="0" u="none" strike="noStrike">
+                        <a:solidFill>
+                          <a:srgbClr val="000000"/>
+                        </a:solidFill>
+                        <a:effectLst/>
+                        <a:latin typeface="Calibri" panose="020F0502020204030204" pitchFamily="34" charset="0"/>
+                      </a:endParaRPr>
+                    </a:p>
+                  </a:txBody>
+                  <a:tcPr marL="2162" marR="2162" marT="2162" marB="0" anchor="b"/>
+                </a:tc>
+                <a:extLst>
+                  <a:ext uri="{0D108BD9-81ED-4DB2-BD59-A6C34878D82A}">
+                    <a16:rowId xmlns:a16="http://schemas.microsoft.com/office/drawing/2014/main" val="337343919"/>
+                  </a:ext>
+                </a:extLst>
+              </a:tr>
+              <a:tr h="260487">
+                <a:tc>
+                  <a:txBody>
+                    <a:bodyPr/>
+                    <a:lstStyle/>
+                    <a:p>
+                      <a:pPr algn="l" fontAlgn="b"/>
+                      <a:r>
+                        <a:rPr lang="en-US" sz="1200" u="none" strike="noStrike">
+                          <a:effectLst/>
+                        </a:rPr>
+                        <a:t>**WorkLifeBalance2**</a:t>
+                      </a:r>
+                      <a:endParaRPr lang="en-US" sz="1200" b="0" i="0" u="none" strike="noStrike">
+                        <a:solidFill>
+                          <a:srgbClr val="000000"/>
+                        </a:solidFill>
+                        <a:effectLst/>
+                        <a:latin typeface="Calibri" panose="020F0502020204030204" pitchFamily="34" charset="0"/>
+                      </a:endParaRPr>
+                    </a:p>
+                  </a:txBody>
+                  <a:tcPr marL="2162" marR="2162" marT="2162" marB="0" anchor="b"/>
+                </a:tc>
+                <a:tc>
+                  <a:txBody>
+                    <a:bodyPr/>
+                    <a:lstStyle/>
+                    <a:p>
+                      <a:pPr algn="ctr" fontAlgn="b"/>
+                      <a:r>
+                        <a:rPr lang="en-US" sz="1200" u="none" strike="noStrike">
+                          <a:effectLst/>
+                        </a:rPr>
+                        <a:t>-0.5628</a:t>
+                      </a:r>
+                      <a:endParaRPr lang="en-US" sz="1200" b="0" i="0" u="none" strike="noStrike">
+                        <a:solidFill>
+                          <a:srgbClr val="000000"/>
+                        </a:solidFill>
+                        <a:effectLst/>
+                        <a:latin typeface="Calibri" panose="020F0502020204030204" pitchFamily="34" charset="0"/>
+                      </a:endParaRPr>
+                    </a:p>
+                  </a:txBody>
+                  <a:tcPr marL="2162" marR="2162" marT="2162" marB="0" anchor="b"/>
+                </a:tc>
+                <a:tc>
+                  <a:txBody>
+                    <a:bodyPr/>
+                    <a:lstStyle/>
+                    <a:p>
+                      <a:pPr algn="ctr" fontAlgn="b"/>
+                      <a:r>
+                        <a:rPr lang="en-US" sz="1200" u="none" strike="noStrike">
+                          <a:effectLst/>
+                        </a:rPr>
+                        <a:t>0.1929</a:t>
+                      </a:r>
+                      <a:endParaRPr lang="en-US" sz="1200" b="0" i="0" u="none" strike="noStrike">
+                        <a:solidFill>
+                          <a:srgbClr val="000000"/>
+                        </a:solidFill>
+                        <a:effectLst/>
+                        <a:latin typeface="Calibri" panose="020F0502020204030204" pitchFamily="34" charset="0"/>
+                      </a:endParaRPr>
+                    </a:p>
+                  </a:txBody>
+                  <a:tcPr marL="2162" marR="2162" marT="2162" marB="0" anchor="b"/>
+                </a:tc>
+                <a:extLst>
+                  <a:ext uri="{0D108BD9-81ED-4DB2-BD59-A6C34878D82A}">
+                    <a16:rowId xmlns:a16="http://schemas.microsoft.com/office/drawing/2014/main" val="3201107325"/>
+                  </a:ext>
+                </a:extLst>
+              </a:tr>
+              <a:tr h="260487">
+                <a:tc>
+                  <a:txBody>
+                    <a:bodyPr/>
+                    <a:lstStyle/>
+                    <a:p>
+                      <a:pPr algn="l" fontAlgn="b"/>
+                      <a:r>
+                        <a:rPr lang="en-US" sz="1200" u="none" strike="noStrike">
+                          <a:effectLst/>
+                        </a:rPr>
+                        <a:t>**WorkLifeBalance4**</a:t>
+                      </a:r>
+                      <a:endParaRPr lang="en-US" sz="1200" b="0" i="0" u="none" strike="noStrike">
+                        <a:solidFill>
+                          <a:srgbClr val="000000"/>
+                        </a:solidFill>
+                        <a:effectLst/>
+                        <a:latin typeface="Calibri" panose="020F0502020204030204" pitchFamily="34" charset="0"/>
+                      </a:endParaRPr>
+                    </a:p>
+                  </a:txBody>
+                  <a:tcPr marL="2162" marR="2162" marT="2162" marB="0" anchor="b"/>
+                </a:tc>
+                <a:tc>
+                  <a:txBody>
+                    <a:bodyPr/>
+                    <a:lstStyle/>
+                    <a:p>
+                      <a:pPr algn="ctr" fontAlgn="b"/>
+                      <a:r>
+                        <a:rPr lang="en-US" sz="1200" u="none" strike="noStrike">
+                          <a:effectLst/>
+                        </a:rPr>
+                        <a:t>-0.625</a:t>
+                      </a:r>
+                      <a:endParaRPr lang="en-US" sz="1200" b="0" i="0" u="none" strike="noStrike">
+                        <a:solidFill>
+                          <a:srgbClr val="000000"/>
+                        </a:solidFill>
+                        <a:effectLst/>
+                        <a:latin typeface="Calibri" panose="020F0502020204030204" pitchFamily="34" charset="0"/>
+                      </a:endParaRPr>
+                    </a:p>
+                  </a:txBody>
+                  <a:tcPr marL="2162" marR="2162" marT="2162" marB="0" anchor="b"/>
+                </a:tc>
+                <a:tc>
+                  <a:txBody>
+                    <a:bodyPr/>
+                    <a:lstStyle/>
+                    <a:p>
+                      <a:pPr algn="ctr" fontAlgn="b"/>
+                      <a:r>
+                        <a:rPr lang="en-US" sz="1200" u="none" strike="noStrike">
+                          <a:effectLst/>
+                        </a:rPr>
+                        <a:t>0.202</a:t>
+                      </a:r>
+                      <a:endParaRPr lang="en-US" sz="1200" b="0" i="0" u="none" strike="noStrike">
+                        <a:solidFill>
+                          <a:srgbClr val="000000"/>
+                        </a:solidFill>
+                        <a:effectLst/>
+                        <a:latin typeface="Calibri" panose="020F0502020204030204" pitchFamily="34" charset="0"/>
+                      </a:endParaRPr>
+                    </a:p>
+                  </a:txBody>
+                  <a:tcPr marL="2162" marR="2162" marT="2162" marB="0" anchor="b"/>
+                </a:tc>
+                <a:extLst>
+                  <a:ext uri="{0D108BD9-81ED-4DB2-BD59-A6C34878D82A}">
+                    <a16:rowId xmlns:a16="http://schemas.microsoft.com/office/drawing/2014/main" val="2011439253"/>
+                  </a:ext>
+                </a:extLst>
+              </a:tr>
+              <a:tr h="260487">
+                <a:tc>
+                  <a:txBody>
+                    <a:bodyPr/>
+                    <a:lstStyle/>
+                    <a:p>
+                      <a:pPr algn="l" fontAlgn="b"/>
+                      <a:r>
+                        <a:rPr lang="en-US" sz="1200" u="none" strike="noStrike">
+                          <a:effectLst/>
+                        </a:rPr>
+                        <a:t>**MaritalStatusMarried**</a:t>
+                      </a:r>
+                      <a:endParaRPr lang="en-US" sz="1200" b="0" i="0" u="none" strike="noStrike">
+                        <a:solidFill>
+                          <a:srgbClr val="000000"/>
+                        </a:solidFill>
+                        <a:effectLst/>
+                        <a:latin typeface="Calibri" panose="020F0502020204030204" pitchFamily="34" charset="0"/>
+                      </a:endParaRPr>
+                    </a:p>
+                  </a:txBody>
+                  <a:tcPr marL="2162" marR="2162" marT="2162" marB="0" anchor="b"/>
+                </a:tc>
+                <a:tc>
+                  <a:txBody>
+                    <a:bodyPr/>
+                    <a:lstStyle/>
+                    <a:p>
+                      <a:pPr algn="ctr" fontAlgn="b"/>
+                      <a:r>
+                        <a:rPr lang="en-US" sz="1200" u="none" strike="noStrike">
+                          <a:effectLst/>
+                        </a:rPr>
+                        <a:t>0.3468</a:t>
+                      </a:r>
+                      <a:endParaRPr lang="en-US" sz="1200" b="0" i="0" u="none" strike="noStrike">
+                        <a:solidFill>
+                          <a:srgbClr val="000000"/>
+                        </a:solidFill>
+                        <a:effectLst/>
+                        <a:latin typeface="Calibri" panose="020F0502020204030204" pitchFamily="34" charset="0"/>
+                      </a:endParaRPr>
+                    </a:p>
+                  </a:txBody>
+                  <a:tcPr marL="2162" marR="2162" marT="2162" marB="0" anchor="b"/>
+                </a:tc>
+                <a:tc>
+                  <a:txBody>
+                    <a:bodyPr/>
+                    <a:lstStyle/>
+                    <a:p>
+                      <a:pPr algn="ctr" fontAlgn="b"/>
+                      <a:r>
+                        <a:rPr lang="en-US" sz="1200" u="none" strike="noStrike">
+                          <a:effectLst/>
+                        </a:rPr>
+                        <a:t>0.2368</a:t>
+                      </a:r>
+                      <a:endParaRPr lang="en-US" sz="1200" b="0" i="0" u="none" strike="noStrike">
+                        <a:solidFill>
+                          <a:srgbClr val="000000"/>
+                        </a:solidFill>
+                        <a:effectLst/>
+                        <a:latin typeface="Calibri" panose="020F0502020204030204" pitchFamily="34" charset="0"/>
+                      </a:endParaRPr>
+                    </a:p>
+                  </a:txBody>
+                  <a:tcPr marL="2162" marR="2162" marT="2162" marB="0" anchor="b"/>
+                </a:tc>
+                <a:extLst>
+                  <a:ext uri="{0D108BD9-81ED-4DB2-BD59-A6C34878D82A}">
+                    <a16:rowId xmlns:a16="http://schemas.microsoft.com/office/drawing/2014/main" val="1961843672"/>
+                  </a:ext>
+                </a:extLst>
+              </a:tr>
+              <a:tr h="260487">
+                <a:tc>
+                  <a:txBody>
+                    <a:bodyPr/>
+                    <a:lstStyle/>
+                    <a:p>
+                      <a:pPr algn="l" fontAlgn="b"/>
+                      <a:r>
+                        <a:rPr lang="en-US" sz="1200" u="none" strike="noStrike">
+                          <a:effectLst/>
+                        </a:rPr>
+                        <a:t>**YearsAtCompany**</a:t>
+                      </a:r>
+                      <a:endParaRPr lang="en-US" sz="1200" b="0" i="0" u="none" strike="noStrike">
+                        <a:solidFill>
+                          <a:srgbClr val="000000"/>
+                        </a:solidFill>
+                        <a:effectLst/>
+                        <a:latin typeface="Calibri" panose="020F0502020204030204" pitchFamily="34" charset="0"/>
+                      </a:endParaRPr>
+                    </a:p>
+                  </a:txBody>
+                  <a:tcPr marL="2162" marR="2162" marT="2162" marB="0" anchor="b"/>
+                </a:tc>
+                <a:tc>
+                  <a:txBody>
+                    <a:bodyPr/>
+                    <a:lstStyle/>
+                    <a:p>
+                      <a:pPr algn="ctr" fontAlgn="b"/>
+                      <a:r>
+                        <a:rPr lang="en-US" sz="1200" u="none" strike="noStrike">
+                          <a:effectLst/>
+                        </a:rPr>
+                        <a:t>0.02915</a:t>
+                      </a:r>
+                      <a:endParaRPr lang="en-US" sz="1200" b="0" i="0" u="none" strike="noStrike">
+                        <a:solidFill>
+                          <a:srgbClr val="000000"/>
+                        </a:solidFill>
+                        <a:effectLst/>
+                        <a:latin typeface="Calibri" panose="020F0502020204030204" pitchFamily="34" charset="0"/>
+                      </a:endParaRPr>
+                    </a:p>
+                  </a:txBody>
+                  <a:tcPr marL="2162" marR="2162" marT="2162" marB="0" anchor="b"/>
+                </a:tc>
+                <a:tc>
+                  <a:txBody>
+                    <a:bodyPr/>
+                    <a:lstStyle/>
+                    <a:p>
+                      <a:pPr algn="ctr" fontAlgn="b"/>
+                      <a:r>
+                        <a:rPr lang="en-US" sz="1200" u="none" strike="noStrike">
+                          <a:effectLst/>
+                        </a:rPr>
+                        <a:t>0.4699</a:t>
+                      </a:r>
+                      <a:endParaRPr lang="en-US" sz="1200" b="0" i="0" u="none" strike="noStrike">
+                        <a:solidFill>
+                          <a:srgbClr val="000000"/>
+                        </a:solidFill>
+                        <a:effectLst/>
+                        <a:latin typeface="Calibri" panose="020F0502020204030204" pitchFamily="34" charset="0"/>
+                      </a:endParaRPr>
+                    </a:p>
+                  </a:txBody>
+                  <a:tcPr marL="2162" marR="2162" marT="2162" marB="0" anchor="b"/>
+                </a:tc>
+                <a:extLst>
+                  <a:ext uri="{0D108BD9-81ED-4DB2-BD59-A6C34878D82A}">
+                    <a16:rowId xmlns:a16="http://schemas.microsoft.com/office/drawing/2014/main" val="2237311867"/>
+                  </a:ext>
+                </a:extLst>
+              </a:tr>
+              <a:tr h="260487">
+                <a:tc>
+                  <a:txBody>
+                    <a:bodyPr/>
+                    <a:lstStyle/>
+                    <a:p>
+                      <a:pPr algn="l" fontAlgn="ctr"/>
+                      <a:r>
+                        <a:rPr lang="en-US" sz="1200" u="none" strike="noStrike">
+                          <a:effectLst/>
+                        </a:rPr>
+                        <a:t>**JobRoleResearchDirector**</a:t>
+                      </a:r>
+                      <a:endParaRPr lang="en-US" sz="1200" b="0" i="0" u="none" strike="noStrike">
+                        <a:solidFill>
+                          <a:srgbClr val="24292E"/>
+                        </a:solidFill>
+                        <a:effectLst/>
+                        <a:latin typeface="Consolas" panose="020B0609020204030204" pitchFamily="49" charset="0"/>
+                      </a:endParaRPr>
+                    </a:p>
+                  </a:txBody>
+                  <a:tcPr marL="2162" marR="2162" marT="2162" marB="0" anchor="ctr"/>
+                </a:tc>
+                <a:tc>
+                  <a:txBody>
+                    <a:bodyPr/>
+                    <a:lstStyle/>
+                    <a:p>
+                      <a:pPr algn="ctr" fontAlgn="b"/>
+                      <a:r>
+                        <a:rPr lang="en-US" sz="1200" u="none" strike="noStrike">
+                          <a:effectLst/>
+                        </a:rPr>
+                        <a:t>-0.5145</a:t>
+                      </a:r>
+                      <a:endParaRPr lang="en-US" sz="1200" b="0" i="0" u="none" strike="noStrike">
+                        <a:solidFill>
+                          <a:srgbClr val="000000"/>
+                        </a:solidFill>
+                        <a:effectLst/>
+                        <a:latin typeface="Calibri" panose="020F0502020204030204" pitchFamily="34" charset="0"/>
+                      </a:endParaRPr>
+                    </a:p>
+                  </a:txBody>
+                  <a:tcPr marL="2162" marR="2162" marT="2162" marB="0" anchor="b"/>
+                </a:tc>
+                <a:tc>
+                  <a:txBody>
+                    <a:bodyPr/>
+                    <a:lstStyle/>
+                    <a:p>
+                      <a:pPr algn="ctr" fontAlgn="b"/>
+                      <a:r>
+                        <a:rPr lang="en-US" sz="1200" u="none" strike="noStrike">
+                          <a:effectLst/>
+                        </a:rPr>
+                        <a:t>0.5693</a:t>
+                      </a:r>
+                      <a:endParaRPr lang="en-US" sz="1200" b="0" i="0" u="none" strike="noStrike">
+                        <a:solidFill>
+                          <a:srgbClr val="000000"/>
+                        </a:solidFill>
+                        <a:effectLst/>
+                        <a:latin typeface="Calibri" panose="020F0502020204030204" pitchFamily="34" charset="0"/>
+                      </a:endParaRPr>
+                    </a:p>
+                  </a:txBody>
+                  <a:tcPr marL="2162" marR="2162" marT="2162" marB="0" anchor="b"/>
+                </a:tc>
+                <a:extLst>
+                  <a:ext uri="{0D108BD9-81ED-4DB2-BD59-A6C34878D82A}">
+                    <a16:rowId xmlns:a16="http://schemas.microsoft.com/office/drawing/2014/main" val="2031193229"/>
+                  </a:ext>
+                </a:extLst>
+              </a:tr>
+              <a:tr h="349369">
+                <a:tc>
+                  <a:txBody>
+                    <a:bodyPr/>
+                    <a:lstStyle/>
+                    <a:p>
+                      <a:pPr algn="l" fontAlgn="b"/>
+                      <a:r>
+                        <a:rPr lang="en-US" sz="1200" u="none" strike="noStrike">
+                          <a:effectLst/>
+                        </a:rPr>
+                        <a:t>**JobRoleManufacturingDirector**</a:t>
+                      </a:r>
+                      <a:endParaRPr lang="en-US" sz="1200" b="0" i="0" u="none" strike="noStrike">
+                        <a:solidFill>
+                          <a:srgbClr val="000000"/>
+                        </a:solidFill>
+                        <a:effectLst/>
+                        <a:latin typeface="Calibri" panose="020F0502020204030204" pitchFamily="34" charset="0"/>
+                      </a:endParaRPr>
+                    </a:p>
+                  </a:txBody>
+                  <a:tcPr marL="2162" marR="2162" marT="2162" marB="0" anchor="b"/>
+                </a:tc>
+                <a:tc>
+                  <a:txBody>
+                    <a:bodyPr/>
+                    <a:lstStyle/>
+                    <a:p>
+                      <a:pPr algn="ctr" fontAlgn="b"/>
+                      <a:r>
+                        <a:rPr lang="en-US" sz="1200" u="none" strike="noStrike">
+                          <a:effectLst/>
+                        </a:rPr>
+                        <a:t>0.269</a:t>
+                      </a:r>
+                      <a:endParaRPr lang="en-US" sz="1200" b="0" i="0" u="none" strike="noStrike">
+                        <a:solidFill>
+                          <a:srgbClr val="000000"/>
+                        </a:solidFill>
+                        <a:effectLst/>
+                        <a:latin typeface="Calibri" panose="020F0502020204030204" pitchFamily="34" charset="0"/>
+                      </a:endParaRPr>
+                    </a:p>
+                  </a:txBody>
+                  <a:tcPr marL="2162" marR="2162" marT="2162" marB="0" anchor="b"/>
+                </a:tc>
+                <a:tc>
+                  <a:txBody>
+                    <a:bodyPr/>
+                    <a:lstStyle/>
+                    <a:p>
+                      <a:pPr algn="ctr" fontAlgn="b"/>
+                      <a:r>
+                        <a:rPr lang="en-US" sz="1200" u="none" strike="noStrike" dirty="0">
+                          <a:effectLst/>
+                        </a:rPr>
+                        <a:t>0.6412</a:t>
+                      </a:r>
+                      <a:endParaRPr lang="en-US" sz="1200" b="0" i="0" u="none" strike="noStrike" dirty="0">
+                        <a:solidFill>
+                          <a:srgbClr val="000000"/>
+                        </a:solidFill>
+                        <a:effectLst/>
+                        <a:latin typeface="Calibri" panose="020F0502020204030204" pitchFamily="34" charset="0"/>
+                      </a:endParaRPr>
+                    </a:p>
+                  </a:txBody>
+                  <a:tcPr marL="2162" marR="2162" marT="2162" marB="0" anchor="b"/>
+                </a:tc>
+                <a:extLst>
+                  <a:ext uri="{0D108BD9-81ED-4DB2-BD59-A6C34878D82A}">
+                    <a16:rowId xmlns:a16="http://schemas.microsoft.com/office/drawing/2014/main" val="3603865704"/>
+                  </a:ext>
+                </a:extLst>
+              </a:tr>
+              <a:tr h="260487">
+                <a:tc>
+                  <a:txBody>
+                    <a:bodyPr/>
+                    <a:lstStyle/>
+                    <a:p>
+                      <a:pPr algn="l" fontAlgn="b"/>
+                      <a:r>
+                        <a:rPr lang="en-US" sz="1200" u="none" strike="noStrike">
+                          <a:effectLst/>
+                        </a:rPr>
+                        <a:t>**(Intercept)**</a:t>
+                      </a:r>
+                      <a:endParaRPr lang="en-US" sz="1200" b="0" i="0" u="none" strike="noStrike">
+                        <a:solidFill>
+                          <a:srgbClr val="000000"/>
+                        </a:solidFill>
+                        <a:effectLst/>
+                        <a:latin typeface="Calibri" panose="020F0502020204030204" pitchFamily="34" charset="0"/>
+                      </a:endParaRPr>
+                    </a:p>
+                  </a:txBody>
+                  <a:tcPr marL="2162" marR="2162" marT="2162" marB="0" anchor="b"/>
+                </a:tc>
+                <a:tc>
+                  <a:txBody>
+                    <a:bodyPr/>
+                    <a:lstStyle/>
+                    <a:p>
+                      <a:pPr algn="ctr" fontAlgn="b"/>
+                      <a:r>
+                        <a:rPr lang="en-US" sz="1200" u="none" strike="noStrike">
+                          <a:effectLst/>
+                        </a:rPr>
+                        <a:t>0.3174</a:t>
+                      </a:r>
+                      <a:endParaRPr lang="en-US" sz="1200" b="0" i="0" u="none" strike="noStrike">
+                        <a:solidFill>
+                          <a:srgbClr val="000000"/>
+                        </a:solidFill>
+                        <a:effectLst/>
+                        <a:latin typeface="Calibri" panose="020F0502020204030204" pitchFamily="34" charset="0"/>
+                      </a:endParaRPr>
+                    </a:p>
+                  </a:txBody>
+                  <a:tcPr marL="2162" marR="2162" marT="2162" marB="0" anchor="b"/>
+                </a:tc>
+                <a:tc>
+                  <a:txBody>
+                    <a:bodyPr/>
+                    <a:lstStyle/>
+                    <a:p>
+                      <a:pPr algn="ctr" fontAlgn="b"/>
+                      <a:r>
+                        <a:rPr lang="en-US" sz="1200" u="none" strike="noStrike" dirty="0">
+                          <a:effectLst/>
+                        </a:rPr>
+                        <a:t>0.7546</a:t>
+                      </a:r>
+                      <a:endParaRPr lang="en-US" sz="1200" b="0" i="0" u="none" strike="noStrike" dirty="0">
+                        <a:solidFill>
+                          <a:srgbClr val="000000"/>
+                        </a:solidFill>
+                        <a:effectLst/>
+                        <a:latin typeface="Calibri" panose="020F0502020204030204" pitchFamily="34" charset="0"/>
+                      </a:endParaRPr>
+                    </a:p>
+                  </a:txBody>
+                  <a:tcPr marL="2162" marR="2162" marT="2162" marB="0" anchor="b"/>
+                </a:tc>
+                <a:extLst>
+                  <a:ext uri="{0D108BD9-81ED-4DB2-BD59-A6C34878D82A}">
+                    <a16:rowId xmlns:a16="http://schemas.microsoft.com/office/drawing/2014/main" val="70924798"/>
+                  </a:ext>
+                </a:extLst>
+              </a:tr>
+              <a:tr h="260487">
+                <a:tc>
+                  <a:txBody>
+                    <a:bodyPr/>
+                    <a:lstStyle/>
+                    <a:p>
+                      <a:pPr algn="l" fontAlgn="b"/>
+                      <a:r>
+                        <a:rPr lang="en-US" sz="1200" u="none" strike="noStrike">
+                          <a:effectLst/>
+                        </a:rPr>
+                        <a:t>**JobRoleManager**</a:t>
+                      </a:r>
+                      <a:endParaRPr lang="en-US" sz="1200" b="0" i="0" u="none" strike="noStrike">
+                        <a:solidFill>
+                          <a:srgbClr val="000000"/>
+                        </a:solidFill>
+                        <a:effectLst/>
+                        <a:latin typeface="Calibri" panose="020F0502020204030204" pitchFamily="34" charset="0"/>
+                      </a:endParaRPr>
+                    </a:p>
+                  </a:txBody>
+                  <a:tcPr marL="2162" marR="2162" marT="2162" marB="0" anchor="b"/>
+                </a:tc>
+                <a:tc>
+                  <a:txBody>
+                    <a:bodyPr/>
+                    <a:lstStyle/>
+                    <a:p>
+                      <a:pPr algn="ctr" fontAlgn="b"/>
+                      <a:r>
+                        <a:rPr lang="en-US" sz="1200" u="none" strike="noStrike">
+                          <a:effectLst/>
+                        </a:rPr>
+                        <a:t>-0.1384</a:t>
+                      </a:r>
+                      <a:endParaRPr lang="en-US" sz="1200" b="0" i="0" u="none" strike="noStrike">
+                        <a:solidFill>
+                          <a:srgbClr val="000000"/>
+                        </a:solidFill>
+                        <a:effectLst/>
+                        <a:latin typeface="Calibri" panose="020F0502020204030204" pitchFamily="34" charset="0"/>
+                      </a:endParaRPr>
+                    </a:p>
+                  </a:txBody>
+                  <a:tcPr marL="2162" marR="2162" marT="2162" marB="0" anchor="b"/>
+                </a:tc>
+                <a:tc>
+                  <a:txBody>
+                    <a:bodyPr/>
+                    <a:lstStyle/>
+                    <a:p>
+                      <a:pPr algn="ctr" fontAlgn="b"/>
+                      <a:r>
+                        <a:rPr lang="en-US" sz="1200" u="none" strike="noStrike" dirty="0">
+                          <a:effectLst/>
+                        </a:rPr>
+                        <a:t>0.8604</a:t>
+                      </a:r>
+                      <a:endParaRPr lang="en-US" sz="1200" b="0" i="0" u="none" strike="noStrike" dirty="0">
+                        <a:solidFill>
+                          <a:srgbClr val="000000"/>
+                        </a:solidFill>
+                        <a:effectLst/>
+                        <a:latin typeface="Calibri" panose="020F0502020204030204" pitchFamily="34" charset="0"/>
+                      </a:endParaRPr>
+                    </a:p>
+                  </a:txBody>
+                  <a:tcPr marL="2162" marR="2162" marT="2162" marB="0" anchor="b"/>
+                </a:tc>
+                <a:extLst>
+                  <a:ext uri="{0D108BD9-81ED-4DB2-BD59-A6C34878D82A}">
+                    <a16:rowId xmlns:a16="http://schemas.microsoft.com/office/drawing/2014/main" val="1717331087"/>
+                  </a:ext>
+                </a:extLst>
+              </a:tr>
+            </a:tbl>
+          </a:graphicData>
+        </a:graphic>
+      </p:graphicFrame>
+    </p:spTree>
+    <p:extLst>
+      <p:ext uri="{BB962C8B-B14F-4D97-AF65-F5344CB8AC3E}">
+        <p14:creationId xmlns:p14="http://schemas.microsoft.com/office/powerpoint/2010/main" val="432169422"/>
+      </p:ext>
+    </p:extLst>
+  </p:cSld>
+  <p:clrMapOvr>
+    <a:masterClrMapping/>
+  </p:clrMapOvr>
+</p:sld>
+</file>
+
+<file path=ppt/slides/slide11.xml><?xml version="1.0" encoding="utf-8"?>
+<p:sld xmlns:a="http://schemas.openxmlformats.org/drawingml/2006/main" xmlns:r="http://schemas.openxmlformats.org/officeDocument/2006/relationships" xmlns:p="http://schemas.openxmlformats.org/presentationml/2006/main">
+  <p:cSld>
+    <p:spTree>
+      <p:nvGrpSpPr>
+        <p:cNvPr id="1" name=""/>
+        <p:cNvGrpSpPr/>
+        <p:nvPr/>
+      </p:nvGrpSpPr>
+      <p:grpSpPr>
+        <a:xfrm>
+          <a:off x="0" y="0"/>
+          <a:ext cx="0" cy="0"/>
+          <a:chOff x="0" y="0"/>
+          <a:chExt cx="0" cy="0"/>
+        </a:xfrm>
+      </p:grpSpPr>
+      <p:sp>
+        <p:nvSpPr>
+          <p:cNvPr id="2" name="Title 1">
+            <a:extLst>
+              <a:ext uri="{FF2B5EF4-FFF2-40B4-BE49-F238E27FC236}">
+                <a16:creationId xmlns:a16="http://schemas.microsoft.com/office/drawing/2014/main" id="{86274AB9-DA7A-4630-B9A6-8B6BB1752342}"/>
+              </a:ext>
+            </a:extLst>
+          </p:cNvPr>
+          <p:cNvSpPr>
+            <a:spLocks noGrp="1"/>
+          </p:cNvSpPr>
+          <p:nvPr>
+            <p:ph type="title"/>
+          </p:nvPr>
+        </p:nvSpPr>
+        <p:spPr/>
+        <p:txBody>
+          <a:bodyPr/>
+          <a:lstStyle/>
+          <a:p>
+            <a:r>
+              <a:rPr lang="en-US" dirty="0"/>
+              <a:t>Predictions and results</a:t>
+            </a:r>
+          </a:p>
+        </p:txBody>
+      </p:sp>
+      <p:sp>
+        <p:nvSpPr>
+          <p:cNvPr id="3" name="Text Placeholder 2">
+            <a:extLst>
+              <a:ext uri="{FF2B5EF4-FFF2-40B4-BE49-F238E27FC236}">
+                <a16:creationId xmlns:a16="http://schemas.microsoft.com/office/drawing/2014/main" id="{A05C094E-36BB-4CC7-AA38-D1DD38A69DD8}"/>
+              </a:ext>
+            </a:extLst>
+          </p:cNvPr>
+          <p:cNvSpPr>
+            <a:spLocks noGrp="1"/>
+          </p:cNvSpPr>
+          <p:nvPr>
+            <p:ph type="body" idx="1"/>
+          </p:nvPr>
+        </p:nvSpPr>
+        <p:spPr/>
+        <p:txBody>
+          <a:bodyPr/>
+          <a:lstStyle/>
+          <a:p>
+            <a:endParaRPr lang="en-US"/>
+          </a:p>
+        </p:txBody>
+      </p:sp>
+    </p:spTree>
+    <p:extLst>
+      <p:ext uri="{BB962C8B-B14F-4D97-AF65-F5344CB8AC3E}">
+        <p14:creationId xmlns:p14="http://schemas.microsoft.com/office/powerpoint/2010/main" val="4184466029"/>
+      </p:ext>
+    </p:extLst>
+  </p:cSld>
+  <p:clrMapOvr>
+    <a:masterClrMapping/>
+  </p:clrMapOvr>
+</p:sld>
+</file>
+
+<file path=ppt/slides/slide12.xml><?xml version="1.0" encoding="utf-8"?>
+<p:sld xmlns:a="http://schemas.openxmlformats.org/drawingml/2006/main" xmlns:r="http://schemas.openxmlformats.org/officeDocument/2006/relationships" xmlns:p="http://schemas.openxmlformats.org/presentationml/2006/main">
+  <p:cSld>
+    <p:spTree>
+      <p:nvGrpSpPr>
+        <p:cNvPr id="1" name=""/>
+        <p:cNvGrpSpPr/>
+        <p:nvPr/>
+      </p:nvGrpSpPr>
+      <p:grpSpPr>
+        <a:xfrm>
+          <a:off x="0" y="0"/>
+          <a:ext cx="0" cy="0"/>
+          <a:chOff x="0" y="0"/>
+          <a:chExt cx="0" cy="0"/>
+        </a:xfrm>
+      </p:grpSpPr>
+      <p:sp>
+        <p:nvSpPr>
+          <p:cNvPr id="2" name="Title 1">
+            <a:extLst>
+              <a:ext uri="{FF2B5EF4-FFF2-40B4-BE49-F238E27FC236}">
+                <a16:creationId xmlns:a16="http://schemas.microsoft.com/office/drawing/2014/main" id="{C0C07857-3EBA-4877-9508-FA0B70BD7373}"/>
+              </a:ext>
+            </a:extLst>
+          </p:cNvPr>
+          <p:cNvSpPr>
+            <a:spLocks noGrp="1"/>
+          </p:cNvSpPr>
+          <p:nvPr>
+            <p:ph type="title"/>
+          </p:nvPr>
+        </p:nvSpPr>
+        <p:spPr/>
+        <p:txBody>
+          <a:bodyPr/>
+          <a:lstStyle/>
+          <a:p>
+            <a:endParaRPr lang="en-US"/>
+          </a:p>
+        </p:txBody>
+      </p:sp>
+    </p:spTree>
+    <p:extLst>
+      <p:ext uri="{BB962C8B-B14F-4D97-AF65-F5344CB8AC3E}">
+        <p14:creationId xmlns:p14="http://schemas.microsoft.com/office/powerpoint/2010/main" val="2993598804"/>
+      </p:ext>
+    </p:extLst>
+  </p:cSld>
+  <p:clrMapOvr>
+    <a:masterClrMapping/>
+  </p:clrMapOvr>
+</p:sld>
+</file>
+
+<file path=ppt/slides/slide13.xml><?xml version="1.0" encoding="utf-8"?>
+<p:sld xmlns:a="http://schemas.openxmlformats.org/drawingml/2006/main" xmlns:r="http://schemas.openxmlformats.org/officeDocument/2006/relationships" xmlns:p="http://schemas.openxmlformats.org/presentationml/2006/main">
+  <p:cSld>
+    <p:spTree>
+      <p:nvGrpSpPr>
+        <p:cNvPr id="1" name=""/>
+        <p:cNvGrpSpPr/>
+        <p:nvPr/>
+      </p:nvGrpSpPr>
+      <p:grpSpPr>
+        <a:xfrm>
+          <a:off x="0" y="0"/>
+          <a:ext cx="0" cy="0"/>
+          <a:chOff x="0" y="0"/>
+          <a:chExt cx="0" cy="0"/>
+        </a:xfrm>
+      </p:grpSpPr>
+      <p:sp>
+        <p:nvSpPr>
+          <p:cNvPr id="2" name="Title 1">
+            <a:extLst>
+              <a:ext uri="{FF2B5EF4-FFF2-40B4-BE49-F238E27FC236}">
+                <a16:creationId xmlns:a16="http://schemas.microsoft.com/office/drawing/2014/main" id="{86274AB9-DA7A-4630-B9A6-8B6BB1752342}"/>
+              </a:ext>
+            </a:extLst>
+          </p:cNvPr>
+          <p:cNvSpPr>
+            <a:spLocks noGrp="1"/>
+          </p:cNvSpPr>
+          <p:nvPr>
+            <p:ph type="title"/>
+          </p:nvPr>
+        </p:nvSpPr>
+        <p:spPr/>
+        <p:txBody>
+          <a:bodyPr/>
+          <a:lstStyle/>
+          <a:p>
+            <a:r>
+              <a:rPr lang="en-US" dirty="0"/>
+              <a:t>appendix</a:t>
+            </a:r>
+          </a:p>
+        </p:txBody>
+      </p:sp>
+      <p:sp>
+        <p:nvSpPr>
+          <p:cNvPr id="3" name="Text Placeholder 2">
+            <a:extLst>
+              <a:ext uri="{FF2B5EF4-FFF2-40B4-BE49-F238E27FC236}">
+                <a16:creationId xmlns:a16="http://schemas.microsoft.com/office/drawing/2014/main" id="{A05C094E-36BB-4CC7-AA38-D1DD38A69DD8}"/>
+              </a:ext>
+            </a:extLst>
+          </p:cNvPr>
+          <p:cNvSpPr>
+            <a:spLocks noGrp="1"/>
+          </p:cNvSpPr>
+          <p:nvPr>
+            <p:ph type="body" idx="1"/>
+          </p:nvPr>
+        </p:nvSpPr>
+        <p:spPr/>
+        <p:txBody>
+          <a:bodyPr/>
+          <a:lstStyle/>
+          <a:p>
+            <a:endParaRPr lang="en-US"/>
+          </a:p>
+        </p:txBody>
+      </p:sp>
+    </p:spTree>
+    <p:extLst>
+      <p:ext uri="{BB962C8B-B14F-4D97-AF65-F5344CB8AC3E}">
+        <p14:creationId xmlns:p14="http://schemas.microsoft.com/office/powerpoint/2010/main" val="2574946965"/>
+      </p:ext>
+    </p:extLst>
+  </p:cSld>
+  <p:clrMapOvr>
+    <a:masterClrMapping/>
+  </p:clrMapOvr>
+</p:sld>
+</file>
+
+<file path=ppt/slides/slide14.xml><?xml version="1.0" encoding="utf-8"?>
+<p:sld xmlns:a="http://schemas.openxmlformats.org/drawingml/2006/main" xmlns:r="http://schemas.openxmlformats.org/officeDocument/2006/relationships" xmlns:p="http://schemas.openxmlformats.org/presentationml/2006/main">
+  <p:cSld>
+    <p:spTree>
+      <p:nvGrpSpPr>
+        <p:cNvPr id="1" name=""/>
+        <p:cNvGrpSpPr/>
+        <p:nvPr/>
+      </p:nvGrpSpPr>
+      <p:grpSpPr>
+        <a:xfrm>
+          <a:off x="0" y="0"/>
+          <a:ext cx="0" cy="0"/>
+          <a:chOff x="0" y="0"/>
+          <a:chExt cx="0" cy="0"/>
+        </a:xfrm>
+      </p:grpSpPr>
+      <p:sp>
+        <p:nvSpPr>
+          <p:cNvPr id="2" name="Title 1">
+            <a:extLst>
+              <a:ext uri="{FF2B5EF4-FFF2-40B4-BE49-F238E27FC236}">
                 <a16:creationId xmlns:a16="http://schemas.microsoft.com/office/drawing/2014/main" id="{CDEC4ADE-5E0D-46F5-8F9D-B939CC9545FB}"/>
               </a:ext>
             </a:extLst>
@@ -12360,8 +15687,8 @@
         </p:nvSpPr>
         <p:spPr>
           <a:xfrm>
-            <a:off x="7763412" y="2299280"/>
-            <a:ext cx="3295650" cy="3476637"/>
+            <a:off x="7727840" y="2299280"/>
+            <a:ext cx="3331222" cy="3476637"/>
           </a:xfrm>
           <a:prstGeom prst="rect">
             <a:avLst/>
@@ -12412,8 +15739,8 @@
         </p:nvSpPr>
         <p:spPr>
           <a:xfrm>
-            <a:off x="4415374" y="2758423"/>
-            <a:ext cx="3358778" cy="3017494"/>
+            <a:off x="4291993" y="2758423"/>
+            <a:ext cx="3435847" cy="3017494"/>
           </a:xfrm>
           <a:prstGeom prst="rect">
             <a:avLst/>
@@ -12464,8 +15791,8 @@
         </p:nvSpPr>
         <p:spPr>
           <a:xfrm>
-            <a:off x="966418" y="3209925"/>
-            <a:ext cx="3448419" cy="2565992"/>
+            <a:off x="966419" y="3209925"/>
+            <a:ext cx="3325574" cy="2565992"/>
           </a:xfrm>
           <a:prstGeom prst="rect">
             <a:avLst/>
@@ -12735,7 +16062,7 @@
           <a:p>
             <a:r>
               <a:rPr lang="en-US" dirty="0"/>
-              <a:t>Exploratory Data Analysis</a:t>
+              <a:t>EXPLORATORY DATA ANALYSIS</a:t>
             </a:r>
           </a:p>
         </p:txBody>
@@ -12761,7 +16088,10 @@
           <a:bodyPr/>
           <a:lstStyle/>
           <a:p>
-            <a:endParaRPr lang="en-US"/>
+            <a:r>
+              <a:rPr lang="en-US" dirty="0"/>
+              <a:t>Includes some relevant variables</a:t>
+            </a:r>
           </a:p>
         </p:txBody>
       </p:sp>
@@ -12779,6 +16109,1257 @@
 </file>
 
 <file path=ppt/slides/slide5.xml><?xml version="1.0" encoding="utf-8"?>
+<p:sld xmlns:a="http://schemas.openxmlformats.org/drawingml/2006/main" xmlns:r="http://schemas.openxmlformats.org/officeDocument/2006/relationships" xmlns:p="http://schemas.openxmlformats.org/presentationml/2006/main">
+  <p:cSld>
+    <p:spTree>
+      <p:nvGrpSpPr>
+        <p:cNvPr id="1" name=""/>
+        <p:cNvGrpSpPr/>
+        <p:nvPr/>
+      </p:nvGrpSpPr>
+      <p:grpSpPr>
+        <a:xfrm>
+          <a:off x="0" y="0"/>
+          <a:ext cx="0" cy="0"/>
+          <a:chOff x="0" y="0"/>
+          <a:chExt cx="0" cy="0"/>
+        </a:xfrm>
+      </p:grpSpPr>
+      <p:pic>
+        <p:nvPicPr>
+          <p:cNvPr id="12" name="Picture 11">
+            <a:extLst>
+              <a:ext uri="{FF2B5EF4-FFF2-40B4-BE49-F238E27FC236}">
+                <a16:creationId xmlns:a16="http://schemas.microsoft.com/office/drawing/2014/main" id="{2A123BA0-5486-4C9D-AC36-3037AC1B4AE6}"/>
+              </a:ext>
+            </a:extLst>
+          </p:cNvPr>
+          <p:cNvPicPr>
+            <a:picLocks noChangeAspect="1"/>
+          </p:cNvPicPr>
+          <p:nvPr/>
+        </p:nvPicPr>
+        <p:blipFill rotWithShape="1">
+          <a:blip r:embed="rId3"/>
+          <a:srcRect t="7785"/>
+          <a:stretch/>
+        </p:blipFill>
+        <p:spPr>
+          <a:xfrm>
+            <a:off x="5118824" y="2202167"/>
+            <a:ext cx="4619520" cy="3995796"/>
+          </a:xfrm>
+          <a:prstGeom prst="rect">
+            <a:avLst/>
+          </a:prstGeom>
+        </p:spPr>
+      </p:pic>
+      <p:sp>
+        <p:nvSpPr>
+          <p:cNvPr id="2" name="Title 1">
+            <a:extLst>
+              <a:ext uri="{FF2B5EF4-FFF2-40B4-BE49-F238E27FC236}">
+                <a16:creationId xmlns:a16="http://schemas.microsoft.com/office/drawing/2014/main" id="{CD259112-D4DC-4485-AC11-7AA7BD783391}"/>
+              </a:ext>
+            </a:extLst>
+          </p:cNvPr>
+          <p:cNvSpPr>
+            <a:spLocks noGrp="1"/>
+          </p:cNvSpPr>
+          <p:nvPr>
+            <p:ph type="title"/>
+          </p:nvPr>
+        </p:nvSpPr>
+        <p:spPr>
+          <a:xfrm>
+            <a:off x="433017" y="729658"/>
+            <a:ext cx="11430369" cy="476452"/>
+          </a:xfrm>
+        </p:spPr>
+        <p:txBody>
+          <a:bodyPr>
+            <a:normAutofit fontScale="90000"/>
+          </a:bodyPr>
+          <a:lstStyle/>
+          <a:p>
+            <a:r>
+              <a:rPr lang="en-US" dirty="0"/>
+              <a:t>Attrition by: income, distance from home and stock option levels</a:t>
+            </a:r>
+          </a:p>
+        </p:txBody>
+      </p:sp>
+      <p:pic>
+        <p:nvPicPr>
+          <p:cNvPr id="3" name="Picture 2">
+            <a:extLst>
+              <a:ext uri="{FF2B5EF4-FFF2-40B4-BE49-F238E27FC236}">
+                <a16:creationId xmlns:a16="http://schemas.microsoft.com/office/drawing/2014/main" id="{9C0A67B1-51E6-4A75-97C0-C86BEBB810CC}"/>
+              </a:ext>
+            </a:extLst>
+          </p:cNvPr>
+          <p:cNvPicPr>
+            <a:picLocks noChangeAspect="1"/>
+          </p:cNvPicPr>
+          <p:nvPr/>
+        </p:nvPicPr>
+        <p:blipFill rotWithShape="1">
+          <a:blip r:embed="rId4"/>
+          <a:srcRect t="10361"/>
+          <a:stretch/>
+        </p:blipFill>
+        <p:spPr>
+          <a:xfrm>
+            <a:off x="2546340" y="2189737"/>
+            <a:ext cx="1146439" cy="3995796"/>
+          </a:xfrm>
+          <a:prstGeom prst="rect">
+            <a:avLst/>
+          </a:prstGeom>
+        </p:spPr>
+      </p:pic>
+      <p:sp>
+        <p:nvSpPr>
+          <p:cNvPr id="5" name="TextBox 4">
+            <a:extLst>
+              <a:ext uri="{FF2B5EF4-FFF2-40B4-BE49-F238E27FC236}">
+                <a16:creationId xmlns:a16="http://schemas.microsoft.com/office/drawing/2014/main" id="{E2EDC9C9-7AA7-4EB4-B067-CD98CE47AE5C}"/>
+              </a:ext>
+            </a:extLst>
+          </p:cNvPr>
+          <p:cNvSpPr txBox="1"/>
+          <p:nvPr/>
+        </p:nvSpPr>
+        <p:spPr>
+          <a:xfrm>
+            <a:off x="2571180" y="1639041"/>
+            <a:ext cx="2312302" cy="461665"/>
+          </a:xfrm>
+          <a:prstGeom prst="rect">
+            <a:avLst/>
+          </a:prstGeom>
+          <a:noFill/>
+        </p:spPr>
+        <p:txBody>
+          <a:bodyPr wrap="square" rtlCol="0">
+            <a:spAutoFit/>
+          </a:bodyPr>
+          <a:lstStyle/>
+          <a:p>
+            <a:r>
+              <a:rPr lang="en-US" sz="2400" dirty="0">
+                <a:solidFill>
+                  <a:schemeClr val="accent2"/>
+                </a:solidFill>
+              </a:rPr>
+              <a:t>Monthly Income</a:t>
+            </a:r>
+          </a:p>
+        </p:txBody>
+      </p:sp>
+      <p:sp>
+        <p:nvSpPr>
+          <p:cNvPr id="6" name="Speech Bubble: Rectangle 5">
+            <a:extLst>
+              <a:ext uri="{FF2B5EF4-FFF2-40B4-BE49-F238E27FC236}">
+                <a16:creationId xmlns:a16="http://schemas.microsoft.com/office/drawing/2014/main" id="{CD02CDB4-971E-4880-A5BE-48D8F039DB93}"/>
+              </a:ext>
+            </a:extLst>
+          </p:cNvPr>
+          <p:cNvSpPr/>
+          <p:nvPr/>
+        </p:nvSpPr>
+        <p:spPr>
+          <a:xfrm>
+            <a:off x="3727331" y="2859313"/>
+            <a:ext cx="1172710" cy="1001916"/>
+          </a:xfrm>
+          <a:prstGeom prst="wedgeRectCallout">
+            <a:avLst>
+              <a:gd name="adj1" fmla="val -38481"/>
+              <a:gd name="adj2" fmla="val 71974"/>
+            </a:avLst>
+          </a:prstGeom>
+          <a:solidFill>
+            <a:schemeClr val="bg2"/>
+          </a:solidFill>
+          <a:ln w="9525" cap="flat" cmpd="sng" algn="ctr">
+            <a:solidFill>
+              <a:schemeClr val="accent1"/>
+            </a:solidFill>
+            <a:prstDash val="solid"/>
+            <a:round/>
+            <a:headEnd type="none" w="med" len="med"/>
+            <a:tailEnd type="none" w="med" len="med"/>
+          </a:ln>
+        </p:spPr>
+        <p:style>
+          <a:lnRef idx="0">
+            <a:scrgbClr r="0" g="0" b="0"/>
+          </a:lnRef>
+          <a:fillRef idx="0">
+            <a:scrgbClr r="0" g="0" b="0"/>
+          </a:fillRef>
+          <a:effectRef idx="0">
+            <a:scrgbClr r="0" g="0" b="0"/>
+          </a:effectRef>
+          <a:fontRef idx="minor">
+            <a:schemeClr val="accent1"/>
+          </a:fontRef>
+        </p:style>
+        <p:txBody>
+          <a:bodyPr rtlCol="0" anchor="ctr"/>
+          <a:lstStyle/>
+          <a:p>
+            <a:r>
+              <a:rPr lang="en-US" sz="1200" dirty="0"/>
+              <a:t>Attrition seems to happen with employees with lower monthly incomes</a:t>
+            </a:r>
+          </a:p>
+        </p:txBody>
+      </p:sp>
+      <p:sp>
+        <p:nvSpPr>
+          <p:cNvPr id="9" name="TextBox 8">
+            <a:extLst>
+              <a:ext uri="{FF2B5EF4-FFF2-40B4-BE49-F238E27FC236}">
+                <a16:creationId xmlns:a16="http://schemas.microsoft.com/office/drawing/2014/main" id="{204436B1-F1E5-4AF4-8BF1-72438371E6EA}"/>
+              </a:ext>
+            </a:extLst>
+          </p:cNvPr>
+          <p:cNvSpPr txBox="1"/>
+          <p:nvPr/>
+        </p:nvSpPr>
+        <p:spPr>
+          <a:xfrm>
+            <a:off x="6193723" y="1639041"/>
+            <a:ext cx="3164619" cy="461665"/>
+          </a:xfrm>
+          <a:prstGeom prst="rect">
+            <a:avLst/>
+          </a:prstGeom>
+          <a:noFill/>
+        </p:spPr>
+        <p:txBody>
+          <a:bodyPr wrap="square" rtlCol="0">
+            <a:spAutoFit/>
+          </a:bodyPr>
+          <a:lstStyle/>
+          <a:p>
+            <a:r>
+              <a:rPr lang="en-US" sz="2400" dirty="0">
+                <a:solidFill>
+                  <a:schemeClr val="accent2"/>
+                </a:solidFill>
+              </a:rPr>
+              <a:t>Distance From Home</a:t>
+            </a:r>
+          </a:p>
+        </p:txBody>
+      </p:sp>
+      <p:sp>
+        <p:nvSpPr>
+          <p:cNvPr id="10" name="Speech Bubble: Rectangle 9">
+            <a:extLst>
+              <a:ext uri="{FF2B5EF4-FFF2-40B4-BE49-F238E27FC236}">
+                <a16:creationId xmlns:a16="http://schemas.microsoft.com/office/drawing/2014/main" id="{157FD206-875C-4A9C-9298-8C30DF85AF09}"/>
+              </a:ext>
+            </a:extLst>
+          </p:cNvPr>
+          <p:cNvSpPr/>
+          <p:nvPr/>
+        </p:nvSpPr>
+        <p:spPr>
+          <a:xfrm>
+            <a:off x="6443921" y="3116487"/>
+            <a:ext cx="2391727" cy="957915"/>
+          </a:xfrm>
+          <a:prstGeom prst="wedgeRectCallout">
+            <a:avLst>
+              <a:gd name="adj1" fmla="val 30345"/>
+              <a:gd name="adj2" fmla="val 42341"/>
+            </a:avLst>
+          </a:prstGeom>
+          <a:solidFill>
+            <a:schemeClr val="bg2"/>
+          </a:solidFill>
+          <a:ln w="9525" cap="flat" cmpd="sng" algn="ctr">
+            <a:solidFill>
+              <a:schemeClr val="accent1"/>
+            </a:solidFill>
+            <a:prstDash val="solid"/>
+            <a:round/>
+            <a:headEnd type="none" w="med" len="med"/>
+            <a:tailEnd type="none" w="med" len="med"/>
+          </a:ln>
+        </p:spPr>
+        <p:style>
+          <a:lnRef idx="0">
+            <a:scrgbClr r="0" g="0" b="0"/>
+          </a:lnRef>
+          <a:fillRef idx="0">
+            <a:scrgbClr r="0" g="0" b="0"/>
+          </a:fillRef>
+          <a:effectRef idx="0">
+            <a:scrgbClr r="0" g="0" b="0"/>
+          </a:effectRef>
+          <a:fontRef idx="minor">
+            <a:schemeClr val="accent1"/>
+          </a:fontRef>
+        </p:style>
+        <p:txBody>
+          <a:bodyPr rtlCol="0" anchor="ctr"/>
+          <a:lstStyle/>
+          <a:p>
+            <a:r>
+              <a:rPr lang="en-US" sz="1200" dirty="0"/>
+              <a:t>12, 13, 22, and 24 miles from home seem to have higher percentages than the rest. Closer to home has lower percentages of attrition</a:t>
+            </a:r>
+          </a:p>
+        </p:txBody>
+      </p:sp>
+      <p:sp>
+        <p:nvSpPr>
+          <p:cNvPr id="13" name="Oval 12">
+            <a:extLst>
+              <a:ext uri="{FF2B5EF4-FFF2-40B4-BE49-F238E27FC236}">
+                <a16:creationId xmlns:a16="http://schemas.microsoft.com/office/drawing/2014/main" id="{45353138-2985-4542-8E0D-9747B3E134D0}"/>
+              </a:ext>
+            </a:extLst>
+          </p:cNvPr>
+          <p:cNvSpPr/>
+          <p:nvPr/>
+        </p:nvSpPr>
+        <p:spPr>
+          <a:xfrm>
+            <a:off x="8438848" y="4183929"/>
+            <a:ext cx="516945" cy="1609585"/>
+          </a:xfrm>
+          <a:prstGeom prst="ellipse">
+            <a:avLst/>
+          </a:prstGeom>
+          <a:solidFill>
+            <a:schemeClr val="accent3">
+              <a:alpha val="39000"/>
+            </a:schemeClr>
+          </a:solidFill>
+          <a:ln>
+            <a:prstDash val="dashDot"/>
+          </a:ln>
+        </p:spPr>
+        <p:style>
+          <a:lnRef idx="2">
+            <a:schemeClr val="accent1">
+              <a:shade val="50000"/>
+            </a:schemeClr>
+          </a:lnRef>
+          <a:fillRef idx="1">
+            <a:schemeClr val="accent1"/>
+          </a:fillRef>
+          <a:effectRef idx="0">
+            <a:schemeClr val="accent1"/>
+          </a:effectRef>
+          <a:fontRef idx="minor">
+            <a:schemeClr val="lt1"/>
+          </a:fontRef>
+        </p:style>
+        <p:txBody>
+          <a:bodyPr rtlCol="0" anchor="ctr"/>
+          <a:lstStyle/>
+          <a:p>
+            <a:pPr algn="ctr"/>
+            <a:endParaRPr lang="en-US"/>
+          </a:p>
+        </p:txBody>
+      </p:sp>
+      <p:sp>
+        <p:nvSpPr>
+          <p:cNvPr id="14" name="Oval 13">
+            <a:extLst>
+              <a:ext uri="{FF2B5EF4-FFF2-40B4-BE49-F238E27FC236}">
+                <a16:creationId xmlns:a16="http://schemas.microsoft.com/office/drawing/2014/main" id="{2E82A393-C92F-45F3-BCD3-555556F2FB94}"/>
+              </a:ext>
+            </a:extLst>
+          </p:cNvPr>
+          <p:cNvSpPr/>
+          <p:nvPr/>
+        </p:nvSpPr>
+        <p:spPr>
+          <a:xfrm>
+            <a:off x="7069715" y="4619169"/>
+            <a:ext cx="562665" cy="1209305"/>
+          </a:xfrm>
+          <a:prstGeom prst="ellipse">
+            <a:avLst/>
+          </a:prstGeom>
+          <a:solidFill>
+            <a:schemeClr val="accent3">
+              <a:alpha val="39000"/>
+            </a:schemeClr>
+          </a:solidFill>
+          <a:ln>
+            <a:prstDash val="dashDot"/>
+          </a:ln>
+        </p:spPr>
+        <p:style>
+          <a:lnRef idx="2">
+            <a:schemeClr val="accent1">
+              <a:shade val="50000"/>
+            </a:schemeClr>
+          </a:lnRef>
+          <a:fillRef idx="1">
+            <a:schemeClr val="accent1"/>
+          </a:fillRef>
+          <a:effectRef idx="0">
+            <a:schemeClr val="accent1"/>
+          </a:effectRef>
+          <a:fontRef idx="minor">
+            <a:schemeClr val="lt1"/>
+          </a:fontRef>
+        </p:style>
+        <p:txBody>
+          <a:bodyPr rtlCol="0" anchor="ctr"/>
+          <a:lstStyle/>
+          <a:p>
+            <a:pPr algn="ctr"/>
+            <a:endParaRPr lang="en-US"/>
+          </a:p>
+        </p:txBody>
+      </p:sp>
+      <p:pic>
+        <p:nvPicPr>
+          <p:cNvPr id="15" name="Picture 14">
+            <a:extLst>
+              <a:ext uri="{FF2B5EF4-FFF2-40B4-BE49-F238E27FC236}">
+                <a16:creationId xmlns:a16="http://schemas.microsoft.com/office/drawing/2014/main" id="{10A34A53-959E-49FD-A132-17E59C06E18C}"/>
+              </a:ext>
+            </a:extLst>
+          </p:cNvPr>
+          <p:cNvPicPr>
+            <a:picLocks noChangeAspect="1"/>
+          </p:cNvPicPr>
+          <p:nvPr/>
+        </p:nvPicPr>
+        <p:blipFill rotWithShape="1">
+          <a:blip r:embed="rId5"/>
+          <a:srcRect l="81927" t="6383" r="8237" b="83715"/>
+          <a:stretch/>
+        </p:blipFill>
+        <p:spPr>
+          <a:xfrm>
+            <a:off x="367161" y="6052259"/>
+            <a:ext cx="785941" cy="617320"/>
+          </a:xfrm>
+          <a:prstGeom prst="rect">
+            <a:avLst/>
+          </a:prstGeom>
+          <a:solidFill>
+            <a:schemeClr val="bg2"/>
+          </a:solidFill>
+          <a:ln>
+            <a:solidFill>
+              <a:schemeClr val="tx2"/>
+            </a:solidFill>
+          </a:ln>
+        </p:spPr>
+      </p:pic>
+      <p:cxnSp>
+        <p:nvCxnSpPr>
+          <p:cNvPr id="17" name="Straight Arrow Connector 16">
+            <a:extLst>
+              <a:ext uri="{FF2B5EF4-FFF2-40B4-BE49-F238E27FC236}">
+                <a16:creationId xmlns:a16="http://schemas.microsoft.com/office/drawing/2014/main" id="{CFC51EE9-7129-47FE-A87F-E5B0FDF8D765}"/>
+              </a:ext>
+            </a:extLst>
+          </p:cNvPr>
+          <p:cNvCxnSpPr/>
+          <p:nvPr/>
+        </p:nvCxnSpPr>
+        <p:spPr>
+          <a:xfrm flipH="1">
+            <a:off x="7212933" y="4118854"/>
+            <a:ext cx="421351" cy="495300"/>
+          </a:xfrm>
+          <a:prstGeom prst="straightConnector1">
+            <a:avLst/>
+          </a:prstGeom>
+          <a:ln>
+            <a:tailEnd type="triangle"/>
+          </a:ln>
+        </p:spPr>
+        <p:style>
+          <a:lnRef idx="1">
+            <a:schemeClr val="accent1"/>
+          </a:lnRef>
+          <a:fillRef idx="0">
+            <a:schemeClr val="accent1"/>
+          </a:fillRef>
+          <a:effectRef idx="0">
+            <a:schemeClr val="accent1"/>
+          </a:effectRef>
+          <a:fontRef idx="minor">
+            <a:schemeClr val="tx1"/>
+          </a:fontRef>
+        </p:style>
+      </p:cxnSp>
+      <p:cxnSp>
+        <p:nvCxnSpPr>
+          <p:cNvPr id="19" name="Straight Arrow Connector 18">
+            <a:extLst>
+              <a:ext uri="{FF2B5EF4-FFF2-40B4-BE49-F238E27FC236}">
+                <a16:creationId xmlns:a16="http://schemas.microsoft.com/office/drawing/2014/main" id="{7C7E73F3-241F-41CE-8CD2-A330EF38CBC7}"/>
+              </a:ext>
+            </a:extLst>
+          </p:cNvPr>
+          <p:cNvCxnSpPr>
+            <a:cxnSpLocks/>
+          </p:cNvCxnSpPr>
+          <p:nvPr/>
+        </p:nvCxnSpPr>
+        <p:spPr>
+          <a:xfrm>
+            <a:off x="7639784" y="4128379"/>
+            <a:ext cx="720667" cy="320852"/>
+          </a:xfrm>
+          <a:prstGeom prst="straightConnector1">
+            <a:avLst/>
+          </a:prstGeom>
+          <a:ln>
+            <a:tailEnd type="triangle"/>
+          </a:ln>
+        </p:spPr>
+        <p:style>
+          <a:lnRef idx="1">
+            <a:schemeClr val="accent1"/>
+          </a:lnRef>
+          <a:fillRef idx="0">
+            <a:schemeClr val="accent1"/>
+          </a:fillRef>
+          <a:effectRef idx="0">
+            <a:schemeClr val="accent1"/>
+          </a:effectRef>
+          <a:fontRef idx="minor">
+            <a:schemeClr val="tx1"/>
+          </a:fontRef>
+        </p:style>
+      </p:cxnSp>
+      <p:pic>
+        <p:nvPicPr>
+          <p:cNvPr id="20" name="Picture 19">
+            <a:extLst>
+              <a:ext uri="{FF2B5EF4-FFF2-40B4-BE49-F238E27FC236}">
+                <a16:creationId xmlns:a16="http://schemas.microsoft.com/office/drawing/2014/main" id="{6DF94522-41FD-4FAD-B8F2-FF4AC3B751E9}"/>
+              </a:ext>
+            </a:extLst>
+          </p:cNvPr>
+          <p:cNvPicPr>
+            <a:picLocks noChangeAspect="1"/>
+          </p:cNvPicPr>
+          <p:nvPr/>
+        </p:nvPicPr>
+        <p:blipFill rotWithShape="1">
+          <a:blip r:embed="rId6"/>
+          <a:srcRect t="11736"/>
+          <a:stretch/>
+        </p:blipFill>
+        <p:spPr>
+          <a:xfrm>
+            <a:off x="833069" y="2268125"/>
+            <a:ext cx="735944" cy="3617622"/>
+          </a:xfrm>
+          <a:prstGeom prst="rect">
+            <a:avLst/>
+          </a:prstGeom>
+        </p:spPr>
+      </p:pic>
+      <p:sp>
+        <p:nvSpPr>
+          <p:cNvPr id="21" name="TextBox 20">
+            <a:extLst>
+              <a:ext uri="{FF2B5EF4-FFF2-40B4-BE49-F238E27FC236}">
+                <a16:creationId xmlns:a16="http://schemas.microsoft.com/office/drawing/2014/main" id="{AA3ACD5A-17B8-4F18-92F0-1CC205207140}"/>
+              </a:ext>
+            </a:extLst>
+          </p:cNvPr>
+          <p:cNvSpPr txBox="1"/>
+          <p:nvPr/>
+        </p:nvSpPr>
+        <p:spPr>
+          <a:xfrm>
+            <a:off x="700875" y="1639041"/>
+            <a:ext cx="1298137" cy="461665"/>
+          </a:xfrm>
+          <a:prstGeom prst="rect">
+            <a:avLst/>
+          </a:prstGeom>
+          <a:noFill/>
+        </p:spPr>
+        <p:txBody>
+          <a:bodyPr wrap="square" rtlCol="0">
+            <a:spAutoFit/>
+          </a:bodyPr>
+          <a:lstStyle/>
+          <a:p>
+            <a:r>
+              <a:rPr lang="en-US" sz="2400" dirty="0">
+                <a:solidFill>
+                  <a:schemeClr val="accent2"/>
+                </a:solidFill>
+              </a:rPr>
+              <a:t>Attrition</a:t>
+            </a:r>
+          </a:p>
+        </p:txBody>
+      </p:sp>
+      <p:sp>
+        <p:nvSpPr>
+          <p:cNvPr id="22" name="Speech Bubble: Rectangle 21">
+            <a:extLst>
+              <a:ext uri="{FF2B5EF4-FFF2-40B4-BE49-F238E27FC236}">
+                <a16:creationId xmlns:a16="http://schemas.microsoft.com/office/drawing/2014/main" id="{603CB93E-5FAC-430C-A922-0D32EC09EF8E}"/>
+              </a:ext>
+            </a:extLst>
+          </p:cNvPr>
+          <p:cNvSpPr/>
+          <p:nvPr/>
+        </p:nvSpPr>
+        <p:spPr>
+          <a:xfrm>
+            <a:off x="1349944" y="4662042"/>
+            <a:ext cx="735944" cy="593738"/>
+          </a:xfrm>
+          <a:prstGeom prst="wedgeRectCallout">
+            <a:avLst>
+              <a:gd name="adj1" fmla="val -38481"/>
+              <a:gd name="adj2" fmla="val 71974"/>
+            </a:avLst>
+          </a:prstGeom>
+          <a:solidFill>
+            <a:schemeClr val="bg2"/>
+          </a:solidFill>
+          <a:ln w="9525" cap="flat" cmpd="sng" algn="ctr">
+            <a:solidFill>
+              <a:schemeClr val="accent1"/>
+            </a:solidFill>
+            <a:prstDash val="solid"/>
+            <a:round/>
+            <a:headEnd type="none" w="med" len="med"/>
+            <a:tailEnd type="none" w="med" len="med"/>
+          </a:ln>
+        </p:spPr>
+        <p:style>
+          <a:lnRef idx="0">
+            <a:scrgbClr r="0" g="0" b="0"/>
+          </a:lnRef>
+          <a:fillRef idx="0">
+            <a:scrgbClr r="0" g="0" b="0"/>
+          </a:fillRef>
+          <a:effectRef idx="0">
+            <a:scrgbClr r="0" g="0" b="0"/>
+          </a:effectRef>
+          <a:fontRef idx="minor">
+            <a:schemeClr val="accent1"/>
+          </a:fontRef>
+        </p:style>
+        <p:txBody>
+          <a:bodyPr rtlCol="0" anchor="ctr"/>
+          <a:lstStyle/>
+          <a:p>
+            <a:r>
+              <a:rPr lang="en-US" sz="1200" dirty="0"/>
+              <a:t>Attrition is at 16%</a:t>
+            </a:r>
+          </a:p>
+        </p:txBody>
+      </p:sp>
+      <p:pic>
+        <p:nvPicPr>
+          <p:cNvPr id="24" name="Picture 23">
+            <a:extLst>
+              <a:ext uri="{FF2B5EF4-FFF2-40B4-BE49-F238E27FC236}">
+                <a16:creationId xmlns:a16="http://schemas.microsoft.com/office/drawing/2014/main" id="{EC131BAA-E43F-4A8E-A1AF-05723767CC7A}"/>
+              </a:ext>
+            </a:extLst>
+          </p:cNvPr>
+          <p:cNvPicPr>
+            <a:picLocks noChangeAspect="1"/>
+          </p:cNvPicPr>
+          <p:nvPr/>
+        </p:nvPicPr>
+        <p:blipFill rotWithShape="1">
+          <a:blip r:embed="rId7"/>
+          <a:srcRect l="56656" t="8213"/>
+          <a:stretch/>
+        </p:blipFill>
+        <p:spPr>
+          <a:xfrm>
+            <a:off x="10189291" y="2202167"/>
+            <a:ext cx="1417641" cy="3979660"/>
+          </a:xfrm>
+          <a:prstGeom prst="rect">
+            <a:avLst/>
+          </a:prstGeom>
+        </p:spPr>
+      </p:pic>
+      <p:sp>
+        <p:nvSpPr>
+          <p:cNvPr id="25" name="TextBox 24">
+            <a:extLst>
+              <a:ext uri="{FF2B5EF4-FFF2-40B4-BE49-F238E27FC236}">
+                <a16:creationId xmlns:a16="http://schemas.microsoft.com/office/drawing/2014/main" id="{F0184CB7-BA40-4504-B9E4-DCEDE57C0299}"/>
+              </a:ext>
+            </a:extLst>
+          </p:cNvPr>
+          <p:cNvSpPr txBox="1"/>
+          <p:nvPr/>
+        </p:nvSpPr>
+        <p:spPr>
+          <a:xfrm>
+            <a:off x="9551086" y="1639041"/>
+            <a:ext cx="2680747" cy="461665"/>
+          </a:xfrm>
+          <a:prstGeom prst="rect">
+            <a:avLst/>
+          </a:prstGeom>
+          <a:noFill/>
+        </p:spPr>
+        <p:txBody>
+          <a:bodyPr wrap="square" rtlCol="0">
+            <a:spAutoFit/>
+          </a:bodyPr>
+          <a:lstStyle/>
+          <a:p>
+            <a:r>
+              <a:rPr lang="en-US" sz="2400" dirty="0">
+                <a:solidFill>
+                  <a:schemeClr val="accent2"/>
+                </a:solidFill>
+              </a:rPr>
+              <a:t>Stock Option Level</a:t>
+            </a:r>
+          </a:p>
+        </p:txBody>
+      </p:sp>
+      <p:sp>
+        <p:nvSpPr>
+          <p:cNvPr id="26" name="Speech Bubble: Rectangle 25">
+            <a:extLst>
+              <a:ext uri="{FF2B5EF4-FFF2-40B4-BE49-F238E27FC236}">
+                <a16:creationId xmlns:a16="http://schemas.microsoft.com/office/drawing/2014/main" id="{B9094F20-A40B-4B1B-A8E8-86D59FB741F9}"/>
+              </a:ext>
+            </a:extLst>
+          </p:cNvPr>
+          <p:cNvSpPr/>
+          <p:nvPr/>
+        </p:nvSpPr>
+        <p:spPr>
+          <a:xfrm>
+            <a:off x="10625138" y="3671889"/>
+            <a:ext cx="1381125" cy="851778"/>
+          </a:xfrm>
+          <a:prstGeom prst="wedgeRectCallout">
+            <a:avLst>
+              <a:gd name="adj1" fmla="val -32274"/>
+              <a:gd name="adj2" fmla="val 26191"/>
+            </a:avLst>
+          </a:prstGeom>
+          <a:solidFill>
+            <a:schemeClr val="bg2"/>
+          </a:solidFill>
+          <a:ln w="9525" cap="flat" cmpd="sng" algn="ctr">
+            <a:solidFill>
+              <a:schemeClr val="accent1"/>
+            </a:solidFill>
+            <a:prstDash val="solid"/>
+            <a:round/>
+            <a:headEnd type="none" w="med" len="med"/>
+            <a:tailEnd type="none" w="med" len="med"/>
+          </a:ln>
+        </p:spPr>
+        <p:style>
+          <a:lnRef idx="0">
+            <a:scrgbClr r="0" g="0" b="0"/>
+          </a:lnRef>
+          <a:fillRef idx="0">
+            <a:scrgbClr r="0" g="0" b="0"/>
+          </a:fillRef>
+          <a:effectRef idx="0">
+            <a:scrgbClr r="0" g="0" b="0"/>
+          </a:effectRef>
+          <a:fontRef idx="minor">
+            <a:schemeClr val="accent1"/>
+          </a:fontRef>
+        </p:style>
+        <p:txBody>
+          <a:bodyPr rtlCol="0" anchor="ctr"/>
+          <a:lstStyle/>
+          <a:p>
+            <a:r>
+              <a:rPr lang="en-US" sz="1200" dirty="0"/>
+              <a:t>Not much significant attrition difference between stock option levels</a:t>
+            </a:r>
+          </a:p>
+        </p:txBody>
+      </p:sp>
+    </p:spTree>
+    <p:extLst>
+      <p:ext uri="{BB962C8B-B14F-4D97-AF65-F5344CB8AC3E}">
+        <p14:creationId xmlns:p14="http://schemas.microsoft.com/office/powerpoint/2010/main" val="4085228406"/>
+      </p:ext>
+    </p:extLst>
+  </p:cSld>
+  <p:clrMapOvr>
+    <a:masterClrMapping/>
+  </p:clrMapOvr>
+  <p:timing>
+    <p:tnLst>
+      <p:par>
+        <p:cTn id="1" dur="indefinite" restart="never" nodeType="tmRoot">
+          <p:childTnLst>
+            <p:seq concurrent="1" nextAc="seek">
+              <p:cTn id="2" dur="indefinite" nodeType="mainSeq">
+                <p:childTnLst>
+                  <p:par>
+                    <p:cTn id="3" fill="hold">
+                      <p:stCondLst>
+                        <p:cond delay="indefinite"/>
+                      </p:stCondLst>
+                      <p:childTnLst>
+                        <p:par>
+                          <p:cTn id="4" fill="hold">
+                            <p:stCondLst>
+                              <p:cond delay="0"/>
+                            </p:stCondLst>
+                            <p:childTnLst>
+                              <p:par>
+                                <p:cTn id="5" presetID="1" presetClass="entr" presetSubtype="0" fill="hold" grpId="0" nodeType="clickEffect">
+                                  <p:stCondLst>
+                                    <p:cond delay="0"/>
+                                  </p:stCondLst>
+                                  <p:childTnLst>
+                                    <p:set>
+                                      <p:cBhvr>
+                                        <p:cTn id="6" dur="1" fill="hold">
+                                          <p:stCondLst>
+                                            <p:cond delay="0"/>
+                                          </p:stCondLst>
+                                        </p:cTn>
+                                        <p:tgtEl>
+                                          <p:spTgt spid="5"/>
+                                        </p:tgtEl>
+                                        <p:attrNameLst>
+                                          <p:attrName>style.visibility</p:attrName>
+                                        </p:attrNameLst>
+                                      </p:cBhvr>
+                                      <p:to>
+                                        <p:strVal val="visible"/>
+                                      </p:to>
+                                    </p:set>
+                                  </p:childTnLst>
+                                </p:cTn>
+                              </p:par>
+                              <p:par>
+                                <p:cTn id="7" presetID="1" presetClass="entr" presetSubtype="0" fill="hold" nodeType="withEffect">
+                                  <p:stCondLst>
+                                    <p:cond delay="0"/>
+                                  </p:stCondLst>
+                                  <p:childTnLst>
+                                    <p:set>
+                                      <p:cBhvr>
+                                        <p:cTn id="8" dur="1" fill="hold">
+                                          <p:stCondLst>
+                                            <p:cond delay="0"/>
+                                          </p:stCondLst>
+                                        </p:cTn>
+                                        <p:tgtEl>
+                                          <p:spTgt spid="3"/>
+                                        </p:tgtEl>
+                                        <p:attrNameLst>
+                                          <p:attrName>style.visibility</p:attrName>
+                                        </p:attrNameLst>
+                                      </p:cBhvr>
+                                      <p:to>
+                                        <p:strVal val="visible"/>
+                                      </p:to>
+                                    </p:set>
+                                  </p:childTnLst>
+                                </p:cTn>
+                              </p:par>
+                              <p:par>
+                                <p:cTn id="9" presetID="1" presetClass="entr" presetSubtype="0" fill="hold" grpId="0" nodeType="withEffect">
+                                  <p:stCondLst>
+                                    <p:cond delay="0"/>
+                                  </p:stCondLst>
+                                  <p:childTnLst>
+                                    <p:set>
+                                      <p:cBhvr>
+                                        <p:cTn id="10" dur="1" fill="hold">
+                                          <p:stCondLst>
+                                            <p:cond delay="0"/>
+                                          </p:stCondLst>
+                                        </p:cTn>
+                                        <p:tgtEl>
+                                          <p:spTgt spid="6"/>
+                                        </p:tgtEl>
+                                        <p:attrNameLst>
+                                          <p:attrName>style.visibility</p:attrName>
+                                        </p:attrNameLst>
+                                      </p:cBhvr>
+                                      <p:to>
+                                        <p:strVal val="visible"/>
+                                      </p:to>
+                                    </p:set>
+                                  </p:childTnLst>
+                                </p:cTn>
+                              </p:par>
+                            </p:childTnLst>
+                          </p:cTn>
+                        </p:par>
+                      </p:childTnLst>
+                    </p:cTn>
+                  </p:par>
+                  <p:par>
+                    <p:cTn id="11" fill="hold">
+                      <p:stCondLst>
+                        <p:cond delay="indefinite"/>
+                      </p:stCondLst>
+                      <p:childTnLst>
+                        <p:par>
+                          <p:cTn id="12" fill="hold">
+                            <p:stCondLst>
+                              <p:cond delay="0"/>
+                            </p:stCondLst>
+                            <p:childTnLst>
+                              <p:par>
+                                <p:cTn id="13" presetID="1" presetClass="entr" presetSubtype="0" fill="hold" grpId="0" nodeType="clickEffect">
+                                  <p:stCondLst>
+                                    <p:cond delay="0"/>
+                                  </p:stCondLst>
+                                  <p:childTnLst>
+                                    <p:set>
+                                      <p:cBhvr>
+                                        <p:cTn id="14" dur="1" fill="hold">
+                                          <p:stCondLst>
+                                            <p:cond delay="0"/>
+                                          </p:stCondLst>
+                                        </p:cTn>
+                                        <p:tgtEl>
+                                          <p:spTgt spid="9"/>
+                                        </p:tgtEl>
+                                        <p:attrNameLst>
+                                          <p:attrName>style.visibility</p:attrName>
+                                        </p:attrNameLst>
+                                      </p:cBhvr>
+                                      <p:to>
+                                        <p:strVal val="visible"/>
+                                      </p:to>
+                                    </p:set>
+                                  </p:childTnLst>
+                                </p:cTn>
+                              </p:par>
+                              <p:par>
+                                <p:cTn id="15" presetID="1" presetClass="entr" presetSubtype="0" fill="hold" nodeType="withEffect">
+                                  <p:stCondLst>
+                                    <p:cond delay="0"/>
+                                  </p:stCondLst>
+                                  <p:childTnLst>
+                                    <p:set>
+                                      <p:cBhvr>
+                                        <p:cTn id="16" dur="1" fill="hold">
+                                          <p:stCondLst>
+                                            <p:cond delay="0"/>
+                                          </p:stCondLst>
+                                        </p:cTn>
+                                        <p:tgtEl>
+                                          <p:spTgt spid="12"/>
+                                        </p:tgtEl>
+                                        <p:attrNameLst>
+                                          <p:attrName>style.visibility</p:attrName>
+                                        </p:attrNameLst>
+                                      </p:cBhvr>
+                                      <p:to>
+                                        <p:strVal val="visible"/>
+                                      </p:to>
+                                    </p:set>
+                                  </p:childTnLst>
+                                </p:cTn>
+                              </p:par>
+                              <p:par>
+                                <p:cTn id="17" presetID="1" presetClass="entr" presetSubtype="0" fill="hold" grpId="0" nodeType="withEffect">
+                                  <p:stCondLst>
+                                    <p:cond delay="0"/>
+                                  </p:stCondLst>
+                                  <p:childTnLst>
+                                    <p:set>
+                                      <p:cBhvr>
+                                        <p:cTn id="18" dur="1" fill="hold">
+                                          <p:stCondLst>
+                                            <p:cond delay="0"/>
+                                          </p:stCondLst>
+                                        </p:cTn>
+                                        <p:tgtEl>
+                                          <p:spTgt spid="10"/>
+                                        </p:tgtEl>
+                                        <p:attrNameLst>
+                                          <p:attrName>style.visibility</p:attrName>
+                                        </p:attrNameLst>
+                                      </p:cBhvr>
+                                      <p:to>
+                                        <p:strVal val="visible"/>
+                                      </p:to>
+                                    </p:set>
+                                  </p:childTnLst>
+                                </p:cTn>
+                              </p:par>
+                              <p:par>
+                                <p:cTn id="19" presetID="1" presetClass="entr" presetSubtype="0" fill="hold" nodeType="withEffect">
+                                  <p:stCondLst>
+                                    <p:cond delay="0"/>
+                                  </p:stCondLst>
+                                  <p:childTnLst>
+                                    <p:set>
+                                      <p:cBhvr>
+                                        <p:cTn id="20" dur="1" fill="hold">
+                                          <p:stCondLst>
+                                            <p:cond delay="0"/>
+                                          </p:stCondLst>
+                                        </p:cTn>
+                                        <p:tgtEl>
+                                          <p:spTgt spid="17"/>
+                                        </p:tgtEl>
+                                        <p:attrNameLst>
+                                          <p:attrName>style.visibility</p:attrName>
+                                        </p:attrNameLst>
+                                      </p:cBhvr>
+                                      <p:to>
+                                        <p:strVal val="visible"/>
+                                      </p:to>
+                                    </p:set>
+                                  </p:childTnLst>
+                                </p:cTn>
+                              </p:par>
+                              <p:par>
+                                <p:cTn id="21" presetID="1" presetClass="entr" presetSubtype="0" fill="hold" nodeType="withEffect">
+                                  <p:stCondLst>
+                                    <p:cond delay="0"/>
+                                  </p:stCondLst>
+                                  <p:childTnLst>
+                                    <p:set>
+                                      <p:cBhvr>
+                                        <p:cTn id="22" dur="1" fill="hold">
+                                          <p:stCondLst>
+                                            <p:cond delay="0"/>
+                                          </p:stCondLst>
+                                        </p:cTn>
+                                        <p:tgtEl>
+                                          <p:spTgt spid="19"/>
+                                        </p:tgtEl>
+                                        <p:attrNameLst>
+                                          <p:attrName>style.visibility</p:attrName>
+                                        </p:attrNameLst>
+                                      </p:cBhvr>
+                                      <p:to>
+                                        <p:strVal val="visible"/>
+                                      </p:to>
+                                    </p:set>
+                                  </p:childTnLst>
+                                </p:cTn>
+                              </p:par>
+                              <p:par>
+                                <p:cTn id="23" presetID="1" presetClass="entr" presetSubtype="0" fill="hold" grpId="0" nodeType="withEffect">
+                                  <p:stCondLst>
+                                    <p:cond delay="0"/>
+                                  </p:stCondLst>
+                                  <p:childTnLst>
+                                    <p:set>
+                                      <p:cBhvr>
+                                        <p:cTn id="24" dur="1" fill="hold">
+                                          <p:stCondLst>
+                                            <p:cond delay="0"/>
+                                          </p:stCondLst>
+                                        </p:cTn>
+                                        <p:tgtEl>
+                                          <p:spTgt spid="14"/>
+                                        </p:tgtEl>
+                                        <p:attrNameLst>
+                                          <p:attrName>style.visibility</p:attrName>
+                                        </p:attrNameLst>
+                                      </p:cBhvr>
+                                      <p:to>
+                                        <p:strVal val="visible"/>
+                                      </p:to>
+                                    </p:set>
+                                  </p:childTnLst>
+                                </p:cTn>
+                              </p:par>
+                              <p:par>
+                                <p:cTn id="25" presetID="1" presetClass="entr" presetSubtype="0" fill="hold" grpId="0" nodeType="withEffect">
+                                  <p:stCondLst>
+                                    <p:cond delay="0"/>
+                                  </p:stCondLst>
+                                  <p:childTnLst>
+                                    <p:set>
+                                      <p:cBhvr>
+                                        <p:cTn id="26" dur="1" fill="hold">
+                                          <p:stCondLst>
+                                            <p:cond delay="0"/>
+                                          </p:stCondLst>
+                                        </p:cTn>
+                                        <p:tgtEl>
+                                          <p:spTgt spid="13"/>
+                                        </p:tgtEl>
+                                        <p:attrNameLst>
+                                          <p:attrName>style.visibility</p:attrName>
+                                        </p:attrNameLst>
+                                      </p:cBhvr>
+                                      <p:to>
+                                        <p:strVal val="visible"/>
+                                      </p:to>
+                                    </p:set>
+                                  </p:childTnLst>
+                                </p:cTn>
+                              </p:par>
+                            </p:childTnLst>
+                          </p:cTn>
+                        </p:par>
+                      </p:childTnLst>
+                    </p:cTn>
+                  </p:par>
+                  <p:par>
+                    <p:cTn id="27" fill="hold">
+                      <p:stCondLst>
+                        <p:cond delay="indefinite"/>
+                      </p:stCondLst>
+                      <p:childTnLst>
+                        <p:par>
+                          <p:cTn id="28" fill="hold">
+                            <p:stCondLst>
+                              <p:cond delay="0"/>
+                            </p:stCondLst>
+                            <p:childTnLst>
+                              <p:par>
+                                <p:cTn id="29" presetID="1" presetClass="entr" presetSubtype="0" fill="hold" grpId="0" nodeType="clickEffect">
+                                  <p:stCondLst>
+                                    <p:cond delay="0"/>
+                                  </p:stCondLst>
+                                  <p:childTnLst>
+                                    <p:set>
+                                      <p:cBhvr>
+                                        <p:cTn id="30" dur="1" fill="hold">
+                                          <p:stCondLst>
+                                            <p:cond delay="0"/>
+                                          </p:stCondLst>
+                                        </p:cTn>
+                                        <p:tgtEl>
+                                          <p:spTgt spid="25"/>
+                                        </p:tgtEl>
+                                        <p:attrNameLst>
+                                          <p:attrName>style.visibility</p:attrName>
+                                        </p:attrNameLst>
+                                      </p:cBhvr>
+                                      <p:to>
+                                        <p:strVal val="visible"/>
+                                      </p:to>
+                                    </p:set>
+                                  </p:childTnLst>
+                                </p:cTn>
+                              </p:par>
+                              <p:par>
+                                <p:cTn id="31" presetID="1" presetClass="entr" presetSubtype="0" fill="hold" nodeType="withEffect">
+                                  <p:stCondLst>
+                                    <p:cond delay="0"/>
+                                  </p:stCondLst>
+                                  <p:childTnLst>
+                                    <p:set>
+                                      <p:cBhvr>
+                                        <p:cTn id="32" dur="1" fill="hold">
+                                          <p:stCondLst>
+                                            <p:cond delay="0"/>
+                                          </p:stCondLst>
+                                        </p:cTn>
+                                        <p:tgtEl>
+                                          <p:spTgt spid="24"/>
+                                        </p:tgtEl>
+                                        <p:attrNameLst>
+                                          <p:attrName>style.visibility</p:attrName>
+                                        </p:attrNameLst>
+                                      </p:cBhvr>
+                                      <p:to>
+                                        <p:strVal val="visible"/>
+                                      </p:to>
+                                    </p:set>
+                                  </p:childTnLst>
+                                </p:cTn>
+                              </p:par>
+                              <p:par>
+                                <p:cTn id="33" presetID="1" presetClass="entr" presetSubtype="0" fill="hold" grpId="0" nodeType="withEffect">
+                                  <p:stCondLst>
+                                    <p:cond delay="0"/>
+                                  </p:stCondLst>
+                                  <p:childTnLst>
+                                    <p:set>
+                                      <p:cBhvr>
+                                        <p:cTn id="34" dur="1" fill="hold">
+                                          <p:stCondLst>
+                                            <p:cond delay="0"/>
+                                          </p:stCondLst>
+                                        </p:cTn>
+                                        <p:tgtEl>
+                                          <p:spTgt spid="26"/>
+                                        </p:tgtEl>
+                                        <p:attrNameLst>
+                                          <p:attrName>style.visibility</p:attrName>
+                                        </p:attrNameLst>
+                                      </p:cBhvr>
+                                      <p:to>
+                                        <p:strVal val="visible"/>
+                                      </p:to>
+                                    </p:set>
+                                  </p:childTnLst>
+                                </p:cTn>
+                              </p:par>
+                            </p:childTnLst>
+                          </p:cTn>
+                        </p:par>
+                      </p:childTnLst>
+                    </p:cTn>
+                  </p:par>
+                </p:childTnLst>
+              </p:cTn>
+              <p:prevCondLst>
+                <p:cond evt="onPrev" delay="0">
+                  <p:tgtEl>
+                    <p:sldTgt/>
+                  </p:tgtEl>
+                </p:cond>
+              </p:prevCondLst>
+              <p:nextCondLst>
+                <p:cond evt="onNext" delay="0">
+                  <p:tgtEl>
+                    <p:sldTgt/>
+                  </p:tgtEl>
+                </p:cond>
+              </p:nextCondLst>
+            </p:seq>
+          </p:childTnLst>
+        </p:cTn>
+      </p:par>
+    </p:tnLst>
+    <p:bldLst>
+      <p:bldP spid="5" grpId="0"/>
+      <p:bldP spid="6" grpId="0" animBg="1"/>
+      <p:bldP spid="9" grpId="0"/>
+      <p:bldP spid="10" grpId="0" animBg="1"/>
+      <p:bldP spid="13" grpId="0" animBg="1"/>
+      <p:bldP spid="14" grpId="0" animBg="1"/>
+      <p:bldP spid="25" grpId="0"/>
+      <p:bldP spid="26" grpId="0" animBg="1"/>
+    </p:bldLst>
+  </p:timing>
+</p:sld>
+</file>
+
+<file path=ppt/slides/slide6.xml><?xml version="1.0" encoding="utf-8"?>
 <p:sld xmlns:a="http://schemas.openxmlformats.org/drawingml/2006/main" xmlns:r="http://schemas.openxmlformats.org/officeDocument/2006/relationships" xmlns:p="http://schemas.openxmlformats.org/presentationml/2006/main">
   <p:cSld>
     <p:spTree>
@@ -12820,7 +17401,7 @@
           <a:p>
             <a:r>
               <a:rPr lang="en-US" dirty="0"/>
-              <a:t>Attrition insights - </a:t>
+              <a:t>Attrition by: Age, gender, Job Satisfaction and job role</a:t>
             </a:r>
           </a:p>
         </p:txBody>
@@ -12840,14 +17421,14 @@
           <p:nvPr/>
         </p:nvPicPr>
         <p:blipFill rotWithShape="1">
-          <a:blip r:embed="rId2"/>
+          <a:blip r:embed="rId3"/>
           <a:srcRect t="6200" r="19845"/>
           <a:stretch/>
         </p:blipFill>
         <p:spPr>
           <a:xfrm>
-            <a:off x="531014" y="2415790"/>
-            <a:ext cx="4573219" cy="4175746"/>
+            <a:off x="312920" y="2122464"/>
+            <a:ext cx="3550205" cy="3241645"/>
           </a:xfrm>
           <a:prstGeom prst="rect">
             <a:avLst/>
@@ -12868,8 +17449,8 @@
         </p:nvSpPr>
         <p:spPr>
           <a:xfrm>
-            <a:off x="575894" y="1993466"/>
-            <a:ext cx="2154436" cy="461665"/>
+            <a:off x="2079390" y="1774549"/>
+            <a:ext cx="758518" cy="461665"/>
           </a:xfrm>
           <a:prstGeom prst="rect">
             <a:avLst/>
@@ -12888,7 +17469,7 @@
                   <a:schemeClr val="accent2"/>
                 </a:solidFill>
               </a:rPr>
-              <a:t>Attrition vs Age</a:t>
+              <a:t>Age</a:t>
             </a:r>
           </a:p>
         </p:txBody>
@@ -12908,18 +17489,26 @@
           <p:nvPr/>
         </p:nvPicPr>
         <p:blipFill rotWithShape="1">
-          <a:blip r:embed="rId2"/>
-          <a:srcRect l="80589" t="5886" r="4147" b="80324"/>
+          <a:blip r:embed="rId3"/>
+          <a:srcRect l="81927" t="6383" r="8237" b="83715"/>
           <a:stretch/>
         </p:blipFill>
         <p:spPr>
           <a:xfrm>
-            <a:off x="11047734" y="1513747"/>
-            <a:ext cx="1008000" cy="710552"/>
+            <a:off x="926999" y="5656749"/>
+            <a:ext cx="785941" cy="617320"/>
           </a:xfrm>
           <a:prstGeom prst="rect">
             <a:avLst/>
           </a:prstGeom>
+          <a:solidFill>
+            <a:schemeClr val="bg2"/>
+          </a:solidFill>
+          <a:ln>
+            <a:solidFill>
+              <a:schemeClr val="tx2"/>
+            </a:solidFill>
+          </a:ln>
         </p:spPr>
       </p:pic>
       <p:pic>
@@ -12937,14 +17526,14 @@
           <p:nvPr/>
         </p:nvPicPr>
         <p:blipFill rotWithShape="1">
-          <a:blip r:embed="rId3"/>
+          <a:blip r:embed="rId4"/>
           <a:srcRect l="39911" t="13023"/>
           <a:stretch/>
         </p:blipFill>
         <p:spPr>
           <a:xfrm>
-            <a:off x="5706451" y="2595653"/>
-            <a:ext cx="767398" cy="3752966"/>
+            <a:off x="4811991" y="2302647"/>
+            <a:ext cx="584744" cy="2859695"/>
           </a:xfrm>
           <a:prstGeom prst="rect">
             <a:avLst/>
@@ -12965,8 +17554,8 @@
         </p:nvSpPr>
         <p:spPr>
           <a:xfrm>
-            <a:off x="4748078" y="1993466"/>
-            <a:ext cx="2695843" cy="461665"/>
+            <a:off x="4518757" y="1774549"/>
+            <a:ext cx="1162709" cy="461665"/>
           </a:xfrm>
           <a:prstGeom prst="rect">
             <a:avLst/>
@@ -12985,7 +17574,7 @@
                   <a:schemeClr val="accent2"/>
                 </a:solidFill>
               </a:rPr>
-              <a:t>Attrition vs Gender</a:t>
+              <a:t>Gender</a:t>
             </a:r>
           </a:p>
         </p:txBody>
@@ -13004,7 +17593,7 @@
         </p:nvSpPr>
         <p:spPr>
           <a:xfrm>
-            <a:off x="1362209" y="2724145"/>
+            <a:off x="1263945" y="2945509"/>
             <a:ext cx="2266817" cy="716823"/>
           </a:xfrm>
           <a:prstGeom prst="wedgeRectCallout">
@@ -13065,13 +17654,13 @@
         </p:nvSpPr>
         <p:spPr>
           <a:xfrm>
-            <a:off x="5081589" y="4567341"/>
-            <a:ext cx="2200279" cy="685800"/>
+            <a:off x="4673826" y="3190160"/>
+            <a:ext cx="900268" cy="1014189"/>
           </a:xfrm>
           <a:prstGeom prst="wedgeRectCallout">
             <a:avLst>
-              <a:gd name="adj1" fmla="val -12129"/>
-              <a:gd name="adj2" fmla="val 76789"/>
+              <a:gd name="adj1" fmla="val -8955"/>
+              <a:gd name="adj2" fmla="val 38283"/>
             </a:avLst>
           </a:prstGeom>
           <a:solidFill>
@@ -13107,7 +17696,7 @@
           <a:p>
             <a:r>
               <a:rPr lang="en-US" sz="1200" dirty="0"/>
-              <a:t>When looking attrition by Gender in isolation, it seems like there is not much difference</a:t>
+              <a:t>Not much attrition difference. F: 14.8% and M:17%</a:t>
             </a:r>
           </a:p>
         </p:txBody>
@@ -13126,8 +17715,8 @@
         </p:nvSpPr>
         <p:spPr>
           <a:xfrm>
-            <a:off x="1190624" y="3605419"/>
-            <a:ext cx="552451" cy="2609644"/>
+            <a:off x="844475" y="2924241"/>
+            <a:ext cx="364545" cy="2156731"/>
           </a:xfrm>
           <a:prstGeom prst="ellipse">
             <a:avLst/>
@@ -13166,20 +17755,987 @@
           </a:p>
         </p:txBody>
       </p:sp>
+      <p:pic>
+        <p:nvPicPr>
+          <p:cNvPr id="3" name="Picture 2">
+            <a:extLst>
+              <a:ext uri="{FF2B5EF4-FFF2-40B4-BE49-F238E27FC236}">
+                <a16:creationId xmlns:a16="http://schemas.microsoft.com/office/drawing/2014/main" id="{BD99300A-95A1-4F70-8C36-579F36A65A5F}"/>
+              </a:ext>
+            </a:extLst>
+          </p:cNvPr>
+          <p:cNvPicPr>
+            <a:picLocks noChangeAspect="1"/>
+          </p:cNvPicPr>
+          <p:nvPr/>
+        </p:nvPicPr>
+        <p:blipFill rotWithShape="1">
+          <a:blip r:embed="rId5"/>
+          <a:srcRect l="27559" t="9697" r="15696"/>
+          <a:stretch/>
+        </p:blipFill>
+        <p:spPr>
+          <a:xfrm>
+            <a:off x="6187202" y="2273867"/>
+            <a:ext cx="1771292" cy="3127895"/>
+          </a:xfrm>
+          <a:prstGeom prst="rect">
+            <a:avLst/>
+          </a:prstGeom>
+        </p:spPr>
+      </p:pic>
+      <p:sp>
+        <p:nvSpPr>
+          <p:cNvPr id="12" name="TextBox 11">
+            <a:extLst>
+              <a:ext uri="{FF2B5EF4-FFF2-40B4-BE49-F238E27FC236}">
+                <a16:creationId xmlns:a16="http://schemas.microsoft.com/office/drawing/2014/main" id="{69CF32B4-BCD6-4ACC-9A1E-EAEB56292E80}"/>
+              </a:ext>
+            </a:extLst>
+          </p:cNvPr>
+          <p:cNvSpPr txBox="1"/>
+          <p:nvPr/>
+        </p:nvSpPr>
+        <p:spPr>
+          <a:xfrm>
+            <a:off x="9340178" y="1774738"/>
+            <a:ext cx="1240929" cy="461665"/>
+          </a:xfrm>
+          <a:prstGeom prst="rect">
+            <a:avLst/>
+          </a:prstGeom>
+          <a:noFill/>
+        </p:spPr>
+        <p:txBody>
+          <a:bodyPr wrap="square" rtlCol="0">
+            <a:spAutoFit/>
+          </a:bodyPr>
+          <a:lstStyle/>
+          <a:p>
+            <a:r>
+              <a:rPr lang="en-US" sz="2400" dirty="0">
+                <a:solidFill>
+                  <a:schemeClr val="accent2"/>
+                </a:solidFill>
+              </a:rPr>
+              <a:t>Job Role</a:t>
+            </a:r>
+          </a:p>
+        </p:txBody>
+      </p:sp>
+      <p:sp>
+        <p:nvSpPr>
+          <p:cNvPr id="13" name="Speech Bubble: Rectangle 12">
+            <a:extLst>
+              <a:ext uri="{FF2B5EF4-FFF2-40B4-BE49-F238E27FC236}">
+                <a16:creationId xmlns:a16="http://schemas.microsoft.com/office/drawing/2014/main" id="{E33DE8E9-B42F-457D-A986-F5B5C7EC74CD}"/>
+              </a:ext>
+            </a:extLst>
+          </p:cNvPr>
+          <p:cNvSpPr/>
+          <p:nvPr/>
+        </p:nvSpPr>
+        <p:spPr>
+          <a:xfrm>
+            <a:off x="6258161" y="3262313"/>
+            <a:ext cx="1581268" cy="720480"/>
+          </a:xfrm>
+          <a:prstGeom prst="wedgeRectCallout">
+            <a:avLst>
+              <a:gd name="adj1" fmla="val -36152"/>
+              <a:gd name="adj2" fmla="val 75615"/>
+            </a:avLst>
+          </a:prstGeom>
+          <a:solidFill>
+            <a:schemeClr val="bg2"/>
+          </a:solidFill>
+          <a:ln w="9525" cap="flat" cmpd="sng" algn="ctr">
+            <a:solidFill>
+              <a:schemeClr val="accent1"/>
+            </a:solidFill>
+            <a:prstDash val="solid"/>
+            <a:round/>
+            <a:headEnd type="none" w="med" len="med"/>
+            <a:tailEnd type="none" w="med" len="med"/>
+          </a:ln>
+        </p:spPr>
+        <p:style>
+          <a:lnRef idx="0">
+            <a:scrgbClr r="0" g="0" b="0"/>
+          </a:lnRef>
+          <a:fillRef idx="0">
+            <a:scrgbClr r="0" g="0" b="0"/>
+          </a:fillRef>
+          <a:effectRef idx="0">
+            <a:scrgbClr r="0" g="0" b="0"/>
+          </a:effectRef>
+          <a:fontRef idx="minor">
+            <a:schemeClr val="accent1"/>
+          </a:fontRef>
+        </p:style>
+        <p:txBody>
+          <a:bodyPr rtlCol="0" anchor="ctr"/>
+          <a:lstStyle/>
+          <a:p>
+            <a:r>
+              <a:rPr lang="en-US" sz="1200" dirty="0"/>
+              <a:t>Not much attrition difference between Job Satisfaction Levels</a:t>
+            </a:r>
+          </a:p>
+        </p:txBody>
+      </p:sp>
+      <p:pic>
+        <p:nvPicPr>
+          <p:cNvPr id="4" name="Picture 3">
+            <a:extLst>
+              <a:ext uri="{FF2B5EF4-FFF2-40B4-BE49-F238E27FC236}">
+                <a16:creationId xmlns:a16="http://schemas.microsoft.com/office/drawing/2014/main" id="{45ACBEAD-4992-45F7-AFC3-50097A0A9DD5}"/>
+              </a:ext>
+            </a:extLst>
+          </p:cNvPr>
+          <p:cNvPicPr>
+            <a:picLocks noChangeAspect="1"/>
+          </p:cNvPicPr>
+          <p:nvPr/>
+        </p:nvPicPr>
+        <p:blipFill rotWithShape="1">
+          <a:blip r:embed="rId6"/>
+          <a:srcRect l="18828" t="10640" b="3885"/>
+          <a:stretch/>
+        </p:blipFill>
+        <p:spPr>
+          <a:xfrm>
+            <a:off x="8630759" y="2306142"/>
+            <a:ext cx="2608001" cy="4285646"/>
+          </a:xfrm>
+          <a:prstGeom prst="rect">
+            <a:avLst/>
+          </a:prstGeom>
+        </p:spPr>
+      </p:pic>
+      <p:sp>
+        <p:nvSpPr>
+          <p:cNvPr id="16" name="TextBox 15">
+            <a:extLst>
+              <a:ext uri="{FF2B5EF4-FFF2-40B4-BE49-F238E27FC236}">
+                <a16:creationId xmlns:a16="http://schemas.microsoft.com/office/drawing/2014/main" id="{D9491E81-759B-47EA-994F-7AEBCE48957A}"/>
+              </a:ext>
+            </a:extLst>
+          </p:cNvPr>
+          <p:cNvSpPr txBox="1"/>
+          <p:nvPr/>
+        </p:nvSpPr>
+        <p:spPr>
+          <a:xfrm>
+            <a:off x="6104549" y="1756893"/>
+            <a:ext cx="2049774" cy="461665"/>
+          </a:xfrm>
+          <a:prstGeom prst="rect">
+            <a:avLst/>
+          </a:prstGeom>
+          <a:noFill/>
+        </p:spPr>
+        <p:txBody>
+          <a:bodyPr wrap="square" rtlCol="0">
+            <a:spAutoFit/>
+          </a:bodyPr>
+          <a:lstStyle/>
+          <a:p>
+            <a:r>
+              <a:rPr lang="en-US" sz="2400" dirty="0">
+                <a:solidFill>
+                  <a:schemeClr val="accent2"/>
+                </a:solidFill>
+              </a:rPr>
+              <a:t>Job Satisfaction</a:t>
+            </a:r>
+          </a:p>
+        </p:txBody>
+      </p:sp>
+      <p:sp>
+        <p:nvSpPr>
+          <p:cNvPr id="17" name="Oval 16">
+            <a:extLst>
+              <a:ext uri="{FF2B5EF4-FFF2-40B4-BE49-F238E27FC236}">
+                <a16:creationId xmlns:a16="http://schemas.microsoft.com/office/drawing/2014/main" id="{37E5B5F2-8F6B-411F-BBC0-883B928E7FE0}"/>
+              </a:ext>
+            </a:extLst>
+          </p:cNvPr>
+          <p:cNvSpPr/>
+          <p:nvPr/>
+        </p:nvSpPr>
+        <p:spPr>
+          <a:xfrm>
+            <a:off x="10906489" y="3738799"/>
+            <a:ext cx="364545" cy="1342173"/>
+          </a:xfrm>
+          <a:prstGeom prst="ellipse">
+            <a:avLst/>
+          </a:prstGeom>
+          <a:solidFill>
+            <a:schemeClr val="accent3">
+              <a:alpha val="39000"/>
+            </a:schemeClr>
+          </a:solidFill>
+          <a:ln>
+            <a:prstDash val="dashDot"/>
+          </a:ln>
+        </p:spPr>
+        <p:style>
+          <a:lnRef idx="2">
+            <a:schemeClr val="accent1">
+              <a:shade val="50000"/>
+            </a:schemeClr>
+          </a:lnRef>
+          <a:fillRef idx="1">
+            <a:schemeClr val="accent1"/>
+          </a:fillRef>
+          <a:effectRef idx="0">
+            <a:schemeClr val="accent1"/>
+          </a:effectRef>
+          <a:fontRef idx="minor">
+            <a:schemeClr val="lt1"/>
+          </a:fontRef>
+        </p:style>
+        <p:txBody>
+          <a:bodyPr rtlCol="0" anchor="ctr"/>
+          <a:lstStyle/>
+          <a:p>
+            <a:pPr algn="ctr"/>
+            <a:endParaRPr lang="en-US"/>
+          </a:p>
+        </p:txBody>
+      </p:sp>
+      <p:sp>
+        <p:nvSpPr>
+          <p:cNvPr id="18" name="Speech Bubble: Rectangle 17">
+            <a:extLst>
+              <a:ext uri="{FF2B5EF4-FFF2-40B4-BE49-F238E27FC236}">
+                <a16:creationId xmlns:a16="http://schemas.microsoft.com/office/drawing/2014/main" id="{4CC1FF05-FBE9-4E1D-AF86-3D152D111887}"/>
+              </a:ext>
+            </a:extLst>
+          </p:cNvPr>
+          <p:cNvSpPr/>
+          <p:nvPr/>
+        </p:nvSpPr>
+        <p:spPr>
+          <a:xfrm>
+            <a:off x="9018260" y="2571601"/>
+            <a:ext cx="1888229" cy="1003673"/>
+          </a:xfrm>
+          <a:prstGeom prst="wedgeRectCallout">
+            <a:avLst>
+              <a:gd name="adj1" fmla="val 32269"/>
+              <a:gd name="adj2" fmla="val 36668"/>
+            </a:avLst>
+          </a:prstGeom>
+          <a:solidFill>
+            <a:schemeClr val="bg2"/>
+          </a:solidFill>
+          <a:ln w="9525" cap="flat" cmpd="sng" algn="ctr">
+            <a:solidFill>
+              <a:schemeClr val="accent1"/>
+            </a:solidFill>
+            <a:prstDash val="solid"/>
+            <a:round/>
+            <a:headEnd type="none" w="med" len="med"/>
+            <a:tailEnd type="none" w="med" len="med"/>
+          </a:ln>
+        </p:spPr>
+        <p:style>
+          <a:lnRef idx="0">
+            <a:scrgbClr r="0" g="0" b="0"/>
+          </a:lnRef>
+          <a:fillRef idx="0">
+            <a:scrgbClr r="0" g="0" b="0"/>
+          </a:fillRef>
+          <a:effectRef idx="0">
+            <a:scrgbClr r="0" g="0" b="0"/>
+          </a:effectRef>
+          <a:fontRef idx="minor">
+            <a:schemeClr val="accent1"/>
+          </a:fontRef>
+        </p:style>
+        <p:txBody>
+          <a:bodyPr rtlCol="0" anchor="ctr"/>
+          <a:lstStyle/>
+          <a:p>
+            <a:r>
+              <a:rPr lang="en-US" sz="1200" dirty="0"/>
+              <a:t>Sales representative have the highest attrition at 40%. Then HR and Lab Tech. at 23% and 24% respectively</a:t>
+            </a:r>
+          </a:p>
+        </p:txBody>
+      </p:sp>
+      <p:sp>
+        <p:nvSpPr>
+          <p:cNvPr id="19" name="Oval 18">
+            <a:extLst>
+              <a:ext uri="{FF2B5EF4-FFF2-40B4-BE49-F238E27FC236}">
+                <a16:creationId xmlns:a16="http://schemas.microsoft.com/office/drawing/2014/main" id="{465FAE79-5751-40A9-B84F-254EC580470C}"/>
+              </a:ext>
+            </a:extLst>
+          </p:cNvPr>
+          <p:cNvSpPr/>
+          <p:nvPr/>
+        </p:nvSpPr>
+        <p:spPr>
+          <a:xfrm>
+            <a:off x="8854613" y="4204349"/>
+            <a:ext cx="745573" cy="906106"/>
+          </a:xfrm>
+          <a:prstGeom prst="ellipse">
+            <a:avLst/>
+          </a:prstGeom>
+          <a:solidFill>
+            <a:schemeClr val="accent3">
+              <a:alpha val="39000"/>
+            </a:schemeClr>
+          </a:solidFill>
+          <a:ln>
+            <a:prstDash val="dashDot"/>
+          </a:ln>
+        </p:spPr>
+        <p:style>
+          <a:lnRef idx="2">
+            <a:schemeClr val="accent1">
+              <a:shade val="50000"/>
+            </a:schemeClr>
+          </a:lnRef>
+          <a:fillRef idx="1">
+            <a:schemeClr val="accent1"/>
+          </a:fillRef>
+          <a:effectRef idx="0">
+            <a:schemeClr val="accent1"/>
+          </a:effectRef>
+          <a:fontRef idx="minor">
+            <a:schemeClr val="lt1"/>
+          </a:fontRef>
+        </p:style>
+        <p:txBody>
+          <a:bodyPr rtlCol="0" anchor="ctr"/>
+          <a:lstStyle/>
+          <a:p>
+            <a:pPr algn="ctr"/>
+            <a:endParaRPr lang="en-US"/>
+          </a:p>
+        </p:txBody>
+      </p:sp>
+      <p:cxnSp>
+        <p:nvCxnSpPr>
+          <p:cNvPr id="11" name="Straight Arrow Connector 10">
+            <a:extLst>
+              <a:ext uri="{FF2B5EF4-FFF2-40B4-BE49-F238E27FC236}">
+                <a16:creationId xmlns:a16="http://schemas.microsoft.com/office/drawing/2014/main" id="{F9E3969A-B658-4C0D-B91B-CC84A43B9FB7}"/>
+              </a:ext>
+            </a:extLst>
+          </p:cNvPr>
+          <p:cNvCxnSpPr>
+            <a:stCxn id="18" idx="2"/>
+          </p:cNvCxnSpPr>
+          <p:nvPr/>
+        </p:nvCxnSpPr>
+        <p:spPr>
+          <a:xfrm>
+            <a:off x="9962375" y="3575274"/>
+            <a:ext cx="805638" cy="262540"/>
+          </a:xfrm>
+          <a:prstGeom prst="straightConnector1">
+            <a:avLst/>
+          </a:prstGeom>
+          <a:ln>
+            <a:tailEnd type="triangle"/>
+          </a:ln>
+        </p:spPr>
+        <p:style>
+          <a:lnRef idx="1">
+            <a:schemeClr val="accent1"/>
+          </a:lnRef>
+          <a:fillRef idx="0">
+            <a:schemeClr val="accent1"/>
+          </a:fillRef>
+          <a:effectRef idx="0">
+            <a:schemeClr val="accent1"/>
+          </a:effectRef>
+          <a:fontRef idx="minor">
+            <a:schemeClr val="tx1"/>
+          </a:fontRef>
+        </p:style>
+      </p:cxnSp>
+      <p:cxnSp>
+        <p:nvCxnSpPr>
+          <p:cNvPr id="21" name="Straight Arrow Connector 20">
+            <a:extLst>
+              <a:ext uri="{FF2B5EF4-FFF2-40B4-BE49-F238E27FC236}">
+                <a16:creationId xmlns:a16="http://schemas.microsoft.com/office/drawing/2014/main" id="{365B96F4-F675-4BB0-99E8-5D35F6FCA238}"/>
+              </a:ext>
+            </a:extLst>
+          </p:cNvPr>
+          <p:cNvCxnSpPr>
+            <a:stCxn id="18" idx="2"/>
+          </p:cNvCxnSpPr>
+          <p:nvPr/>
+        </p:nvCxnSpPr>
+        <p:spPr>
+          <a:xfrm flipH="1">
+            <a:off x="9444038" y="3575274"/>
+            <a:ext cx="518337" cy="477614"/>
+          </a:xfrm>
+          <a:prstGeom prst="straightConnector1">
+            <a:avLst/>
+          </a:prstGeom>
+          <a:ln>
+            <a:tailEnd type="triangle"/>
+          </a:ln>
+        </p:spPr>
+        <p:style>
+          <a:lnRef idx="1">
+            <a:schemeClr val="accent1"/>
+          </a:lnRef>
+          <a:fillRef idx="0">
+            <a:schemeClr val="accent1"/>
+          </a:fillRef>
+          <a:effectRef idx="0">
+            <a:schemeClr val="accent1"/>
+          </a:effectRef>
+          <a:fontRef idx="minor">
+            <a:schemeClr val="tx1"/>
+          </a:fontRef>
+        </p:style>
+      </p:cxnSp>
     </p:spTree>
     <p:extLst>
       <p:ext uri="{BB962C8B-B14F-4D97-AF65-F5344CB8AC3E}">
-        <p14:creationId xmlns:p14="http://schemas.microsoft.com/office/powerpoint/2010/main" val="359380413"/>
+        <p14:creationId xmlns:p14="http://schemas.microsoft.com/office/powerpoint/2010/main" val="3609881790"/>
       </p:ext>
     </p:extLst>
   </p:cSld>
   <p:clrMapOvr>
     <a:masterClrMapping/>
   </p:clrMapOvr>
+  <p:timing>
+    <p:tnLst>
+      <p:par>
+        <p:cTn id="1" dur="indefinite" restart="never" nodeType="tmRoot">
+          <p:childTnLst>
+            <p:seq concurrent="1" nextAc="seek">
+              <p:cTn id="2" dur="indefinite" nodeType="mainSeq">
+                <p:childTnLst>
+                  <p:par>
+                    <p:cTn id="3" fill="hold">
+                      <p:stCondLst>
+                        <p:cond delay="indefinite"/>
+                      </p:stCondLst>
+                      <p:childTnLst>
+                        <p:par>
+                          <p:cTn id="4" fill="hold">
+                            <p:stCondLst>
+                              <p:cond delay="0"/>
+                            </p:stCondLst>
+                            <p:childTnLst>
+                              <p:par>
+                                <p:cTn id="5" presetID="1" presetClass="entr" presetSubtype="0" fill="hold" grpId="0" nodeType="clickEffect">
+                                  <p:stCondLst>
+                                    <p:cond delay="0"/>
+                                  </p:stCondLst>
+                                  <p:childTnLst>
+                                    <p:set>
+                                      <p:cBhvr>
+                                        <p:cTn id="6" dur="1" fill="hold">
+                                          <p:stCondLst>
+                                            <p:cond delay="0"/>
+                                          </p:stCondLst>
+                                        </p:cTn>
+                                        <p:tgtEl>
+                                          <p:spTgt spid="23"/>
+                                        </p:tgtEl>
+                                        <p:attrNameLst>
+                                          <p:attrName>style.visibility</p:attrName>
+                                        </p:attrNameLst>
+                                      </p:cBhvr>
+                                      <p:to>
+                                        <p:strVal val="visible"/>
+                                      </p:to>
+                                    </p:set>
+                                  </p:childTnLst>
+                                </p:cTn>
+                              </p:par>
+                              <p:par>
+                                <p:cTn id="7" presetID="1" presetClass="entr" presetSubtype="0" fill="hold" grpId="0" nodeType="withEffect">
+                                  <p:stCondLst>
+                                    <p:cond delay="0"/>
+                                  </p:stCondLst>
+                                  <p:childTnLst>
+                                    <p:set>
+                                      <p:cBhvr>
+                                        <p:cTn id="8" dur="1" fill="hold">
+                                          <p:stCondLst>
+                                            <p:cond delay="0"/>
+                                          </p:stCondLst>
+                                        </p:cTn>
+                                        <p:tgtEl>
+                                          <p:spTgt spid="20"/>
+                                        </p:tgtEl>
+                                        <p:attrNameLst>
+                                          <p:attrName>style.visibility</p:attrName>
+                                        </p:attrNameLst>
+                                      </p:cBhvr>
+                                      <p:to>
+                                        <p:strVal val="visible"/>
+                                      </p:to>
+                                    </p:set>
+                                  </p:childTnLst>
+                                </p:cTn>
+                              </p:par>
+                            </p:childTnLst>
+                          </p:cTn>
+                        </p:par>
+                      </p:childTnLst>
+                    </p:cTn>
+                  </p:par>
+                  <p:par>
+                    <p:cTn id="9" fill="hold">
+                      <p:stCondLst>
+                        <p:cond delay="indefinite"/>
+                      </p:stCondLst>
+                      <p:childTnLst>
+                        <p:par>
+                          <p:cTn id="10" fill="hold">
+                            <p:stCondLst>
+                              <p:cond delay="0"/>
+                            </p:stCondLst>
+                            <p:childTnLst>
+                              <p:par>
+                                <p:cTn id="11" presetID="1" presetClass="entr" presetSubtype="0" fill="hold" grpId="0" nodeType="clickEffect">
+                                  <p:stCondLst>
+                                    <p:cond delay="0"/>
+                                  </p:stCondLst>
+                                  <p:childTnLst>
+                                    <p:set>
+                                      <p:cBhvr>
+                                        <p:cTn id="12" dur="1" fill="hold">
+                                          <p:stCondLst>
+                                            <p:cond delay="0"/>
+                                          </p:stCondLst>
+                                        </p:cTn>
+                                        <p:tgtEl>
+                                          <p:spTgt spid="10"/>
+                                        </p:tgtEl>
+                                        <p:attrNameLst>
+                                          <p:attrName>style.visibility</p:attrName>
+                                        </p:attrNameLst>
+                                      </p:cBhvr>
+                                      <p:to>
+                                        <p:strVal val="visible"/>
+                                      </p:to>
+                                    </p:set>
+                                  </p:childTnLst>
+                                </p:cTn>
+                              </p:par>
+                              <p:par>
+                                <p:cTn id="13" presetID="1" presetClass="entr" presetSubtype="0" fill="hold" nodeType="withEffect">
+                                  <p:stCondLst>
+                                    <p:cond delay="0"/>
+                                  </p:stCondLst>
+                                  <p:childTnLst>
+                                    <p:set>
+                                      <p:cBhvr>
+                                        <p:cTn id="14" dur="1" fill="hold">
+                                          <p:stCondLst>
+                                            <p:cond delay="0"/>
+                                          </p:stCondLst>
+                                        </p:cTn>
+                                        <p:tgtEl>
+                                          <p:spTgt spid="9"/>
+                                        </p:tgtEl>
+                                        <p:attrNameLst>
+                                          <p:attrName>style.visibility</p:attrName>
+                                        </p:attrNameLst>
+                                      </p:cBhvr>
+                                      <p:to>
+                                        <p:strVal val="visible"/>
+                                      </p:to>
+                                    </p:set>
+                                  </p:childTnLst>
+                                </p:cTn>
+                              </p:par>
+                              <p:par>
+                                <p:cTn id="15" presetID="1" presetClass="entr" presetSubtype="0" fill="hold" grpId="0" nodeType="withEffect">
+                                  <p:stCondLst>
+                                    <p:cond delay="0"/>
+                                  </p:stCondLst>
+                                  <p:childTnLst>
+                                    <p:set>
+                                      <p:cBhvr>
+                                        <p:cTn id="16" dur="1" fill="hold">
+                                          <p:stCondLst>
+                                            <p:cond delay="0"/>
+                                          </p:stCondLst>
+                                        </p:cTn>
+                                        <p:tgtEl>
+                                          <p:spTgt spid="22"/>
+                                        </p:tgtEl>
+                                        <p:attrNameLst>
+                                          <p:attrName>style.visibility</p:attrName>
+                                        </p:attrNameLst>
+                                      </p:cBhvr>
+                                      <p:to>
+                                        <p:strVal val="visible"/>
+                                      </p:to>
+                                    </p:set>
+                                  </p:childTnLst>
+                                </p:cTn>
+                              </p:par>
+                            </p:childTnLst>
+                          </p:cTn>
+                        </p:par>
+                      </p:childTnLst>
+                    </p:cTn>
+                  </p:par>
+                  <p:par>
+                    <p:cTn id="17" fill="hold">
+                      <p:stCondLst>
+                        <p:cond delay="indefinite"/>
+                      </p:stCondLst>
+                      <p:childTnLst>
+                        <p:par>
+                          <p:cTn id="18" fill="hold">
+                            <p:stCondLst>
+                              <p:cond delay="0"/>
+                            </p:stCondLst>
+                            <p:childTnLst>
+                              <p:par>
+                                <p:cTn id="19" presetID="1" presetClass="entr" presetSubtype="0" fill="hold" grpId="0" nodeType="clickEffect">
+                                  <p:stCondLst>
+                                    <p:cond delay="0"/>
+                                  </p:stCondLst>
+                                  <p:childTnLst>
+                                    <p:set>
+                                      <p:cBhvr>
+                                        <p:cTn id="20" dur="1" fill="hold">
+                                          <p:stCondLst>
+                                            <p:cond delay="0"/>
+                                          </p:stCondLst>
+                                        </p:cTn>
+                                        <p:tgtEl>
+                                          <p:spTgt spid="16"/>
+                                        </p:tgtEl>
+                                        <p:attrNameLst>
+                                          <p:attrName>style.visibility</p:attrName>
+                                        </p:attrNameLst>
+                                      </p:cBhvr>
+                                      <p:to>
+                                        <p:strVal val="visible"/>
+                                      </p:to>
+                                    </p:set>
+                                  </p:childTnLst>
+                                </p:cTn>
+                              </p:par>
+                              <p:par>
+                                <p:cTn id="21" presetID="1" presetClass="entr" presetSubtype="0" fill="hold" nodeType="withEffect">
+                                  <p:stCondLst>
+                                    <p:cond delay="0"/>
+                                  </p:stCondLst>
+                                  <p:childTnLst>
+                                    <p:set>
+                                      <p:cBhvr>
+                                        <p:cTn id="22" dur="1" fill="hold">
+                                          <p:stCondLst>
+                                            <p:cond delay="0"/>
+                                          </p:stCondLst>
+                                        </p:cTn>
+                                        <p:tgtEl>
+                                          <p:spTgt spid="3"/>
+                                        </p:tgtEl>
+                                        <p:attrNameLst>
+                                          <p:attrName>style.visibility</p:attrName>
+                                        </p:attrNameLst>
+                                      </p:cBhvr>
+                                      <p:to>
+                                        <p:strVal val="visible"/>
+                                      </p:to>
+                                    </p:set>
+                                  </p:childTnLst>
+                                </p:cTn>
+                              </p:par>
+                              <p:par>
+                                <p:cTn id="23" presetID="1" presetClass="entr" presetSubtype="0" fill="hold" grpId="0" nodeType="withEffect">
+                                  <p:stCondLst>
+                                    <p:cond delay="0"/>
+                                  </p:stCondLst>
+                                  <p:childTnLst>
+                                    <p:set>
+                                      <p:cBhvr>
+                                        <p:cTn id="24" dur="1" fill="hold">
+                                          <p:stCondLst>
+                                            <p:cond delay="0"/>
+                                          </p:stCondLst>
+                                        </p:cTn>
+                                        <p:tgtEl>
+                                          <p:spTgt spid="13"/>
+                                        </p:tgtEl>
+                                        <p:attrNameLst>
+                                          <p:attrName>style.visibility</p:attrName>
+                                        </p:attrNameLst>
+                                      </p:cBhvr>
+                                      <p:to>
+                                        <p:strVal val="visible"/>
+                                      </p:to>
+                                    </p:set>
+                                  </p:childTnLst>
+                                </p:cTn>
+                              </p:par>
+                            </p:childTnLst>
+                          </p:cTn>
+                        </p:par>
+                      </p:childTnLst>
+                    </p:cTn>
+                  </p:par>
+                  <p:par>
+                    <p:cTn id="25" fill="hold">
+                      <p:stCondLst>
+                        <p:cond delay="indefinite"/>
+                      </p:stCondLst>
+                      <p:childTnLst>
+                        <p:par>
+                          <p:cTn id="26" fill="hold">
+                            <p:stCondLst>
+                              <p:cond delay="0"/>
+                            </p:stCondLst>
+                            <p:childTnLst>
+                              <p:par>
+                                <p:cTn id="27" presetID="1" presetClass="entr" presetSubtype="0" fill="hold" grpId="0" nodeType="clickEffect">
+                                  <p:stCondLst>
+                                    <p:cond delay="0"/>
+                                  </p:stCondLst>
+                                  <p:childTnLst>
+                                    <p:set>
+                                      <p:cBhvr>
+                                        <p:cTn id="28" dur="1" fill="hold">
+                                          <p:stCondLst>
+                                            <p:cond delay="0"/>
+                                          </p:stCondLst>
+                                        </p:cTn>
+                                        <p:tgtEl>
+                                          <p:spTgt spid="12"/>
+                                        </p:tgtEl>
+                                        <p:attrNameLst>
+                                          <p:attrName>style.visibility</p:attrName>
+                                        </p:attrNameLst>
+                                      </p:cBhvr>
+                                      <p:to>
+                                        <p:strVal val="visible"/>
+                                      </p:to>
+                                    </p:set>
+                                  </p:childTnLst>
+                                </p:cTn>
+                              </p:par>
+                              <p:par>
+                                <p:cTn id="29" presetID="1" presetClass="entr" presetSubtype="0" fill="hold" nodeType="withEffect">
+                                  <p:stCondLst>
+                                    <p:cond delay="0"/>
+                                  </p:stCondLst>
+                                  <p:childTnLst>
+                                    <p:set>
+                                      <p:cBhvr>
+                                        <p:cTn id="30" dur="1" fill="hold">
+                                          <p:stCondLst>
+                                            <p:cond delay="0"/>
+                                          </p:stCondLst>
+                                        </p:cTn>
+                                        <p:tgtEl>
+                                          <p:spTgt spid="4"/>
+                                        </p:tgtEl>
+                                        <p:attrNameLst>
+                                          <p:attrName>style.visibility</p:attrName>
+                                        </p:attrNameLst>
+                                      </p:cBhvr>
+                                      <p:to>
+                                        <p:strVal val="visible"/>
+                                      </p:to>
+                                    </p:set>
+                                  </p:childTnLst>
+                                </p:cTn>
+                              </p:par>
+                              <p:par>
+                                <p:cTn id="31" presetID="1" presetClass="entr" presetSubtype="0" fill="hold" grpId="0" nodeType="withEffect">
+                                  <p:stCondLst>
+                                    <p:cond delay="0"/>
+                                  </p:stCondLst>
+                                  <p:childTnLst>
+                                    <p:set>
+                                      <p:cBhvr>
+                                        <p:cTn id="32" dur="1" fill="hold">
+                                          <p:stCondLst>
+                                            <p:cond delay="0"/>
+                                          </p:stCondLst>
+                                        </p:cTn>
+                                        <p:tgtEl>
+                                          <p:spTgt spid="18"/>
+                                        </p:tgtEl>
+                                        <p:attrNameLst>
+                                          <p:attrName>style.visibility</p:attrName>
+                                        </p:attrNameLst>
+                                      </p:cBhvr>
+                                      <p:to>
+                                        <p:strVal val="visible"/>
+                                      </p:to>
+                                    </p:set>
+                                  </p:childTnLst>
+                                </p:cTn>
+                              </p:par>
+                              <p:par>
+                                <p:cTn id="33" presetID="1" presetClass="entr" presetSubtype="0" fill="hold" grpId="0" nodeType="withEffect">
+                                  <p:stCondLst>
+                                    <p:cond delay="0"/>
+                                  </p:stCondLst>
+                                  <p:childTnLst>
+                                    <p:set>
+                                      <p:cBhvr>
+                                        <p:cTn id="34" dur="1" fill="hold">
+                                          <p:stCondLst>
+                                            <p:cond delay="0"/>
+                                          </p:stCondLst>
+                                        </p:cTn>
+                                        <p:tgtEl>
+                                          <p:spTgt spid="19"/>
+                                        </p:tgtEl>
+                                        <p:attrNameLst>
+                                          <p:attrName>style.visibility</p:attrName>
+                                        </p:attrNameLst>
+                                      </p:cBhvr>
+                                      <p:to>
+                                        <p:strVal val="visible"/>
+                                      </p:to>
+                                    </p:set>
+                                  </p:childTnLst>
+                                </p:cTn>
+                              </p:par>
+                              <p:par>
+                                <p:cTn id="35" presetID="1" presetClass="entr" presetSubtype="0" fill="hold" grpId="0" nodeType="withEffect">
+                                  <p:stCondLst>
+                                    <p:cond delay="0"/>
+                                  </p:stCondLst>
+                                  <p:childTnLst>
+                                    <p:set>
+                                      <p:cBhvr>
+                                        <p:cTn id="36" dur="1" fill="hold">
+                                          <p:stCondLst>
+                                            <p:cond delay="0"/>
+                                          </p:stCondLst>
+                                        </p:cTn>
+                                        <p:tgtEl>
+                                          <p:spTgt spid="17"/>
+                                        </p:tgtEl>
+                                        <p:attrNameLst>
+                                          <p:attrName>style.visibility</p:attrName>
+                                        </p:attrNameLst>
+                                      </p:cBhvr>
+                                      <p:to>
+                                        <p:strVal val="visible"/>
+                                      </p:to>
+                                    </p:set>
+                                  </p:childTnLst>
+                                </p:cTn>
+                              </p:par>
+                              <p:par>
+                                <p:cTn id="37" presetID="1" presetClass="entr" presetSubtype="0" fill="hold" nodeType="withEffect">
+                                  <p:stCondLst>
+                                    <p:cond delay="0"/>
+                                  </p:stCondLst>
+                                  <p:childTnLst>
+                                    <p:set>
+                                      <p:cBhvr>
+                                        <p:cTn id="38" dur="1" fill="hold">
+                                          <p:stCondLst>
+                                            <p:cond delay="0"/>
+                                          </p:stCondLst>
+                                        </p:cTn>
+                                        <p:tgtEl>
+                                          <p:spTgt spid="21"/>
+                                        </p:tgtEl>
+                                        <p:attrNameLst>
+                                          <p:attrName>style.visibility</p:attrName>
+                                        </p:attrNameLst>
+                                      </p:cBhvr>
+                                      <p:to>
+                                        <p:strVal val="visible"/>
+                                      </p:to>
+                                    </p:set>
+                                  </p:childTnLst>
+                                </p:cTn>
+                              </p:par>
+                              <p:par>
+                                <p:cTn id="39" presetID="1" presetClass="entr" presetSubtype="0" fill="hold" nodeType="withEffect">
+                                  <p:stCondLst>
+                                    <p:cond delay="0"/>
+                                  </p:stCondLst>
+                                  <p:childTnLst>
+                                    <p:set>
+                                      <p:cBhvr>
+                                        <p:cTn id="40" dur="1" fill="hold">
+                                          <p:stCondLst>
+                                            <p:cond delay="0"/>
+                                          </p:stCondLst>
+                                        </p:cTn>
+                                        <p:tgtEl>
+                                          <p:spTgt spid="11"/>
+                                        </p:tgtEl>
+                                        <p:attrNameLst>
+                                          <p:attrName>style.visibility</p:attrName>
+                                        </p:attrNameLst>
+                                      </p:cBhvr>
+                                      <p:to>
+                                        <p:strVal val="visible"/>
+                                      </p:to>
+                                    </p:set>
+                                  </p:childTnLst>
+                                </p:cTn>
+                              </p:par>
+                            </p:childTnLst>
+                          </p:cTn>
+                        </p:par>
+                      </p:childTnLst>
+                    </p:cTn>
+                  </p:par>
+                </p:childTnLst>
+              </p:cTn>
+              <p:prevCondLst>
+                <p:cond evt="onPrev" delay="0">
+                  <p:tgtEl>
+                    <p:sldTgt/>
+                  </p:tgtEl>
+                </p:cond>
+              </p:prevCondLst>
+              <p:nextCondLst>
+                <p:cond evt="onNext" delay="0">
+                  <p:tgtEl>
+                    <p:sldTgt/>
+                  </p:tgtEl>
+                </p:cond>
+              </p:nextCondLst>
+            </p:seq>
+          </p:childTnLst>
+        </p:cTn>
+      </p:par>
+    </p:tnLst>
+    <p:bldLst>
+      <p:bldP spid="10" grpId="0"/>
+      <p:bldP spid="20" grpId="0" animBg="1"/>
+      <p:bldP spid="22" grpId="0" animBg="1"/>
+      <p:bldP spid="23" grpId="0" animBg="1"/>
+      <p:bldP spid="12" grpId="0"/>
+      <p:bldP spid="13" grpId="0" animBg="1"/>
+      <p:bldP spid="16" grpId="0"/>
+      <p:bldP spid="17" grpId="0" animBg="1"/>
+      <p:bldP spid="18" grpId="0" animBg="1"/>
+      <p:bldP spid="19" grpId="0" animBg="1"/>
+    </p:bldLst>
+  </p:timing>
 </p:sld>
 </file>
 
-<file path=ppt/slides/slide6.xml><?xml version="1.0" encoding="utf-8"?>
+<file path=ppt/slides/slide7.xml><?xml version="1.0" encoding="utf-8"?>
 <p:sld xmlns:a="http://schemas.openxmlformats.org/drawingml/2006/main" xmlns:r="http://schemas.openxmlformats.org/officeDocument/2006/relationships" xmlns:p="http://schemas.openxmlformats.org/presentationml/2006/main">
   <p:cSld>
     <p:spTree>
@@ -13219,7 +18775,7 @@
           <a:p>
             <a:r>
               <a:rPr lang="en-US" dirty="0"/>
-              <a:t>predictive model and variable prioritization</a:t>
+              <a:t>Model creation</a:t>
             </a:r>
           </a:p>
         </p:txBody>
@@ -13262,7 +18818,110 @@
 </p:sld>
 </file>
 
-<file path=ppt/slides/slide7.xml><?xml version="1.0" encoding="utf-8"?>
+<file path=ppt/slides/slide8.xml><?xml version="1.0" encoding="utf-8"?>
+<p:sld xmlns:a="http://schemas.openxmlformats.org/drawingml/2006/main" xmlns:r="http://schemas.openxmlformats.org/officeDocument/2006/relationships" xmlns:p="http://schemas.openxmlformats.org/presentationml/2006/main">
+  <p:cSld>
+    <p:spTree>
+      <p:nvGrpSpPr>
+        <p:cNvPr id="1" name=""/>
+        <p:cNvGrpSpPr/>
+        <p:nvPr/>
+      </p:nvGrpSpPr>
+      <p:grpSpPr>
+        <a:xfrm>
+          <a:off x="0" y="0"/>
+          <a:ext cx="0" cy="0"/>
+          <a:chOff x="0" y="0"/>
+          <a:chExt cx="0" cy="0"/>
+        </a:xfrm>
+      </p:grpSpPr>
+      <p:sp>
+        <p:nvSpPr>
+          <p:cNvPr id="2" name="Title 1">
+            <a:extLst>
+              <a:ext uri="{FF2B5EF4-FFF2-40B4-BE49-F238E27FC236}">
+                <a16:creationId xmlns:a16="http://schemas.microsoft.com/office/drawing/2014/main" id="{4D47171A-6325-4B30-B4C6-E7881E72E0FB}"/>
+              </a:ext>
+            </a:extLst>
+          </p:cNvPr>
+          <p:cNvSpPr>
+            <a:spLocks noGrp="1"/>
+          </p:cNvSpPr>
+          <p:nvPr>
+            <p:ph type="title"/>
+          </p:nvPr>
+        </p:nvSpPr>
+        <p:spPr/>
+        <p:txBody>
+          <a:bodyPr>
+            <a:normAutofit fontScale="90000"/>
+          </a:bodyPr>
+          <a:lstStyle/>
+          <a:p>
+            <a:r>
+              <a:rPr lang="en-US" dirty="0"/>
+              <a:t>Importance of a predictive model</a:t>
+            </a:r>
+          </a:p>
+        </p:txBody>
+      </p:sp>
+      <p:sp>
+        <p:nvSpPr>
+          <p:cNvPr id="3" name="TextBox 2">
+            <a:extLst>
+              <a:ext uri="{FF2B5EF4-FFF2-40B4-BE49-F238E27FC236}">
+                <a16:creationId xmlns:a16="http://schemas.microsoft.com/office/drawing/2014/main" id="{D7B83EF1-AEA5-4A25-B572-B38DF410AE85}"/>
+              </a:ext>
+            </a:extLst>
+          </p:cNvPr>
+          <p:cNvSpPr txBox="1"/>
+          <p:nvPr/>
+        </p:nvSpPr>
+        <p:spPr>
+          <a:xfrm>
+            <a:off x="709613" y="1966913"/>
+            <a:ext cx="5742021" cy="369332"/>
+          </a:xfrm>
+          <a:prstGeom prst="rect">
+            <a:avLst/>
+          </a:prstGeom>
+          <a:noFill/>
+        </p:spPr>
+        <p:txBody>
+          <a:bodyPr wrap="none" rtlCol="0">
+            <a:spAutoFit/>
+          </a:bodyPr>
+          <a:lstStyle/>
+          <a:p>
+            <a:pPr marL="285750" indent="-285750">
+              <a:buFont typeface="Arial" panose="020B0604020202020204" pitchFamily="34" charset="0"/>
+              <a:buChar char="•"/>
+            </a:pPr>
+            <a:r>
+              <a:rPr lang="en-US" dirty="0"/>
+              <a:t>The predictive model allows to combine all </a:t>
+            </a:r>
+            <a:r>
+              <a:rPr lang="en-US"/>
+              <a:t>the variables</a:t>
+            </a:r>
+          </a:p>
+        </p:txBody>
+      </p:sp>
+    </p:spTree>
+    <p:extLst>
+      <p:ext uri="{BB962C8B-B14F-4D97-AF65-F5344CB8AC3E}">
+        <p14:creationId xmlns:p14="http://schemas.microsoft.com/office/powerpoint/2010/main" val="2727743056"/>
+      </p:ext>
+    </p:extLst>
+  </p:cSld>
+  <p:clrMapOvr>
+    <a:masterClrMapping/>
+  </p:clrMapOvr>
+</p:sld>
+</file>
+
+<file path=ppt/slides/slide9.xml><?xml version="1.0" encoding="utf-8"?>
 <p:sld xmlns:a="http://schemas.openxmlformats.org/drawingml/2006/main" xmlns:r="http://schemas.openxmlformats.org/officeDocument/2006/relationships" xmlns:p="http://schemas.openxmlformats.org/presentationml/2006/main">
   <p:cSld>
     <p:spTree>
@@ -13326,13 +18985,13 @@
               <p:nvPr>
                 <p:extLst>
                   <p:ext uri="{D42A27DB-BD31-4B8C-83A1-F6EECF244321}">
-                    <p14:modId xmlns:p14="http://schemas.microsoft.com/office/powerpoint/2010/main" val="3567506885"/>
+                    <p14:modId xmlns:p14="http://schemas.microsoft.com/office/powerpoint/2010/main" val="2803165228"/>
                   </p:ext>
                 </p:extLst>
               </p:nvPr>
             </p:nvGraphicFramePr>
             <p:xfrm>
-              <a:off x="1110497" y="3181268"/>
+              <a:off x="1120022" y="3038397"/>
               <a:ext cx="10039483" cy="2878805"/>
             </p:xfrm>
             <a:graphic>
@@ -14525,13 +20184,13 @@
               <p:nvPr>
                 <p:extLst>
                   <p:ext uri="{D42A27DB-BD31-4B8C-83A1-F6EECF244321}">
-                    <p14:modId xmlns:p14="http://schemas.microsoft.com/office/powerpoint/2010/main" val="3567506885"/>
+                    <p14:modId xmlns:p14="http://schemas.microsoft.com/office/powerpoint/2010/main" val="2803165228"/>
                   </p:ext>
                 </p:extLst>
               </p:nvPr>
             </p:nvGraphicFramePr>
             <p:xfrm>
-              <a:off x="1110497" y="3181268"/>
+              <a:off x="1120022" y="3038397"/>
               <a:ext cx="10039483" cy="2878805"/>
             </p:xfrm>
             <a:graphic>
@@ -15718,7 +21377,7 @@
         </p:nvSpPr>
         <p:spPr>
           <a:xfrm flipH="1">
-            <a:off x="1062872" y="1904837"/>
+            <a:off x="1062872" y="1814346"/>
             <a:ext cx="9381291" cy="892552"/>
           </a:xfrm>
           <a:prstGeom prst="rect">
@@ -15755,149 +21414,6 @@
     <p:extLst>
       <p:ext uri="{BB962C8B-B14F-4D97-AF65-F5344CB8AC3E}">
         <p14:creationId xmlns:p14="http://schemas.microsoft.com/office/powerpoint/2010/main" val="3601079492"/>
-      </p:ext>
-    </p:extLst>
-  </p:cSld>
-  <p:clrMapOvr>
-    <a:masterClrMapping/>
-  </p:clrMapOvr>
-</p:sld>
-</file>
-
-<file path=ppt/slides/slide8.xml><?xml version="1.0" encoding="utf-8"?>
-<p:sld xmlns:a="http://schemas.openxmlformats.org/drawingml/2006/main" xmlns:r="http://schemas.openxmlformats.org/officeDocument/2006/relationships" xmlns:p="http://schemas.openxmlformats.org/presentationml/2006/main">
-  <p:cSld>
-    <p:spTree>
-      <p:nvGrpSpPr>
-        <p:cNvPr id="1" name=""/>
-        <p:cNvGrpSpPr/>
-        <p:nvPr/>
-      </p:nvGrpSpPr>
-      <p:grpSpPr>
-        <a:xfrm>
-          <a:off x="0" y="0"/>
-          <a:ext cx="0" cy="0"/>
-          <a:chOff x="0" y="0"/>
-          <a:chExt cx="0" cy="0"/>
-        </a:xfrm>
-      </p:grpSpPr>
-      <p:sp>
-        <p:nvSpPr>
-          <p:cNvPr id="2" name="Title 1">
-            <a:extLst>
-              <a:ext uri="{FF2B5EF4-FFF2-40B4-BE49-F238E27FC236}">
-                <a16:creationId xmlns:a16="http://schemas.microsoft.com/office/drawing/2014/main" id="{C2A905E7-DBAD-46FE-9ECE-04947C458B80}"/>
-              </a:ext>
-            </a:extLst>
-          </p:cNvPr>
-          <p:cNvSpPr>
-            <a:spLocks noGrp="1"/>
-          </p:cNvSpPr>
-          <p:nvPr>
-            <p:ph type="title"/>
-          </p:nvPr>
-        </p:nvSpPr>
-        <p:spPr/>
-        <p:txBody>
-          <a:bodyPr>
-            <a:normAutofit fontScale="90000"/>
-          </a:bodyPr>
-          <a:lstStyle/>
-          <a:p>
-            <a:r>
-              <a:rPr lang="en-US" dirty="0"/>
-              <a:t>Logistic Regression analysis</a:t>
-            </a:r>
-          </a:p>
-        </p:txBody>
-      </p:sp>
-    </p:spTree>
-    <p:extLst>
-      <p:ext uri="{BB962C8B-B14F-4D97-AF65-F5344CB8AC3E}">
-        <p14:creationId xmlns:p14="http://schemas.microsoft.com/office/powerpoint/2010/main" val="432169422"/>
-      </p:ext>
-    </p:extLst>
-  </p:cSld>
-  <p:clrMapOvr>
-    <a:masterClrMapping/>
-  </p:clrMapOvr>
-</p:sld>
-</file>
-
-<file path=ppt/slides/slide9.xml><?xml version="1.0" encoding="utf-8"?>
-<p:sld xmlns:a="http://schemas.openxmlformats.org/drawingml/2006/main" xmlns:r="http://schemas.openxmlformats.org/officeDocument/2006/relationships" xmlns:p="http://schemas.openxmlformats.org/presentationml/2006/main">
-  <p:cSld>
-    <p:spTree>
-      <p:nvGrpSpPr>
-        <p:cNvPr id="1" name=""/>
-        <p:cNvGrpSpPr/>
-        <p:nvPr/>
-      </p:nvGrpSpPr>
-      <p:grpSpPr>
-        <a:xfrm>
-          <a:off x="0" y="0"/>
-          <a:ext cx="0" cy="0"/>
-          <a:chOff x="0" y="0"/>
-          <a:chExt cx="0" cy="0"/>
-        </a:xfrm>
-      </p:grpSpPr>
-      <p:sp>
-        <p:nvSpPr>
-          <p:cNvPr id="2" name="Title 1">
-            <a:extLst>
-              <a:ext uri="{FF2B5EF4-FFF2-40B4-BE49-F238E27FC236}">
-                <a16:creationId xmlns:a16="http://schemas.microsoft.com/office/drawing/2014/main" id="{86274AB9-DA7A-4630-B9A6-8B6BB1752342}"/>
-              </a:ext>
-            </a:extLst>
-          </p:cNvPr>
-          <p:cNvSpPr>
-            <a:spLocks noGrp="1"/>
-          </p:cNvSpPr>
-          <p:nvPr>
-            <p:ph type="title"/>
-          </p:nvPr>
-        </p:nvSpPr>
-        <p:spPr/>
-        <p:txBody>
-          <a:bodyPr/>
-          <a:lstStyle/>
-          <a:p>
-            <a:r>
-              <a:rPr lang="en-US" dirty="0"/>
-              <a:t>appendix</a:t>
-            </a:r>
-          </a:p>
-        </p:txBody>
-      </p:sp>
-      <p:sp>
-        <p:nvSpPr>
-          <p:cNvPr id="3" name="Text Placeholder 2">
-            <a:extLst>
-              <a:ext uri="{FF2B5EF4-FFF2-40B4-BE49-F238E27FC236}">
-                <a16:creationId xmlns:a16="http://schemas.microsoft.com/office/drawing/2014/main" id="{A05C094E-36BB-4CC7-AA38-D1DD38A69DD8}"/>
-              </a:ext>
-            </a:extLst>
-          </p:cNvPr>
-          <p:cNvSpPr>
-            <a:spLocks noGrp="1"/>
-          </p:cNvSpPr>
-          <p:nvPr>
-            <p:ph type="body" idx="1"/>
-          </p:nvPr>
-        </p:nvSpPr>
-        <p:spPr/>
-        <p:txBody>
-          <a:bodyPr/>
-          <a:lstStyle/>
-          <a:p>
-            <a:endParaRPr lang="en-US"/>
-          </a:p>
-        </p:txBody>
-      </p:sp>
-    </p:spTree>
-    <p:extLst>
-      <p:ext uri="{BB962C8B-B14F-4D97-AF65-F5344CB8AC3E}">
-        <p14:creationId xmlns:p14="http://schemas.microsoft.com/office/powerpoint/2010/main" val="2574946965"/>
       </p:ext>
     </p:extLst>
   </p:cSld>

--- a/Case Study 2.pptx
+++ b/Case Study 2.pptx
@@ -14,8 +14,8 @@
     <p:sldId id="280" r:id="rId5"/>
     <p:sldId id="287" r:id="rId6"/>
     <p:sldId id="286" r:id="rId7"/>
-    <p:sldId id="281" r:id="rId8"/>
-    <p:sldId id="288" r:id="rId9"/>
+    <p:sldId id="291" r:id="rId8"/>
+    <p:sldId id="281" r:id="rId9"/>
     <p:sldId id="282" r:id="rId10"/>
     <p:sldId id="284" r:id="rId11"/>
     <p:sldId id="289" r:id="rId12"/>
@@ -128,7 +128,7 @@
             <a:srgbClr val="A4A3A4"/>
           </p15:clr>
         </p15:guide>
-        <p15:guide id="2" pos="3840" userDrawn="1">
+        <p15:guide id="2" pos="3816" userDrawn="1">
           <p15:clr>
             <a:srgbClr val="A4A3A4"/>
           </p15:clr>
@@ -7517,7 +7517,7 @@
           <a:p>
             <a:fld id="{FC9BBDA9-00D3-4ABB-A2C2-7F9B3CD25872}" type="datetimeFigureOut">
               <a:rPr lang="en-US" smtClean="0"/>
-              <a:t>4/14/2018</a:t>
+              <a:t>4/15/2018</a:t>
             </a:fld>
             <a:endParaRPr lang="en-US"/>
           </a:p>
@@ -7996,6 +7996,90 @@
           <a:bodyPr/>
           <a:lstStyle/>
           <a:p>
+            <a:endParaRPr lang="en-US" dirty="0"/>
+          </a:p>
+        </p:txBody>
+      </p:sp>
+      <p:sp>
+        <p:nvSpPr>
+          <p:cNvPr id="4" name="Slide Number Placeholder 3"/>
+          <p:cNvSpPr>
+            <a:spLocks noGrp="1"/>
+          </p:cNvSpPr>
+          <p:nvPr>
+            <p:ph type="sldNum" sz="quarter" idx="10"/>
+          </p:nvPr>
+        </p:nvSpPr>
+        <p:spPr/>
+        <p:txBody>
+          <a:bodyPr/>
+          <a:lstStyle/>
+          <a:p>
+            <a:fld id="{F6B20B5B-F85A-4AD1-94B7-E3315E48E274}" type="slidenum">
+              <a:rPr lang="en-US" smtClean="0"/>
+              <a:t>7</a:t>
+            </a:fld>
+            <a:endParaRPr lang="en-US"/>
+          </a:p>
+        </p:txBody>
+      </p:sp>
+    </p:spTree>
+    <p:extLst>
+      <p:ext uri="{BB962C8B-B14F-4D97-AF65-F5344CB8AC3E}">
+        <p14:creationId xmlns:p14="http://schemas.microsoft.com/office/powerpoint/2010/main" val="2620974494"/>
+      </p:ext>
+    </p:extLst>
+  </p:cSld>
+  <p:clrMapOvr>
+    <a:masterClrMapping/>
+  </p:clrMapOvr>
+</p:notes>
+</file>
+
+<file path=ppt/notesSlides/notesSlide4.xml><?xml version="1.0" encoding="utf-8"?>
+<p:notes xmlns:a="http://schemas.openxmlformats.org/drawingml/2006/main" xmlns:r="http://schemas.openxmlformats.org/officeDocument/2006/relationships" xmlns:p="http://schemas.openxmlformats.org/presentationml/2006/main">
+  <p:cSld>
+    <p:spTree>
+      <p:nvGrpSpPr>
+        <p:cNvPr id="1" name=""/>
+        <p:cNvGrpSpPr/>
+        <p:nvPr/>
+      </p:nvGrpSpPr>
+      <p:grpSpPr>
+        <a:xfrm>
+          <a:off x="0" y="0"/>
+          <a:ext cx="0" cy="0"/>
+          <a:chOff x="0" y="0"/>
+          <a:chExt cx="0" cy="0"/>
+        </a:xfrm>
+      </p:grpSpPr>
+      <p:sp>
+        <p:nvSpPr>
+          <p:cNvPr id="2" name="Slide Image Placeholder 1"/>
+          <p:cNvSpPr>
+            <a:spLocks noGrp="1" noRot="1" noChangeAspect="1"/>
+          </p:cNvSpPr>
+          <p:nvPr>
+            <p:ph type="sldImg"/>
+          </p:nvPr>
+        </p:nvSpPr>
+        <p:spPr/>
+      </p:sp>
+      <p:sp>
+        <p:nvSpPr>
+          <p:cNvPr id="3" name="Notes Placeholder 2"/>
+          <p:cNvSpPr>
+            <a:spLocks noGrp="1"/>
+          </p:cNvSpPr>
+          <p:nvPr>
+            <p:ph type="body" idx="1"/>
+          </p:nvPr>
+        </p:nvSpPr>
+        <p:spPr/>
+        <p:txBody>
+          <a:bodyPr/>
+          <a:lstStyle/>
+          <a:p>
             <a:r>
               <a:rPr lang="en-US" dirty="0"/>
               <a:t>All models can predict attrition given our data set. Selected the logistic regression analysis.</a:t>
@@ -8294,7 +8378,7 @@
             <a:fld id="{5586B75A-687E-405C-8A0B-8D00578BA2C3}" type="datetimeFigureOut">
               <a:rPr lang="en-US" smtClean="0"/>
               <a:pPr/>
-              <a:t>4/14/2018</a:t>
+              <a:t>4/15/2018</a:t>
             </a:fld>
             <a:endParaRPr lang="en-US" dirty="0"/>
           </a:p>
@@ -8558,7 +8642,7 @@
             <a:fld id="{5586B75A-687E-405C-8A0B-8D00578BA2C3}" type="datetimeFigureOut">
               <a:rPr lang="en-US" smtClean="0"/>
               <a:pPr/>
-              <a:t>4/14/2018</a:t>
+              <a:t>4/15/2018</a:t>
             </a:fld>
             <a:endParaRPr lang="en-US" dirty="0"/>
           </a:p>
@@ -8795,7 +8879,7 @@
             <a:fld id="{5586B75A-687E-405C-8A0B-8D00578BA2C3}" type="datetimeFigureOut">
               <a:rPr lang="en-US" smtClean="0"/>
               <a:pPr/>
-              <a:t>4/14/2018</a:t>
+              <a:t>4/15/2018</a:t>
             </a:fld>
             <a:endParaRPr lang="en-US" dirty="0"/>
           </a:p>
@@ -8965,7 +9049,7 @@
             <a:fld id="{5586B75A-687E-405C-8A0B-8D00578BA2C3}" type="datetimeFigureOut">
               <a:rPr lang="en-US" smtClean="0"/>
               <a:pPr/>
-              <a:t>4/14/2018</a:t>
+              <a:t>4/15/2018</a:t>
             </a:fld>
             <a:endParaRPr lang="en-US" dirty="0"/>
           </a:p>
@@ -9224,7 +9308,7 @@
             <a:fld id="{5586B75A-687E-405C-8A0B-8D00578BA2C3}" type="datetimeFigureOut">
               <a:rPr lang="en-US" smtClean="0"/>
               <a:pPr/>
-              <a:t>4/14/2018</a:t>
+              <a:t>4/15/2018</a:t>
             </a:fld>
             <a:endParaRPr lang="en-US" dirty="0"/>
           </a:p>
@@ -9532,7 +9616,7 @@
             <a:fld id="{5586B75A-687E-405C-8A0B-8D00578BA2C3}" type="datetimeFigureOut">
               <a:rPr lang="en-US" smtClean="0"/>
               <a:pPr/>
-              <a:t>4/14/2018</a:t>
+              <a:t>4/15/2018</a:t>
             </a:fld>
             <a:endParaRPr lang="en-US" dirty="0"/>
           </a:p>
@@ -9836,7 +9920,7 @@
             <a:fld id="{5586B75A-687E-405C-8A0B-8D00578BA2C3}" type="datetimeFigureOut">
               <a:rPr lang="en-US" smtClean="0"/>
               <a:pPr/>
-              <a:t>4/14/2018</a:t>
+              <a:t>4/15/2018</a:t>
             </a:fld>
             <a:endParaRPr lang="en-US" dirty="0"/>
           </a:p>
@@ -10260,7 +10344,7 @@
             <a:fld id="{5586B75A-687E-405C-8A0B-8D00578BA2C3}" type="datetimeFigureOut">
               <a:rPr lang="en-US" smtClean="0"/>
               <a:pPr/>
-              <a:t>4/14/2018</a:t>
+              <a:t>4/15/2018</a:t>
             </a:fld>
             <a:endParaRPr lang="en-US" dirty="0"/>
           </a:p>
@@ -10357,7 +10441,7 @@
             <a:fld id="{5586B75A-687E-405C-8A0B-8D00578BA2C3}" type="datetimeFigureOut">
               <a:rPr lang="en-US" smtClean="0"/>
               <a:pPr/>
-              <a:t>4/14/2018</a:t>
+              <a:t>4/15/2018</a:t>
             </a:fld>
             <a:endParaRPr lang="en-US" dirty="0"/>
           </a:p>
@@ -10526,7 +10610,7 @@
             <a:fld id="{5586B75A-687E-405C-8A0B-8D00578BA2C3}" type="datetimeFigureOut">
               <a:rPr lang="en-US" smtClean="0"/>
               <a:pPr/>
-              <a:t>4/14/2018</a:t>
+              <a:t>4/15/2018</a:t>
             </a:fld>
             <a:endParaRPr lang="en-US" dirty="0"/>
           </a:p>
@@ -10906,7 +10990,7 @@
             <a:fld id="{5586B75A-687E-405C-8A0B-8D00578BA2C3}" type="datetimeFigureOut">
               <a:rPr lang="en-US" smtClean="0"/>
               <a:pPr/>
-              <a:t>4/14/2018</a:t>
+              <a:t>4/15/2018</a:t>
             </a:fld>
             <a:endParaRPr lang="en-US" dirty="0"/>
           </a:p>
@@ -11197,7 +11281,7 @@
             <a:fld id="{5586B75A-687E-405C-8A0B-8D00578BA2C3}" type="datetimeFigureOut">
               <a:rPr lang="en-US" smtClean="0"/>
               <a:pPr/>
-              <a:t>4/14/2018</a:t>
+              <a:t>4/15/2018</a:t>
             </a:fld>
             <a:endParaRPr lang="en-US" dirty="0"/>
           </a:p>
@@ -11410,7 +11494,7 @@
             <a:fld id="{5586B75A-687E-405C-8A0B-8D00578BA2C3}" type="datetimeFigureOut">
               <a:rPr lang="en-US" smtClean="0"/>
               <a:pPr/>
-              <a:t>4/14/2018</a:t>
+              <a:t>4/15/2018</a:t>
             </a:fld>
             <a:endParaRPr lang="en-US" dirty="0"/>
           </a:p>
@@ -12134,7 +12218,7 @@
           <a:p>
             <a:r>
               <a:rPr lang="en-US" dirty="0"/>
-              <a:t>Logistic Regression analysis – final model</a:t>
+              <a:t>Logistic Regression analysis – final Reduced model</a:t>
             </a:r>
           </a:p>
         </p:txBody>
@@ -12154,37 +12238,37 @@
           <p:nvPr>
             <p:extLst>
               <p:ext uri="{D42A27DB-BD31-4B8C-83A1-F6EECF244321}">
-                <p14:modId xmlns:p14="http://schemas.microsoft.com/office/powerpoint/2010/main" val="3384005943"/>
+                <p14:modId xmlns:p14="http://schemas.microsoft.com/office/powerpoint/2010/main" val="2918131971"/>
               </p:ext>
             </p:extLst>
           </p:nvPr>
         </p:nvGraphicFramePr>
         <p:xfrm>
-          <a:off x="1790701" y="1576388"/>
-          <a:ext cx="4194175" cy="4924417"/>
+          <a:off x="2454384" y="2856503"/>
+          <a:ext cx="3381521" cy="3383280"/>
         </p:xfrm>
         <a:graphic>
           <a:graphicData uri="http://schemas.openxmlformats.org/drawingml/2006/table">
             <a:tbl>
               <a:tblPr firstRow="1" bandRow="1">
-                <a:tableStyleId>{93296810-A885-4BE3-A3E7-6D5BEEA58F35}</a:tableStyleId>
+                <a:tableStyleId>{68D230F3-CF80-4859-8CE7-A43EE81993B5}</a:tableStyleId>
               </a:tblPr>
               <a:tblGrid>
-                <a:gridCol w="2130803">
+                <a:gridCol w="1763898">
                   <a:extLst>
                     <a:ext uri="{9D8B030D-6E8A-4147-A177-3AD203B41FA5}">
                       <a16:colId xmlns:a16="http://schemas.microsoft.com/office/drawing/2014/main" val="2140873009"/>
                     </a:ext>
                   </a:extLst>
                 </a:gridCol>
-                <a:gridCol w="924729">
+                <a:gridCol w="709286">
                   <a:extLst>
                     <a:ext uri="{9D8B030D-6E8A-4147-A177-3AD203B41FA5}">
                       <a16:colId xmlns:a16="http://schemas.microsoft.com/office/drawing/2014/main" val="421182900"/>
                     </a:ext>
                   </a:extLst>
                 </a:gridCol>
-                <a:gridCol w="1138643">
+                <a:gridCol w="908337">
                   <a:extLst>
                     <a:ext uri="{9D8B030D-6E8A-4147-A177-3AD203B41FA5}">
                       <a16:colId xmlns:a16="http://schemas.microsoft.com/office/drawing/2014/main" val="2135523426"/>
@@ -12192,7 +12276,7 @@
                   </a:extLst>
                 </a:gridCol>
               </a:tblGrid>
-              <a:tr h="381473">
+              <a:tr h="274320">
                 <a:tc>
                   <a:txBody>
                     <a:bodyPr/>
@@ -12200,12 +12284,12 @@
                     <a:p>
                       <a:pPr algn="l" fontAlgn="b"/>
                       <a:r>
-                        <a:rPr lang="en-US" sz="1400" u="none" strike="noStrike" dirty="0">
+                        <a:rPr lang="en-US" sz="1100" u="none" strike="noStrike" dirty="0">
                           <a:effectLst/>
                         </a:rPr>
-                        <a:t>KPI (1 of 2)</a:t>
+                        <a:t>Variable (1 of 2)</a:t>
                       </a:r>
-                      <a:endParaRPr lang="en-US" sz="1400" b="1" i="0" u="none" strike="noStrike" dirty="0">
+                      <a:endParaRPr lang="en-US" sz="1100" b="1" i="0" u="none" strike="noStrike" dirty="0">
                         <a:solidFill>
                           <a:srgbClr val="FFFFFF"/>
                         </a:solidFill>
@@ -12223,12 +12307,12 @@
                     <a:p>
                       <a:pPr algn="ctr" fontAlgn="b"/>
                       <a:r>
-                        <a:rPr lang="en-US" sz="1400" u="none" strike="noStrike" dirty="0">
+                        <a:rPr lang="en-US" sz="1100" u="none" strike="noStrike" dirty="0">
                           <a:effectLst/>
                         </a:rPr>
                         <a:t>Estimate</a:t>
                       </a:r>
-                      <a:endParaRPr lang="en-US" sz="1400" b="1" i="0" u="none" strike="noStrike" dirty="0">
+                      <a:endParaRPr lang="en-US" sz="1100" b="1" i="0" u="none" strike="noStrike" dirty="0">
                         <a:solidFill>
                           <a:srgbClr val="FFFFFF"/>
                         </a:solidFill>
@@ -12246,12 +12330,12 @@
                     <a:p>
                       <a:pPr algn="ctr" fontAlgn="b"/>
                       <a:r>
-                        <a:rPr lang="en-US" sz="1400" u="none" strike="noStrike" dirty="0">
+                        <a:rPr lang="en-US" sz="1100" u="none" strike="noStrike" dirty="0">
                           <a:effectLst/>
                         </a:rPr>
                         <a:t>Probability</a:t>
                       </a:r>
-                      <a:endParaRPr lang="en-US" sz="1400" b="1" i="0" u="none" strike="noStrike" dirty="0">
+                      <a:endParaRPr lang="en-US" sz="1100" b="1" i="0" u="none" strike="noStrike" dirty="0">
                         <a:solidFill>
                           <a:srgbClr val="FFFFFF"/>
                         </a:solidFill>
@@ -12268,7 +12352,7 @@
                   </a:ext>
                 </a:extLst>
               </a:tr>
-              <a:tr h="267232">
+              <a:tr h="182880">
                 <a:tc>
                   <a:txBody>
                     <a:bodyPr/>
@@ -12276,12 +12360,44 @@
                     <a:p>
                       <a:pPr algn="l" fontAlgn="b"/>
                       <a:r>
-                        <a:rPr lang="en-US" sz="1200" u="none" strike="noStrike" dirty="0">
+                        <a:rPr lang="en-US" sz="1000" u="none" strike="noStrike" dirty="0">
                           <a:effectLst/>
                         </a:rPr>
-                        <a:t>Over Time - Yes</a:t>
+                        <a:t>Over Time - </a:t>
                       </a:r>
-                      <a:endParaRPr lang="en-US" sz="1200" b="0" i="0" u="none" strike="noStrike" dirty="0">
+                      <a:r>
+                        <a:rPr lang="en-US" sz="1000" b="1" u="none" strike="noStrike" dirty="0">
+                          <a:solidFill>
+                            <a:srgbClr val="C00000"/>
+                          </a:solidFill>
+                          <a:effectLst/>
+                        </a:rPr>
+                        <a:t>Yes</a:t>
+                      </a:r>
+                      <a:endParaRPr lang="en-US" sz="1000" b="1" i="0" u="none" strike="noStrike" dirty="0">
+                        <a:solidFill>
+                          <a:srgbClr val="C00000"/>
+                        </a:solidFill>
+                        <a:effectLst/>
+                        <a:latin typeface="Calibri" panose="020F0502020204030204" pitchFamily="34" charset="0"/>
+                      </a:endParaRPr>
+                    </a:p>
+                  </a:txBody>
+                  <a:tcPr marL="2162" marR="2162" marT="2162" marB="0" anchor="b"/>
+                </a:tc>
+                <a:tc>
+                  <a:txBody>
+                    <a:bodyPr/>
+                    <a:lstStyle/>
+                    <a:p>
+                      <a:pPr algn="ctr" fontAlgn="b"/>
+                      <a:r>
+                        <a:rPr lang="en-US" sz="1000" u="none" strike="noStrike" dirty="0">
+                          <a:effectLst/>
+                        </a:rPr>
+                        <a:t>2.002</a:t>
+                      </a:r>
+                      <a:endParaRPr lang="en-US" sz="1000" b="0" i="0" u="none" strike="noStrike" dirty="0">
                         <a:solidFill>
                           <a:srgbClr val="000000"/>
                         </a:solidFill>
@@ -12299,12 +12415,74 @@
                     <a:p>
                       <a:pPr algn="ctr" fontAlgn="b"/>
                       <a:r>
-                        <a:rPr lang="en-US" sz="1200" u="none" strike="noStrike" dirty="0">
+                        <a:rPr lang="en-US" sz="1000" u="none" strike="noStrike">
                           <a:effectLst/>
                         </a:rPr>
-                        <a:t>2.002</a:t>
+                        <a:t>7.59E-21</a:t>
                       </a:r>
-                      <a:endParaRPr lang="en-US" sz="1200" b="0" i="0" u="none" strike="noStrike" dirty="0">
+                      <a:endParaRPr lang="en-US" sz="1000" b="0" i="0" u="none" strike="noStrike">
+                        <a:solidFill>
+                          <a:srgbClr val="000000"/>
+                        </a:solidFill>
+                        <a:effectLst/>
+                        <a:latin typeface="Calibri" panose="020F0502020204030204" pitchFamily="34" charset="0"/>
+                      </a:endParaRPr>
+                    </a:p>
+                  </a:txBody>
+                  <a:tcPr marL="2162" marR="2162" marT="2162" marB="0" anchor="b"/>
+                </a:tc>
+                <a:extLst>
+                  <a:ext uri="{0D108BD9-81ED-4DB2-BD59-A6C34878D82A}">
+                    <a16:rowId xmlns:a16="http://schemas.microsoft.com/office/drawing/2014/main" val="873972951"/>
+                  </a:ext>
+                </a:extLst>
+              </a:tr>
+              <a:tr h="182880">
+                <a:tc>
+                  <a:txBody>
+                    <a:bodyPr/>
+                    <a:lstStyle/>
+                    <a:p>
+                      <a:pPr algn="l" fontAlgn="b"/>
+                      <a:r>
+                        <a:rPr lang="en-US" sz="1000" u="none" strike="noStrike" dirty="0">
+                          <a:effectLst/>
+                        </a:rPr>
+                        <a:t>Job Satisfaction - </a:t>
+                      </a:r>
+                      <a:r>
+                        <a:rPr lang="en-US" sz="1000" u="none" strike="noStrike" dirty="0">
+                          <a:solidFill>
+                            <a:srgbClr val="C00000"/>
+                          </a:solidFill>
+                          <a:effectLst/>
+                        </a:rPr>
+                        <a:t>4</a:t>
+                      </a:r>
+                      <a:endParaRPr lang="en-US" sz="1000" b="0" i="0" u="none" strike="noStrike" dirty="0">
+                        <a:solidFill>
+                          <a:srgbClr val="C00000"/>
+                        </a:solidFill>
+                        <a:effectLst/>
+                        <a:latin typeface="Calibri" panose="020F0502020204030204" pitchFamily="34" charset="0"/>
+                      </a:endParaRPr>
+                    </a:p>
+                  </a:txBody>
+                  <a:tcPr marL="2162" marR="2162" marT="2162" marB="0" anchor="b"/>
+                </a:tc>
+                <a:tc>
+                  <a:txBody>
+                    <a:bodyPr/>
+                    <a:lstStyle/>
+                    <a:p>
+                      <a:pPr algn="ctr" fontAlgn="b"/>
+                      <a:r>
+                        <a:rPr lang="en-US" sz="1000" u="none" strike="noStrike">
+                          <a:effectLst/>
+                        </a:rPr>
+                        <a:t>-1.441</a:t>
+                      </a:r>
+                      <a:endParaRPr lang="en-US" sz="1000" b="0" i="0" u="none" strike="noStrike">
                         <a:solidFill>
                           <a:srgbClr val="000000"/>
                         </a:solidFill>
@@ -12322,12 +12500,12 @@
                     <a:p>
                       <a:pPr algn="ctr" fontAlgn="b"/>
                       <a:r>
-                        <a:rPr lang="en-US" sz="1200" u="none" strike="noStrike">
+                        <a:rPr lang="en-US" sz="1000" u="none" strike="noStrike">
                           <a:effectLst/>
                         </a:rPr>
-                        <a:t>7.59E-21</a:t>
+                        <a:t>8.06E-07</a:t>
                       </a:r>
-                      <a:endParaRPr lang="en-US" sz="1200" b="0" i="0" u="none" strike="noStrike">
+                      <a:endParaRPr lang="en-US" sz="1000" b="0" i="0" u="none" strike="noStrike">
                         <a:solidFill>
                           <a:srgbClr val="000000"/>
                         </a:solidFill>
@@ -12340,11 +12518,11 @@
                 </a:tc>
                 <a:extLst>
                   <a:ext uri="{0D108BD9-81ED-4DB2-BD59-A6C34878D82A}">
-                    <a16:rowId xmlns:a16="http://schemas.microsoft.com/office/drawing/2014/main" val="873972951"/>
+                    <a16:rowId xmlns:a16="http://schemas.microsoft.com/office/drawing/2014/main" val="2511161141"/>
                   </a:ext>
                 </a:extLst>
               </a:tr>
-              <a:tr h="267232">
+              <a:tr h="182880">
                 <a:tc>
                   <a:txBody>
                     <a:bodyPr/>
@@ -12352,12 +12530,44 @@
                     <a:p>
                       <a:pPr algn="l" fontAlgn="b"/>
                       <a:r>
-                        <a:rPr lang="en-US" sz="1200" u="none" strike="noStrike" dirty="0">
+                        <a:rPr lang="en-US" sz="1000" u="none" strike="noStrike" dirty="0">
                           <a:effectLst/>
                         </a:rPr>
-                        <a:t>Job Satisfaction - 4</a:t>
+                        <a:t>Marital Status - </a:t>
                       </a:r>
-                      <a:endParaRPr lang="en-US" sz="1200" b="0" i="0" u="none" strike="noStrike" dirty="0">
+                      <a:r>
+                        <a:rPr lang="en-US" sz="1000" b="1" u="none" strike="noStrike" dirty="0">
+                          <a:solidFill>
+                            <a:srgbClr val="C00000"/>
+                          </a:solidFill>
+                          <a:effectLst/>
+                        </a:rPr>
+                        <a:t>Single</a:t>
+                      </a:r>
+                      <a:endParaRPr lang="en-US" sz="1000" b="1" i="0" u="none" strike="noStrike" dirty="0">
+                        <a:solidFill>
+                          <a:srgbClr val="C00000"/>
+                        </a:solidFill>
+                        <a:effectLst/>
+                        <a:latin typeface="Calibri" panose="020F0502020204030204" pitchFamily="34" charset="0"/>
+                      </a:endParaRPr>
+                    </a:p>
+                  </a:txBody>
+                  <a:tcPr marL="2162" marR="2162" marT="2162" marB="0" anchor="b"/>
+                </a:tc>
+                <a:tc>
+                  <a:txBody>
+                    <a:bodyPr/>
+                    <a:lstStyle/>
+                    <a:p>
+                      <a:pPr algn="ctr" fontAlgn="b"/>
+                      <a:r>
+                        <a:rPr lang="en-US" sz="1000" u="none" strike="noStrike" dirty="0">
+                          <a:effectLst/>
+                        </a:rPr>
+                        <a:t>1.456</a:t>
+                      </a:r>
+                      <a:endParaRPr lang="en-US" sz="1000" b="0" i="0" u="none" strike="noStrike" dirty="0">
                         <a:solidFill>
                           <a:srgbClr val="000000"/>
                         </a:solidFill>
@@ -12375,12 +12585,74 @@
                     <a:p>
                       <a:pPr algn="ctr" fontAlgn="b"/>
                       <a:r>
-                        <a:rPr lang="en-US" sz="1200" u="none" strike="noStrike">
+                        <a:rPr lang="en-US" sz="1000" u="none" strike="noStrike" dirty="0">
                           <a:effectLst/>
                         </a:rPr>
-                        <a:t>-1.441</a:t>
+                        <a:t>1.39E-06</a:t>
                       </a:r>
-                      <a:endParaRPr lang="en-US" sz="1200" b="0" i="0" u="none" strike="noStrike">
+                      <a:endParaRPr lang="en-US" sz="1000" b="0" i="0" u="none" strike="noStrike" dirty="0">
+                        <a:solidFill>
+                          <a:srgbClr val="000000"/>
+                        </a:solidFill>
+                        <a:effectLst/>
+                        <a:latin typeface="Calibri" panose="020F0502020204030204" pitchFamily="34" charset="0"/>
+                      </a:endParaRPr>
+                    </a:p>
+                  </a:txBody>
+                  <a:tcPr marL="2162" marR="2162" marT="2162" marB="0" anchor="b"/>
+                </a:tc>
+                <a:extLst>
+                  <a:ext uri="{0D108BD9-81ED-4DB2-BD59-A6C34878D82A}">
+                    <a16:rowId xmlns:a16="http://schemas.microsoft.com/office/drawing/2014/main" val="3249196363"/>
+                  </a:ext>
+                </a:extLst>
+              </a:tr>
+              <a:tr h="182880">
+                <a:tc>
+                  <a:txBody>
+                    <a:bodyPr/>
+                    <a:lstStyle/>
+                    <a:p>
+                      <a:pPr algn="l" fontAlgn="ctr"/>
+                      <a:r>
+                        <a:rPr lang="en-US" sz="1000" u="none" strike="noStrike" dirty="0">
+                          <a:effectLst/>
+                        </a:rPr>
+                        <a:t>Environment Satisfaction - </a:t>
+                      </a:r>
+                      <a:r>
+                        <a:rPr lang="en-US" sz="1000" b="1" u="none" strike="noStrike" dirty="0">
+                          <a:solidFill>
+                            <a:srgbClr val="C00000"/>
+                          </a:solidFill>
+                          <a:effectLst/>
+                        </a:rPr>
+                        <a:t>4</a:t>
+                      </a:r>
+                      <a:endParaRPr lang="en-US" sz="1000" b="1" i="0" u="none" strike="noStrike" dirty="0">
+                        <a:solidFill>
+                          <a:srgbClr val="C00000"/>
+                        </a:solidFill>
+                        <a:effectLst/>
+                        <a:latin typeface="Consolas" panose="020B0609020204030204" pitchFamily="49" charset="0"/>
+                      </a:endParaRPr>
+                    </a:p>
+                  </a:txBody>
+                  <a:tcPr marL="2162" marR="2162" marT="2162" marB="0" anchor="ctr"/>
+                </a:tc>
+                <a:tc>
+                  <a:txBody>
+                    <a:bodyPr/>
+                    <a:lstStyle/>
+                    <a:p>
+                      <a:pPr algn="ctr" fontAlgn="b"/>
+                      <a:r>
+                        <a:rPr lang="en-US" sz="1000" u="none" strike="noStrike" dirty="0">
+                          <a:effectLst/>
+                        </a:rPr>
+                        <a:t>-1.267</a:t>
+                      </a:r>
+                      <a:endParaRPr lang="en-US" sz="1000" b="0" i="0" u="none" strike="noStrike" dirty="0">
                         <a:solidFill>
                           <a:srgbClr val="000000"/>
                         </a:solidFill>
@@ -12398,12 +12670,12 @@
                     <a:p>
                       <a:pPr algn="ctr" fontAlgn="b"/>
                       <a:r>
-                        <a:rPr lang="en-US" sz="1200" u="none" strike="noStrike">
+                        <a:rPr lang="en-US" sz="1000" u="none" strike="noStrike" dirty="0">
                           <a:effectLst/>
                         </a:rPr>
-                        <a:t>8.06E-07</a:t>
+                        <a:t>6.61E-06</a:t>
                       </a:r>
-                      <a:endParaRPr lang="en-US" sz="1200" b="0" i="0" u="none" strike="noStrike">
+                      <a:endParaRPr lang="en-US" sz="1000" b="0" i="0" u="none" strike="noStrike" dirty="0">
                         <a:solidFill>
                           <a:srgbClr val="000000"/>
                         </a:solidFill>
@@ -12416,11 +12688,11 @@
                 </a:tc>
                 <a:extLst>
                   <a:ext uri="{0D108BD9-81ED-4DB2-BD59-A6C34878D82A}">
-                    <a16:rowId xmlns:a16="http://schemas.microsoft.com/office/drawing/2014/main" val="2511161141"/>
+                    <a16:rowId xmlns:a16="http://schemas.microsoft.com/office/drawing/2014/main" val="2477883847"/>
                   </a:ext>
                 </a:extLst>
               </a:tr>
-              <a:tr h="267232">
+              <a:tr h="182880">
                 <a:tc>
                   <a:txBody>
                     <a:bodyPr/>
@@ -12428,12 +12700,12 @@
                     <a:p>
                       <a:pPr algn="l" fontAlgn="b"/>
                       <a:r>
-                        <a:rPr lang="en-US" sz="1200" u="none" strike="noStrike" dirty="0">
+                        <a:rPr lang="en-US" sz="1000" u="none" strike="noStrike" dirty="0">
                           <a:effectLst/>
                         </a:rPr>
-                        <a:t>Marital Status - Single</a:t>
+                        <a:t>Years Since Last Promotion</a:t>
                       </a:r>
-                      <a:endParaRPr lang="en-US" sz="1200" b="0" i="0" u="none" strike="noStrike" dirty="0">
+                      <a:endParaRPr lang="en-US" sz="1000" b="0" i="0" u="none" strike="noStrike" dirty="0">
                         <a:solidFill>
                           <a:srgbClr val="000000"/>
                         </a:solidFill>
@@ -12451,12 +12723,12 @@
                     <a:p>
                       <a:pPr algn="ctr" fontAlgn="b"/>
                       <a:r>
-                        <a:rPr lang="en-US" sz="1200" u="none" strike="noStrike" dirty="0">
+                        <a:rPr lang="en-US" sz="1000" u="none" strike="noStrike">
                           <a:effectLst/>
                         </a:rPr>
-                        <a:t>1.456</a:t>
+                        <a:t>0.2028</a:t>
                       </a:r>
-                      <a:endParaRPr lang="en-US" sz="1200" b="0" i="0" u="none" strike="noStrike" dirty="0">
+                      <a:endParaRPr lang="en-US" sz="1000" b="0" i="0" u="none" strike="noStrike">
                         <a:solidFill>
                           <a:srgbClr val="000000"/>
                         </a:solidFill>
@@ -12474,12 +12746,12 @@
                     <a:p>
                       <a:pPr algn="ctr" fontAlgn="b"/>
                       <a:r>
-                        <a:rPr lang="en-US" sz="1200" u="none" strike="noStrike" dirty="0">
+                        <a:rPr lang="en-US" sz="1000" u="none" strike="noStrike" dirty="0">
                           <a:effectLst/>
                         </a:rPr>
-                        <a:t>1.39E-06</a:t>
+                        <a:t>3.15E-05</a:t>
                       </a:r>
-                      <a:endParaRPr lang="en-US" sz="1200" b="0" i="0" u="none" strike="noStrike" dirty="0">
+                      <a:endParaRPr lang="en-US" sz="1000" b="0" i="0" u="none" strike="noStrike" dirty="0">
                         <a:solidFill>
                           <a:srgbClr val="000000"/>
                         </a:solidFill>
@@ -12492,11 +12764,11 @@
                 </a:tc>
                 <a:extLst>
                   <a:ext uri="{0D108BD9-81ED-4DB2-BD59-A6C34878D82A}">
-                    <a16:rowId xmlns:a16="http://schemas.microsoft.com/office/drawing/2014/main" val="3249196363"/>
+                    <a16:rowId xmlns:a16="http://schemas.microsoft.com/office/drawing/2014/main" val="3082597626"/>
                   </a:ext>
                 </a:extLst>
               </a:tr>
-              <a:tr h="267232">
+              <a:tr h="182880">
                 <a:tc>
                   <a:txBody>
                     <a:bodyPr/>
@@ -12504,12 +12776,12 @@
                     <a:p>
                       <a:pPr algn="l" fontAlgn="ctr"/>
                       <a:r>
-                        <a:rPr lang="en-US" sz="1200" u="none" strike="noStrike" dirty="0">
+                        <a:rPr lang="en-US" sz="1000" u="none" strike="noStrike" dirty="0">
                           <a:effectLst/>
                         </a:rPr>
-                        <a:t>Environment Satisfaction - 4</a:t>
+                        <a:t>Distance From Home</a:t>
                       </a:r>
-                      <a:endParaRPr lang="en-US" sz="1200" b="0" i="0" u="none" strike="noStrike" dirty="0">
+                      <a:endParaRPr lang="en-US" sz="1000" b="0" i="0" u="none" strike="noStrike" dirty="0">
                         <a:solidFill>
                           <a:srgbClr val="24292E"/>
                         </a:solidFill>
@@ -12527,12 +12799,12 @@
                     <a:p>
                       <a:pPr algn="ctr" fontAlgn="b"/>
                       <a:r>
-                        <a:rPr lang="en-US" sz="1200" u="none" strike="noStrike" dirty="0">
+                        <a:rPr lang="en-US" sz="1000" u="none" strike="noStrike">
                           <a:effectLst/>
                         </a:rPr>
-                        <a:t>-1.267</a:t>
+                        <a:t>0.04841</a:t>
                       </a:r>
-                      <a:endParaRPr lang="en-US" sz="1200" b="0" i="0" u="none" strike="noStrike" dirty="0">
+                      <a:endParaRPr lang="en-US" sz="1000" b="0" i="0" u="none" strike="noStrike">
                         <a:solidFill>
                           <a:srgbClr val="000000"/>
                         </a:solidFill>
@@ -12550,12 +12822,12 @@
                     <a:p>
                       <a:pPr algn="ctr" fontAlgn="b"/>
                       <a:r>
-                        <a:rPr lang="en-US" sz="1200" u="none" strike="noStrike">
+                        <a:rPr lang="en-US" sz="1000" u="none" strike="noStrike">
                           <a:effectLst/>
                         </a:rPr>
-                        <a:t>6.61E-06</a:t>
+                        <a:t>4.23E-05</a:t>
                       </a:r>
-                      <a:endParaRPr lang="en-US" sz="1200" b="0" i="0" u="none" strike="noStrike">
+                      <a:endParaRPr lang="en-US" sz="1000" b="0" i="0" u="none" strike="noStrike">
                         <a:solidFill>
                           <a:srgbClr val="000000"/>
                         </a:solidFill>
@@ -12568,11 +12840,11 @@
                 </a:tc>
                 <a:extLst>
                   <a:ext uri="{0D108BD9-81ED-4DB2-BD59-A6C34878D82A}">
-                    <a16:rowId xmlns:a16="http://schemas.microsoft.com/office/drawing/2014/main" val="2477883847"/>
+                    <a16:rowId xmlns:a16="http://schemas.microsoft.com/office/drawing/2014/main" val="3834578694"/>
                   </a:ext>
                 </a:extLst>
               </a:tr>
-              <a:tr h="267232">
+              <a:tr h="182880">
                 <a:tc>
                   <a:txBody>
                     <a:bodyPr/>
@@ -12580,12 +12852,12 @@
                     <a:p>
                       <a:pPr algn="l" fontAlgn="b"/>
                       <a:r>
-                        <a:rPr lang="en-US" sz="1200" u="none" strike="noStrike" dirty="0">
+                        <a:rPr lang="en-US" sz="1000" u="none" strike="noStrike" dirty="0">
                           <a:effectLst/>
                         </a:rPr>
-                        <a:t>Years Since Last Promotion</a:t>
+                        <a:t>Job Role Sales Representative</a:t>
                       </a:r>
-                      <a:endParaRPr lang="en-US" sz="1200" b="0" i="0" u="none" strike="noStrike" dirty="0">
+                      <a:endParaRPr lang="en-US" sz="1000" b="0" i="0" u="none" strike="noStrike" dirty="0">
                         <a:solidFill>
                           <a:srgbClr val="000000"/>
                         </a:solidFill>
@@ -12603,12 +12875,12 @@
                     <a:p>
                       <a:pPr algn="ctr" fontAlgn="b"/>
                       <a:r>
-                        <a:rPr lang="en-US" sz="1200" u="none" strike="noStrike">
+                        <a:rPr lang="en-US" sz="1000" u="none" strike="noStrike">
                           <a:effectLst/>
                         </a:rPr>
-                        <a:t>0.2028</a:t>
+                        <a:t>2.195</a:t>
                       </a:r>
-                      <a:endParaRPr lang="en-US" sz="1200" b="0" i="0" u="none" strike="noStrike">
+                      <a:endParaRPr lang="en-US" sz="1000" b="0" i="0" u="none" strike="noStrike">
                         <a:solidFill>
                           <a:srgbClr val="000000"/>
                         </a:solidFill>
@@ -12626,12 +12898,12 @@
                     <a:p>
                       <a:pPr algn="ctr" fontAlgn="b"/>
                       <a:r>
-                        <a:rPr lang="en-US" sz="1200" u="none" strike="noStrike" dirty="0">
+                        <a:rPr lang="en-US" sz="1000" u="none" strike="noStrike" dirty="0">
                           <a:effectLst/>
                         </a:rPr>
-                        <a:t>3.15E-05</a:t>
+                        <a:t>7.01E-05</a:t>
                       </a:r>
-                      <a:endParaRPr lang="en-US" sz="1200" b="0" i="0" u="none" strike="noStrike" dirty="0">
+                      <a:endParaRPr lang="en-US" sz="1000" b="0" i="0" u="none" strike="noStrike" dirty="0">
                         <a:solidFill>
                           <a:srgbClr val="000000"/>
                         </a:solidFill>
@@ -12644,11 +12916,11 @@
                 </a:tc>
                 <a:extLst>
                   <a:ext uri="{0D108BD9-81ED-4DB2-BD59-A6C34878D82A}">
-                    <a16:rowId xmlns:a16="http://schemas.microsoft.com/office/drawing/2014/main" val="3082597626"/>
+                    <a16:rowId xmlns:a16="http://schemas.microsoft.com/office/drawing/2014/main" val="3017980900"/>
                   </a:ext>
                 </a:extLst>
               </a:tr>
-              <a:tr h="267232">
+              <a:tr h="182880">
                 <a:tc>
                   <a:txBody>
                     <a:bodyPr/>
@@ -12656,14 +12928,23 @@
                     <a:p>
                       <a:pPr algn="l" fontAlgn="ctr"/>
                       <a:r>
-                        <a:rPr lang="en-US" sz="1200" u="none" strike="noStrike" dirty="0">
+                        <a:rPr lang="en-US" sz="1000" u="none" strike="noStrike" dirty="0">
                           <a:effectLst/>
                         </a:rPr>
-                        <a:t>Distance From Home</a:t>
+                        <a:t>Environment Satisfaction - </a:t>
                       </a:r>
-                      <a:endParaRPr lang="en-US" sz="1200" b="0" i="0" u="none" strike="noStrike" dirty="0">
+                      <a:r>
+                        <a:rPr lang="en-US" sz="1000" b="1" u="none" strike="noStrike" dirty="0">
+                          <a:solidFill>
+                            <a:srgbClr val="C00000"/>
+                          </a:solidFill>
+                          <a:effectLst/>
+                        </a:rPr>
+                        <a:t>3</a:t>
+                      </a:r>
+                      <a:endParaRPr lang="en-US" sz="1000" b="1" i="0" u="none" strike="noStrike" dirty="0">
                         <a:solidFill>
-                          <a:srgbClr val="24292E"/>
+                          <a:srgbClr val="C00000"/>
                         </a:solidFill>
                         <a:effectLst/>
                         <a:latin typeface="Consolas" panose="020B0609020204030204" pitchFamily="49" charset="0"/>
@@ -12679,12 +12960,12 @@
                     <a:p>
                       <a:pPr algn="ctr" fontAlgn="b"/>
                       <a:r>
-                        <a:rPr lang="en-US" sz="1200" u="none" strike="noStrike">
+                        <a:rPr lang="en-US" sz="1000" u="none" strike="noStrike" dirty="0">
                           <a:effectLst/>
                         </a:rPr>
-                        <a:t>0.04841</a:t>
+                        <a:t>-0.9925</a:t>
                       </a:r>
-                      <a:endParaRPr lang="en-US" sz="1200" b="0" i="0" u="none" strike="noStrike">
+                      <a:endParaRPr lang="en-US" sz="1000" b="0" i="0" u="none" strike="noStrike" dirty="0">
                         <a:solidFill>
                           <a:srgbClr val="000000"/>
                         </a:solidFill>
@@ -12702,12 +12983,12 @@
                     <a:p>
                       <a:pPr algn="ctr" fontAlgn="b"/>
                       <a:r>
-                        <a:rPr lang="en-US" sz="1200" u="none" strike="noStrike">
+                        <a:rPr lang="en-US" sz="1000" u="none" strike="noStrike">
                           <a:effectLst/>
                         </a:rPr>
-                        <a:t>4.23E-05</a:t>
+                        <a:t>0.0002872</a:t>
                       </a:r>
-                      <a:endParaRPr lang="en-US" sz="1200" b="0" i="0" u="none" strike="noStrike">
+                      <a:endParaRPr lang="en-US" sz="1000" b="0" i="0" u="none" strike="noStrike">
                         <a:solidFill>
                           <a:srgbClr val="000000"/>
                         </a:solidFill>
@@ -12720,24 +13001,56 @@
                 </a:tc>
                 <a:extLst>
                   <a:ext uri="{0D108BD9-81ED-4DB2-BD59-A6C34878D82A}">
-                    <a16:rowId xmlns:a16="http://schemas.microsoft.com/office/drawing/2014/main" val="3834578694"/>
+                    <a16:rowId xmlns:a16="http://schemas.microsoft.com/office/drawing/2014/main" val="2650801401"/>
                   </a:ext>
                 </a:extLst>
               </a:tr>
-              <a:tr h="267232">
+              <a:tr h="182880">
                 <a:tc>
                   <a:txBody>
                     <a:bodyPr/>
                     <a:lstStyle/>
                     <a:p>
-                      <a:pPr algn="l" fontAlgn="b"/>
+                      <a:pPr algn="l" fontAlgn="ctr"/>
                       <a:r>
-                        <a:rPr lang="en-US" sz="1200" u="none" strike="noStrike" dirty="0" err="1">
+                        <a:rPr lang="en-US" sz="1000" u="none" strike="noStrike" dirty="0">
                           <a:effectLst/>
                         </a:rPr>
-                        <a:t>JobRoleSalesRepresentative</a:t>
+                        <a:t>Environment Satisfaction – </a:t>
                       </a:r>
-                      <a:endParaRPr lang="en-US" sz="1200" b="0" i="0" u="none" strike="noStrike" dirty="0">
+                      <a:r>
+                        <a:rPr lang="en-US" sz="1000" b="1" u="none" strike="noStrike" dirty="0">
+                          <a:solidFill>
+                            <a:srgbClr val="C00000"/>
+                          </a:solidFill>
+                          <a:effectLst/>
+                        </a:rPr>
+                        <a:t>2</a:t>
+                      </a:r>
+                      <a:endParaRPr lang="en-US" sz="1000" b="1" i="0" u="none" strike="noStrike" dirty="0">
+                        <a:solidFill>
+                          <a:srgbClr val="C00000"/>
+                        </a:solidFill>
+                        <a:effectLst/>
+                        <a:latin typeface="Consolas" panose="020B0609020204030204" pitchFamily="49" charset="0"/>
+                      </a:endParaRPr>
+                    </a:p>
+                  </a:txBody>
+                  <a:tcPr marL="2162" marR="2162" marT="2162" marB="0" anchor="ctr"/>
+                </a:tc>
+                <a:tc>
+                  <a:txBody>
+                    <a:bodyPr/>
+                    <a:lstStyle/>
+                    <a:p>
+                      <a:pPr algn="ctr" fontAlgn="b"/>
+                      <a:r>
+                        <a:rPr lang="en-US" sz="1000" u="none" strike="noStrike" dirty="0">
+                          <a:effectLst/>
+                        </a:rPr>
+                        <a:t>-1.101</a:t>
+                      </a:r>
+                      <a:endParaRPr lang="en-US" sz="1000" b="0" i="0" u="none" strike="noStrike" dirty="0">
                         <a:solidFill>
                           <a:srgbClr val="000000"/>
                         </a:solidFill>
@@ -12755,12 +13068,42 @@
                     <a:p>
                       <a:pPr algn="ctr" fontAlgn="b"/>
                       <a:r>
-                        <a:rPr lang="en-US" sz="1200" u="none" strike="noStrike">
+                        <a:rPr lang="en-US" sz="1000" u="none" strike="noStrike" dirty="0">
                           <a:effectLst/>
                         </a:rPr>
-                        <a:t>2.195</a:t>
+                        <a:t>0.0004351</a:t>
                       </a:r>
-                      <a:endParaRPr lang="en-US" sz="1200" b="0" i="0" u="none" strike="noStrike">
+                      <a:endParaRPr lang="en-US" sz="1000" b="0" i="0" u="none" strike="noStrike" dirty="0">
+                        <a:solidFill>
+                          <a:srgbClr val="000000"/>
+                        </a:solidFill>
+                        <a:effectLst/>
+                        <a:latin typeface="Calibri" panose="020F0502020204030204" pitchFamily="34" charset="0"/>
+                      </a:endParaRPr>
+                    </a:p>
+                  </a:txBody>
+                  <a:tcPr marL="2162" marR="2162" marT="2162" marB="0" anchor="b"/>
+                </a:tc>
+                <a:extLst>
+                  <a:ext uri="{0D108BD9-81ED-4DB2-BD59-A6C34878D82A}">
+                    <a16:rowId xmlns:a16="http://schemas.microsoft.com/office/drawing/2014/main" val="4179910891"/>
+                  </a:ext>
+                </a:extLst>
+              </a:tr>
+              <a:tr h="182880">
+                <a:tc>
+                  <a:txBody>
+                    <a:bodyPr/>
+                    <a:lstStyle/>
+                    <a:p>
+                      <a:pPr algn="l" fontAlgn="b"/>
+                      <a:r>
+                        <a:rPr lang="en-US" sz="1000" u="none" strike="noStrike" dirty="0">
+                          <a:effectLst/>
+                        </a:rPr>
+                        <a:t>Job Role Laboratory Technician</a:t>
+                      </a:r>
+                      <a:endParaRPr lang="en-US" sz="1000" b="0" i="0" u="none" strike="noStrike" dirty="0">
                         <a:solidFill>
                           <a:srgbClr val="000000"/>
                         </a:solidFill>
@@ -12778,65 +13121,12 @@
                     <a:p>
                       <a:pPr algn="ctr" fontAlgn="b"/>
                       <a:r>
-                        <a:rPr lang="en-US" sz="1200" u="none" strike="noStrike">
+                        <a:rPr lang="en-US" sz="1000" u="none" strike="noStrike">
                           <a:effectLst/>
                         </a:rPr>
-                        <a:t>7.01E-05</a:t>
+                        <a:t>1.679</a:t>
                       </a:r>
-                      <a:endParaRPr lang="en-US" sz="1200" b="0" i="0" u="none" strike="noStrike">
-                        <a:solidFill>
-                          <a:srgbClr val="000000"/>
-                        </a:solidFill>
-                        <a:effectLst/>
-                        <a:latin typeface="Calibri" panose="020F0502020204030204" pitchFamily="34" charset="0"/>
-                      </a:endParaRPr>
-                    </a:p>
-                  </a:txBody>
-                  <a:tcPr marL="2162" marR="2162" marT="2162" marB="0" anchor="b"/>
-                </a:tc>
-                <a:extLst>
-                  <a:ext uri="{0D108BD9-81ED-4DB2-BD59-A6C34878D82A}">
-                    <a16:rowId xmlns:a16="http://schemas.microsoft.com/office/drawing/2014/main" val="3017980900"/>
-                  </a:ext>
-                </a:extLst>
-              </a:tr>
-              <a:tr h="267232">
-                <a:tc>
-                  <a:txBody>
-                    <a:bodyPr/>
-                    <a:lstStyle/>
-                    <a:p>
-                      <a:pPr algn="l" fontAlgn="ctr"/>
-                      <a:r>
-                        <a:rPr lang="en-US" sz="1200" u="none" strike="noStrike">
-                          <a:effectLst/>
-                        </a:rPr>
-                        <a:t>**EnvironmentSatisfaction3**</a:t>
-                      </a:r>
-                      <a:endParaRPr lang="en-US" sz="1200" b="0" i="0" u="none" strike="noStrike">
-                        <a:solidFill>
-                          <a:srgbClr val="24292E"/>
-                        </a:solidFill>
-                        <a:effectLst/>
-                        <a:latin typeface="Consolas" panose="020B0609020204030204" pitchFamily="49" charset="0"/>
-                      </a:endParaRPr>
-                    </a:p>
-                  </a:txBody>
-                  <a:tcPr marL="2162" marR="2162" marT="2162" marB="0" anchor="ctr"/>
-                </a:tc>
-                <a:tc>
-                  <a:txBody>
-                    <a:bodyPr/>
-                    <a:lstStyle/>
-                    <a:p>
-                      <a:pPr algn="ctr" fontAlgn="b"/>
-                      <a:r>
-                        <a:rPr lang="en-US" sz="1200" u="none" strike="noStrike">
-                          <a:effectLst/>
-                        </a:rPr>
-                        <a:t>-0.9925</a:t>
-                      </a:r>
-                      <a:endParaRPr lang="en-US" sz="1200" b="0" i="0" u="none" strike="noStrike">
+                      <a:endParaRPr lang="en-US" sz="1000" b="0" i="0" u="none" strike="noStrike">
                         <a:solidFill>
                           <a:srgbClr val="000000"/>
                         </a:solidFill>
@@ -12854,12 +13144,12 @@
                     <a:p>
                       <a:pPr algn="ctr" fontAlgn="b"/>
                       <a:r>
-                        <a:rPr lang="en-US" sz="1200" u="none" strike="noStrike">
+                        <a:rPr lang="en-US" sz="1000" u="none" strike="noStrike">
                           <a:effectLst/>
                         </a:rPr>
-                        <a:t>0.0002872</a:t>
+                        <a:t>0.0004873</a:t>
                       </a:r>
-                      <a:endParaRPr lang="en-US" sz="1200" b="0" i="0" u="none" strike="noStrike">
+                      <a:endParaRPr lang="en-US" sz="1000" b="0" i="0" u="none" strike="noStrike">
                         <a:solidFill>
                           <a:srgbClr val="000000"/>
                         </a:solidFill>
@@ -12872,33 +13162,42 @@
                 </a:tc>
                 <a:extLst>
                   <a:ext uri="{0D108BD9-81ED-4DB2-BD59-A6C34878D82A}">
-                    <a16:rowId xmlns:a16="http://schemas.microsoft.com/office/drawing/2014/main" val="2650801401"/>
+                    <a16:rowId xmlns:a16="http://schemas.microsoft.com/office/drawing/2014/main" val="1809167530"/>
                   </a:ext>
                 </a:extLst>
               </a:tr>
-              <a:tr h="267232">
+              <a:tr h="182880">
                 <a:tc>
                   <a:txBody>
                     <a:bodyPr/>
                     <a:lstStyle/>
                     <a:p>
-                      <a:pPr algn="l" fontAlgn="ctr"/>
+                      <a:pPr algn="l" fontAlgn="b"/>
                       <a:r>
-                        <a:rPr lang="en-US" sz="1200" u="none" strike="noStrike" dirty="0">
+                        <a:rPr lang="en-US" sz="1000" u="none" strike="noStrike" dirty="0">
                           <a:effectLst/>
                         </a:rPr>
-                        <a:t>**EnvironmentSatisfaction2**</a:t>
+                        <a:t>Job Involvement – </a:t>
                       </a:r>
-                      <a:endParaRPr lang="en-US" sz="1200" b="0" i="0" u="none" strike="noStrike" dirty="0">
+                      <a:r>
+                        <a:rPr lang="en-US" sz="1000" b="1" u="none" strike="noStrike" dirty="0">
+                          <a:solidFill>
+                            <a:srgbClr val="C00000"/>
+                          </a:solidFill>
+                          <a:effectLst/>
+                        </a:rPr>
+                        <a:t>4</a:t>
+                      </a:r>
+                      <a:endParaRPr lang="en-US" sz="1000" b="1" i="0" u="none" strike="noStrike" dirty="0">
                         <a:solidFill>
-                          <a:srgbClr val="24292E"/>
+                          <a:srgbClr val="C00000"/>
                         </a:solidFill>
                         <a:effectLst/>
-                        <a:latin typeface="Consolas" panose="020B0609020204030204" pitchFamily="49" charset="0"/>
+                        <a:latin typeface="Calibri" panose="020F0502020204030204" pitchFamily="34" charset="0"/>
                       </a:endParaRPr>
                     </a:p>
                   </a:txBody>
-                  <a:tcPr marL="2162" marR="2162" marT="2162" marB="0" anchor="ctr"/>
+                  <a:tcPr marL="2162" marR="2162" marT="2162" marB="0" anchor="b"/>
                 </a:tc>
                 <a:tc>
                   <a:txBody>
@@ -12907,12 +13206,12 @@
                     <a:p>
                       <a:pPr algn="ctr" fontAlgn="b"/>
                       <a:r>
-                        <a:rPr lang="en-US" sz="1200" u="none" strike="noStrike">
+                        <a:rPr lang="en-US" sz="1000" u="none" strike="noStrike">
                           <a:effectLst/>
                         </a:rPr>
-                        <a:t>-1.101</a:t>
+                        <a:t>-1.743</a:t>
                       </a:r>
-                      <a:endParaRPr lang="en-US" sz="1200" b="0" i="0" u="none" strike="noStrike">
+                      <a:endParaRPr lang="en-US" sz="1000" b="0" i="0" u="none" strike="noStrike">
                         <a:solidFill>
                           <a:srgbClr val="000000"/>
                         </a:solidFill>
@@ -12930,12 +13229,12 @@
                     <a:p>
                       <a:pPr algn="ctr" fontAlgn="b"/>
                       <a:r>
-                        <a:rPr lang="en-US" sz="1200" u="none" strike="noStrike" dirty="0">
+                        <a:rPr lang="en-US" sz="1000" u="none" strike="noStrike">
                           <a:effectLst/>
                         </a:rPr>
-                        <a:t>0.0004351</a:t>
+                        <a:t>0.000664</a:t>
                       </a:r>
-                      <a:endParaRPr lang="en-US" sz="1200" b="0" i="0" u="none" strike="noStrike" dirty="0">
+                      <a:endParaRPr lang="en-US" sz="1000" b="0" i="0" u="none" strike="noStrike">
                         <a:solidFill>
                           <a:srgbClr val="000000"/>
                         </a:solidFill>
@@ -12948,11 +13247,11 @@
                 </a:tc>
                 <a:extLst>
                   <a:ext uri="{0D108BD9-81ED-4DB2-BD59-A6C34878D82A}">
-                    <a16:rowId xmlns:a16="http://schemas.microsoft.com/office/drawing/2014/main" val="4179910891"/>
+                    <a16:rowId xmlns:a16="http://schemas.microsoft.com/office/drawing/2014/main" val="2827500354"/>
                   </a:ext>
                 </a:extLst>
               </a:tr>
-              <a:tr h="267232">
+              <a:tr h="182880">
                 <a:tc>
                   <a:txBody>
                     <a:bodyPr/>
@@ -12960,12 +13259,44 @@
                     <a:p>
                       <a:pPr algn="l" fontAlgn="b"/>
                       <a:r>
-                        <a:rPr lang="en-US" sz="1200" u="none" strike="noStrike">
+                        <a:rPr lang="en-US" sz="1000" u="none" strike="noStrike" dirty="0">
                           <a:effectLst/>
                         </a:rPr>
-                        <a:t>**JobRoleLaboratoryTechnician**</a:t>
+                        <a:t>Job Involvement – </a:t>
                       </a:r>
-                      <a:endParaRPr lang="en-US" sz="1200" b="0" i="0" u="none" strike="noStrike">
+                      <a:r>
+                        <a:rPr lang="en-US" sz="1000" b="1" u="none" strike="noStrike" dirty="0">
+                          <a:solidFill>
+                            <a:srgbClr val="C00000"/>
+                          </a:solidFill>
+                          <a:effectLst/>
+                        </a:rPr>
+                        <a:t>3</a:t>
+                      </a:r>
+                      <a:endParaRPr lang="en-US" sz="1000" b="1" i="0" u="none" strike="noStrike" dirty="0">
+                        <a:solidFill>
+                          <a:srgbClr val="C00000"/>
+                        </a:solidFill>
+                        <a:effectLst/>
+                        <a:latin typeface="Calibri" panose="020F0502020204030204" pitchFamily="34" charset="0"/>
+                      </a:endParaRPr>
+                    </a:p>
+                  </a:txBody>
+                  <a:tcPr marL="2162" marR="2162" marT="2162" marB="0" anchor="b"/>
+                </a:tc>
+                <a:tc>
+                  <a:txBody>
+                    <a:bodyPr/>
+                    <a:lstStyle/>
+                    <a:p>
+                      <a:pPr algn="ctr" fontAlgn="b"/>
+                      <a:r>
+                        <a:rPr lang="en-US" sz="1000" u="none" strike="noStrike">
+                          <a:effectLst/>
+                        </a:rPr>
+                        <a:t>-1.223</a:t>
+                      </a:r>
+                      <a:endParaRPr lang="en-US" sz="1000" b="0" i="0" u="none" strike="noStrike">
                         <a:solidFill>
                           <a:srgbClr val="000000"/>
                         </a:solidFill>
@@ -12983,12 +13314,42 @@
                     <a:p>
                       <a:pPr algn="ctr" fontAlgn="b"/>
                       <a:r>
-                        <a:rPr lang="en-US" sz="1200" u="none" strike="noStrike">
+                        <a:rPr lang="en-US" sz="1000" u="none" strike="noStrike">
                           <a:effectLst/>
                         </a:rPr>
-                        <a:t>1.679</a:t>
+                        <a:t>0.001263</a:t>
                       </a:r>
-                      <a:endParaRPr lang="en-US" sz="1200" b="0" i="0" u="none" strike="noStrike">
+                      <a:endParaRPr lang="en-US" sz="1000" b="0" i="0" u="none" strike="noStrike">
+                        <a:solidFill>
+                          <a:srgbClr val="000000"/>
+                        </a:solidFill>
+                        <a:effectLst/>
+                        <a:latin typeface="Calibri" panose="020F0502020204030204" pitchFamily="34" charset="0"/>
+                      </a:endParaRPr>
+                    </a:p>
+                  </a:txBody>
+                  <a:tcPr marL="2162" marR="2162" marT="2162" marB="0" anchor="b"/>
+                </a:tc>
+                <a:extLst>
+                  <a:ext uri="{0D108BD9-81ED-4DB2-BD59-A6C34878D82A}">
+                    <a16:rowId xmlns:a16="http://schemas.microsoft.com/office/drawing/2014/main" val="4146152755"/>
+                  </a:ext>
+                </a:extLst>
+              </a:tr>
+              <a:tr h="182880">
+                <a:tc>
+                  <a:txBody>
+                    <a:bodyPr/>
+                    <a:lstStyle/>
+                    <a:p>
+                      <a:pPr algn="l" fontAlgn="b"/>
+                      <a:r>
+                        <a:rPr lang="en-US" sz="1000" u="none" strike="noStrike" dirty="0">
+                          <a:effectLst/>
+                        </a:rPr>
+                        <a:t>Training Times Last Year</a:t>
+                      </a:r>
+                      <a:endParaRPr lang="en-US" sz="1000" b="0" i="0" u="none" strike="noStrike" dirty="0">
                         <a:solidFill>
                           <a:srgbClr val="000000"/>
                         </a:solidFill>
@@ -13006,42 +13367,12 @@
                     <a:p>
                       <a:pPr algn="ctr" fontAlgn="b"/>
                       <a:r>
-                        <a:rPr lang="en-US" sz="1200" u="none" strike="noStrike">
+                        <a:rPr lang="en-US" sz="1000" u="none" strike="noStrike">
                           <a:effectLst/>
                         </a:rPr>
-                        <a:t>0.0004873</a:t>
+                        <a:t>-0.2507</a:t>
                       </a:r>
-                      <a:endParaRPr lang="en-US" sz="1200" b="0" i="0" u="none" strike="noStrike">
-                        <a:solidFill>
-                          <a:srgbClr val="000000"/>
-                        </a:solidFill>
-                        <a:effectLst/>
-                        <a:latin typeface="Calibri" panose="020F0502020204030204" pitchFamily="34" charset="0"/>
-                      </a:endParaRPr>
-                    </a:p>
-                  </a:txBody>
-                  <a:tcPr marL="2162" marR="2162" marT="2162" marB="0" anchor="b"/>
-                </a:tc>
-                <a:extLst>
-                  <a:ext uri="{0D108BD9-81ED-4DB2-BD59-A6C34878D82A}">
-                    <a16:rowId xmlns:a16="http://schemas.microsoft.com/office/drawing/2014/main" val="1809167530"/>
-                  </a:ext>
-                </a:extLst>
-              </a:tr>
-              <a:tr h="267232">
-                <a:tc>
-                  <a:txBody>
-                    <a:bodyPr/>
-                    <a:lstStyle/>
-                    <a:p>
-                      <a:pPr algn="l" fontAlgn="b"/>
-                      <a:r>
-                        <a:rPr lang="en-US" sz="1200" u="none" strike="noStrike">
-                          <a:effectLst/>
-                        </a:rPr>
-                        <a:t>**JobInvolvement4**</a:t>
-                      </a:r>
-                      <a:endParaRPr lang="en-US" sz="1200" b="0" i="0" u="none" strike="noStrike">
+                      <a:endParaRPr lang="en-US" sz="1000" b="0" i="0" u="none" strike="noStrike">
                         <a:solidFill>
                           <a:srgbClr val="000000"/>
                         </a:solidFill>
@@ -13059,12 +13390,74 @@
                     <a:p>
                       <a:pPr algn="ctr" fontAlgn="b"/>
                       <a:r>
-                        <a:rPr lang="en-US" sz="1200" u="none" strike="noStrike">
+                        <a:rPr lang="en-US" sz="1000" u="none" strike="noStrike">
                           <a:effectLst/>
                         </a:rPr>
-                        <a:t>-1.743</a:t>
+                        <a:t>0.001918</a:t>
                       </a:r>
-                      <a:endParaRPr lang="en-US" sz="1200" b="0" i="0" u="none" strike="noStrike">
+                      <a:endParaRPr lang="en-US" sz="1000" b="0" i="0" u="none" strike="noStrike">
+                        <a:solidFill>
+                          <a:srgbClr val="000000"/>
+                        </a:solidFill>
+                        <a:effectLst/>
+                        <a:latin typeface="Calibri" panose="020F0502020204030204" pitchFamily="34" charset="0"/>
+                      </a:endParaRPr>
+                    </a:p>
+                  </a:txBody>
+                  <a:tcPr marL="2162" marR="2162" marT="2162" marB="0" anchor="b"/>
+                </a:tc>
+                <a:extLst>
+                  <a:ext uri="{0D108BD9-81ED-4DB2-BD59-A6C34878D82A}">
+                    <a16:rowId xmlns:a16="http://schemas.microsoft.com/office/drawing/2014/main" val="739147984"/>
+                  </a:ext>
+                </a:extLst>
+              </a:tr>
+              <a:tr h="182880">
+                <a:tc>
+                  <a:txBody>
+                    <a:bodyPr/>
+                    <a:lstStyle/>
+                    <a:p>
+                      <a:pPr algn="l" fontAlgn="b"/>
+                      <a:r>
+                        <a:rPr lang="en-US" sz="1000" u="none" strike="noStrike" dirty="0">
+                          <a:effectLst/>
+                        </a:rPr>
+                        <a:t>Job Involvement – </a:t>
+                      </a:r>
+                      <a:r>
+                        <a:rPr lang="en-US" sz="1000" b="1" u="none" strike="noStrike" dirty="0">
+                          <a:solidFill>
+                            <a:srgbClr val="C00000"/>
+                          </a:solidFill>
+                          <a:effectLst/>
+                        </a:rPr>
+                        <a:t>2</a:t>
+                      </a:r>
+                      <a:endParaRPr lang="en-US" sz="1000" b="1" i="0" u="none" strike="noStrike" dirty="0">
+                        <a:solidFill>
+                          <a:srgbClr val="C00000"/>
+                        </a:solidFill>
+                        <a:effectLst/>
+                        <a:latin typeface="Calibri" panose="020F0502020204030204" pitchFamily="34" charset="0"/>
+                      </a:endParaRPr>
+                    </a:p>
+                  </a:txBody>
+                  <a:tcPr marL="2162" marR="2162" marT="2162" marB="0" anchor="b"/>
+                </a:tc>
+                <a:tc>
+                  <a:txBody>
+                    <a:bodyPr/>
+                    <a:lstStyle/>
+                    <a:p>
+                      <a:pPr algn="ctr" fontAlgn="b"/>
+                      <a:r>
+                        <a:rPr lang="en-US" sz="1000" u="none" strike="noStrike">
+                          <a:effectLst/>
+                        </a:rPr>
+                        <a:t>-1.22</a:t>
+                      </a:r>
+                      <a:endParaRPr lang="en-US" sz="1000" b="0" i="0" u="none" strike="noStrike">
                         <a:solidFill>
                           <a:srgbClr val="000000"/>
                         </a:solidFill>
@@ -13082,12 +13475,12 @@
                     <a:p>
                       <a:pPr algn="ctr" fontAlgn="b"/>
                       <a:r>
-                        <a:rPr lang="en-US" sz="1200" u="none" strike="noStrike">
+                        <a:rPr lang="en-US" sz="1000" u="none" strike="noStrike">
                           <a:effectLst/>
                         </a:rPr>
-                        <a:t>0.000664</a:t>
+                        <a:t>0.002915</a:t>
                       </a:r>
-                      <a:endParaRPr lang="en-US" sz="1200" b="0" i="0" u="none" strike="noStrike">
+                      <a:endParaRPr lang="en-US" sz="1000" b="0" i="0" u="none" strike="noStrike">
                         <a:solidFill>
                           <a:srgbClr val="000000"/>
                         </a:solidFill>
@@ -13100,11 +13493,11 @@
                 </a:tc>
                 <a:extLst>
                   <a:ext uri="{0D108BD9-81ED-4DB2-BD59-A6C34878D82A}">
-                    <a16:rowId xmlns:a16="http://schemas.microsoft.com/office/drawing/2014/main" val="2827500354"/>
+                    <a16:rowId xmlns:a16="http://schemas.microsoft.com/office/drawing/2014/main" val="4119834022"/>
                   </a:ext>
                 </a:extLst>
               </a:tr>
-              <a:tr h="267232">
+              <a:tr h="182880">
                 <a:tc>
                   <a:txBody>
                     <a:bodyPr/>
@@ -13112,12 +13505,12 @@
                     <a:p>
                       <a:pPr algn="l" fontAlgn="b"/>
                       <a:r>
-                        <a:rPr lang="en-US" sz="1200" u="none" strike="noStrike">
+                        <a:rPr lang="en-US" sz="1000" u="none" strike="noStrike" dirty="0">
                           <a:effectLst/>
                         </a:rPr>
-                        <a:t>**JobInvolvement3**</a:t>
+                        <a:t>Job Role Human Resources</a:t>
                       </a:r>
-                      <a:endParaRPr lang="en-US" sz="1200" b="0" i="0" u="none" strike="noStrike">
+                      <a:endParaRPr lang="en-US" sz="1000" b="0" i="0" u="none" strike="noStrike" dirty="0">
                         <a:solidFill>
                           <a:srgbClr val="000000"/>
                         </a:solidFill>
@@ -13135,12 +13528,12 @@
                     <a:p>
                       <a:pPr algn="ctr" fontAlgn="b"/>
                       <a:r>
-                        <a:rPr lang="en-US" sz="1200" u="none" strike="noStrike">
+                        <a:rPr lang="en-US" sz="1000" u="none" strike="noStrike" dirty="0">
                           <a:effectLst/>
                         </a:rPr>
-                        <a:t>-1.223</a:t>
+                        <a:t>1.803</a:t>
                       </a:r>
-                      <a:endParaRPr lang="en-US" sz="1200" b="0" i="0" u="none" strike="noStrike">
+                      <a:endParaRPr lang="en-US" sz="1000" b="0" i="0" u="none" strike="noStrike" dirty="0">
                         <a:solidFill>
                           <a:srgbClr val="000000"/>
                         </a:solidFill>
@@ -13158,12 +13551,12 @@
                     <a:p>
                       <a:pPr algn="ctr" fontAlgn="b"/>
                       <a:r>
-                        <a:rPr lang="en-US" sz="1200" u="none" strike="noStrike">
+                        <a:rPr lang="en-US" sz="1000" u="none" strike="noStrike" dirty="0">
                           <a:effectLst/>
                         </a:rPr>
-                        <a:t>0.001263</a:t>
+                        <a:t>0.003652</a:t>
                       </a:r>
-                      <a:endParaRPr lang="en-US" sz="1200" b="0" i="0" u="none" strike="noStrike">
+                      <a:endParaRPr lang="en-US" sz="1000" b="0" i="0" u="none" strike="noStrike" dirty="0">
                         <a:solidFill>
                           <a:srgbClr val="000000"/>
                         </a:solidFill>
@@ -13176,24 +13569,56 @@
                 </a:tc>
                 <a:extLst>
                   <a:ext uri="{0D108BD9-81ED-4DB2-BD59-A6C34878D82A}">
-                    <a16:rowId xmlns:a16="http://schemas.microsoft.com/office/drawing/2014/main" val="4146152755"/>
+                    <a16:rowId xmlns:a16="http://schemas.microsoft.com/office/drawing/2014/main" val="2549638496"/>
                   </a:ext>
                 </a:extLst>
               </a:tr>
-              <a:tr h="267232">
+              <a:tr h="182880">
                 <a:tc>
                   <a:txBody>
                     <a:bodyPr/>
                     <a:lstStyle/>
                     <a:p>
-                      <a:pPr algn="l" fontAlgn="b"/>
+                      <a:pPr algn="l" fontAlgn="ctr"/>
                       <a:r>
-                        <a:rPr lang="en-US" sz="1200" u="none" strike="noStrike">
+                        <a:rPr lang="en-US" sz="1000" u="none" strike="noStrike" dirty="0">
                           <a:effectLst/>
                         </a:rPr>
-                        <a:t>**TrainingTimesLastYear**</a:t>
+                        <a:t>Relationship Satisfaction – </a:t>
                       </a:r>
-                      <a:endParaRPr lang="en-US" sz="1200" b="0" i="0" u="none" strike="noStrike">
+                      <a:r>
+                        <a:rPr lang="en-US" sz="1000" b="1" u="none" strike="noStrike" dirty="0">
+                          <a:solidFill>
+                            <a:srgbClr val="C00000"/>
+                          </a:solidFill>
+                          <a:effectLst/>
+                        </a:rPr>
+                        <a:t>4</a:t>
+                      </a:r>
+                      <a:endParaRPr lang="en-US" sz="1000" b="1" i="0" u="none" strike="noStrike" dirty="0">
+                        <a:solidFill>
+                          <a:srgbClr val="C00000"/>
+                        </a:solidFill>
+                        <a:effectLst/>
+                        <a:latin typeface="Consolas" panose="020B0609020204030204" pitchFamily="49" charset="0"/>
+                      </a:endParaRPr>
+                    </a:p>
+                  </a:txBody>
+                  <a:tcPr marL="2162" marR="2162" marT="2162" marB="0" anchor="ctr"/>
+                </a:tc>
+                <a:tc>
+                  <a:txBody>
+                    <a:bodyPr/>
+                    <a:lstStyle/>
+                    <a:p>
+                      <a:pPr algn="ctr" fontAlgn="b"/>
+                      <a:r>
+                        <a:rPr lang="en-US" sz="1000" u="none" strike="noStrike">
+                          <a:effectLst/>
+                        </a:rPr>
+                        <a:t>-0.808</a:t>
+                      </a:r>
+                      <a:endParaRPr lang="en-US" sz="1000" b="0" i="0" u="none" strike="noStrike">
                         <a:solidFill>
                           <a:srgbClr val="000000"/>
                         </a:solidFill>
@@ -13211,12 +13636,42 @@
                     <a:p>
                       <a:pPr algn="ctr" fontAlgn="b"/>
                       <a:r>
-                        <a:rPr lang="en-US" sz="1200" u="none" strike="noStrike">
+                        <a:rPr lang="en-US" sz="1000" u="none" strike="noStrike">
                           <a:effectLst/>
                         </a:rPr>
-                        <a:t>-0.2507</a:t>
+                        <a:t>0.004164</a:t>
                       </a:r>
-                      <a:endParaRPr lang="en-US" sz="1200" b="0" i="0" u="none" strike="noStrike">
+                      <a:endParaRPr lang="en-US" sz="1000" b="0" i="0" u="none" strike="noStrike">
+                        <a:solidFill>
+                          <a:srgbClr val="000000"/>
+                        </a:solidFill>
+                        <a:effectLst/>
+                        <a:latin typeface="Calibri" panose="020F0502020204030204" pitchFamily="34" charset="0"/>
+                      </a:endParaRPr>
+                    </a:p>
+                  </a:txBody>
+                  <a:tcPr marL="2162" marR="2162" marT="2162" marB="0" anchor="b"/>
+                </a:tc>
+                <a:extLst>
+                  <a:ext uri="{0D108BD9-81ED-4DB2-BD59-A6C34878D82A}">
+                    <a16:rowId xmlns:a16="http://schemas.microsoft.com/office/drawing/2014/main" val="2162838825"/>
+                  </a:ext>
+                </a:extLst>
+              </a:tr>
+              <a:tr h="182880">
+                <a:tc>
+                  <a:txBody>
+                    <a:bodyPr/>
+                    <a:lstStyle/>
+                    <a:p>
+                      <a:pPr algn="l" fontAlgn="b"/>
+                      <a:r>
+                        <a:rPr lang="en-US" sz="1000" u="none" strike="noStrike" dirty="0">
+                          <a:effectLst/>
+                        </a:rPr>
+                        <a:t>Job Role Sales Executive</a:t>
+                      </a:r>
+                      <a:endParaRPr lang="en-US" sz="1000" b="0" i="0" u="none" strike="noStrike" dirty="0">
                         <a:solidFill>
                           <a:srgbClr val="000000"/>
                         </a:solidFill>
@@ -13234,42 +13689,12 @@
                     <a:p>
                       <a:pPr algn="ctr" fontAlgn="b"/>
                       <a:r>
-                        <a:rPr lang="en-US" sz="1200" u="none" strike="noStrike">
+                        <a:rPr lang="en-US" sz="1000" u="none" strike="noStrike">
                           <a:effectLst/>
                         </a:rPr>
-                        <a:t>0.001918</a:t>
+                        <a:t>1.323</a:t>
                       </a:r>
-                      <a:endParaRPr lang="en-US" sz="1200" b="0" i="0" u="none" strike="noStrike">
-                        <a:solidFill>
-                          <a:srgbClr val="000000"/>
-                        </a:solidFill>
-                        <a:effectLst/>
-                        <a:latin typeface="Calibri" panose="020F0502020204030204" pitchFamily="34" charset="0"/>
-                      </a:endParaRPr>
-                    </a:p>
-                  </a:txBody>
-                  <a:tcPr marL="2162" marR="2162" marT="2162" marB="0" anchor="b"/>
-                </a:tc>
-                <a:extLst>
-                  <a:ext uri="{0D108BD9-81ED-4DB2-BD59-A6C34878D82A}">
-                    <a16:rowId xmlns:a16="http://schemas.microsoft.com/office/drawing/2014/main" val="739147984"/>
-                  </a:ext>
-                </a:extLst>
-              </a:tr>
-              <a:tr h="267232">
-                <a:tc>
-                  <a:txBody>
-                    <a:bodyPr/>
-                    <a:lstStyle/>
-                    <a:p>
-                      <a:pPr algn="l" fontAlgn="b"/>
-                      <a:r>
-                        <a:rPr lang="en-US" sz="1200" u="none" strike="noStrike">
-                          <a:effectLst/>
-                        </a:rPr>
-                        <a:t>**JobInvolvement2**</a:t>
-                      </a:r>
-                      <a:endParaRPr lang="en-US" sz="1200" b="0" i="0" u="none" strike="noStrike">
+                      <a:endParaRPr lang="en-US" sz="1000" b="0" i="0" u="none" strike="noStrike">
                         <a:solidFill>
                           <a:srgbClr val="000000"/>
                         </a:solidFill>
@@ -13287,263 +13712,12 @@
                     <a:p>
                       <a:pPr algn="ctr" fontAlgn="b"/>
                       <a:r>
-                        <a:rPr lang="en-US" sz="1200" u="none" strike="noStrike">
-                          <a:effectLst/>
-                        </a:rPr>
-                        <a:t>-1.22</a:t>
-                      </a:r>
-                      <a:endParaRPr lang="en-US" sz="1200" b="0" i="0" u="none" strike="noStrike">
-                        <a:solidFill>
-                          <a:srgbClr val="000000"/>
-                        </a:solidFill>
-                        <a:effectLst/>
-                        <a:latin typeface="Calibri" panose="020F0502020204030204" pitchFamily="34" charset="0"/>
-                      </a:endParaRPr>
-                    </a:p>
-                  </a:txBody>
-                  <a:tcPr marL="2162" marR="2162" marT="2162" marB="0" anchor="b"/>
-                </a:tc>
-                <a:tc>
-                  <a:txBody>
-                    <a:bodyPr/>
-                    <a:lstStyle/>
-                    <a:p>
-                      <a:pPr algn="ctr" fontAlgn="b"/>
-                      <a:r>
-                        <a:rPr lang="en-US" sz="1200" u="none" strike="noStrike">
-                          <a:effectLst/>
-                        </a:rPr>
-                        <a:t>0.002915</a:t>
-                      </a:r>
-                      <a:endParaRPr lang="en-US" sz="1200" b="0" i="0" u="none" strike="noStrike">
-                        <a:solidFill>
-                          <a:srgbClr val="000000"/>
-                        </a:solidFill>
-                        <a:effectLst/>
-                        <a:latin typeface="Calibri" panose="020F0502020204030204" pitchFamily="34" charset="0"/>
-                      </a:endParaRPr>
-                    </a:p>
-                  </a:txBody>
-                  <a:tcPr marL="2162" marR="2162" marT="2162" marB="0" anchor="b"/>
-                </a:tc>
-                <a:extLst>
-                  <a:ext uri="{0D108BD9-81ED-4DB2-BD59-A6C34878D82A}">
-                    <a16:rowId xmlns:a16="http://schemas.microsoft.com/office/drawing/2014/main" val="4119834022"/>
-                  </a:ext>
-                </a:extLst>
-              </a:tr>
-              <a:tr h="267232">
-                <a:tc>
-                  <a:txBody>
-                    <a:bodyPr/>
-                    <a:lstStyle/>
-                    <a:p>
-                      <a:pPr algn="l" fontAlgn="b"/>
-                      <a:r>
-                        <a:rPr lang="en-US" sz="1200" u="none" strike="noStrike">
-                          <a:effectLst/>
-                        </a:rPr>
-                        <a:t>**JobRoleHumanResources**</a:t>
-                      </a:r>
-                      <a:endParaRPr lang="en-US" sz="1200" b="0" i="0" u="none" strike="noStrike">
-                        <a:solidFill>
-                          <a:srgbClr val="000000"/>
-                        </a:solidFill>
-                        <a:effectLst/>
-                        <a:latin typeface="Calibri" panose="020F0502020204030204" pitchFamily="34" charset="0"/>
-                      </a:endParaRPr>
-                    </a:p>
-                  </a:txBody>
-                  <a:tcPr marL="2162" marR="2162" marT="2162" marB="0" anchor="b"/>
-                </a:tc>
-                <a:tc>
-                  <a:txBody>
-                    <a:bodyPr/>
-                    <a:lstStyle/>
-                    <a:p>
-                      <a:pPr algn="ctr" fontAlgn="b"/>
-                      <a:r>
-                        <a:rPr lang="en-US" sz="1200" u="none" strike="noStrike">
-                          <a:effectLst/>
-                        </a:rPr>
-                        <a:t>1.803</a:t>
-                      </a:r>
-                      <a:endParaRPr lang="en-US" sz="1200" b="0" i="0" u="none" strike="noStrike">
-                        <a:solidFill>
-                          <a:srgbClr val="000000"/>
-                        </a:solidFill>
-                        <a:effectLst/>
-                        <a:latin typeface="Calibri" panose="020F0502020204030204" pitchFamily="34" charset="0"/>
-                      </a:endParaRPr>
-                    </a:p>
-                  </a:txBody>
-                  <a:tcPr marL="2162" marR="2162" marT="2162" marB="0" anchor="b"/>
-                </a:tc>
-                <a:tc>
-                  <a:txBody>
-                    <a:bodyPr/>
-                    <a:lstStyle/>
-                    <a:p>
-                      <a:pPr algn="ctr" fontAlgn="b"/>
-                      <a:r>
-                        <a:rPr lang="en-US" sz="1200" u="none" strike="noStrike" dirty="0">
-                          <a:effectLst/>
-                        </a:rPr>
-                        <a:t>0.003652</a:t>
-                      </a:r>
-                      <a:endParaRPr lang="en-US" sz="1200" b="0" i="0" u="none" strike="noStrike" dirty="0">
-                        <a:solidFill>
-                          <a:srgbClr val="000000"/>
-                        </a:solidFill>
-                        <a:effectLst/>
-                        <a:latin typeface="Calibri" panose="020F0502020204030204" pitchFamily="34" charset="0"/>
-                      </a:endParaRPr>
-                    </a:p>
-                  </a:txBody>
-                  <a:tcPr marL="2162" marR="2162" marT="2162" marB="0" anchor="b"/>
-                </a:tc>
-                <a:extLst>
-                  <a:ext uri="{0D108BD9-81ED-4DB2-BD59-A6C34878D82A}">
-                    <a16:rowId xmlns:a16="http://schemas.microsoft.com/office/drawing/2014/main" val="2549638496"/>
-                  </a:ext>
-                </a:extLst>
-              </a:tr>
-              <a:tr h="267232">
-                <a:tc>
-                  <a:txBody>
-                    <a:bodyPr/>
-                    <a:lstStyle/>
-                    <a:p>
-                      <a:pPr algn="l" fontAlgn="ctr"/>
-                      <a:r>
-                        <a:rPr lang="en-US" sz="1200" u="none" strike="noStrike">
-                          <a:effectLst/>
-                        </a:rPr>
-                        <a:t>**RelationshipSatisfaction4**</a:t>
-                      </a:r>
-                      <a:endParaRPr lang="en-US" sz="1200" b="0" i="0" u="none" strike="noStrike">
-                        <a:solidFill>
-                          <a:srgbClr val="24292E"/>
-                        </a:solidFill>
-                        <a:effectLst/>
-                        <a:latin typeface="Consolas" panose="020B0609020204030204" pitchFamily="49" charset="0"/>
-                      </a:endParaRPr>
-                    </a:p>
-                  </a:txBody>
-                  <a:tcPr marL="2162" marR="2162" marT="2162" marB="0" anchor="ctr"/>
-                </a:tc>
-                <a:tc>
-                  <a:txBody>
-                    <a:bodyPr/>
-                    <a:lstStyle/>
-                    <a:p>
-                      <a:pPr algn="ctr" fontAlgn="b"/>
-                      <a:r>
-                        <a:rPr lang="en-US" sz="1200" u="none" strike="noStrike">
-                          <a:effectLst/>
-                        </a:rPr>
-                        <a:t>-0.808</a:t>
-                      </a:r>
-                      <a:endParaRPr lang="en-US" sz="1200" b="0" i="0" u="none" strike="noStrike">
-                        <a:solidFill>
-                          <a:srgbClr val="000000"/>
-                        </a:solidFill>
-                        <a:effectLst/>
-                        <a:latin typeface="Calibri" panose="020F0502020204030204" pitchFamily="34" charset="0"/>
-                      </a:endParaRPr>
-                    </a:p>
-                  </a:txBody>
-                  <a:tcPr marL="2162" marR="2162" marT="2162" marB="0" anchor="b"/>
-                </a:tc>
-                <a:tc>
-                  <a:txBody>
-                    <a:bodyPr/>
-                    <a:lstStyle/>
-                    <a:p>
-                      <a:pPr algn="ctr" fontAlgn="b"/>
-                      <a:r>
-                        <a:rPr lang="en-US" sz="1200" u="none" strike="noStrike">
-                          <a:effectLst/>
-                        </a:rPr>
-                        <a:t>0.004164</a:t>
-                      </a:r>
-                      <a:endParaRPr lang="en-US" sz="1200" b="0" i="0" u="none" strike="noStrike">
-                        <a:solidFill>
-                          <a:srgbClr val="000000"/>
-                        </a:solidFill>
-                        <a:effectLst/>
-                        <a:latin typeface="Calibri" panose="020F0502020204030204" pitchFamily="34" charset="0"/>
-                      </a:endParaRPr>
-                    </a:p>
-                  </a:txBody>
-                  <a:tcPr marL="2162" marR="2162" marT="2162" marB="0" anchor="b"/>
-                </a:tc>
-                <a:extLst>
-                  <a:ext uri="{0D108BD9-81ED-4DB2-BD59-A6C34878D82A}">
-                    <a16:rowId xmlns:a16="http://schemas.microsoft.com/office/drawing/2014/main" val="2162838825"/>
-                  </a:ext>
-                </a:extLst>
-              </a:tr>
-              <a:tr h="267232">
-                <a:tc>
-                  <a:txBody>
-                    <a:bodyPr/>
-                    <a:lstStyle/>
-                    <a:p>
-                      <a:pPr algn="l" fontAlgn="b"/>
-                      <a:r>
-                        <a:rPr lang="en-US" sz="1200" u="none" strike="noStrike">
-                          <a:effectLst/>
-                        </a:rPr>
-                        <a:t>**JobRoleSalesExecutive**</a:t>
-                      </a:r>
-                      <a:endParaRPr lang="en-US" sz="1200" b="0" i="0" u="none" strike="noStrike">
-                        <a:solidFill>
-                          <a:srgbClr val="000000"/>
-                        </a:solidFill>
-                        <a:effectLst/>
-                        <a:latin typeface="Calibri" panose="020F0502020204030204" pitchFamily="34" charset="0"/>
-                      </a:endParaRPr>
-                    </a:p>
-                  </a:txBody>
-                  <a:tcPr marL="2162" marR="2162" marT="2162" marB="0" anchor="b"/>
-                </a:tc>
-                <a:tc>
-                  <a:txBody>
-                    <a:bodyPr/>
-                    <a:lstStyle/>
-                    <a:p>
-                      <a:pPr algn="ctr" fontAlgn="b"/>
-                      <a:r>
-                        <a:rPr lang="en-US" sz="1200" u="none" strike="noStrike">
-                          <a:effectLst/>
-                        </a:rPr>
-                        <a:t>1.323</a:t>
-                      </a:r>
-                      <a:endParaRPr lang="en-US" sz="1200" b="0" i="0" u="none" strike="noStrike">
-                        <a:solidFill>
-                          <a:srgbClr val="000000"/>
-                        </a:solidFill>
-                        <a:effectLst/>
-                        <a:latin typeface="Calibri" panose="020F0502020204030204" pitchFamily="34" charset="0"/>
-                      </a:endParaRPr>
-                    </a:p>
-                  </a:txBody>
-                  <a:tcPr marL="2162" marR="2162" marT="2162" marB="0" anchor="b"/>
-                </a:tc>
-                <a:tc>
-                  <a:txBody>
-                    <a:bodyPr/>
-                    <a:lstStyle/>
-                    <a:p>
-                      <a:pPr algn="ctr" fontAlgn="b"/>
-                      <a:r>
-                        <a:rPr lang="en-US" sz="1200" u="none" strike="noStrike" dirty="0">
+                        <a:rPr lang="en-US" sz="1000" u="none" strike="noStrike" dirty="0">
                           <a:effectLst/>
                         </a:rPr>
                         <a:t>0.005139</a:t>
                       </a:r>
-                      <a:endParaRPr lang="en-US" sz="1200" b="0" i="0" u="none" strike="noStrike" dirty="0">
+                      <a:endParaRPr lang="en-US" sz="1000" b="0" i="0" u="none" strike="noStrike" dirty="0">
                         <a:solidFill>
                           <a:srgbClr val="000000"/>
                         </a:solidFill>
@@ -13579,37 +13753,37 @@
           <p:nvPr>
             <p:extLst>
               <p:ext uri="{D42A27DB-BD31-4B8C-83A1-F6EECF244321}">
-                <p14:modId xmlns:p14="http://schemas.microsoft.com/office/powerpoint/2010/main" val="954884661"/>
+                <p14:modId xmlns:p14="http://schemas.microsoft.com/office/powerpoint/2010/main" val="969735119"/>
               </p:ext>
             </p:extLst>
           </p:nvPr>
         </p:nvGraphicFramePr>
         <p:xfrm>
-          <a:off x="6224588" y="1576388"/>
-          <a:ext cx="4276725" cy="4924416"/>
+          <a:off x="6297671" y="2860744"/>
+          <a:ext cx="3505567" cy="3383280"/>
         </p:xfrm>
         <a:graphic>
           <a:graphicData uri="http://schemas.openxmlformats.org/drawingml/2006/table">
             <a:tbl>
               <a:tblPr firstRow="1" bandRow="1">
-                <a:tableStyleId>{93296810-A885-4BE3-A3E7-6D5BEEA58F35}</a:tableStyleId>
+                <a:tableStyleId>{68D230F3-CF80-4859-8CE7-A43EE81993B5}</a:tableStyleId>
               </a:tblPr>
               <a:tblGrid>
-                <a:gridCol w="2172742">
+                <a:gridCol w="1771741">
                   <a:extLst>
                     <a:ext uri="{9D8B030D-6E8A-4147-A177-3AD203B41FA5}">
                       <a16:colId xmlns:a16="http://schemas.microsoft.com/office/drawing/2014/main" val="2854051971"/>
                     </a:ext>
                   </a:extLst>
                 </a:gridCol>
-                <a:gridCol w="941933">
+                <a:gridCol w="857573">
                   <a:extLst>
                     <a:ext uri="{9D8B030D-6E8A-4147-A177-3AD203B41FA5}">
                       <a16:colId xmlns:a16="http://schemas.microsoft.com/office/drawing/2014/main" val="3099366176"/>
                     </a:ext>
                   </a:extLst>
                 </a:gridCol>
-                <a:gridCol w="1162050">
+                <a:gridCol w="876253">
                   <a:extLst>
                     <a:ext uri="{9D8B030D-6E8A-4147-A177-3AD203B41FA5}">
                       <a16:colId xmlns:a16="http://schemas.microsoft.com/office/drawing/2014/main" val="3016556889"/>
@@ -13617,7 +13791,7 @@
                   </a:extLst>
                 </a:gridCol>
               </a:tblGrid>
-              <a:tr h="407255">
+              <a:tr h="274320">
                 <a:tc>
                   <a:txBody>
                     <a:bodyPr/>
@@ -13625,12 +13799,12 @@
                     <a:p>
                       <a:pPr algn="l" fontAlgn="b"/>
                       <a:r>
-                        <a:rPr lang="en-US" sz="1400" u="none" strike="noStrike" dirty="0">
+                        <a:rPr lang="en-US" sz="1100" u="none" strike="noStrike" dirty="0">
                           <a:effectLst/>
                         </a:rPr>
-                        <a:t>KPI (2 of 2)</a:t>
+                        <a:t>Variable (2 of 2)</a:t>
                       </a:r>
-                      <a:endParaRPr lang="en-US" sz="1400" b="1" i="0" u="none" strike="noStrike" dirty="0">
+                      <a:endParaRPr lang="en-US" sz="1100" b="1" i="0" u="none" strike="noStrike" dirty="0">
                         <a:solidFill>
                           <a:srgbClr val="FFFFFF"/>
                         </a:solidFill>
@@ -13648,12 +13822,12 @@
                     <a:p>
                       <a:pPr algn="ctr" fontAlgn="b"/>
                       <a:r>
-                        <a:rPr lang="en-US" sz="1400" u="none" strike="noStrike" dirty="0">
+                        <a:rPr lang="en-US" sz="1100" u="none" strike="noStrike" dirty="0">
                           <a:effectLst/>
                         </a:rPr>
                         <a:t>Estimate</a:t>
                       </a:r>
-                      <a:endParaRPr lang="en-US" sz="1400" b="1" i="0" u="none" strike="noStrike" dirty="0">
+                      <a:endParaRPr lang="en-US" sz="1100" b="1" i="0" u="none" strike="noStrike" dirty="0">
                         <a:solidFill>
                           <a:srgbClr val="FFFFFF"/>
                         </a:solidFill>
@@ -13671,12 +13845,12 @@
                     <a:p>
                       <a:pPr algn="ctr" fontAlgn="b"/>
                       <a:r>
-                        <a:rPr lang="en-US" sz="1400" u="none" strike="noStrike" dirty="0">
+                        <a:rPr lang="en-US" sz="1100" u="none" strike="noStrike" dirty="0">
                           <a:effectLst/>
                         </a:rPr>
                         <a:t>Probability</a:t>
                       </a:r>
-                      <a:endParaRPr lang="en-US" sz="1400" b="1" i="0" u="none" strike="noStrike" dirty="0">
+                      <a:endParaRPr lang="en-US" sz="1100" b="1" i="0" u="none" strike="noStrike" dirty="0">
                         <a:solidFill>
                           <a:srgbClr val="FFFFFF"/>
                         </a:solidFill>
@@ -13693,7 +13867,7 @@
                   </a:ext>
                 </a:extLst>
               </a:tr>
-              <a:tr h="260487">
+              <a:tr h="182880">
                 <a:tc>
                   <a:txBody>
                     <a:bodyPr/>
@@ -13701,24 +13875,24 @@
                     <a:p>
                       <a:pPr algn="l" fontAlgn="b"/>
                       <a:r>
-                        <a:rPr lang="en-US" sz="1200" u="none" strike="noStrike" dirty="0">
+                        <a:rPr lang="en-US" sz="1050" u="none" strike="noStrike" dirty="0">
                           <a:effectLst/>
                         </a:rPr>
-                        <a:t>**</a:t>
+                        <a:t>Years With </a:t>
                       </a:r>
                       <a:r>
-                        <a:rPr lang="en-US" sz="1200" u="none" strike="noStrike" dirty="0" err="1">
+                        <a:rPr lang="en-US" sz="1050" u="none" strike="noStrike" dirty="0" err="1">
                           <a:effectLst/>
                         </a:rPr>
-                        <a:t>YearsWithCurrManager</a:t>
+                        <a:t>Curr</a:t>
                       </a:r>
                       <a:r>
-                        <a:rPr lang="en-US" sz="1200" u="none" strike="noStrike" dirty="0">
+                        <a:rPr lang="en-US" sz="1050" u="none" strike="noStrike" dirty="0">
                           <a:effectLst/>
                         </a:rPr>
-                        <a:t>**</a:t>
+                        <a:t>. Manager</a:t>
                       </a:r>
-                      <a:endParaRPr lang="en-US" sz="1200" b="0" i="0" u="none" strike="noStrike" dirty="0">
+                      <a:endParaRPr lang="en-US" sz="1050" b="0" i="0" u="none" strike="noStrike" dirty="0">
                         <a:solidFill>
                           <a:srgbClr val="000000"/>
                         </a:solidFill>
@@ -13736,12 +13910,12 @@
                     <a:p>
                       <a:pPr algn="ctr" fontAlgn="b"/>
                       <a:r>
-                        <a:rPr lang="en-US" sz="1200" u="none" strike="noStrike" dirty="0">
+                        <a:rPr lang="en-US" sz="1050" u="none" strike="noStrike" dirty="0">
                           <a:effectLst/>
                         </a:rPr>
                         <a:t>-0.1448</a:t>
                       </a:r>
-                      <a:endParaRPr lang="en-US" sz="1200" b="0" i="0" u="none" strike="noStrike" dirty="0">
+                      <a:endParaRPr lang="en-US" sz="1050" b="0" i="0" u="none" strike="noStrike" dirty="0">
                         <a:solidFill>
                           <a:srgbClr val="000000"/>
                         </a:solidFill>
@@ -13759,12 +13933,12 @@
                     <a:p>
                       <a:pPr algn="ctr" fontAlgn="b"/>
                       <a:r>
-                        <a:rPr lang="en-US" sz="1200" u="none" strike="noStrike" dirty="0">
+                        <a:rPr lang="en-US" sz="1050" u="none" strike="noStrike" dirty="0">
                           <a:effectLst/>
                         </a:rPr>
                         <a:t>0.005414</a:t>
                       </a:r>
-                      <a:endParaRPr lang="en-US" sz="1200" b="0" i="0" u="none" strike="noStrike" dirty="0">
+                      <a:endParaRPr lang="en-US" sz="1050" b="0" i="0" u="none" strike="noStrike" dirty="0">
                         <a:solidFill>
                           <a:srgbClr val="000000"/>
                         </a:solidFill>
@@ -13781,7 +13955,7 @@
                   </a:ext>
                 </a:extLst>
               </a:tr>
-              <a:tr h="260487">
+              <a:tr h="182880">
                 <a:tc>
                   <a:txBody>
                     <a:bodyPr/>
@@ -13789,12 +13963,44 @@
                     <a:p>
                       <a:pPr algn="l" fontAlgn="b"/>
                       <a:r>
-                        <a:rPr lang="en-US" sz="1200" u="none" strike="noStrike">
+                        <a:rPr lang="en-US" sz="1050" u="none" strike="noStrike" dirty="0">
                           <a:effectLst/>
                         </a:rPr>
-                        <a:t>**WorkLifeBalance3**</a:t>
+                        <a:t>Work Life Balance – </a:t>
                       </a:r>
-                      <a:endParaRPr lang="en-US" sz="1200" b="0" i="0" u="none" strike="noStrike">
+                      <a:r>
+                        <a:rPr lang="en-US" sz="1050" b="1" u="none" strike="noStrike" dirty="0">
+                          <a:solidFill>
+                            <a:srgbClr val="C00000"/>
+                          </a:solidFill>
+                          <a:effectLst/>
+                        </a:rPr>
+                        <a:t>3</a:t>
+                      </a:r>
+                      <a:endParaRPr lang="en-US" sz="1050" b="1" i="0" u="none" strike="noStrike" dirty="0">
+                        <a:solidFill>
+                          <a:srgbClr val="C00000"/>
+                        </a:solidFill>
+                        <a:effectLst/>
+                        <a:latin typeface="Calibri" panose="020F0502020204030204" pitchFamily="34" charset="0"/>
+                      </a:endParaRPr>
+                    </a:p>
+                  </a:txBody>
+                  <a:tcPr marL="2162" marR="2162" marT="2162" marB="0" anchor="b"/>
+                </a:tc>
+                <a:tc>
+                  <a:txBody>
+                    <a:bodyPr/>
+                    <a:lstStyle/>
+                    <a:p>
+                      <a:pPr algn="ctr" fontAlgn="b"/>
+                      <a:r>
+                        <a:rPr lang="en-US" sz="1050" u="none" strike="noStrike">
+                          <a:effectLst/>
+                        </a:rPr>
+                        <a:t>-1.111</a:t>
+                      </a:r>
+                      <a:endParaRPr lang="en-US" sz="1050" b="0" i="0" u="none" strike="noStrike">
                         <a:solidFill>
                           <a:srgbClr val="000000"/>
                         </a:solidFill>
@@ -13812,12 +14018,42 @@
                     <a:p>
                       <a:pPr algn="ctr" fontAlgn="b"/>
                       <a:r>
-                        <a:rPr lang="en-US" sz="1200" u="none" strike="noStrike">
+                        <a:rPr lang="en-US" sz="1050" u="none" strike="noStrike">
                           <a:effectLst/>
                         </a:rPr>
-                        <a:t>-1.111</a:t>
+                        <a:t>0.00638</a:t>
                       </a:r>
-                      <a:endParaRPr lang="en-US" sz="1200" b="0" i="0" u="none" strike="noStrike">
+                      <a:endParaRPr lang="en-US" sz="1050" b="0" i="0" u="none" strike="noStrike">
+                        <a:solidFill>
+                          <a:srgbClr val="000000"/>
+                        </a:solidFill>
+                        <a:effectLst/>
+                        <a:latin typeface="Calibri" panose="020F0502020204030204" pitchFamily="34" charset="0"/>
+                      </a:endParaRPr>
+                    </a:p>
+                  </a:txBody>
+                  <a:tcPr marL="2162" marR="2162" marT="2162" marB="0" anchor="b"/>
+                </a:tc>
+                <a:extLst>
+                  <a:ext uri="{0D108BD9-81ED-4DB2-BD59-A6C34878D82A}">
+                    <a16:rowId xmlns:a16="http://schemas.microsoft.com/office/drawing/2014/main" val="3633577877"/>
+                  </a:ext>
+                </a:extLst>
+              </a:tr>
+              <a:tr h="182880">
+                <a:tc>
+                  <a:txBody>
+                    <a:bodyPr/>
+                    <a:lstStyle/>
+                    <a:p>
+                      <a:pPr algn="l" fontAlgn="b"/>
+                      <a:r>
+                        <a:rPr lang="en-US" sz="1050" u="none" strike="noStrike" dirty="0">
+                          <a:effectLst/>
+                        </a:rPr>
+                        <a:t>Years In Current Role</a:t>
+                      </a:r>
+                      <a:endParaRPr lang="en-US" sz="1050" b="0" i="0" u="none" strike="noStrike" dirty="0">
                         <a:solidFill>
                           <a:srgbClr val="000000"/>
                         </a:solidFill>
@@ -13835,42 +14071,12 @@
                     <a:p>
                       <a:pPr algn="ctr" fontAlgn="b"/>
                       <a:r>
-                        <a:rPr lang="en-US" sz="1200" u="none" strike="noStrike">
+                        <a:rPr lang="en-US" sz="1050" u="none" strike="noStrike">
                           <a:effectLst/>
                         </a:rPr>
-                        <a:t>0.00638</a:t>
+                        <a:t>-0.1422</a:t>
                       </a:r>
-                      <a:endParaRPr lang="en-US" sz="1200" b="0" i="0" u="none" strike="noStrike">
-                        <a:solidFill>
-                          <a:srgbClr val="000000"/>
-                        </a:solidFill>
-                        <a:effectLst/>
-                        <a:latin typeface="Calibri" panose="020F0502020204030204" pitchFamily="34" charset="0"/>
-                      </a:endParaRPr>
-                    </a:p>
-                  </a:txBody>
-                  <a:tcPr marL="2162" marR="2162" marT="2162" marB="0" anchor="b"/>
-                </a:tc>
-                <a:extLst>
-                  <a:ext uri="{0D108BD9-81ED-4DB2-BD59-A6C34878D82A}">
-                    <a16:rowId xmlns:a16="http://schemas.microsoft.com/office/drawing/2014/main" val="3633577877"/>
-                  </a:ext>
-                </a:extLst>
-              </a:tr>
-              <a:tr h="260487">
-                <a:tc>
-                  <a:txBody>
-                    <a:bodyPr/>
-                    <a:lstStyle/>
-                    <a:p>
-                      <a:pPr algn="l" fontAlgn="b"/>
-                      <a:r>
-                        <a:rPr lang="en-US" sz="1200" u="none" strike="noStrike">
-                          <a:effectLst/>
-                        </a:rPr>
-                        <a:t>**YearsInCurrentRole**</a:t>
-                      </a:r>
-                      <a:endParaRPr lang="en-US" sz="1200" b="0" i="0" u="none" strike="noStrike">
+                      <a:endParaRPr lang="en-US" sz="1050" b="0" i="0" u="none" strike="noStrike">
                         <a:solidFill>
                           <a:srgbClr val="000000"/>
                         </a:solidFill>
@@ -13888,12 +14094,74 @@
                     <a:p>
                       <a:pPr algn="ctr" fontAlgn="b"/>
                       <a:r>
-                        <a:rPr lang="en-US" sz="1200" u="none" strike="noStrike">
+                        <a:rPr lang="en-US" sz="1050" u="none" strike="noStrike">
                           <a:effectLst/>
                         </a:rPr>
-                        <a:t>-0.1422</a:t>
+                        <a:t>0.006733</a:t>
                       </a:r>
-                      <a:endParaRPr lang="en-US" sz="1200" b="0" i="0" u="none" strike="noStrike">
+                      <a:endParaRPr lang="en-US" sz="1050" b="0" i="0" u="none" strike="noStrike">
+                        <a:solidFill>
+                          <a:srgbClr val="000000"/>
+                        </a:solidFill>
+                        <a:effectLst/>
+                        <a:latin typeface="Calibri" panose="020F0502020204030204" pitchFamily="34" charset="0"/>
+                      </a:endParaRPr>
+                    </a:p>
+                  </a:txBody>
+                  <a:tcPr marL="2162" marR="2162" marT="2162" marB="0" anchor="b"/>
+                </a:tc>
+                <a:extLst>
+                  <a:ext uri="{0D108BD9-81ED-4DB2-BD59-A6C34878D82A}">
+                    <a16:rowId xmlns:a16="http://schemas.microsoft.com/office/drawing/2014/main" val="606194166"/>
+                  </a:ext>
+                </a:extLst>
+              </a:tr>
+              <a:tr h="182880">
+                <a:tc>
+                  <a:txBody>
+                    <a:bodyPr/>
+                    <a:lstStyle/>
+                    <a:p>
+                      <a:pPr algn="l" fontAlgn="ctr"/>
+                      <a:r>
+                        <a:rPr lang="en-US" sz="1050" u="none" strike="noStrike" dirty="0">
+                          <a:effectLst/>
+                        </a:rPr>
+                        <a:t>Relationship Satisfaction – </a:t>
+                      </a:r>
+                      <a:r>
+                        <a:rPr lang="en-US" sz="1050" b="1" u="none" strike="noStrike" dirty="0">
+                          <a:solidFill>
+                            <a:srgbClr val="C00000"/>
+                          </a:solidFill>
+                          <a:effectLst/>
+                        </a:rPr>
+                        <a:t>2</a:t>
+                      </a:r>
+                      <a:endParaRPr lang="en-US" sz="1050" b="1" i="0" u="none" strike="noStrike" dirty="0">
+                        <a:solidFill>
+                          <a:srgbClr val="C00000"/>
+                        </a:solidFill>
+                        <a:effectLst/>
+                        <a:latin typeface="Consolas" panose="020B0609020204030204" pitchFamily="49" charset="0"/>
+                      </a:endParaRPr>
+                    </a:p>
+                  </a:txBody>
+                  <a:tcPr marL="2162" marR="2162" marT="2162" marB="0" anchor="ctr"/>
+                </a:tc>
+                <a:tc>
+                  <a:txBody>
+                    <a:bodyPr/>
+                    <a:lstStyle/>
+                    <a:p>
+                      <a:pPr algn="ctr" fontAlgn="b"/>
+                      <a:r>
+                        <a:rPr lang="en-US" sz="1050" u="none" strike="noStrike">
+                          <a:effectLst/>
+                        </a:rPr>
+                        <a:t>-0.8518</a:t>
+                      </a:r>
+                      <a:endParaRPr lang="en-US" sz="1050" b="0" i="0" u="none" strike="noStrike">
                         <a:solidFill>
                           <a:srgbClr val="000000"/>
                         </a:solidFill>
@@ -13911,12 +14179,12 @@
                     <a:p>
                       <a:pPr algn="ctr" fontAlgn="b"/>
                       <a:r>
-                        <a:rPr lang="en-US" sz="1200" u="none" strike="noStrike">
+                        <a:rPr lang="en-US" sz="1050" u="none" strike="noStrike">
                           <a:effectLst/>
                         </a:rPr>
-                        <a:t>0.006733</a:t>
+                        <a:t>0.007649</a:t>
                       </a:r>
-                      <a:endParaRPr lang="en-US" sz="1200" b="0" i="0" u="none" strike="noStrike">
+                      <a:endParaRPr lang="en-US" sz="1050" b="0" i="0" u="none" strike="noStrike">
                         <a:solidFill>
                           <a:srgbClr val="000000"/>
                         </a:solidFill>
@@ -13929,11 +14197,11 @@
                 </a:tc>
                 <a:extLst>
                   <a:ext uri="{0D108BD9-81ED-4DB2-BD59-A6C34878D82A}">
-                    <a16:rowId xmlns:a16="http://schemas.microsoft.com/office/drawing/2014/main" val="606194166"/>
+                    <a16:rowId xmlns:a16="http://schemas.microsoft.com/office/drawing/2014/main" val="75221881"/>
                   </a:ext>
                 </a:extLst>
               </a:tr>
-              <a:tr h="260487">
+              <a:tr h="182880">
                 <a:tc>
                   <a:txBody>
                     <a:bodyPr/>
@@ -13941,12 +14209,264 @@
                     <a:p>
                       <a:pPr algn="l" fontAlgn="ctr"/>
                       <a:r>
-                        <a:rPr lang="en-US" sz="1200" u="none" strike="noStrike" dirty="0">
+                        <a:rPr lang="en-US" sz="1050" u="none" strike="noStrike" dirty="0">
                           <a:effectLst/>
                         </a:rPr>
-                        <a:t>**RelationshipSatisfaction2**</a:t>
+                        <a:t>Relationship Satisfaction – </a:t>
                       </a:r>
-                      <a:endParaRPr lang="en-US" sz="1200" b="0" i="0" u="none" strike="noStrike" dirty="0">
+                      <a:r>
+                        <a:rPr lang="en-US" sz="1050" b="1" u="none" strike="noStrike" dirty="0">
+                          <a:solidFill>
+                            <a:srgbClr val="C00000"/>
+                          </a:solidFill>
+                          <a:effectLst/>
+                        </a:rPr>
+                        <a:t>3</a:t>
+                      </a:r>
+                      <a:endParaRPr lang="en-US" sz="1050" b="1" i="0" u="none" strike="noStrike" dirty="0">
+                        <a:solidFill>
+                          <a:srgbClr val="C00000"/>
+                        </a:solidFill>
+                        <a:effectLst/>
+                        <a:latin typeface="Consolas" panose="020B0609020204030204" pitchFamily="49" charset="0"/>
+                      </a:endParaRPr>
+                    </a:p>
+                  </a:txBody>
+                  <a:tcPr marL="2162" marR="2162" marT="2162" marB="0" anchor="ctr"/>
+                </a:tc>
+                <a:tc>
+                  <a:txBody>
+                    <a:bodyPr/>
+                    <a:lstStyle/>
+                    <a:p>
+                      <a:pPr algn="ctr" fontAlgn="b"/>
+                      <a:r>
+                        <a:rPr lang="en-US" sz="1050" u="none" strike="noStrike">
+                          <a:effectLst/>
+                        </a:rPr>
+                        <a:t>-0.7248</a:t>
+                      </a:r>
+                      <a:endParaRPr lang="en-US" sz="1050" b="0" i="0" u="none" strike="noStrike">
+                        <a:solidFill>
+                          <a:srgbClr val="000000"/>
+                        </a:solidFill>
+                        <a:effectLst/>
+                        <a:latin typeface="Calibri" panose="020F0502020204030204" pitchFamily="34" charset="0"/>
+                      </a:endParaRPr>
+                    </a:p>
+                  </a:txBody>
+                  <a:tcPr marL="2162" marR="2162" marT="2162" marB="0" anchor="b"/>
+                </a:tc>
+                <a:tc>
+                  <a:txBody>
+                    <a:bodyPr/>
+                    <a:lstStyle/>
+                    <a:p>
+                      <a:pPr algn="ctr" fontAlgn="b"/>
+                      <a:r>
+                        <a:rPr lang="en-US" sz="1050" u="none" strike="noStrike">
+                          <a:effectLst/>
+                        </a:rPr>
+                        <a:t>0.009146</a:t>
+                      </a:r>
+                      <a:endParaRPr lang="en-US" sz="1050" b="0" i="0" u="none" strike="noStrike">
+                        <a:solidFill>
+                          <a:srgbClr val="000000"/>
+                        </a:solidFill>
+                        <a:effectLst/>
+                        <a:latin typeface="Calibri" panose="020F0502020204030204" pitchFamily="34" charset="0"/>
+                      </a:endParaRPr>
+                    </a:p>
+                  </a:txBody>
+                  <a:tcPr marL="2162" marR="2162" marT="2162" marB="0" anchor="b"/>
+                </a:tc>
+                <a:extLst>
+                  <a:ext uri="{0D108BD9-81ED-4DB2-BD59-A6C34878D82A}">
+                    <a16:rowId xmlns:a16="http://schemas.microsoft.com/office/drawing/2014/main" val="726598574"/>
+                  </a:ext>
+                </a:extLst>
+              </a:tr>
+              <a:tr h="182880">
+                <a:tc>
+                  <a:txBody>
+                    <a:bodyPr/>
+                    <a:lstStyle/>
+                    <a:p>
+                      <a:pPr algn="l" fontAlgn="b"/>
+                      <a:r>
+                        <a:rPr lang="en-US" sz="1050" u="none" strike="noStrike" dirty="0">
+                          <a:effectLst/>
+                        </a:rPr>
+                        <a:t>Job Satisfaction – </a:t>
+                      </a:r>
+                      <a:r>
+                        <a:rPr lang="en-US" sz="1050" b="1" u="none" strike="noStrike" dirty="0">
+                          <a:solidFill>
+                            <a:srgbClr val="C00000"/>
+                          </a:solidFill>
+                          <a:effectLst/>
+                        </a:rPr>
+                        <a:t>3</a:t>
+                      </a:r>
+                      <a:endParaRPr lang="en-US" sz="1050" b="1" i="0" u="none" strike="noStrike" dirty="0">
+                        <a:solidFill>
+                          <a:srgbClr val="C00000"/>
+                        </a:solidFill>
+                        <a:effectLst/>
+                        <a:latin typeface="Calibri" panose="020F0502020204030204" pitchFamily="34" charset="0"/>
+                      </a:endParaRPr>
+                    </a:p>
+                  </a:txBody>
+                  <a:tcPr marL="2162" marR="2162" marT="2162" marB="0" anchor="b"/>
+                </a:tc>
+                <a:tc>
+                  <a:txBody>
+                    <a:bodyPr/>
+                    <a:lstStyle/>
+                    <a:p>
+                      <a:pPr algn="ctr" fontAlgn="b"/>
+                      <a:r>
+                        <a:rPr lang="en-US" sz="1050" u="none" strike="noStrike">
+                          <a:effectLst/>
+                        </a:rPr>
+                        <a:t>-0.685</a:t>
+                      </a:r>
+                      <a:endParaRPr lang="en-US" sz="1050" b="0" i="0" u="none" strike="noStrike">
+                        <a:solidFill>
+                          <a:srgbClr val="000000"/>
+                        </a:solidFill>
+                        <a:effectLst/>
+                        <a:latin typeface="Calibri" panose="020F0502020204030204" pitchFamily="34" charset="0"/>
+                      </a:endParaRPr>
+                    </a:p>
+                  </a:txBody>
+                  <a:tcPr marL="2162" marR="2162" marT="2162" marB="0" anchor="b"/>
+                </a:tc>
+                <a:tc>
+                  <a:txBody>
+                    <a:bodyPr/>
+                    <a:lstStyle/>
+                    <a:p>
+                      <a:pPr algn="ctr" fontAlgn="b"/>
+                      <a:r>
+                        <a:rPr lang="en-US" sz="1050" u="none" strike="noStrike" dirty="0">
+                          <a:effectLst/>
+                        </a:rPr>
+                        <a:t>0.01102</a:t>
+                      </a:r>
+                      <a:endParaRPr lang="en-US" sz="1050" b="0" i="0" u="none" strike="noStrike" dirty="0">
+                        <a:solidFill>
+                          <a:srgbClr val="000000"/>
+                        </a:solidFill>
+                        <a:effectLst/>
+                        <a:latin typeface="Calibri" panose="020F0502020204030204" pitchFamily="34" charset="0"/>
+                      </a:endParaRPr>
+                    </a:p>
+                  </a:txBody>
+                  <a:tcPr marL="2162" marR="2162" marT="2162" marB="0" anchor="b"/>
+                </a:tc>
+                <a:extLst>
+                  <a:ext uri="{0D108BD9-81ED-4DB2-BD59-A6C34878D82A}">
+                    <a16:rowId xmlns:a16="http://schemas.microsoft.com/office/drawing/2014/main" val="2117787272"/>
+                  </a:ext>
+                </a:extLst>
+              </a:tr>
+              <a:tr h="182880">
+                <a:tc>
+                  <a:txBody>
+                    <a:bodyPr/>
+                    <a:lstStyle/>
+                    <a:p>
+                      <a:pPr algn="l" fontAlgn="b"/>
+                      <a:r>
+                        <a:rPr lang="en-US" sz="1050" u="none" strike="noStrike" dirty="0" err="1">
+                          <a:effectLst/>
+                        </a:rPr>
+                        <a:t>Num</a:t>
+                      </a:r>
+                      <a:r>
+                        <a:rPr lang="en-US" sz="1050" u="none" strike="noStrike" dirty="0">
+                          <a:effectLst/>
+                        </a:rPr>
+                        <a:t> Companies Worked</a:t>
+                      </a:r>
+                      <a:endParaRPr lang="en-US" sz="1050" b="0" i="0" u="none" strike="noStrike" dirty="0">
+                        <a:solidFill>
+                          <a:srgbClr val="000000"/>
+                        </a:solidFill>
+                        <a:effectLst/>
+                        <a:latin typeface="Calibri" panose="020F0502020204030204" pitchFamily="34" charset="0"/>
+                      </a:endParaRPr>
+                    </a:p>
+                  </a:txBody>
+                  <a:tcPr marL="2162" marR="2162" marT="2162" marB="0" anchor="b"/>
+                </a:tc>
+                <a:tc>
+                  <a:txBody>
+                    <a:bodyPr/>
+                    <a:lstStyle/>
+                    <a:p>
+                      <a:pPr algn="ctr" fontAlgn="b"/>
+                      <a:r>
+                        <a:rPr lang="en-US" sz="1050" u="none" strike="noStrike" dirty="0">
+                          <a:effectLst/>
+                        </a:rPr>
+                        <a:t>0.1071</a:t>
+                      </a:r>
+                      <a:endParaRPr lang="en-US" sz="1050" b="0" i="0" u="none" strike="noStrike" dirty="0">
+                        <a:solidFill>
+                          <a:srgbClr val="000000"/>
+                        </a:solidFill>
+                        <a:effectLst/>
+                        <a:latin typeface="Calibri" panose="020F0502020204030204" pitchFamily="34" charset="0"/>
+                      </a:endParaRPr>
+                    </a:p>
+                  </a:txBody>
+                  <a:tcPr marL="2162" marR="2162" marT="2162" marB="0" anchor="b"/>
+                </a:tc>
+                <a:tc>
+                  <a:txBody>
+                    <a:bodyPr/>
+                    <a:lstStyle/>
+                    <a:p>
+                      <a:pPr algn="ctr" fontAlgn="b"/>
+                      <a:r>
+                        <a:rPr lang="en-US" sz="1050" u="none" strike="noStrike">
+                          <a:effectLst/>
+                        </a:rPr>
+                        <a:t>0.01271</a:t>
+                      </a:r>
+                      <a:endParaRPr lang="en-US" sz="1050" b="0" i="0" u="none" strike="noStrike">
+                        <a:solidFill>
+                          <a:srgbClr val="000000"/>
+                        </a:solidFill>
+                        <a:effectLst/>
+                        <a:latin typeface="Calibri" panose="020F0502020204030204" pitchFamily="34" charset="0"/>
+                      </a:endParaRPr>
+                    </a:p>
+                  </a:txBody>
+                  <a:tcPr marL="2162" marR="2162" marT="2162" marB="0" anchor="b"/>
+                </a:tc>
+                <a:extLst>
+                  <a:ext uri="{0D108BD9-81ED-4DB2-BD59-A6C34878D82A}">
+                    <a16:rowId xmlns:a16="http://schemas.microsoft.com/office/drawing/2014/main" val="486714889"/>
+                  </a:ext>
+                </a:extLst>
+              </a:tr>
+              <a:tr h="182880">
+                <a:tc>
+                  <a:txBody>
+                    <a:bodyPr/>
+                    <a:lstStyle/>
+                    <a:p>
+                      <a:pPr algn="l" fontAlgn="ctr"/>
+                      <a:r>
+                        <a:rPr lang="en-US" sz="1050" u="none" strike="noStrike" dirty="0">
+                          <a:effectLst/>
+                        </a:rPr>
+                        <a:t>Job Role Research Scientist</a:t>
+                      </a:r>
+                      <a:endParaRPr lang="en-US" sz="1050" b="0" i="0" u="none" strike="noStrike" dirty="0">
                         <a:solidFill>
                           <a:srgbClr val="24292E"/>
                         </a:solidFill>
@@ -13964,12 +14484,12 @@
                     <a:p>
                       <a:pPr algn="ctr" fontAlgn="b"/>
                       <a:r>
-                        <a:rPr lang="en-US" sz="1200" u="none" strike="noStrike">
+                        <a:rPr lang="en-US" sz="1050" u="none" strike="noStrike" dirty="0">
                           <a:effectLst/>
                         </a:rPr>
-                        <a:t>-0.8518</a:t>
+                        <a:t>0.7686</a:t>
                       </a:r>
-                      <a:endParaRPr lang="en-US" sz="1200" b="0" i="0" u="none" strike="noStrike">
+                      <a:endParaRPr lang="en-US" sz="1050" b="0" i="0" u="none" strike="noStrike" dirty="0">
                         <a:solidFill>
                           <a:srgbClr val="000000"/>
                         </a:solidFill>
@@ -13987,12 +14507,12 @@
                     <a:p>
                       <a:pPr algn="ctr" fontAlgn="b"/>
                       <a:r>
-                        <a:rPr lang="en-US" sz="1200" u="none" strike="noStrike">
+                        <a:rPr lang="en-US" sz="1050" u="none" strike="noStrike" dirty="0">
                           <a:effectLst/>
                         </a:rPr>
-                        <a:t>0.007649</a:t>
+                        <a:t>0.1126</a:t>
                       </a:r>
-                      <a:endParaRPr lang="en-US" sz="1200" b="0" i="0" u="none" strike="noStrike">
+                      <a:endParaRPr lang="en-US" sz="1050" b="0" i="0" u="none" strike="noStrike" dirty="0">
                         <a:solidFill>
                           <a:srgbClr val="000000"/>
                         </a:solidFill>
@@ -14005,11 +14525,418 @@
                 </a:tc>
                 <a:extLst>
                   <a:ext uri="{0D108BD9-81ED-4DB2-BD59-A6C34878D82A}">
-                    <a16:rowId xmlns:a16="http://schemas.microsoft.com/office/drawing/2014/main" val="75221881"/>
+                    <a16:rowId xmlns:a16="http://schemas.microsoft.com/office/drawing/2014/main" val="319693140"/>
                   </a:ext>
                 </a:extLst>
               </a:tr>
-              <a:tr h="260487">
+              <a:tr h="182880">
+                <a:tc>
+                  <a:txBody>
+                    <a:bodyPr/>
+                    <a:lstStyle/>
+                    <a:p>
+                      <a:pPr algn="l" fontAlgn="b"/>
+                      <a:r>
+                        <a:rPr lang="en-US" sz="1050" u="none" strike="noStrike" dirty="0">
+                          <a:effectLst/>
+                        </a:rPr>
+                        <a:t>Job Satisfaction – </a:t>
+                      </a:r>
+                      <a:r>
+                        <a:rPr lang="en-US" sz="1050" b="1" u="none" strike="noStrike" dirty="0">
+                          <a:solidFill>
+                            <a:srgbClr val="C00000"/>
+                          </a:solidFill>
+                          <a:effectLst/>
+                        </a:rPr>
+                        <a:t>2</a:t>
+                      </a:r>
+                      <a:endParaRPr lang="en-US" sz="1050" b="1" i="0" u="none" strike="noStrike" dirty="0">
+                        <a:solidFill>
+                          <a:srgbClr val="C00000"/>
+                        </a:solidFill>
+                        <a:effectLst/>
+                        <a:latin typeface="Calibri" panose="020F0502020204030204" pitchFamily="34" charset="0"/>
+                      </a:endParaRPr>
+                    </a:p>
+                  </a:txBody>
+                  <a:tcPr marL="2162" marR="2162" marT="2162" marB="0" anchor="b"/>
+                </a:tc>
+                <a:tc>
+                  <a:txBody>
+                    <a:bodyPr/>
+                    <a:lstStyle/>
+                    <a:p>
+                      <a:pPr algn="ctr" fontAlgn="b"/>
+                      <a:r>
+                        <a:rPr lang="en-US" sz="1050" u="none" strike="noStrike" dirty="0">
+                          <a:effectLst/>
+                        </a:rPr>
+                        <a:t>-0.4199</a:t>
+                      </a:r>
+                      <a:endParaRPr lang="en-US" sz="1050" b="0" i="0" u="none" strike="noStrike" dirty="0">
+                        <a:solidFill>
+                          <a:srgbClr val="000000"/>
+                        </a:solidFill>
+                        <a:effectLst/>
+                        <a:latin typeface="Calibri" panose="020F0502020204030204" pitchFamily="34" charset="0"/>
+                      </a:endParaRPr>
+                    </a:p>
+                  </a:txBody>
+                  <a:tcPr marL="2162" marR="2162" marT="2162" marB="0" anchor="b"/>
+                </a:tc>
+                <a:tc>
+                  <a:txBody>
+                    <a:bodyPr/>
+                    <a:lstStyle/>
+                    <a:p>
+                      <a:pPr algn="ctr" fontAlgn="b"/>
+                      <a:r>
+                        <a:rPr lang="en-US" sz="1050" u="none" strike="noStrike">
+                          <a:effectLst/>
+                        </a:rPr>
+                        <a:t>0.159</a:t>
+                      </a:r>
+                      <a:endParaRPr lang="en-US" sz="1050" b="0" i="0" u="none" strike="noStrike">
+                        <a:solidFill>
+                          <a:srgbClr val="000000"/>
+                        </a:solidFill>
+                        <a:effectLst/>
+                        <a:latin typeface="Calibri" panose="020F0502020204030204" pitchFamily="34" charset="0"/>
+                      </a:endParaRPr>
+                    </a:p>
+                  </a:txBody>
+                  <a:tcPr marL="2162" marR="2162" marT="2162" marB="0" anchor="b"/>
+                </a:tc>
+                <a:extLst>
+                  <a:ext uri="{0D108BD9-81ED-4DB2-BD59-A6C34878D82A}">
+                    <a16:rowId xmlns:a16="http://schemas.microsoft.com/office/drawing/2014/main" val="337343919"/>
+                  </a:ext>
+                </a:extLst>
+              </a:tr>
+              <a:tr h="182880">
+                <a:tc>
+                  <a:txBody>
+                    <a:bodyPr/>
+                    <a:lstStyle/>
+                    <a:p>
+                      <a:pPr algn="l" fontAlgn="b"/>
+                      <a:r>
+                        <a:rPr lang="en-US" sz="1050" u="none" strike="noStrike" dirty="0">
+                          <a:effectLst/>
+                        </a:rPr>
+                        <a:t>Work Life Balance - </a:t>
+                      </a:r>
+                      <a:r>
+                        <a:rPr lang="en-US" sz="1050" b="1" u="none" strike="noStrike" dirty="0">
+                          <a:solidFill>
+                            <a:srgbClr val="C00000"/>
+                          </a:solidFill>
+                          <a:effectLst/>
+                        </a:rPr>
+                        <a:t>2</a:t>
+                      </a:r>
+                      <a:endParaRPr lang="en-US" sz="1050" b="1" i="0" u="none" strike="noStrike" dirty="0">
+                        <a:solidFill>
+                          <a:srgbClr val="C00000"/>
+                        </a:solidFill>
+                        <a:effectLst/>
+                        <a:latin typeface="Calibri" panose="020F0502020204030204" pitchFamily="34" charset="0"/>
+                      </a:endParaRPr>
+                    </a:p>
+                  </a:txBody>
+                  <a:tcPr marL="2162" marR="2162" marT="2162" marB="0" anchor="b"/>
+                </a:tc>
+                <a:tc>
+                  <a:txBody>
+                    <a:bodyPr/>
+                    <a:lstStyle/>
+                    <a:p>
+                      <a:pPr algn="ctr" fontAlgn="b"/>
+                      <a:r>
+                        <a:rPr lang="en-US" sz="1050" u="none" strike="noStrike" dirty="0">
+                          <a:effectLst/>
+                        </a:rPr>
+                        <a:t>-0.5628</a:t>
+                      </a:r>
+                      <a:endParaRPr lang="en-US" sz="1050" b="0" i="0" u="none" strike="noStrike" dirty="0">
+                        <a:solidFill>
+                          <a:srgbClr val="000000"/>
+                        </a:solidFill>
+                        <a:effectLst/>
+                        <a:latin typeface="Calibri" panose="020F0502020204030204" pitchFamily="34" charset="0"/>
+                      </a:endParaRPr>
+                    </a:p>
+                  </a:txBody>
+                  <a:tcPr marL="2162" marR="2162" marT="2162" marB="0" anchor="b"/>
+                </a:tc>
+                <a:tc>
+                  <a:txBody>
+                    <a:bodyPr/>
+                    <a:lstStyle/>
+                    <a:p>
+                      <a:pPr algn="ctr" fontAlgn="b"/>
+                      <a:r>
+                        <a:rPr lang="en-US" sz="1050" u="none" strike="noStrike">
+                          <a:effectLst/>
+                        </a:rPr>
+                        <a:t>0.1929</a:t>
+                      </a:r>
+                      <a:endParaRPr lang="en-US" sz="1050" b="0" i="0" u="none" strike="noStrike">
+                        <a:solidFill>
+                          <a:srgbClr val="000000"/>
+                        </a:solidFill>
+                        <a:effectLst/>
+                        <a:latin typeface="Calibri" panose="020F0502020204030204" pitchFamily="34" charset="0"/>
+                      </a:endParaRPr>
+                    </a:p>
+                  </a:txBody>
+                  <a:tcPr marL="2162" marR="2162" marT="2162" marB="0" anchor="b"/>
+                </a:tc>
+                <a:extLst>
+                  <a:ext uri="{0D108BD9-81ED-4DB2-BD59-A6C34878D82A}">
+                    <a16:rowId xmlns:a16="http://schemas.microsoft.com/office/drawing/2014/main" val="3201107325"/>
+                  </a:ext>
+                </a:extLst>
+              </a:tr>
+              <a:tr h="182880">
+                <a:tc>
+                  <a:txBody>
+                    <a:bodyPr/>
+                    <a:lstStyle/>
+                    <a:p>
+                      <a:pPr algn="l" fontAlgn="b"/>
+                      <a:r>
+                        <a:rPr lang="en-US" sz="1050" u="none" strike="noStrike" dirty="0">
+                          <a:effectLst/>
+                        </a:rPr>
+                        <a:t>Work Life Balance – </a:t>
+                      </a:r>
+                      <a:r>
+                        <a:rPr lang="en-US" sz="1050" b="1" u="none" strike="noStrike" dirty="0">
+                          <a:solidFill>
+                            <a:srgbClr val="C00000"/>
+                          </a:solidFill>
+                          <a:effectLst/>
+                        </a:rPr>
+                        <a:t>4</a:t>
+                      </a:r>
+                      <a:endParaRPr lang="en-US" sz="1050" b="1" i="0" u="none" strike="noStrike" dirty="0">
+                        <a:solidFill>
+                          <a:srgbClr val="C00000"/>
+                        </a:solidFill>
+                        <a:effectLst/>
+                        <a:latin typeface="Calibri" panose="020F0502020204030204" pitchFamily="34" charset="0"/>
+                      </a:endParaRPr>
+                    </a:p>
+                  </a:txBody>
+                  <a:tcPr marL="2162" marR="2162" marT="2162" marB="0" anchor="b"/>
+                </a:tc>
+                <a:tc>
+                  <a:txBody>
+                    <a:bodyPr/>
+                    <a:lstStyle/>
+                    <a:p>
+                      <a:pPr algn="ctr" fontAlgn="b"/>
+                      <a:r>
+                        <a:rPr lang="en-US" sz="1050" u="none" strike="noStrike" dirty="0">
+                          <a:effectLst/>
+                        </a:rPr>
+                        <a:t>-0.625</a:t>
+                      </a:r>
+                      <a:endParaRPr lang="en-US" sz="1050" b="0" i="0" u="none" strike="noStrike" dirty="0">
+                        <a:solidFill>
+                          <a:srgbClr val="000000"/>
+                        </a:solidFill>
+                        <a:effectLst/>
+                        <a:latin typeface="Calibri" panose="020F0502020204030204" pitchFamily="34" charset="0"/>
+                      </a:endParaRPr>
+                    </a:p>
+                  </a:txBody>
+                  <a:tcPr marL="2162" marR="2162" marT="2162" marB="0" anchor="b"/>
+                </a:tc>
+                <a:tc>
+                  <a:txBody>
+                    <a:bodyPr/>
+                    <a:lstStyle/>
+                    <a:p>
+                      <a:pPr algn="ctr" fontAlgn="b"/>
+                      <a:r>
+                        <a:rPr lang="en-US" sz="1050" u="none" strike="noStrike">
+                          <a:effectLst/>
+                        </a:rPr>
+                        <a:t>0.202</a:t>
+                      </a:r>
+                      <a:endParaRPr lang="en-US" sz="1050" b="0" i="0" u="none" strike="noStrike">
+                        <a:solidFill>
+                          <a:srgbClr val="000000"/>
+                        </a:solidFill>
+                        <a:effectLst/>
+                        <a:latin typeface="Calibri" panose="020F0502020204030204" pitchFamily="34" charset="0"/>
+                      </a:endParaRPr>
+                    </a:p>
+                  </a:txBody>
+                  <a:tcPr marL="2162" marR="2162" marT="2162" marB="0" anchor="b"/>
+                </a:tc>
+                <a:extLst>
+                  <a:ext uri="{0D108BD9-81ED-4DB2-BD59-A6C34878D82A}">
+                    <a16:rowId xmlns:a16="http://schemas.microsoft.com/office/drawing/2014/main" val="2011439253"/>
+                  </a:ext>
+                </a:extLst>
+              </a:tr>
+              <a:tr h="182880">
+                <a:tc>
+                  <a:txBody>
+                    <a:bodyPr/>
+                    <a:lstStyle/>
+                    <a:p>
+                      <a:pPr algn="l" fontAlgn="b"/>
+                      <a:r>
+                        <a:rPr lang="en-US" sz="1050" u="none" strike="noStrike" dirty="0">
+                          <a:effectLst/>
+                        </a:rPr>
+                        <a:t>Marital Status Married</a:t>
+                      </a:r>
+                      <a:endParaRPr lang="en-US" sz="1050" b="0" i="0" u="none" strike="noStrike" dirty="0">
+                        <a:solidFill>
+                          <a:srgbClr val="000000"/>
+                        </a:solidFill>
+                        <a:effectLst/>
+                        <a:latin typeface="Calibri" panose="020F0502020204030204" pitchFamily="34" charset="0"/>
+                      </a:endParaRPr>
+                    </a:p>
+                  </a:txBody>
+                  <a:tcPr marL="2162" marR="2162" marT="2162" marB="0" anchor="b"/>
+                </a:tc>
+                <a:tc>
+                  <a:txBody>
+                    <a:bodyPr/>
+                    <a:lstStyle/>
+                    <a:p>
+                      <a:pPr algn="ctr" fontAlgn="b"/>
+                      <a:r>
+                        <a:rPr lang="en-US" sz="1050" u="none" strike="noStrike" dirty="0">
+                          <a:effectLst/>
+                        </a:rPr>
+                        <a:t>0.3468</a:t>
+                      </a:r>
+                      <a:endParaRPr lang="en-US" sz="1050" b="0" i="0" u="none" strike="noStrike" dirty="0">
+                        <a:solidFill>
+                          <a:srgbClr val="000000"/>
+                        </a:solidFill>
+                        <a:effectLst/>
+                        <a:latin typeface="Calibri" panose="020F0502020204030204" pitchFamily="34" charset="0"/>
+                      </a:endParaRPr>
+                    </a:p>
+                  </a:txBody>
+                  <a:tcPr marL="2162" marR="2162" marT="2162" marB="0" anchor="b"/>
+                </a:tc>
+                <a:tc>
+                  <a:txBody>
+                    <a:bodyPr/>
+                    <a:lstStyle/>
+                    <a:p>
+                      <a:pPr algn="ctr" fontAlgn="b"/>
+                      <a:r>
+                        <a:rPr lang="en-US" sz="1050" u="none" strike="noStrike">
+                          <a:effectLst/>
+                        </a:rPr>
+                        <a:t>0.2368</a:t>
+                      </a:r>
+                      <a:endParaRPr lang="en-US" sz="1050" b="0" i="0" u="none" strike="noStrike">
+                        <a:solidFill>
+                          <a:srgbClr val="000000"/>
+                        </a:solidFill>
+                        <a:effectLst/>
+                        <a:latin typeface="Calibri" panose="020F0502020204030204" pitchFamily="34" charset="0"/>
+                      </a:endParaRPr>
+                    </a:p>
+                  </a:txBody>
+                  <a:tcPr marL="2162" marR="2162" marT="2162" marB="0" anchor="b"/>
+                </a:tc>
+                <a:extLst>
+                  <a:ext uri="{0D108BD9-81ED-4DB2-BD59-A6C34878D82A}">
+                    <a16:rowId xmlns:a16="http://schemas.microsoft.com/office/drawing/2014/main" val="1961843672"/>
+                  </a:ext>
+                </a:extLst>
+              </a:tr>
+              <a:tr h="182880">
+                <a:tc>
+                  <a:txBody>
+                    <a:bodyPr/>
+                    <a:lstStyle/>
+                    <a:p>
+                      <a:pPr algn="l" fontAlgn="b"/>
+                      <a:r>
+                        <a:rPr lang="en-US" sz="1050" u="none" strike="noStrike" dirty="0">
+                          <a:effectLst/>
+                        </a:rPr>
+                        <a:t>Years At Company</a:t>
+                      </a:r>
+                      <a:endParaRPr lang="en-US" sz="1050" b="0" i="0" u="none" strike="noStrike" dirty="0">
+                        <a:solidFill>
+                          <a:srgbClr val="000000"/>
+                        </a:solidFill>
+                        <a:effectLst/>
+                        <a:latin typeface="Calibri" panose="020F0502020204030204" pitchFamily="34" charset="0"/>
+                      </a:endParaRPr>
+                    </a:p>
+                  </a:txBody>
+                  <a:tcPr marL="2162" marR="2162" marT="2162" marB="0" anchor="b"/>
+                </a:tc>
+                <a:tc>
+                  <a:txBody>
+                    <a:bodyPr/>
+                    <a:lstStyle/>
+                    <a:p>
+                      <a:pPr algn="ctr" fontAlgn="b"/>
+                      <a:r>
+                        <a:rPr lang="en-US" sz="1050" u="none" strike="noStrike">
+                          <a:effectLst/>
+                        </a:rPr>
+                        <a:t>0.02915</a:t>
+                      </a:r>
+                      <a:endParaRPr lang="en-US" sz="1050" b="0" i="0" u="none" strike="noStrike">
+                        <a:solidFill>
+                          <a:srgbClr val="000000"/>
+                        </a:solidFill>
+                        <a:effectLst/>
+                        <a:latin typeface="Calibri" panose="020F0502020204030204" pitchFamily="34" charset="0"/>
+                      </a:endParaRPr>
+                    </a:p>
+                  </a:txBody>
+                  <a:tcPr marL="2162" marR="2162" marT="2162" marB="0" anchor="b"/>
+                </a:tc>
+                <a:tc>
+                  <a:txBody>
+                    <a:bodyPr/>
+                    <a:lstStyle/>
+                    <a:p>
+                      <a:pPr algn="ctr" fontAlgn="b"/>
+                      <a:r>
+                        <a:rPr lang="en-US" sz="1050" u="none" strike="noStrike">
+                          <a:effectLst/>
+                        </a:rPr>
+                        <a:t>0.4699</a:t>
+                      </a:r>
+                      <a:endParaRPr lang="en-US" sz="1050" b="0" i="0" u="none" strike="noStrike">
+                        <a:solidFill>
+                          <a:srgbClr val="000000"/>
+                        </a:solidFill>
+                        <a:effectLst/>
+                        <a:latin typeface="Calibri" panose="020F0502020204030204" pitchFamily="34" charset="0"/>
+                      </a:endParaRPr>
+                    </a:p>
+                  </a:txBody>
+                  <a:tcPr marL="2162" marR="2162" marT="2162" marB="0" anchor="b"/>
+                </a:tc>
+                <a:extLst>
+                  <a:ext uri="{0D108BD9-81ED-4DB2-BD59-A6C34878D82A}">
+                    <a16:rowId xmlns:a16="http://schemas.microsoft.com/office/drawing/2014/main" val="2237311867"/>
+                  </a:ext>
+                </a:extLst>
+              </a:tr>
+              <a:tr h="182880">
                 <a:tc>
                   <a:txBody>
                     <a:bodyPr/>
@@ -14017,12 +14944,12 @@
                     <a:p>
                       <a:pPr algn="l" fontAlgn="ctr"/>
                       <a:r>
-                        <a:rPr lang="en-US" sz="1200" u="none" strike="noStrike">
+                        <a:rPr lang="en-US" sz="1050" u="none" strike="noStrike" dirty="0">
                           <a:effectLst/>
                         </a:rPr>
-                        <a:t>**RelationshipSatisfaction3**</a:t>
+                        <a:t>Job Role Research Director</a:t>
                       </a:r>
-                      <a:endParaRPr lang="en-US" sz="1200" b="0" i="0" u="none" strike="noStrike">
+                      <a:endParaRPr lang="en-US" sz="1050" b="0" i="0" u="none" strike="noStrike" dirty="0">
                         <a:solidFill>
                           <a:srgbClr val="24292E"/>
                         </a:solidFill>
@@ -14040,12 +14967,12 @@
                     <a:p>
                       <a:pPr algn="ctr" fontAlgn="b"/>
                       <a:r>
-                        <a:rPr lang="en-US" sz="1200" u="none" strike="noStrike">
+                        <a:rPr lang="en-US" sz="1050" u="none" strike="noStrike">
                           <a:effectLst/>
                         </a:rPr>
-                        <a:t>-0.7248</a:t>
+                        <a:t>-0.5145</a:t>
                       </a:r>
-                      <a:endParaRPr lang="en-US" sz="1200" b="0" i="0" u="none" strike="noStrike">
+                      <a:endParaRPr lang="en-US" sz="1050" b="0" i="0" u="none" strike="noStrike">
                         <a:solidFill>
                           <a:srgbClr val="000000"/>
                         </a:solidFill>
@@ -14063,12 +14990,12 @@
                     <a:p>
                       <a:pPr algn="ctr" fontAlgn="b"/>
                       <a:r>
-                        <a:rPr lang="en-US" sz="1200" u="none" strike="noStrike">
+                        <a:rPr lang="en-US" sz="1050" u="none" strike="noStrike">
                           <a:effectLst/>
                         </a:rPr>
-                        <a:t>0.009146</a:t>
+                        <a:t>0.5693</a:t>
                       </a:r>
-                      <a:endParaRPr lang="en-US" sz="1200" b="0" i="0" u="none" strike="noStrike">
+                      <a:endParaRPr lang="en-US" sz="1050" b="0" i="0" u="none" strike="noStrike">
                         <a:solidFill>
                           <a:srgbClr val="000000"/>
                         </a:solidFill>
@@ -14081,11 +15008,11 @@
                 </a:tc>
                 <a:extLst>
                   <a:ext uri="{0D108BD9-81ED-4DB2-BD59-A6C34878D82A}">
-                    <a16:rowId xmlns:a16="http://schemas.microsoft.com/office/drawing/2014/main" val="726598574"/>
+                    <a16:rowId xmlns:a16="http://schemas.microsoft.com/office/drawing/2014/main" val="2031193229"/>
                   </a:ext>
                 </a:extLst>
               </a:tr>
-              <a:tr h="260487">
+              <a:tr h="182880">
                 <a:tc>
                   <a:txBody>
                     <a:bodyPr/>
@@ -14093,12 +15020,12 @@
                     <a:p>
                       <a:pPr algn="l" fontAlgn="b"/>
                       <a:r>
-                        <a:rPr lang="en-US" sz="1200" u="none" strike="noStrike" dirty="0">
+                        <a:rPr lang="en-US" sz="1050" u="none" strike="noStrike" dirty="0">
                           <a:effectLst/>
                         </a:rPr>
-                        <a:t>**JobSatisfaction3**</a:t>
+                        <a:t>Job Role Manufacturing Director</a:t>
                       </a:r>
-                      <a:endParaRPr lang="en-US" sz="1200" b="0" i="0" u="none" strike="noStrike" dirty="0">
+                      <a:endParaRPr lang="en-US" sz="1050" b="0" i="0" u="none" strike="noStrike" dirty="0">
                         <a:solidFill>
                           <a:srgbClr val="000000"/>
                         </a:solidFill>
@@ -14116,12 +15043,12 @@
                     <a:p>
                       <a:pPr algn="ctr" fontAlgn="b"/>
                       <a:r>
-                        <a:rPr lang="en-US" sz="1200" u="none" strike="noStrike">
+                        <a:rPr lang="en-US" sz="1050" u="none" strike="noStrike">
                           <a:effectLst/>
                         </a:rPr>
-                        <a:t>-0.685</a:t>
+                        <a:t>0.269</a:t>
                       </a:r>
-                      <a:endParaRPr lang="en-US" sz="1200" b="0" i="0" u="none" strike="noStrike">
+                      <a:endParaRPr lang="en-US" sz="1050" b="0" i="0" u="none" strike="noStrike">
                         <a:solidFill>
                           <a:srgbClr val="000000"/>
                         </a:solidFill>
@@ -14139,12 +15066,12 @@
                     <a:p>
                       <a:pPr algn="ctr" fontAlgn="b"/>
                       <a:r>
-                        <a:rPr lang="en-US" sz="1200" u="none" strike="noStrike">
+                        <a:rPr lang="en-US" sz="1050" u="none" strike="noStrike" dirty="0">
                           <a:effectLst/>
                         </a:rPr>
-                        <a:t>0.01102</a:t>
+                        <a:t>0.6412</a:t>
                       </a:r>
-                      <a:endParaRPr lang="en-US" sz="1200" b="0" i="0" u="none" strike="noStrike">
+                      <a:endParaRPr lang="en-US" sz="1050" b="0" i="0" u="none" strike="noStrike" dirty="0">
                         <a:solidFill>
                           <a:srgbClr val="000000"/>
                         </a:solidFill>
@@ -14157,11 +15084,11 @@
                 </a:tc>
                 <a:extLst>
                   <a:ext uri="{0D108BD9-81ED-4DB2-BD59-A6C34878D82A}">
-                    <a16:rowId xmlns:a16="http://schemas.microsoft.com/office/drawing/2014/main" val="2117787272"/>
+                    <a16:rowId xmlns:a16="http://schemas.microsoft.com/office/drawing/2014/main" val="3603865704"/>
                   </a:ext>
                 </a:extLst>
               </a:tr>
-              <a:tr h="260487">
+              <a:tr h="182880">
                 <a:tc>
                   <a:txBody>
                     <a:bodyPr/>
@@ -14169,12 +15096,109 @@
                     <a:p>
                       <a:pPr algn="l" fontAlgn="b"/>
                       <a:r>
-                        <a:rPr lang="en-US" sz="1200" u="none" strike="noStrike">
+                        <a:rPr lang="en-US" sz="1050" u="none" strike="noStrike" dirty="0">
+                          <a:solidFill>
+                            <a:schemeClr val="bg2"/>
+                          </a:solidFill>
                           <a:effectLst/>
                         </a:rPr>
-                        <a:t>**NumCompaniesWorked**</a:t>
+                        <a:t>Intercept</a:t>
                       </a:r>
-                      <a:endParaRPr lang="en-US" sz="1200" b="0" i="0" u="none" strike="noStrike">
+                      <a:endParaRPr lang="en-US" sz="1050" b="0" i="0" u="none" strike="noStrike" dirty="0">
+                        <a:solidFill>
+                          <a:schemeClr val="bg2"/>
+                        </a:solidFill>
+                        <a:effectLst/>
+                        <a:latin typeface="Calibri" panose="020F0502020204030204" pitchFamily="34" charset="0"/>
+                      </a:endParaRPr>
+                    </a:p>
+                  </a:txBody>
+                  <a:tcPr marL="2162" marR="2162" marT="2162" marB="0" anchor="b">
+                    <a:solidFill>
+                      <a:srgbClr val="7030A0"/>
+                    </a:solidFill>
+                  </a:tcPr>
+                </a:tc>
+                <a:tc>
+                  <a:txBody>
+                    <a:bodyPr/>
+                    <a:lstStyle/>
+                    <a:p>
+                      <a:pPr algn="ctr" fontAlgn="b"/>
+                      <a:r>
+                        <a:rPr lang="en-US" sz="1050" u="none" strike="noStrike">
+                          <a:solidFill>
+                            <a:schemeClr val="bg2"/>
+                          </a:solidFill>
+                          <a:effectLst/>
+                        </a:rPr>
+                        <a:t>0.3174</a:t>
+                      </a:r>
+                      <a:endParaRPr lang="en-US" sz="1050" b="0" i="0" u="none" strike="noStrike">
+                        <a:solidFill>
+                          <a:schemeClr val="bg2"/>
+                        </a:solidFill>
+                        <a:effectLst/>
+                        <a:latin typeface="Calibri" panose="020F0502020204030204" pitchFamily="34" charset="0"/>
+                      </a:endParaRPr>
+                    </a:p>
+                  </a:txBody>
+                  <a:tcPr marL="2162" marR="2162" marT="2162" marB="0" anchor="b">
+                    <a:solidFill>
+                      <a:srgbClr val="7030A0"/>
+                    </a:solidFill>
+                  </a:tcPr>
+                </a:tc>
+                <a:tc>
+                  <a:txBody>
+                    <a:bodyPr/>
+                    <a:lstStyle/>
+                    <a:p>
+                      <a:pPr algn="ctr" fontAlgn="b"/>
+                      <a:r>
+                        <a:rPr lang="en-US" sz="1050" u="none" strike="noStrike" dirty="0">
+                          <a:solidFill>
+                            <a:schemeClr val="bg2"/>
+                          </a:solidFill>
+                          <a:effectLst/>
+                        </a:rPr>
+                        <a:t>0.7546</a:t>
+                      </a:r>
+                      <a:endParaRPr lang="en-US" sz="1050" b="0" i="0" u="none" strike="noStrike" dirty="0">
+                        <a:solidFill>
+                          <a:schemeClr val="bg2"/>
+                        </a:solidFill>
+                        <a:effectLst/>
+                        <a:latin typeface="Calibri" panose="020F0502020204030204" pitchFamily="34" charset="0"/>
+                      </a:endParaRPr>
+                    </a:p>
+                  </a:txBody>
+                  <a:tcPr marL="2162" marR="2162" marT="2162" marB="0" anchor="b">
+                    <a:solidFill>
+                      <a:srgbClr val="7030A0"/>
+                    </a:solidFill>
+                  </a:tcPr>
+                </a:tc>
+                <a:extLst>
+                  <a:ext uri="{0D108BD9-81ED-4DB2-BD59-A6C34878D82A}">
+                    <a16:rowId xmlns:a16="http://schemas.microsoft.com/office/drawing/2014/main" val="70924798"/>
+                  </a:ext>
+                </a:extLst>
+              </a:tr>
+              <a:tr h="182880">
+                <a:tc>
+                  <a:txBody>
+                    <a:bodyPr/>
+                    <a:lstStyle/>
+                    <a:p>
+                      <a:pPr algn="l" fontAlgn="b"/>
+                      <a:r>
+                        <a:rPr lang="en-US" sz="1050" u="none" strike="noStrike" dirty="0">
+                          <a:effectLst/>
+                        </a:rPr>
+                        <a:t>Job Role Manager</a:t>
+                      </a:r>
+                      <a:endParaRPr lang="en-US" sz="1050" b="0" i="0" u="none" strike="noStrike" dirty="0">
                         <a:solidFill>
                           <a:srgbClr val="000000"/>
                         </a:solidFill>
@@ -14192,12 +15216,12 @@
                     <a:p>
                       <a:pPr algn="ctr" fontAlgn="b"/>
                       <a:r>
-                        <a:rPr lang="en-US" sz="1200" u="none" strike="noStrike">
+                        <a:rPr lang="en-US" sz="1050" u="none" strike="noStrike">
                           <a:effectLst/>
                         </a:rPr>
-                        <a:t>0.1071</a:t>
+                        <a:t>-0.1384</a:t>
                       </a:r>
-                      <a:endParaRPr lang="en-US" sz="1200" b="0" i="0" u="none" strike="noStrike">
+                      <a:endParaRPr lang="en-US" sz="1050" b="0" i="0" u="none" strike="noStrike">
                         <a:solidFill>
                           <a:srgbClr val="000000"/>
                         </a:solidFill>
@@ -14215,784 +15239,12 @@
                     <a:p>
                       <a:pPr algn="ctr" fontAlgn="b"/>
                       <a:r>
-                        <a:rPr lang="en-US" sz="1200" u="none" strike="noStrike">
-                          <a:effectLst/>
-                        </a:rPr>
-                        <a:t>0.01271</a:t>
-                      </a:r>
-                      <a:endParaRPr lang="en-US" sz="1200" b="0" i="0" u="none" strike="noStrike">
-                        <a:solidFill>
-                          <a:srgbClr val="000000"/>
-                        </a:solidFill>
-                        <a:effectLst/>
-                        <a:latin typeface="Calibri" panose="020F0502020204030204" pitchFamily="34" charset="0"/>
-                      </a:endParaRPr>
-                    </a:p>
-                  </a:txBody>
-                  <a:tcPr marL="2162" marR="2162" marT="2162" marB="0" anchor="b"/>
-                </a:tc>
-                <a:extLst>
-                  <a:ext uri="{0D108BD9-81ED-4DB2-BD59-A6C34878D82A}">
-                    <a16:rowId xmlns:a16="http://schemas.microsoft.com/office/drawing/2014/main" val="486714889"/>
-                  </a:ext>
-                </a:extLst>
-              </a:tr>
-              <a:tr h="260487">
-                <a:tc>
-                  <a:txBody>
-                    <a:bodyPr/>
-                    <a:lstStyle/>
-                    <a:p>
-                      <a:pPr algn="l" fontAlgn="ctr"/>
-                      <a:r>
-                        <a:rPr lang="en-US" sz="1200" u="none" strike="noStrike" dirty="0">
-                          <a:effectLst/>
-                        </a:rPr>
-                        <a:t>**</a:t>
-                      </a:r>
-                      <a:r>
-                        <a:rPr lang="en-US" sz="1200" u="none" strike="noStrike" dirty="0" err="1">
-                          <a:effectLst/>
-                        </a:rPr>
-                        <a:t>JobRoleResearchScientist</a:t>
-                      </a:r>
-                      <a:r>
-                        <a:rPr lang="en-US" sz="1200" u="none" strike="noStrike" dirty="0">
-                          <a:effectLst/>
-                        </a:rPr>
-                        <a:t>**</a:t>
-                      </a:r>
-                      <a:endParaRPr lang="en-US" sz="1200" b="0" i="0" u="none" strike="noStrike" dirty="0">
-                        <a:solidFill>
-                          <a:srgbClr val="24292E"/>
-                        </a:solidFill>
-                        <a:effectLst/>
-                        <a:latin typeface="Consolas" panose="020B0609020204030204" pitchFamily="49" charset="0"/>
-                      </a:endParaRPr>
-                    </a:p>
-                  </a:txBody>
-                  <a:tcPr marL="2162" marR="2162" marT="2162" marB="0" anchor="ctr"/>
-                </a:tc>
-                <a:tc>
-                  <a:txBody>
-                    <a:bodyPr/>
-                    <a:lstStyle/>
-                    <a:p>
-                      <a:pPr algn="ctr" fontAlgn="b"/>
-                      <a:r>
-                        <a:rPr lang="en-US" sz="1200" u="none" strike="noStrike" dirty="0">
-                          <a:effectLst/>
-                        </a:rPr>
-                        <a:t>0.7686</a:t>
-                      </a:r>
-                      <a:endParaRPr lang="en-US" sz="1200" b="0" i="0" u="none" strike="noStrike" dirty="0">
-                        <a:solidFill>
-                          <a:srgbClr val="000000"/>
-                        </a:solidFill>
-                        <a:effectLst/>
-                        <a:latin typeface="Calibri" panose="020F0502020204030204" pitchFamily="34" charset="0"/>
-                      </a:endParaRPr>
-                    </a:p>
-                  </a:txBody>
-                  <a:tcPr marL="2162" marR="2162" marT="2162" marB="0" anchor="b"/>
-                </a:tc>
-                <a:tc>
-                  <a:txBody>
-                    <a:bodyPr/>
-                    <a:lstStyle/>
-                    <a:p>
-                      <a:pPr algn="ctr" fontAlgn="b"/>
-                      <a:r>
-                        <a:rPr lang="en-US" sz="1200" u="none" strike="noStrike" dirty="0">
-                          <a:effectLst/>
-                        </a:rPr>
-                        <a:t>0.1126</a:t>
-                      </a:r>
-                      <a:endParaRPr lang="en-US" sz="1200" b="0" i="0" u="none" strike="noStrike" dirty="0">
-                        <a:solidFill>
-                          <a:srgbClr val="000000"/>
-                        </a:solidFill>
-                        <a:effectLst/>
-                        <a:latin typeface="Calibri" panose="020F0502020204030204" pitchFamily="34" charset="0"/>
-                      </a:endParaRPr>
-                    </a:p>
-                  </a:txBody>
-                  <a:tcPr marL="2162" marR="2162" marT="2162" marB="0" anchor="b"/>
-                </a:tc>
-                <a:extLst>
-                  <a:ext uri="{0D108BD9-81ED-4DB2-BD59-A6C34878D82A}">
-                    <a16:rowId xmlns:a16="http://schemas.microsoft.com/office/drawing/2014/main" val="319693140"/>
-                  </a:ext>
-                </a:extLst>
-              </a:tr>
-              <a:tr h="260487">
-                <a:tc>
-                  <a:txBody>
-                    <a:bodyPr/>
-                    <a:lstStyle/>
-                    <a:p>
-                      <a:pPr algn="l" fontAlgn="b"/>
-                      <a:r>
-                        <a:rPr lang="en-US" sz="1200" u="none" strike="noStrike">
-                          <a:effectLst/>
-                        </a:rPr>
-                        <a:t>**JobSatisfaction2**</a:t>
-                      </a:r>
-                      <a:endParaRPr lang="en-US" sz="1200" b="0" i="0" u="none" strike="noStrike">
-                        <a:solidFill>
-                          <a:srgbClr val="000000"/>
-                        </a:solidFill>
-                        <a:effectLst/>
-                        <a:latin typeface="Calibri" panose="020F0502020204030204" pitchFamily="34" charset="0"/>
-                      </a:endParaRPr>
-                    </a:p>
-                  </a:txBody>
-                  <a:tcPr marL="2162" marR="2162" marT="2162" marB="0" anchor="b"/>
-                </a:tc>
-                <a:tc>
-                  <a:txBody>
-                    <a:bodyPr/>
-                    <a:lstStyle/>
-                    <a:p>
-                      <a:pPr algn="ctr" fontAlgn="b"/>
-                      <a:r>
-                        <a:rPr lang="en-US" sz="1200" u="none" strike="noStrike" dirty="0">
-                          <a:effectLst/>
-                        </a:rPr>
-                        <a:t>-0.4199</a:t>
-                      </a:r>
-                      <a:endParaRPr lang="en-US" sz="1200" b="0" i="0" u="none" strike="noStrike" dirty="0">
-                        <a:solidFill>
-                          <a:srgbClr val="000000"/>
-                        </a:solidFill>
-                        <a:effectLst/>
-                        <a:latin typeface="Calibri" panose="020F0502020204030204" pitchFamily="34" charset="0"/>
-                      </a:endParaRPr>
-                    </a:p>
-                  </a:txBody>
-                  <a:tcPr marL="2162" marR="2162" marT="2162" marB="0" anchor="b"/>
-                </a:tc>
-                <a:tc>
-                  <a:txBody>
-                    <a:bodyPr/>
-                    <a:lstStyle/>
-                    <a:p>
-                      <a:pPr algn="ctr" fontAlgn="b"/>
-                      <a:r>
-                        <a:rPr lang="en-US" sz="1200" u="none" strike="noStrike">
-                          <a:effectLst/>
-                        </a:rPr>
-                        <a:t>0.159</a:t>
-                      </a:r>
-                      <a:endParaRPr lang="en-US" sz="1200" b="0" i="0" u="none" strike="noStrike">
-                        <a:solidFill>
-                          <a:srgbClr val="000000"/>
-                        </a:solidFill>
-                        <a:effectLst/>
-                        <a:latin typeface="Calibri" panose="020F0502020204030204" pitchFamily="34" charset="0"/>
-                      </a:endParaRPr>
-                    </a:p>
-                  </a:txBody>
-                  <a:tcPr marL="2162" marR="2162" marT="2162" marB="0" anchor="b"/>
-                </a:tc>
-                <a:extLst>
-                  <a:ext uri="{0D108BD9-81ED-4DB2-BD59-A6C34878D82A}">
-                    <a16:rowId xmlns:a16="http://schemas.microsoft.com/office/drawing/2014/main" val="337343919"/>
-                  </a:ext>
-                </a:extLst>
-              </a:tr>
-              <a:tr h="260487">
-                <a:tc>
-                  <a:txBody>
-                    <a:bodyPr/>
-                    <a:lstStyle/>
-                    <a:p>
-                      <a:pPr algn="l" fontAlgn="b"/>
-                      <a:r>
-                        <a:rPr lang="en-US" sz="1200" u="none" strike="noStrike">
-                          <a:effectLst/>
-                        </a:rPr>
-                        <a:t>**WorkLifeBalance2**</a:t>
-                      </a:r>
-                      <a:endParaRPr lang="en-US" sz="1200" b="0" i="0" u="none" strike="noStrike">
-                        <a:solidFill>
-                          <a:srgbClr val="000000"/>
-                        </a:solidFill>
-                        <a:effectLst/>
-                        <a:latin typeface="Calibri" panose="020F0502020204030204" pitchFamily="34" charset="0"/>
-                      </a:endParaRPr>
-                    </a:p>
-                  </a:txBody>
-                  <a:tcPr marL="2162" marR="2162" marT="2162" marB="0" anchor="b"/>
-                </a:tc>
-                <a:tc>
-                  <a:txBody>
-                    <a:bodyPr/>
-                    <a:lstStyle/>
-                    <a:p>
-                      <a:pPr algn="ctr" fontAlgn="b"/>
-                      <a:r>
-                        <a:rPr lang="en-US" sz="1200" u="none" strike="noStrike">
-                          <a:effectLst/>
-                        </a:rPr>
-                        <a:t>-0.5628</a:t>
-                      </a:r>
-                      <a:endParaRPr lang="en-US" sz="1200" b="0" i="0" u="none" strike="noStrike">
-                        <a:solidFill>
-                          <a:srgbClr val="000000"/>
-                        </a:solidFill>
-                        <a:effectLst/>
-                        <a:latin typeface="Calibri" panose="020F0502020204030204" pitchFamily="34" charset="0"/>
-                      </a:endParaRPr>
-                    </a:p>
-                  </a:txBody>
-                  <a:tcPr marL="2162" marR="2162" marT="2162" marB="0" anchor="b"/>
-                </a:tc>
-                <a:tc>
-                  <a:txBody>
-                    <a:bodyPr/>
-                    <a:lstStyle/>
-                    <a:p>
-                      <a:pPr algn="ctr" fontAlgn="b"/>
-                      <a:r>
-                        <a:rPr lang="en-US" sz="1200" u="none" strike="noStrike">
-                          <a:effectLst/>
-                        </a:rPr>
-                        <a:t>0.1929</a:t>
-                      </a:r>
-                      <a:endParaRPr lang="en-US" sz="1200" b="0" i="0" u="none" strike="noStrike">
-                        <a:solidFill>
-                          <a:srgbClr val="000000"/>
-                        </a:solidFill>
-                        <a:effectLst/>
-                        <a:latin typeface="Calibri" panose="020F0502020204030204" pitchFamily="34" charset="0"/>
-                      </a:endParaRPr>
-                    </a:p>
-                  </a:txBody>
-                  <a:tcPr marL="2162" marR="2162" marT="2162" marB="0" anchor="b"/>
-                </a:tc>
-                <a:extLst>
-                  <a:ext uri="{0D108BD9-81ED-4DB2-BD59-A6C34878D82A}">
-                    <a16:rowId xmlns:a16="http://schemas.microsoft.com/office/drawing/2014/main" val="3201107325"/>
-                  </a:ext>
-                </a:extLst>
-              </a:tr>
-              <a:tr h="260487">
-                <a:tc>
-                  <a:txBody>
-                    <a:bodyPr/>
-                    <a:lstStyle/>
-                    <a:p>
-                      <a:pPr algn="l" fontAlgn="b"/>
-                      <a:r>
-                        <a:rPr lang="en-US" sz="1200" u="none" strike="noStrike">
-                          <a:effectLst/>
-                        </a:rPr>
-                        <a:t>**WorkLifeBalance4**</a:t>
-                      </a:r>
-                      <a:endParaRPr lang="en-US" sz="1200" b="0" i="0" u="none" strike="noStrike">
-                        <a:solidFill>
-                          <a:srgbClr val="000000"/>
-                        </a:solidFill>
-                        <a:effectLst/>
-                        <a:latin typeface="Calibri" panose="020F0502020204030204" pitchFamily="34" charset="0"/>
-                      </a:endParaRPr>
-                    </a:p>
-                  </a:txBody>
-                  <a:tcPr marL="2162" marR="2162" marT="2162" marB="0" anchor="b"/>
-                </a:tc>
-                <a:tc>
-                  <a:txBody>
-                    <a:bodyPr/>
-                    <a:lstStyle/>
-                    <a:p>
-                      <a:pPr algn="ctr" fontAlgn="b"/>
-                      <a:r>
-                        <a:rPr lang="en-US" sz="1200" u="none" strike="noStrike">
-                          <a:effectLst/>
-                        </a:rPr>
-                        <a:t>-0.625</a:t>
-                      </a:r>
-                      <a:endParaRPr lang="en-US" sz="1200" b="0" i="0" u="none" strike="noStrike">
-                        <a:solidFill>
-                          <a:srgbClr val="000000"/>
-                        </a:solidFill>
-                        <a:effectLst/>
-                        <a:latin typeface="Calibri" panose="020F0502020204030204" pitchFamily="34" charset="0"/>
-                      </a:endParaRPr>
-                    </a:p>
-                  </a:txBody>
-                  <a:tcPr marL="2162" marR="2162" marT="2162" marB="0" anchor="b"/>
-                </a:tc>
-                <a:tc>
-                  <a:txBody>
-                    <a:bodyPr/>
-                    <a:lstStyle/>
-                    <a:p>
-                      <a:pPr algn="ctr" fontAlgn="b"/>
-                      <a:r>
-                        <a:rPr lang="en-US" sz="1200" u="none" strike="noStrike">
-                          <a:effectLst/>
-                        </a:rPr>
-                        <a:t>0.202</a:t>
-                      </a:r>
-                      <a:endParaRPr lang="en-US" sz="1200" b="0" i="0" u="none" strike="noStrike">
-                        <a:solidFill>
-                          <a:srgbClr val="000000"/>
-                        </a:solidFill>
-                        <a:effectLst/>
-                        <a:latin typeface="Calibri" panose="020F0502020204030204" pitchFamily="34" charset="0"/>
-                      </a:endParaRPr>
-                    </a:p>
-                  </a:txBody>
-                  <a:tcPr marL="2162" marR="2162" marT="2162" marB="0" anchor="b"/>
-                </a:tc>
-                <a:extLst>
-                  <a:ext uri="{0D108BD9-81ED-4DB2-BD59-A6C34878D82A}">
-                    <a16:rowId xmlns:a16="http://schemas.microsoft.com/office/drawing/2014/main" val="2011439253"/>
-                  </a:ext>
-                </a:extLst>
-              </a:tr>
-              <a:tr h="260487">
-                <a:tc>
-                  <a:txBody>
-                    <a:bodyPr/>
-                    <a:lstStyle/>
-                    <a:p>
-                      <a:pPr algn="l" fontAlgn="b"/>
-                      <a:r>
-                        <a:rPr lang="en-US" sz="1200" u="none" strike="noStrike">
-                          <a:effectLst/>
-                        </a:rPr>
-                        <a:t>**MaritalStatusMarried**</a:t>
-                      </a:r>
-                      <a:endParaRPr lang="en-US" sz="1200" b="0" i="0" u="none" strike="noStrike">
-                        <a:solidFill>
-                          <a:srgbClr val="000000"/>
-                        </a:solidFill>
-                        <a:effectLst/>
-                        <a:latin typeface="Calibri" panose="020F0502020204030204" pitchFamily="34" charset="0"/>
-                      </a:endParaRPr>
-                    </a:p>
-                  </a:txBody>
-                  <a:tcPr marL="2162" marR="2162" marT="2162" marB="0" anchor="b"/>
-                </a:tc>
-                <a:tc>
-                  <a:txBody>
-                    <a:bodyPr/>
-                    <a:lstStyle/>
-                    <a:p>
-                      <a:pPr algn="ctr" fontAlgn="b"/>
-                      <a:r>
-                        <a:rPr lang="en-US" sz="1200" u="none" strike="noStrike">
-                          <a:effectLst/>
-                        </a:rPr>
-                        <a:t>0.3468</a:t>
-                      </a:r>
-                      <a:endParaRPr lang="en-US" sz="1200" b="0" i="0" u="none" strike="noStrike">
-                        <a:solidFill>
-                          <a:srgbClr val="000000"/>
-                        </a:solidFill>
-                        <a:effectLst/>
-                        <a:latin typeface="Calibri" panose="020F0502020204030204" pitchFamily="34" charset="0"/>
-                      </a:endParaRPr>
-                    </a:p>
-                  </a:txBody>
-                  <a:tcPr marL="2162" marR="2162" marT="2162" marB="0" anchor="b"/>
-                </a:tc>
-                <a:tc>
-                  <a:txBody>
-                    <a:bodyPr/>
-                    <a:lstStyle/>
-                    <a:p>
-                      <a:pPr algn="ctr" fontAlgn="b"/>
-                      <a:r>
-                        <a:rPr lang="en-US" sz="1200" u="none" strike="noStrike">
-                          <a:effectLst/>
-                        </a:rPr>
-                        <a:t>0.2368</a:t>
-                      </a:r>
-                      <a:endParaRPr lang="en-US" sz="1200" b="0" i="0" u="none" strike="noStrike">
-                        <a:solidFill>
-                          <a:srgbClr val="000000"/>
-                        </a:solidFill>
-                        <a:effectLst/>
-                        <a:latin typeface="Calibri" panose="020F0502020204030204" pitchFamily="34" charset="0"/>
-                      </a:endParaRPr>
-                    </a:p>
-                  </a:txBody>
-                  <a:tcPr marL="2162" marR="2162" marT="2162" marB="0" anchor="b"/>
-                </a:tc>
-                <a:extLst>
-                  <a:ext uri="{0D108BD9-81ED-4DB2-BD59-A6C34878D82A}">
-                    <a16:rowId xmlns:a16="http://schemas.microsoft.com/office/drawing/2014/main" val="1961843672"/>
-                  </a:ext>
-                </a:extLst>
-              </a:tr>
-              <a:tr h="260487">
-                <a:tc>
-                  <a:txBody>
-                    <a:bodyPr/>
-                    <a:lstStyle/>
-                    <a:p>
-                      <a:pPr algn="l" fontAlgn="b"/>
-                      <a:r>
-                        <a:rPr lang="en-US" sz="1200" u="none" strike="noStrike">
-                          <a:effectLst/>
-                        </a:rPr>
-                        <a:t>**YearsAtCompany**</a:t>
-                      </a:r>
-                      <a:endParaRPr lang="en-US" sz="1200" b="0" i="0" u="none" strike="noStrike">
-                        <a:solidFill>
-                          <a:srgbClr val="000000"/>
-                        </a:solidFill>
-                        <a:effectLst/>
-                        <a:latin typeface="Calibri" panose="020F0502020204030204" pitchFamily="34" charset="0"/>
-                      </a:endParaRPr>
-                    </a:p>
-                  </a:txBody>
-                  <a:tcPr marL="2162" marR="2162" marT="2162" marB="0" anchor="b"/>
-                </a:tc>
-                <a:tc>
-                  <a:txBody>
-                    <a:bodyPr/>
-                    <a:lstStyle/>
-                    <a:p>
-                      <a:pPr algn="ctr" fontAlgn="b"/>
-                      <a:r>
-                        <a:rPr lang="en-US" sz="1200" u="none" strike="noStrike">
-                          <a:effectLst/>
-                        </a:rPr>
-                        <a:t>0.02915</a:t>
-                      </a:r>
-                      <a:endParaRPr lang="en-US" sz="1200" b="0" i="0" u="none" strike="noStrike">
-                        <a:solidFill>
-                          <a:srgbClr val="000000"/>
-                        </a:solidFill>
-                        <a:effectLst/>
-                        <a:latin typeface="Calibri" panose="020F0502020204030204" pitchFamily="34" charset="0"/>
-                      </a:endParaRPr>
-                    </a:p>
-                  </a:txBody>
-                  <a:tcPr marL="2162" marR="2162" marT="2162" marB="0" anchor="b"/>
-                </a:tc>
-                <a:tc>
-                  <a:txBody>
-                    <a:bodyPr/>
-                    <a:lstStyle/>
-                    <a:p>
-                      <a:pPr algn="ctr" fontAlgn="b"/>
-                      <a:r>
-                        <a:rPr lang="en-US" sz="1200" u="none" strike="noStrike">
-                          <a:effectLst/>
-                        </a:rPr>
-                        <a:t>0.4699</a:t>
-                      </a:r>
-                      <a:endParaRPr lang="en-US" sz="1200" b="0" i="0" u="none" strike="noStrike">
-                        <a:solidFill>
-                          <a:srgbClr val="000000"/>
-                        </a:solidFill>
-                        <a:effectLst/>
-                        <a:latin typeface="Calibri" panose="020F0502020204030204" pitchFamily="34" charset="0"/>
-                      </a:endParaRPr>
-                    </a:p>
-                  </a:txBody>
-                  <a:tcPr marL="2162" marR="2162" marT="2162" marB="0" anchor="b"/>
-                </a:tc>
-                <a:extLst>
-                  <a:ext uri="{0D108BD9-81ED-4DB2-BD59-A6C34878D82A}">
-                    <a16:rowId xmlns:a16="http://schemas.microsoft.com/office/drawing/2014/main" val="2237311867"/>
-                  </a:ext>
-                </a:extLst>
-              </a:tr>
-              <a:tr h="260487">
-                <a:tc>
-                  <a:txBody>
-                    <a:bodyPr/>
-                    <a:lstStyle/>
-                    <a:p>
-                      <a:pPr algn="l" fontAlgn="ctr"/>
-                      <a:r>
-                        <a:rPr lang="en-US" sz="1200" u="none" strike="noStrike">
-                          <a:effectLst/>
-                        </a:rPr>
-                        <a:t>**JobRoleResearchDirector**</a:t>
-                      </a:r>
-                      <a:endParaRPr lang="en-US" sz="1200" b="0" i="0" u="none" strike="noStrike">
-                        <a:solidFill>
-                          <a:srgbClr val="24292E"/>
-                        </a:solidFill>
-                        <a:effectLst/>
-                        <a:latin typeface="Consolas" panose="020B0609020204030204" pitchFamily="49" charset="0"/>
-                      </a:endParaRPr>
-                    </a:p>
-                  </a:txBody>
-                  <a:tcPr marL="2162" marR="2162" marT="2162" marB="0" anchor="ctr"/>
-                </a:tc>
-                <a:tc>
-                  <a:txBody>
-                    <a:bodyPr/>
-                    <a:lstStyle/>
-                    <a:p>
-                      <a:pPr algn="ctr" fontAlgn="b"/>
-                      <a:r>
-                        <a:rPr lang="en-US" sz="1200" u="none" strike="noStrike">
-                          <a:effectLst/>
-                        </a:rPr>
-                        <a:t>-0.5145</a:t>
-                      </a:r>
-                      <a:endParaRPr lang="en-US" sz="1200" b="0" i="0" u="none" strike="noStrike">
-                        <a:solidFill>
-                          <a:srgbClr val="000000"/>
-                        </a:solidFill>
-                        <a:effectLst/>
-                        <a:latin typeface="Calibri" panose="020F0502020204030204" pitchFamily="34" charset="0"/>
-                      </a:endParaRPr>
-                    </a:p>
-                  </a:txBody>
-                  <a:tcPr marL="2162" marR="2162" marT="2162" marB="0" anchor="b"/>
-                </a:tc>
-                <a:tc>
-                  <a:txBody>
-                    <a:bodyPr/>
-                    <a:lstStyle/>
-                    <a:p>
-                      <a:pPr algn="ctr" fontAlgn="b"/>
-                      <a:r>
-                        <a:rPr lang="en-US" sz="1200" u="none" strike="noStrike">
-                          <a:effectLst/>
-                        </a:rPr>
-                        <a:t>0.5693</a:t>
-                      </a:r>
-                      <a:endParaRPr lang="en-US" sz="1200" b="0" i="0" u="none" strike="noStrike">
-                        <a:solidFill>
-                          <a:srgbClr val="000000"/>
-                        </a:solidFill>
-                        <a:effectLst/>
-                        <a:latin typeface="Calibri" panose="020F0502020204030204" pitchFamily="34" charset="0"/>
-                      </a:endParaRPr>
-                    </a:p>
-                  </a:txBody>
-                  <a:tcPr marL="2162" marR="2162" marT="2162" marB="0" anchor="b"/>
-                </a:tc>
-                <a:extLst>
-                  <a:ext uri="{0D108BD9-81ED-4DB2-BD59-A6C34878D82A}">
-                    <a16:rowId xmlns:a16="http://schemas.microsoft.com/office/drawing/2014/main" val="2031193229"/>
-                  </a:ext>
-                </a:extLst>
-              </a:tr>
-              <a:tr h="349369">
-                <a:tc>
-                  <a:txBody>
-                    <a:bodyPr/>
-                    <a:lstStyle/>
-                    <a:p>
-                      <a:pPr algn="l" fontAlgn="b"/>
-                      <a:r>
-                        <a:rPr lang="en-US" sz="1200" u="none" strike="noStrike">
-                          <a:effectLst/>
-                        </a:rPr>
-                        <a:t>**JobRoleManufacturingDirector**</a:t>
-                      </a:r>
-                      <a:endParaRPr lang="en-US" sz="1200" b="0" i="0" u="none" strike="noStrike">
-                        <a:solidFill>
-                          <a:srgbClr val="000000"/>
-                        </a:solidFill>
-                        <a:effectLst/>
-                        <a:latin typeface="Calibri" panose="020F0502020204030204" pitchFamily="34" charset="0"/>
-                      </a:endParaRPr>
-                    </a:p>
-                  </a:txBody>
-                  <a:tcPr marL="2162" marR="2162" marT="2162" marB="0" anchor="b"/>
-                </a:tc>
-                <a:tc>
-                  <a:txBody>
-                    <a:bodyPr/>
-                    <a:lstStyle/>
-                    <a:p>
-                      <a:pPr algn="ctr" fontAlgn="b"/>
-                      <a:r>
-                        <a:rPr lang="en-US" sz="1200" u="none" strike="noStrike">
-                          <a:effectLst/>
-                        </a:rPr>
-                        <a:t>0.269</a:t>
-                      </a:r>
-                      <a:endParaRPr lang="en-US" sz="1200" b="0" i="0" u="none" strike="noStrike">
-                        <a:solidFill>
-                          <a:srgbClr val="000000"/>
-                        </a:solidFill>
-                        <a:effectLst/>
-                        <a:latin typeface="Calibri" panose="020F0502020204030204" pitchFamily="34" charset="0"/>
-                      </a:endParaRPr>
-                    </a:p>
-                  </a:txBody>
-                  <a:tcPr marL="2162" marR="2162" marT="2162" marB="0" anchor="b"/>
-                </a:tc>
-                <a:tc>
-                  <a:txBody>
-                    <a:bodyPr/>
-                    <a:lstStyle/>
-                    <a:p>
-                      <a:pPr algn="ctr" fontAlgn="b"/>
-                      <a:r>
-                        <a:rPr lang="en-US" sz="1200" u="none" strike="noStrike" dirty="0">
-                          <a:effectLst/>
-                        </a:rPr>
-                        <a:t>0.6412</a:t>
-                      </a:r>
-                      <a:endParaRPr lang="en-US" sz="1200" b="0" i="0" u="none" strike="noStrike" dirty="0">
-                        <a:solidFill>
-                          <a:srgbClr val="000000"/>
-                        </a:solidFill>
-                        <a:effectLst/>
-                        <a:latin typeface="Calibri" panose="020F0502020204030204" pitchFamily="34" charset="0"/>
-                      </a:endParaRPr>
-                    </a:p>
-                  </a:txBody>
-                  <a:tcPr marL="2162" marR="2162" marT="2162" marB="0" anchor="b"/>
-                </a:tc>
-                <a:extLst>
-                  <a:ext uri="{0D108BD9-81ED-4DB2-BD59-A6C34878D82A}">
-                    <a16:rowId xmlns:a16="http://schemas.microsoft.com/office/drawing/2014/main" val="3603865704"/>
-                  </a:ext>
-                </a:extLst>
-              </a:tr>
-              <a:tr h="260487">
-                <a:tc>
-                  <a:txBody>
-                    <a:bodyPr/>
-                    <a:lstStyle/>
-                    <a:p>
-                      <a:pPr algn="l" fontAlgn="b"/>
-                      <a:r>
-                        <a:rPr lang="en-US" sz="1200" u="none" strike="noStrike">
-                          <a:effectLst/>
-                        </a:rPr>
-                        <a:t>**(Intercept)**</a:t>
-                      </a:r>
-                      <a:endParaRPr lang="en-US" sz="1200" b="0" i="0" u="none" strike="noStrike">
-                        <a:solidFill>
-                          <a:srgbClr val="000000"/>
-                        </a:solidFill>
-                        <a:effectLst/>
-                        <a:latin typeface="Calibri" panose="020F0502020204030204" pitchFamily="34" charset="0"/>
-                      </a:endParaRPr>
-                    </a:p>
-                  </a:txBody>
-                  <a:tcPr marL="2162" marR="2162" marT="2162" marB="0" anchor="b"/>
-                </a:tc>
-                <a:tc>
-                  <a:txBody>
-                    <a:bodyPr/>
-                    <a:lstStyle/>
-                    <a:p>
-                      <a:pPr algn="ctr" fontAlgn="b"/>
-                      <a:r>
-                        <a:rPr lang="en-US" sz="1200" u="none" strike="noStrike">
-                          <a:effectLst/>
-                        </a:rPr>
-                        <a:t>0.3174</a:t>
-                      </a:r>
-                      <a:endParaRPr lang="en-US" sz="1200" b="0" i="0" u="none" strike="noStrike">
-                        <a:solidFill>
-                          <a:srgbClr val="000000"/>
-                        </a:solidFill>
-                        <a:effectLst/>
-                        <a:latin typeface="Calibri" panose="020F0502020204030204" pitchFamily="34" charset="0"/>
-                      </a:endParaRPr>
-                    </a:p>
-                  </a:txBody>
-                  <a:tcPr marL="2162" marR="2162" marT="2162" marB="0" anchor="b"/>
-                </a:tc>
-                <a:tc>
-                  <a:txBody>
-                    <a:bodyPr/>
-                    <a:lstStyle/>
-                    <a:p>
-                      <a:pPr algn="ctr" fontAlgn="b"/>
-                      <a:r>
-                        <a:rPr lang="en-US" sz="1200" u="none" strike="noStrike" dirty="0">
-                          <a:effectLst/>
-                        </a:rPr>
-                        <a:t>0.7546</a:t>
-                      </a:r>
-                      <a:endParaRPr lang="en-US" sz="1200" b="0" i="0" u="none" strike="noStrike" dirty="0">
-                        <a:solidFill>
-                          <a:srgbClr val="000000"/>
-                        </a:solidFill>
-                        <a:effectLst/>
-                        <a:latin typeface="Calibri" panose="020F0502020204030204" pitchFamily="34" charset="0"/>
-                      </a:endParaRPr>
-                    </a:p>
-                  </a:txBody>
-                  <a:tcPr marL="2162" marR="2162" marT="2162" marB="0" anchor="b"/>
-                </a:tc>
-                <a:extLst>
-                  <a:ext uri="{0D108BD9-81ED-4DB2-BD59-A6C34878D82A}">
-                    <a16:rowId xmlns:a16="http://schemas.microsoft.com/office/drawing/2014/main" val="70924798"/>
-                  </a:ext>
-                </a:extLst>
-              </a:tr>
-              <a:tr h="260487">
-                <a:tc>
-                  <a:txBody>
-                    <a:bodyPr/>
-                    <a:lstStyle/>
-                    <a:p>
-                      <a:pPr algn="l" fontAlgn="b"/>
-                      <a:r>
-                        <a:rPr lang="en-US" sz="1200" u="none" strike="noStrike">
-                          <a:effectLst/>
-                        </a:rPr>
-                        <a:t>**JobRoleManager**</a:t>
-                      </a:r>
-                      <a:endParaRPr lang="en-US" sz="1200" b="0" i="0" u="none" strike="noStrike">
-                        <a:solidFill>
-                          <a:srgbClr val="000000"/>
-                        </a:solidFill>
-                        <a:effectLst/>
-                        <a:latin typeface="Calibri" panose="020F0502020204030204" pitchFamily="34" charset="0"/>
-                      </a:endParaRPr>
-                    </a:p>
-                  </a:txBody>
-                  <a:tcPr marL="2162" marR="2162" marT="2162" marB="0" anchor="b"/>
-                </a:tc>
-                <a:tc>
-                  <a:txBody>
-                    <a:bodyPr/>
-                    <a:lstStyle/>
-                    <a:p>
-                      <a:pPr algn="ctr" fontAlgn="b"/>
-                      <a:r>
-                        <a:rPr lang="en-US" sz="1200" u="none" strike="noStrike">
-                          <a:effectLst/>
-                        </a:rPr>
-                        <a:t>-0.1384</a:t>
-                      </a:r>
-                      <a:endParaRPr lang="en-US" sz="1200" b="0" i="0" u="none" strike="noStrike">
-                        <a:solidFill>
-                          <a:srgbClr val="000000"/>
-                        </a:solidFill>
-                        <a:effectLst/>
-                        <a:latin typeface="Calibri" panose="020F0502020204030204" pitchFamily="34" charset="0"/>
-                      </a:endParaRPr>
-                    </a:p>
-                  </a:txBody>
-                  <a:tcPr marL="2162" marR="2162" marT="2162" marB="0" anchor="b"/>
-                </a:tc>
-                <a:tc>
-                  <a:txBody>
-                    <a:bodyPr/>
-                    <a:lstStyle/>
-                    <a:p>
-                      <a:pPr algn="ctr" fontAlgn="b"/>
-                      <a:r>
-                        <a:rPr lang="en-US" sz="1200" u="none" strike="noStrike" dirty="0">
+                        <a:rPr lang="en-US" sz="1050" u="none" strike="noStrike" dirty="0">
                           <a:effectLst/>
                         </a:rPr>
                         <a:t>0.8604</a:t>
                       </a:r>
-                      <a:endParaRPr lang="en-US" sz="1200" b="0" i="0" u="none" strike="noStrike" dirty="0">
+                      <a:endParaRPr lang="en-US" sz="1050" b="0" i="0" u="none" strike="noStrike" dirty="0">
                         <a:solidFill>
                           <a:srgbClr val="000000"/>
                         </a:solidFill>
@@ -15013,6 +15265,214 @@
           </a:graphicData>
         </a:graphic>
       </p:graphicFrame>
+      <p:sp>
+        <p:nvSpPr>
+          <p:cNvPr id="6" name="Left Brace 5">
+            <a:extLst>
+              <a:ext uri="{FF2B5EF4-FFF2-40B4-BE49-F238E27FC236}">
+                <a16:creationId xmlns:a16="http://schemas.microsoft.com/office/drawing/2014/main" id="{1F919758-FB2F-455A-96BD-5558EEFE7D4C}"/>
+              </a:ext>
+            </a:extLst>
+          </p:cNvPr>
+          <p:cNvSpPr/>
+          <p:nvPr/>
+        </p:nvSpPr>
+        <p:spPr>
+          <a:xfrm rot="5400000">
+            <a:off x="6004684" y="-1064870"/>
+            <a:ext cx="248244" cy="7348846"/>
+          </a:xfrm>
+          <a:prstGeom prst="leftBrace">
+            <a:avLst/>
+          </a:prstGeom>
+        </p:spPr>
+        <p:style>
+          <a:lnRef idx="1">
+            <a:schemeClr val="accent1"/>
+          </a:lnRef>
+          <a:fillRef idx="0">
+            <a:schemeClr val="accent1"/>
+          </a:fillRef>
+          <a:effectRef idx="0">
+            <a:schemeClr val="accent1"/>
+          </a:effectRef>
+          <a:fontRef idx="minor">
+            <a:schemeClr val="tx1"/>
+          </a:fontRef>
+        </p:style>
+        <p:txBody>
+          <a:bodyPr rtlCol="0" anchor="ctr"/>
+          <a:lstStyle/>
+          <a:p>
+            <a:pPr algn="ctr"/>
+            <a:endParaRPr lang="en-US"/>
+          </a:p>
+        </p:txBody>
+      </p:sp>
+      <p:sp>
+        <p:nvSpPr>
+          <p:cNvPr id="7" name="TextBox 6">
+            <a:extLst>
+              <a:ext uri="{FF2B5EF4-FFF2-40B4-BE49-F238E27FC236}">
+                <a16:creationId xmlns:a16="http://schemas.microsoft.com/office/drawing/2014/main" id="{81E65F4A-A632-49F9-A7C7-FAF28FF5319A}"/>
+              </a:ext>
+            </a:extLst>
+          </p:cNvPr>
+          <p:cNvSpPr txBox="1"/>
+          <p:nvPr/>
+        </p:nvSpPr>
+        <p:spPr>
+          <a:xfrm>
+            <a:off x="3886512" y="1706021"/>
+            <a:ext cx="4484587" cy="646331"/>
+          </a:xfrm>
+          <a:prstGeom prst="rect">
+            <a:avLst/>
+          </a:prstGeom>
+          <a:noFill/>
+        </p:spPr>
+        <p:txBody>
+          <a:bodyPr wrap="square" rtlCol="0">
+            <a:spAutoFit/>
+          </a:bodyPr>
+          <a:lstStyle/>
+          <a:p>
+            <a:pPr algn="ctr"/>
+            <a:r>
+              <a:rPr lang="en-US" b="1" dirty="0">
+                <a:solidFill>
+                  <a:schemeClr val="accent6"/>
+                </a:solidFill>
+              </a:rPr>
+              <a:t>Final Reduced LRA Model to determine attrition probability for employees</a:t>
+            </a:r>
+          </a:p>
+        </p:txBody>
+      </p:sp>
+      <p:cxnSp>
+        <p:nvCxnSpPr>
+          <p:cNvPr id="9" name="Straight Arrow Connector 8">
+            <a:extLst>
+              <a:ext uri="{FF2B5EF4-FFF2-40B4-BE49-F238E27FC236}">
+                <a16:creationId xmlns:a16="http://schemas.microsoft.com/office/drawing/2014/main" id="{C5F93233-3769-48E0-83C0-FBCCBF2A9773}"/>
+              </a:ext>
+            </a:extLst>
+          </p:cNvPr>
+          <p:cNvCxnSpPr/>
+          <p:nvPr/>
+        </p:nvCxnSpPr>
+        <p:spPr>
+          <a:xfrm>
+            <a:off x="2172580" y="3211616"/>
+            <a:ext cx="0" cy="2924313"/>
+          </a:xfrm>
+          <a:prstGeom prst="straightConnector1">
+            <a:avLst/>
+          </a:prstGeom>
+          <a:ln w="38100">
+            <a:solidFill>
+              <a:schemeClr val="accent2"/>
+            </a:solidFill>
+            <a:tailEnd type="triangle"/>
+          </a:ln>
+        </p:spPr>
+        <p:style>
+          <a:lnRef idx="1">
+            <a:schemeClr val="accent1"/>
+          </a:lnRef>
+          <a:fillRef idx="0">
+            <a:schemeClr val="accent1"/>
+          </a:fillRef>
+          <a:effectRef idx="0">
+            <a:schemeClr val="accent1"/>
+          </a:effectRef>
+          <a:fontRef idx="minor">
+            <a:schemeClr val="tx1"/>
+          </a:fontRef>
+        </p:style>
+      </p:cxnSp>
+      <p:sp>
+        <p:nvSpPr>
+          <p:cNvPr id="10" name="TextBox 9">
+            <a:extLst>
+              <a:ext uri="{FF2B5EF4-FFF2-40B4-BE49-F238E27FC236}">
+                <a16:creationId xmlns:a16="http://schemas.microsoft.com/office/drawing/2014/main" id="{0DF36EDD-776D-43BD-9A79-AC9AD98598DD}"/>
+              </a:ext>
+            </a:extLst>
+          </p:cNvPr>
+          <p:cNvSpPr txBox="1"/>
+          <p:nvPr/>
+        </p:nvSpPr>
+        <p:spPr>
+          <a:xfrm>
+            <a:off x="159227" y="3778583"/>
+            <a:ext cx="1926739" cy="1169551"/>
+          </a:xfrm>
+          <a:prstGeom prst="rect">
+            <a:avLst/>
+          </a:prstGeom>
+          <a:noFill/>
+        </p:spPr>
+        <p:txBody>
+          <a:bodyPr wrap="square" rtlCol="0">
+            <a:spAutoFit/>
+          </a:bodyPr>
+          <a:lstStyle/>
+          <a:p>
+            <a:pPr algn="ctr"/>
+            <a:r>
+              <a:rPr lang="en-US" sz="1400" b="1" dirty="0">
+                <a:solidFill>
+                  <a:schemeClr val="accent2"/>
+                </a:solidFill>
+              </a:rPr>
+              <a:t>Variables are ordered by how statistically significant they are. High to Low*</a:t>
+            </a:r>
+          </a:p>
+        </p:txBody>
+      </p:sp>
+      <p:cxnSp>
+        <p:nvCxnSpPr>
+          <p:cNvPr id="11" name="Straight Arrow Connector 10">
+            <a:extLst>
+              <a:ext uri="{FF2B5EF4-FFF2-40B4-BE49-F238E27FC236}">
+                <a16:creationId xmlns:a16="http://schemas.microsoft.com/office/drawing/2014/main" id="{EB5999EC-4819-4F52-9715-15BAEF413927}"/>
+              </a:ext>
+            </a:extLst>
+          </p:cNvPr>
+          <p:cNvCxnSpPr/>
+          <p:nvPr/>
+        </p:nvCxnSpPr>
+        <p:spPr>
+          <a:xfrm>
+            <a:off x="6099690" y="3211616"/>
+            <a:ext cx="0" cy="2924313"/>
+          </a:xfrm>
+          <a:prstGeom prst="straightConnector1">
+            <a:avLst/>
+          </a:prstGeom>
+          <a:ln w="38100">
+            <a:solidFill>
+              <a:schemeClr val="accent2"/>
+            </a:solidFill>
+            <a:tailEnd type="triangle"/>
+          </a:ln>
+        </p:spPr>
+        <p:style>
+          <a:lnRef idx="1">
+            <a:schemeClr val="accent1"/>
+          </a:lnRef>
+          <a:fillRef idx="0">
+            <a:schemeClr val="accent1"/>
+          </a:fillRef>
+          <a:effectRef idx="0">
+            <a:schemeClr val="accent1"/>
+          </a:effectRef>
+          <a:fontRef idx="minor">
+            <a:schemeClr val="tx1"/>
+          </a:fontRef>
+        </p:style>
+      </p:cxnSp>
     </p:spTree>
     <p:extLst>
       <p:ext uri="{BB962C8B-B14F-4D97-AF65-F5344CB8AC3E}">
@@ -15023,6 +15483,138 @@
   <p:clrMapOvr>
     <a:masterClrMapping/>
   </p:clrMapOvr>
+  <p:timing>
+    <p:tnLst>
+      <p:par>
+        <p:cTn id="1" dur="indefinite" restart="never" nodeType="tmRoot">
+          <p:childTnLst>
+            <p:seq concurrent="1" nextAc="seek">
+              <p:cTn id="2" dur="indefinite" nodeType="mainSeq">
+                <p:childTnLst>
+                  <p:par>
+                    <p:cTn id="3" fill="hold">
+                      <p:stCondLst>
+                        <p:cond delay="indefinite"/>
+                      </p:stCondLst>
+                      <p:childTnLst>
+                        <p:par>
+                          <p:cTn id="4" fill="hold">
+                            <p:stCondLst>
+                              <p:cond delay="0"/>
+                            </p:stCondLst>
+                            <p:childTnLst>
+                              <p:par>
+                                <p:cTn id="5" presetID="1" presetClass="entr" presetSubtype="0" fill="hold" grpId="0" nodeType="clickEffect">
+                                  <p:stCondLst>
+                                    <p:cond delay="0"/>
+                                  </p:stCondLst>
+                                  <p:childTnLst>
+                                    <p:set>
+                                      <p:cBhvr>
+                                        <p:cTn id="6" dur="1" fill="hold">
+                                          <p:stCondLst>
+                                            <p:cond delay="0"/>
+                                          </p:stCondLst>
+                                        </p:cTn>
+                                        <p:tgtEl>
+                                          <p:spTgt spid="10"/>
+                                        </p:tgtEl>
+                                        <p:attrNameLst>
+                                          <p:attrName>style.visibility</p:attrName>
+                                        </p:attrNameLst>
+                                      </p:cBhvr>
+                                      <p:to>
+                                        <p:strVal val="visible"/>
+                                      </p:to>
+                                    </p:set>
+                                  </p:childTnLst>
+                                </p:cTn>
+                              </p:par>
+                              <p:par>
+                                <p:cTn id="7" presetID="1" presetClass="entr" presetSubtype="0" fill="hold" nodeType="withEffect">
+                                  <p:stCondLst>
+                                    <p:cond delay="0"/>
+                                  </p:stCondLst>
+                                  <p:childTnLst>
+                                    <p:set>
+                                      <p:cBhvr>
+                                        <p:cTn id="8" dur="1" fill="hold">
+                                          <p:stCondLst>
+                                            <p:cond delay="0"/>
+                                          </p:stCondLst>
+                                        </p:cTn>
+                                        <p:tgtEl>
+                                          <p:spTgt spid="9"/>
+                                        </p:tgtEl>
+                                        <p:attrNameLst>
+                                          <p:attrName>style.visibility</p:attrName>
+                                        </p:attrNameLst>
+                                      </p:cBhvr>
+                                      <p:to>
+                                        <p:strVal val="visible"/>
+                                      </p:to>
+                                    </p:set>
+                                  </p:childTnLst>
+                                </p:cTn>
+                              </p:par>
+                              <p:par>
+                                <p:cTn id="9" presetID="1" presetClass="entr" presetSubtype="0" fill="hold" nodeType="withEffect">
+                                  <p:stCondLst>
+                                    <p:cond delay="0"/>
+                                  </p:stCondLst>
+                                  <p:childTnLst>
+                                    <p:set>
+                                      <p:cBhvr>
+                                        <p:cTn id="10" dur="1" fill="hold">
+                                          <p:stCondLst>
+                                            <p:cond delay="0"/>
+                                          </p:stCondLst>
+                                        </p:cTn>
+                                        <p:tgtEl>
+                                          <p:spTgt spid="11"/>
+                                        </p:tgtEl>
+                                        <p:attrNameLst>
+                                          <p:attrName>style.visibility</p:attrName>
+                                        </p:attrNameLst>
+                                      </p:cBhvr>
+                                      <p:to>
+                                        <p:strVal val="visible"/>
+                                      </p:to>
+                                    </p:set>
+                                  </p:childTnLst>
+                                </p:cTn>
+                              </p:par>
+                            </p:childTnLst>
+                          </p:cTn>
+                        </p:par>
+                      </p:childTnLst>
+                    </p:cTn>
+                  </p:par>
+                </p:childTnLst>
+              </p:cTn>
+              <p:prevCondLst>
+                <p:cond evt="onPrev" delay="0">
+                  <p:tgtEl>
+                    <p:sldTgt/>
+                  </p:tgtEl>
+                </p:cond>
+              </p:prevCondLst>
+              <p:nextCondLst>
+                <p:cond evt="onNext" delay="0">
+                  <p:tgtEl>
+                    <p:sldTgt/>
+                  </p:tgtEl>
+                </p:cond>
+              </p:nextCondLst>
+            </p:seq>
+          </p:childTnLst>
+        </p:cTn>
+      </p:par>
+    </p:tnLst>
+    <p:bldLst>
+      <p:bldP spid="10" grpId="0"/>
+    </p:bldLst>
+  </p:timing>
 </p:sld>
 </file>
 
@@ -15066,7 +15658,7 @@
           <a:p>
             <a:r>
               <a:rPr lang="en-US" dirty="0"/>
-              <a:t>Predictions and results</a:t>
+              <a:t>cross validation results</a:t>
             </a:r>
           </a:p>
         </p:txBody>
@@ -15434,8 +16026,8 @@
         </p:nvSpPr>
         <p:spPr>
           <a:xfrm>
-            <a:off x="6208003" y="2338507"/>
-            <a:ext cx="5179030" cy="1683730"/>
+            <a:off x="6126666" y="2289667"/>
+            <a:ext cx="5179030" cy="1384742"/>
           </a:xfrm>
           <a:prstGeom prst="rect">
             <a:avLst/>
@@ -15456,7 +16048,7 @@
               </a:buClr>
             </a:pPr>
             <a:r>
-              <a:rPr lang="en-US" sz="2400" dirty="0">
+              <a:rPr lang="en-US" sz="2000" dirty="0">
                 <a:solidFill>
                   <a:schemeClr val="tx2"/>
                 </a:solidFill>
@@ -15473,7 +16065,7 @@
                 <a:schemeClr val="accent2"/>
               </a:buClr>
             </a:pPr>
-            <a:endParaRPr lang="en-US" sz="2400" dirty="0">
+            <a:endParaRPr lang="en-US" sz="2000" dirty="0">
               <a:solidFill>
                 <a:schemeClr val="tx2"/>
               </a:solidFill>
@@ -15495,8 +16087,8 @@
         </p:nvSpPr>
         <p:spPr>
           <a:xfrm>
-            <a:off x="6208003" y="1729481"/>
-            <a:ext cx="3559692" cy="523220"/>
+            <a:off x="6126666" y="1733415"/>
+            <a:ext cx="3073598" cy="461665"/>
           </a:xfrm>
           <a:prstGeom prst="rect">
             <a:avLst/>
@@ -15514,7 +16106,7 @@
               </a:spcAft>
             </a:pPr>
             <a:r>
-              <a:rPr lang="en-US" sz="2800" b="1" dirty="0">
+              <a:rPr lang="en-US" sz="2400" b="1" dirty="0">
                 <a:solidFill>
                   <a:schemeClr val="accent6"/>
                 </a:solidFill>
@@ -15568,8 +16160,8 @@
         </p:nvSpPr>
         <p:spPr>
           <a:xfrm>
-            <a:off x="6208003" y="4787885"/>
-            <a:ext cx="5179030" cy="1200329"/>
+            <a:off x="6126666" y="4325248"/>
+            <a:ext cx="5179030" cy="782921"/>
           </a:xfrm>
           <a:prstGeom prst="rect">
             <a:avLst/>
@@ -15590,7 +16182,7 @@
               </a:buClr>
             </a:pPr>
             <a:r>
-              <a:rPr lang="en-US" sz="2400" dirty="0">
+              <a:rPr lang="en-US" sz="2000" dirty="0">
                 <a:solidFill>
                   <a:schemeClr val="tx2"/>
                 </a:solidFill>
@@ -15614,8 +16206,8 @@
         </p:nvSpPr>
         <p:spPr>
           <a:xfrm>
-            <a:off x="6208003" y="4218678"/>
-            <a:ext cx="1643399" cy="523220"/>
+            <a:off x="6126666" y="3768996"/>
+            <a:ext cx="1431802" cy="461665"/>
           </a:xfrm>
           <a:prstGeom prst="rect">
             <a:avLst/>
@@ -15633,12 +16225,92 @@
               </a:spcAft>
             </a:pPr>
             <a:r>
-              <a:rPr lang="en-US" sz="2800" b="1" dirty="0">
+              <a:rPr lang="en-US" sz="2400" b="1" dirty="0">
                 <a:solidFill>
                   <a:schemeClr val="accent6"/>
                 </a:solidFill>
               </a:rPr>
               <a:t>Request:</a:t>
+            </a:r>
+          </a:p>
+        </p:txBody>
+      </p:sp>
+      <p:sp>
+        <p:nvSpPr>
+          <p:cNvPr id="5" name="Rectangle 4">
+            <a:extLst>
+              <a:ext uri="{FF2B5EF4-FFF2-40B4-BE49-F238E27FC236}">
+                <a16:creationId xmlns:a16="http://schemas.microsoft.com/office/drawing/2014/main" id="{85E5A59F-5667-4ED5-98FA-FC0C8EC4C11A}"/>
+              </a:ext>
+            </a:extLst>
+          </p:cNvPr>
+          <p:cNvSpPr/>
+          <p:nvPr/>
+        </p:nvSpPr>
+        <p:spPr>
+          <a:xfrm>
+            <a:off x="6126666" y="5759010"/>
+            <a:ext cx="5446812" cy="369332"/>
+          </a:xfrm>
+          <a:prstGeom prst="rect">
+            <a:avLst/>
+          </a:prstGeom>
+        </p:spPr>
+        <p:txBody>
+          <a:bodyPr wrap="none">
+            <a:spAutoFit/>
+          </a:bodyPr>
+          <a:lstStyle/>
+          <a:p>
+            <a:r>
+              <a:rPr lang="en-US" dirty="0">
+                <a:hlinkClick r:id="rId3"/>
+              </a:rPr>
+              <a:t>https://github.com/cyberkoolman/msds.6306.case.study.2</a:t>
+            </a:r>
+            <a:endParaRPr lang="en-US" dirty="0"/>
+          </a:p>
+        </p:txBody>
+      </p:sp>
+      <p:sp>
+        <p:nvSpPr>
+          <p:cNvPr id="10" name="Rectangle 9">
+            <a:extLst>
+              <a:ext uri="{FF2B5EF4-FFF2-40B4-BE49-F238E27FC236}">
+                <a16:creationId xmlns:a16="http://schemas.microsoft.com/office/drawing/2014/main" id="{02AA1C94-07B8-4A52-A85F-C2E6D7DA90C8}"/>
+              </a:ext>
+            </a:extLst>
+          </p:cNvPr>
+          <p:cNvSpPr/>
+          <p:nvPr/>
+        </p:nvSpPr>
+        <p:spPr>
+          <a:xfrm>
+            <a:off x="6126666" y="5202756"/>
+            <a:ext cx="2910925" cy="461665"/>
+          </a:xfrm>
+          <a:prstGeom prst="rect">
+            <a:avLst/>
+          </a:prstGeom>
+        </p:spPr>
+        <p:txBody>
+          <a:bodyPr wrap="none">
+            <a:spAutoFit/>
+          </a:bodyPr>
+          <a:lstStyle/>
+          <a:p>
+            <a:pPr>
+              <a:spcAft>
+                <a:spcPts val="600"/>
+              </a:spcAft>
+            </a:pPr>
+            <a:r>
+              <a:rPr lang="en-US" sz="2400" b="1" dirty="0">
+                <a:solidFill>
+                  <a:schemeClr val="accent6"/>
+                </a:solidFill>
+              </a:rPr>
+              <a:t>GitHub Repository</a:t>
             </a:r>
           </a:p>
         </p:txBody>
@@ -15854,13 +16526,8 @@
           <a:p>
             <a:r>
               <a:rPr lang="en-US" dirty="0"/>
-              <a:t>Methodology to make prediction model using </a:t>
+              <a:t>Methodology used to approach attrition</a:t>
             </a:r>
-            <a:r>
-              <a:rPr lang="en-US" dirty="0" err="1"/>
-              <a:t>lra</a:t>
-            </a:r>
-            <a:endParaRPr lang="en-US" dirty="0"/>
           </a:p>
         </p:txBody>
       </p:sp>
@@ -15984,8 +16651,8 @@
         </p:nvSpPr>
         <p:spPr>
           <a:xfrm>
-            <a:off x="8692250" y="1831005"/>
-            <a:ext cx="1534074" cy="400110"/>
+            <a:off x="8492225" y="1814441"/>
+            <a:ext cx="2096087" cy="400110"/>
           </a:xfrm>
           <a:prstGeom prst="rect">
             <a:avLst/>
@@ -16004,7 +16671,7 @@
                   <a:schemeClr val="accent6"/>
                 </a:solidFill>
               </a:rPr>
-              <a:t>Predictions</a:t>
+              <a:t>Cross Validation</a:t>
             </a:r>
           </a:p>
         </p:txBody>
@@ -16085,12 +16752,14 @@
         </p:nvSpPr>
         <p:spPr/>
         <p:txBody>
-          <a:bodyPr/>
+          <a:bodyPr>
+            <a:normAutofit lnSpcReduction="10000"/>
+          </a:bodyPr>
           <a:lstStyle/>
           <a:p>
             <a:r>
               <a:rPr lang="en-US" dirty="0"/>
-              <a:t>Includes some relevant variables</a:t>
+              <a:t>Includes some relevant variables – for more detailed information, please visit the git hub repository</a:t>
             </a:r>
           </a:p>
         </p:txBody>
@@ -16271,8 +16940,8 @@
         </p:nvSpPr>
         <p:spPr>
           <a:xfrm>
-            <a:off x="3727331" y="2859313"/>
-            <a:ext cx="1172710" cy="1001916"/>
+            <a:off x="3727331" y="2410265"/>
+            <a:ext cx="1172710" cy="1450964"/>
           </a:xfrm>
           <a:prstGeom prst="wedgeRectCallout">
             <a:avLst>
@@ -16313,7 +16982,7 @@
           <a:p>
             <a:r>
               <a:rPr lang="en-US" sz="1200" dirty="0"/>
-              <a:t>Attrition seems to happen with employees with lower monthly incomes</a:t>
+              <a:t>Attrition seems to be more likely to happen with employees with lower monthly incomes</a:t>
             </a:r>
           </a:p>
         </p:txBody>
@@ -17401,7 +18070,7 @@
           <a:p>
             <a:r>
               <a:rPr lang="en-US" dirty="0"/>
-              <a:t>Attrition by: Age, gender, Job Satisfaction and job role</a:t>
+              <a:t>Attrition by: Age, gender, Job Satisfaction and years in a role</a:t>
             </a:r>
           </a:p>
         </p:txBody>
@@ -17427,7 +18096,7 @@
         </p:blipFill>
         <p:spPr>
           <a:xfrm>
-            <a:off x="312920" y="2122464"/>
+            <a:off x="312920" y="2211557"/>
             <a:ext cx="3550205" cy="3241645"/>
           </a:xfrm>
           <a:prstGeom prst="rect">
@@ -17449,7 +18118,7 @@
         </p:nvSpPr>
         <p:spPr>
           <a:xfrm>
-            <a:off x="2079390" y="1774549"/>
+            <a:off x="2079390" y="1765721"/>
             <a:ext cx="758518" cy="461665"/>
           </a:xfrm>
           <a:prstGeom prst="rect">
@@ -17532,7 +18201,7 @@
         </p:blipFill>
         <p:spPr>
           <a:xfrm>
-            <a:off x="4811991" y="2302647"/>
+            <a:off x="4957356" y="2391740"/>
             <a:ext cx="584744" cy="2859695"/>
           </a:xfrm>
           <a:prstGeom prst="rect">
@@ -17554,7 +18223,7 @@
         </p:nvSpPr>
         <p:spPr>
           <a:xfrm>
-            <a:off x="4518757" y="1774549"/>
+            <a:off x="4664122" y="1765721"/>
             <a:ext cx="1162709" cy="461665"/>
           </a:xfrm>
           <a:prstGeom prst="rect">
@@ -17593,7 +18262,7 @@
         </p:nvSpPr>
         <p:spPr>
           <a:xfrm>
-            <a:off x="1263945" y="2945509"/>
+            <a:off x="1263945" y="3034602"/>
             <a:ext cx="2266817" cy="716823"/>
           </a:xfrm>
           <a:prstGeom prst="wedgeRectCallout">
@@ -17654,7 +18323,7 @@
         </p:nvSpPr>
         <p:spPr>
           <a:xfrm>
-            <a:off x="4673826" y="3190160"/>
+            <a:off x="4819191" y="3279253"/>
             <a:ext cx="900268" cy="1014189"/>
           </a:xfrm>
           <a:prstGeom prst="wedgeRectCallout">
@@ -17715,7 +18384,7 @@
         </p:nvSpPr>
         <p:spPr>
           <a:xfrm>
-            <a:off x="844475" y="2924241"/>
+            <a:off x="844475" y="3013334"/>
             <a:ext cx="364545" cy="2156731"/>
           </a:xfrm>
           <a:prstGeom prst="ellipse">
@@ -17776,7 +18445,7 @@
         </p:blipFill>
         <p:spPr>
           <a:xfrm>
-            <a:off x="6187202" y="2273867"/>
+            <a:off x="6698328" y="2362960"/>
             <a:ext cx="1771292" cy="3127895"/>
           </a:xfrm>
           <a:prstGeom prst="rect">
@@ -17784,45 +18453,6 @@
           </a:prstGeom>
         </p:spPr>
       </p:pic>
-      <p:sp>
-        <p:nvSpPr>
-          <p:cNvPr id="12" name="TextBox 11">
-            <a:extLst>
-              <a:ext uri="{FF2B5EF4-FFF2-40B4-BE49-F238E27FC236}">
-                <a16:creationId xmlns:a16="http://schemas.microsoft.com/office/drawing/2014/main" id="{69CF32B4-BCD6-4ACC-9A1E-EAEB56292E80}"/>
-              </a:ext>
-            </a:extLst>
-          </p:cNvPr>
-          <p:cNvSpPr txBox="1"/>
-          <p:nvPr/>
-        </p:nvSpPr>
-        <p:spPr>
-          <a:xfrm>
-            <a:off x="9340178" y="1774738"/>
-            <a:ext cx="1240929" cy="461665"/>
-          </a:xfrm>
-          <a:prstGeom prst="rect">
-            <a:avLst/>
-          </a:prstGeom>
-          <a:noFill/>
-        </p:spPr>
-        <p:txBody>
-          <a:bodyPr wrap="square" rtlCol="0">
-            <a:spAutoFit/>
-          </a:bodyPr>
-          <a:lstStyle/>
-          <a:p>
-            <a:r>
-              <a:rPr lang="en-US" sz="2400" dirty="0">
-                <a:solidFill>
-                  <a:schemeClr val="accent2"/>
-                </a:solidFill>
-              </a:rPr>
-              <a:t>Job Role</a:t>
-            </a:r>
-          </a:p>
-        </p:txBody>
-      </p:sp>
       <p:sp>
         <p:nvSpPr>
           <p:cNvPr id="13" name="Speech Bubble: Rectangle 12">
@@ -17837,7 +18467,7 @@
         </p:nvSpPr>
         <p:spPr>
           <a:xfrm>
-            <a:off x="6258161" y="3262313"/>
+            <a:off x="6769287" y="3351406"/>
             <a:ext cx="1581268" cy="720480"/>
           </a:xfrm>
           <a:prstGeom prst="wedgeRectCallout">
@@ -17884,35 +18514,6 @@
           </a:p>
         </p:txBody>
       </p:sp>
-      <p:pic>
-        <p:nvPicPr>
-          <p:cNvPr id="4" name="Picture 3">
-            <a:extLst>
-              <a:ext uri="{FF2B5EF4-FFF2-40B4-BE49-F238E27FC236}">
-                <a16:creationId xmlns:a16="http://schemas.microsoft.com/office/drawing/2014/main" id="{45ACBEAD-4992-45F7-AFC3-50097A0A9DD5}"/>
-              </a:ext>
-            </a:extLst>
-          </p:cNvPr>
-          <p:cNvPicPr>
-            <a:picLocks noChangeAspect="1"/>
-          </p:cNvPicPr>
-          <p:nvPr/>
-        </p:nvPicPr>
-        <p:blipFill rotWithShape="1">
-          <a:blip r:embed="rId6"/>
-          <a:srcRect l="18828" t="10640" b="3885"/>
-          <a:stretch/>
-        </p:blipFill>
-        <p:spPr>
-          <a:xfrm>
-            <a:off x="8630759" y="2306142"/>
-            <a:ext cx="2608001" cy="4285646"/>
-          </a:xfrm>
-          <a:prstGeom prst="rect">
-            <a:avLst/>
-          </a:prstGeom>
-        </p:spPr>
-      </p:pic>
       <p:sp>
         <p:nvSpPr>
           <p:cNvPr id="16" name="TextBox 15">
@@ -17927,7 +18528,7 @@
         </p:nvSpPr>
         <p:spPr>
           <a:xfrm>
-            <a:off x="6104549" y="1756893"/>
+            <a:off x="6615675" y="1765721"/>
             <a:ext cx="2049774" cy="461665"/>
           </a:xfrm>
           <a:prstGeom prst="rect">
@@ -17952,12 +18553,80 @@
           </a:p>
         </p:txBody>
       </p:sp>
+      <p:pic>
+        <p:nvPicPr>
+          <p:cNvPr id="14" name="Picture 13">
+            <a:extLst>
+              <a:ext uri="{FF2B5EF4-FFF2-40B4-BE49-F238E27FC236}">
+                <a16:creationId xmlns:a16="http://schemas.microsoft.com/office/drawing/2014/main" id="{50037FDC-C6E1-4CE6-8146-C7FEEDB3B576}"/>
+              </a:ext>
+            </a:extLst>
+          </p:cNvPr>
+          <p:cNvPicPr>
+            <a:picLocks noChangeAspect="1"/>
+          </p:cNvPicPr>
+          <p:nvPr/>
+        </p:nvPicPr>
+        <p:blipFill rotWithShape="1">
+          <a:blip r:embed="rId6"/>
+          <a:srcRect t="12463"/>
+          <a:stretch/>
+        </p:blipFill>
+        <p:spPr>
+          <a:xfrm>
+            <a:off x="9867033" y="2261190"/>
+            <a:ext cx="829102" cy="3054979"/>
+          </a:xfrm>
+          <a:prstGeom prst="rect">
+            <a:avLst/>
+          </a:prstGeom>
+        </p:spPr>
+      </p:pic>
       <p:sp>
         <p:nvSpPr>
-          <p:cNvPr id="17" name="Oval 16">
+          <p:cNvPr id="24" name="TextBox 23">
             <a:extLst>
               <a:ext uri="{FF2B5EF4-FFF2-40B4-BE49-F238E27FC236}">
-                <a16:creationId xmlns:a16="http://schemas.microsoft.com/office/drawing/2014/main" id="{37E5B5F2-8F6B-411F-BBC0-883B928E7FE0}"/>
+                <a16:creationId xmlns:a16="http://schemas.microsoft.com/office/drawing/2014/main" id="{B3782AA4-5F3A-4F1A-BDA2-9C1B4ABD3A0C}"/>
+              </a:ext>
+            </a:extLst>
+          </p:cNvPr>
+          <p:cNvSpPr txBox="1"/>
+          <p:nvPr/>
+        </p:nvSpPr>
+        <p:spPr>
+          <a:xfrm>
+            <a:off x="8944790" y="1765721"/>
+            <a:ext cx="2886139" cy="461665"/>
+          </a:xfrm>
+          <a:prstGeom prst="rect">
+            <a:avLst/>
+          </a:prstGeom>
+          <a:noFill/>
+        </p:spPr>
+        <p:txBody>
+          <a:bodyPr wrap="square" rtlCol="0">
+            <a:spAutoFit/>
+          </a:bodyPr>
+          <a:lstStyle/>
+          <a:p>
+            <a:r>
+              <a:rPr lang="en-US" sz="2400" dirty="0">
+                <a:solidFill>
+                  <a:schemeClr val="accent2"/>
+                </a:solidFill>
+              </a:rPr>
+              <a:t>Years in Current Role</a:t>
+            </a:r>
+          </a:p>
+        </p:txBody>
+      </p:sp>
+      <p:sp>
+        <p:nvSpPr>
+          <p:cNvPr id="25" name="Speech Bubble: Rectangle 24">
+            <a:extLst>
+              <a:ext uri="{FF2B5EF4-FFF2-40B4-BE49-F238E27FC236}">
+                <a16:creationId xmlns:a16="http://schemas.microsoft.com/office/drawing/2014/main" id="{4F88E345-813A-40A8-B9FE-F30B00C7B204}"/>
               </a:ext>
             </a:extLst>
           </p:cNvPr>
@@ -17966,67 +18635,13 @@
         </p:nvSpPr>
         <p:spPr>
           <a:xfrm>
-            <a:off x="10906489" y="3738799"/>
-            <a:ext cx="364545" cy="1342173"/>
-          </a:xfrm>
-          <a:prstGeom prst="ellipse">
-            <a:avLst/>
-          </a:prstGeom>
-          <a:solidFill>
-            <a:schemeClr val="accent3">
-              <a:alpha val="39000"/>
-            </a:schemeClr>
-          </a:solidFill>
-          <a:ln>
-            <a:prstDash val="dashDot"/>
-          </a:ln>
-        </p:spPr>
-        <p:style>
-          <a:lnRef idx="2">
-            <a:schemeClr val="accent1">
-              <a:shade val="50000"/>
-            </a:schemeClr>
-          </a:lnRef>
-          <a:fillRef idx="1">
-            <a:schemeClr val="accent1"/>
-          </a:fillRef>
-          <a:effectRef idx="0">
-            <a:schemeClr val="accent1"/>
-          </a:effectRef>
-          <a:fontRef idx="minor">
-            <a:schemeClr val="lt1"/>
-          </a:fontRef>
-        </p:style>
-        <p:txBody>
-          <a:bodyPr rtlCol="0" anchor="ctr"/>
-          <a:lstStyle/>
-          <a:p>
-            <a:pPr algn="ctr"/>
-            <a:endParaRPr lang="en-US"/>
-          </a:p>
-        </p:txBody>
-      </p:sp>
-      <p:sp>
-        <p:nvSpPr>
-          <p:cNvPr id="18" name="Speech Bubble: Rectangle 17">
-            <a:extLst>
-              <a:ext uri="{FF2B5EF4-FFF2-40B4-BE49-F238E27FC236}">
-                <a16:creationId xmlns:a16="http://schemas.microsoft.com/office/drawing/2014/main" id="{4CC1FF05-FBE9-4E1D-AF86-3D152D111887}"/>
-              </a:ext>
-            </a:extLst>
-          </p:cNvPr>
-          <p:cNvSpPr/>
-          <p:nvPr/>
-        </p:nvSpPr>
-        <p:spPr>
-          <a:xfrm>
-            <a:off x="9018260" y="2571601"/>
-            <a:ext cx="1888229" cy="1003673"/>
+            <a:off x="10902484" y="3226192"/>
+            <a:ext cx="1191064" cy="1122766"/>
           </a:xfrm>
           <a:prstGeom prst="wedgeRectCallout">
             <a:avLst>
-              <a:gd name="adj1" fmla="val 32269"/>
-              <a:gd name="adj2" fmla="val 36668"/>
+              <a:gd name="adj1" fmla="val -55050"/>
+              <a:gd name="adj2" fmla="val 76726"/>
             </a:avLst>
           </a:prstGeom>
           <a:solidFill>
@@ -18062,147 +18677,11 @@
           <a:p>
             <a:r>
               <a:rPr lang="en-US" sz="1200" dirty="0"/>
-              <a:t>Sales representative have the highest attrition at 40%. Then HR and Lab Tech. at 23% and 24% respectively</a:t>
+              <a:t>75% of attrition  occurs on employees with less than 4 years in current role</a:t>
             </a:r>
           </a:p>
         </p:txBody>
       </p:sp>
-      <p:sp>
-        <p:nvSpPr>
-          <p:cNvPr id="19" name="Oval 18">
-            <a:extLst>
-              <a:ext uri="{FF2B5EF4-FFF2-40B4-BE49-F238E27FC236}">
-                <a16:creationId xmlns:a16="http://schemas.microsoft.com/office/drawing/2014/main" id="{465FAE79-5751-40A9-B84F-254EC580470C}"/>
-              </a:ext>
-            </a:extLst>
-          </p:cNvPr>
-          <p:cNvSpPr/>
-          <p:nvPr/>
-        </p:nvSpPr>
-        <p:spPr>
-          <a:xfrm>
-            <a:off x="8854613" y="4204349"/>
-            <a:ext cx="745573" cy="906106"/>
-          </a:xfrm>
-          <a:prstGeom prst="ellipse">
-            <a:avLst/>
-          </a:prstGeom>
-          <a:solidFill>
-            <a:schemeClr val="accent3">
-              <a:alpha val="39000"/>
-            </a:schemeClr>
-          </a:solidFill>
-          <a:ln>
-            <a:prstDash val="dashDot"/>
-          </a:ln>
-        </p:spPr>
-        <p:style>
-          <a:lnRef idx="2">
-            <a:schemeClr val="accent1">
-              <a:shade val="50000"/>
-            </a:schemeClr>
-          </a:lnRef>
-          <a:fillRef idx="1">
-            <a:schemeClr val="accent1"/>
-          </a:fillRef>
-          <a:effectRef idx="0">
-            <a:schemeClr val="accent1"/>
-          </a:effectRef>
-          <a:fontRef idx="minor">
-            <a:schemeClr val="lt1"/>
-          </a:fontRef>
-        </p:style>
-        <p:txBody>
-          <a:bodyPr rtlCol="0" anchor="ctr"/>
-          <a:lstStyle/>
-          <a:p>
-            <a:pPr algn="ctr"/>
-            <a:endParaRPr lang="en-US"/>
-          </a:p>
-        </p:txBody>
-      </p:sp>
-      <p:cxnSp>
-        <p:nvCxnSpPr>
-          <p:cNvPr id="11" name="Straight Arrow Connector 10">
-            <a:extLst>
-              <a:ext uri="{FF2B5EF4-FFF2-40B4-BE49-F238E27FC236}">
-                <a16:creationId xmlns:a16="http://schemas.microsoft.com/office/drawing/2014/main" id="{F9E3969A-B658-4C0D-B91B-CC84A43B9FB7}"/>
-              </a:ext>
-            </a:extLst>
-          </p:cNvPr>
-          <p:cNvCxnSpPr>
-            <a:stCxn id="18" idx="2"/>
-          </p:cNvCxnSpPr>
-          <p:nvPr/>
-        </p:nvCxnSpPr>
-        <p:spPr>
-          <a:xfrm>
-            <a:off x="9962375" y="3575274"/>
-            <a:ext cx="805638" cy="262540"/>
-          </a:xfrm>
-          <a:prstGeom prst="straightConnector1">
-            <a:avLst/>
-          </a:prstGeom>
-          <a:ln>
-            <a:tailEnd type="triangle"/>
-          </a:ln>
-        </p:spPr>
-        <p:style>
-          <a:lnRef idx="1">
-            <a:schemeClr val="accent1"/>
-          </a:lnRef>
-          <a:fillRef idx="0">
-            <a:schemeClr val="accent1"/>
-          </a:fillRef>
-          <a:effectRef idx="0">
-            <a:schemeClr val="accent1"/>
-          </a:effectRef>
-          <a:fontRef idx="minor">
-            <a:schemeClr val="tx1"/>
-          </a:fontRef>
-        </p:style>
-      </p:cxnSp>
-      <p:cxnSp>
-        <p:nvCxnSpPr>
-          <p:cNvPr id="21" name="Straight Arrow Connector 20">
-            <a:extLst>
-              <a:ext uri="{FF2B5EF4-FFF2-40B4-BE49-F238E27FC236}">
-                <a16:creationId xmlns:a16="http://schemas.microsoft.com/office/drawing/2014/main" id="{365B96F4-F675-4BB0-99E8-5D35F6FCA238}"/>
-              </a:ext>
-            </a:extLst>
-          </p:cNvPr>
-          <p:cNvCxnSpPr>
-            <a:stCxn id="18" idx="2"/>
-          </p:cNvCxnSpPr>
-          <p:nvPr/>
-        </p:nvCxnSpPr>
-        <p:spPr>
-          <a:xfrm flipH="1">
-            <a:off x="9444038" y="3575274"/>
-            <a:ext cx="518337" cy="477614"/>
-          </a:xfrm>
-          <a:prstGeom prst="straightConnector1">
-            <a:avLst/>
-          </a:prstGeom>
-          <a:ln>
-            <a:tailEnd type="triangle"/>
-          </a:ln>
-        </p:spPr>
-        <p:style>
-          <a:lnRef idx="1">
-            <a:schemeClr val="accent1"/>
-          </a:lnRef>
-          <a:fillRef idx="0">
-            <a:schemeClr val="accent1"/>
-          </a:fillRef>
-          <a:effectRef idx="0">
-            <a:schemeClr val="accent1"/>
-          </a:effectRef>
-          <a:fontRef idx="minor">
-            <a:schemeClr val="tx1"/>
-          </a:fontRef>
-        </p:style>
-      </p:cxnSp>
     </p:spTree>
     <p:extLst>
       <p:ext uri="{BB962C8B-B14F-4D97-AF65-F5344CB8AC3E}">
@@ -18517,7 +18996,7 @@
                                           </p:stCondLst>
                                         </p:cTn>
                                         <p:tgtEl>
-                                          <p:spTgt spid="12"/>
+                                          <p:spTgt spid="24"/>
                                         </p:tgtEl>
                                         <p:attrNameLst>
                                           <p:attrName>style.visibility</p:attrName>
@@ -18544,7 +19023,7 @@
                                           </p:stCondLst>
                                         </p:cTn>
                                         <p:tgtEl>
-                                          <p:spTgt spid="4"/>
+                                          <p:spTgt spid="14"/>
                                         </p:tgtEl>
                                         <p:attrNameLst>
                                           <p:attrName>style.visibility</p:attrName>
@@ -18571,115 +19050,7 @@
                                           </p:stCondLst>
                                         </p:cTn>
                                         <p:tgtEl>
-                                          <p:spTgt spid="18"/>
-                                        </p:tgtEl>
-                                        <p:attrNameLst>
-                                          <p:attrName>style.visibility</p:attrName>
-                                        </p:attrNameLst>
-                                      </p:cBhvr>
-                                      <p:to>
-                                        <p:strVal val="visible"/>
-                                      </p:to>
-                                    </p:set>
-                                  </p:childTnLst>
-                                </p:cTn>
-                              </p:par>
-                              <p:par>
-                                <p:cTn id="33" presetID="1" presetClass="entr" presetSubtype="0" fill="hold" grpId="0" nodeType="withEffect">
-                                  <p:stCondLst>
-                                    <p:cond delay="0"/>
-                                  </p:stCondLst>
-                                  <p:childTnLst>
-                                    <p:set>
-                                      <p:cBhvr>
-                                        <p:cTn id="34" dur="1" fill="hold">
-                                          <p:stCondLst>
-                                            <p:cond delay="0"/>
-                                          </p:stCondLst>
-                                        </p:cTn>
-                                        <p:tgtEl>
-                                          <p:spTgt spid="19"/>
-                                        </p:tgtEl>
-                                        <p:attrNameLst>
-                                          <p:attrName>style.visibility</p:attrName>
-                                        </p:attrNameLst>
-                                      </p:cBhvr>
-                                      <p:to>
-                                        <p:strVal val="visible"/>
-                                      </p:to>
-                                    </p:set>
-                                  </p:childTnLst>
-                                </p:cTn>
-                              </p:par>
-                              <p:par>
-                                <p:cTn id="35" presetID="1" presetClass="entr" presetSubtype="0" fill="hold" grpId="0" nodeType="withEffect">
-                                  <p:stCondLst>
-                                    <p:cond delay="0"/>
-                                  </p:stCondLst>
-                                  <p:childTnLst>
-                                    <p:set>
-                                      <p:cBhvr>
-                                        <p:cTn id="36" dur="1" fill="hold">
-                                          <p:stCondLst>
-                                            <p:cond delay="0"/>
-                                          </p:stCondLst>
-                                        </p:cTn>
-                                        <p:tgtEl>
-                                          <p:spTgt spid="17"/>
-                                        </p:tgtEl>
-                                        <p:attrNameLst>
-                                          <p:attrName>style.visibility</p:attrName>
-                                        </p:attrNameLst>
-                                      </p:cBhvr>
-                                      <p:to>
-                                        <p:strVal val="visible"/>
-                                      </p:to>
-                                    </p:set>
-                                  </p:childTnLst>
-                                </p:cTn>
-                              </p:par>
-                              <p:par>
-                                <p:cTn id="37" presetID="1" presetClass="entr" presetSubtype="0" fill="hold" nodeType="withEffect">
-                                  <p:stCondLst>
-                                    <p:cond delay="0"/>
-                                  </p:stCondLst>
-                                  <p:childTnLst>
-                                    <p:set>
-                                      <p:cBhvr>
-                                        <p:cTn id="38" dur="1" fill="hold">
-                                          <p:stCondLst>
-                                            <p:cond delay="0"/>
-                                          </p:stCondLst>
-                                        </p:cTn>
-                                        <p:tgtEl>
-                                          <p:spTgt spid="21"/>
-                                        </p:tgtEl>
-                                        <p:attrNameLst>
-                                          <p:attrName>style.visibility</p:attrName>
-                                        </p:attrNameLst>
-                                      </p:cBhvr>
-                                      <p:to>
-                                        <p:strVal val="visible"/>
-                                      </p:to>
-                                    </p:set>
-                                  </p:childTnLst>
-                                </p:cTn>
-                              </p:par>
-                              <p:par>
-                                <p:cTn id="39" presetID="1" presetClass="entr" presetSubtype="0" fill="hold" nodeType="withEffect">
-                                  <p:stCondLst>
-                                    <p:cond delay="0"/>
-                                  </p:stCondLst>
-                                  <p:childTnLst>
-                                    <p:set>
-                                      <p:cBhvr>
-                                        <p:cTn id="40" dur="1" fill="hold">
-                                          <p:stCondLst>
-                                            <p:cond delay="0"/>
-                                          </p:stCondLst>
-                                        </p:cTn>
-                                        <p:tgtEl>
-                                          <p:spTgt spid="11"/>
+                                          <p:spTgt spid="25"/>
                                         </p:tgtEl>
                                         <p:attrNameLst>
                                           <p:attrName>style.visibility</p:attrName>
@@ -18724,18 +19095,1143 @@
       <p:bldP spid="20" grpId="0" animBg="1"/>
       <p:bldP spid="22" grpId="0" animBg="1"/>
       <p:bldP spid="23" grpId="0" animBg="1"/>
-      <p:bldP spid="12" grpId="0"/>
       <p:bldP spid="13" grpId="0" animBg="1"/>
       <p:bldP spid="16" grpId="0"/>
-      <p:bldP spid="17" grpId="0" animBg="1"/>
-      <p:bldP spid="18" grpId="0" animBg="1"/>
-      <p:bldP spid="19" grpId="0" animBg="1"/>
+      <p:bldP spid="24" grpId="0"/>
+      <p:bldP spid="25" grpId="0" animBg="1"/>
     </p:bldLst>
   </p:timing>
 </p:sld>
 </file>
 
 <file path=ppt/slides/slide7.xml><?xml version="1.0" encoding="utf-8"?>
+<p:sld xmlns:a="http://schemas.openxmlformats.org/drawingml/2006/main" xmlns:r="http://schemas.openxmlformats.org/officeDocument/2006/relationships" xmlns:p="http://schemas.openxmlformats.org/presentationml/2006/main">
+  <p:cSld>
+    <p:spTree>
+      <p:nvGrpSpPr>
+        <p:cNvPr id="1" name=""/>
+        <p:cNvGrpSpPr/>
+        <p:nvPr/>
+      </p:nvGrpSpPr>
+      <p:grpSpPr>
+        <a:xfrm>
+          <a:off x="0" y="0"/>
+          <a:ext cx="0" cy="0"/>
+          <a:chOff x="0" y="0"/>
+          <a:chExt cx="0" cy="0"/>
+        </a:xfrm>
+      </p:grpSpPr>
+      <p:sp>
+        <p:nvSpPr>
+          <p:cNvPr id="2" name="Title 1">
+            <a:extLst>
+              <a:ext uri="{FF2B5EF4-FFF2-40B4-BE49-F238E27FC236}">
+                <a16:creationId xmlns:a16="http://schemas.microsoft.com/office/drawing/2014/main" id="{BC7143CE-06FE-436E-AB08-E261E709B591}"/>
+              </a:ext>
+            </a:extLst>
+          </p:cNvPr>
+          <p:cNvSpPr>
+            <a:spLocks noGrp="1"/>
+          </p:cNvSpPr>
+          <p:nvPr>
+            <p:ph type="title"/>
+          </p:nvPr>
+        </p:nvSpPr>
+        <p:spPr/>
+        <p:txBody>
+          <a:bodyPr>
+            <a:normAutofit/>
+          </a:bodyPr>
+          <a:lstStyle/>
+          <a:p>
+            <a:r>
+              <a:rPr lang="en-US" dirty="0"/>
+              <a:t>Job roles vs attrition, age, income and working years</a:t>
+            </a:r>
+          </a:p>
+        </p:txBody>
+      </p:sp>
+      <p:pic>
+        <p:nvPicPr>
+          <p:cNvPr id="7" name="Picture 6">
+            <a:extLst>
+              <a:ext uri="{FF2B5EF4-FFF2-40B4-BE49-F238E27FC236}">
+                <a16:creationId xmlns:a16="http://schemas.microsoft.com/office/drawing/2014/main" id="{9089E002-E7C2-41DE-ABEC-288D2AF03A94}"/>
+              </a:ext>
+            </a:extLst>
+          </p:cNvPr>
+          <p:cNvPicPr>
+            <a:picLocks noChangeAspect="1"/>
+          </p:cNvPicPr>
+          <p:nvPr/>
+        </p:nvPicPr>
+        <p:blipFill rotWithShape="1">
+          <a:blip r:embed="rId3"/>
+          <a:srcRect t="9393" b="62474"/>
+          <a:stretch/>
+        </p:blipFill>
+        <p:spPr>
+          <a:xfrm>
+            <a:off x="3926618" y="2236622"/>
+            <a:ext cx="4585669" cy="1233328"/>
+          </a:xfrm>
+          <a:prstGeom prst="rect">
+            <a:avLst/>
+          </a:prstGeom>
+        </p:spPr>
+      </p:pic>
+      <p:pic>
+        <p:nvPicPr>
+          <p:cNvPr id="9" name="Picture 8">
+            <a:extLst>
+              <a:ext uri="{FF2B5EF4-FFF2-40B4-BE49-F238E27FC236}">
+                <a16:creationId xmlns:a16="http://schemas.microsoft.com/office/drawing/2014/main" id="{93EE14A8-F917-44A4-8D35-EA2ECEC0C3CA}"/>
+              </a:ext>
+            </a:extLst>
+          </p:cNvPr>
+          <p:cNvPicPr>
+            <a:picLocks noChangeAspect="1"/>
+          </p:cNvPicPr>
+          <p:nvPr/>
+        </p:nvPicPr>
+        <p:blipFill rotWithShape="1">
+          <a:blip r:embed="rId4"/>
+          <a:srcRect l="2122" t="10640" b="3885"/>
+          <a:stretch/>
+        </p:blipFill>
+        <p:spPr>
+          <a:xfrm>
+            <a:off x="473612" y="2008140"/>
+            <a:ext cx="3144788" cy="4285646"/>
+          </a:xfrm>
+          <a:prstGeom prst="rect">
+            <a:avLst/>
+          </a:prstGeom>
+        </p:spPr>
+      </p:pic>
+      <p:sp>
+        <p:nvSpPr>
+          <p:cNvPr id="10" name="Oval 9">
+            <a:extLst>
+              <a:ext uri="{FF2B5EF4-FFF2-40B4-BE49-F238E27FC236}">
+                <a16:creationId xmlns:a16="http://schemas.microsoft.com/office/drawing/2014/main" id="{39044617-B3FA-4A80-9C6A-05BF418E077E}"/>
+              </a:ext>
+            </a:extLst>
+          </p:cNvPr>
+          <p:cNvSpPr/>
+          <p:nvPr/>
+        </p:nvSpPr>
+        <p:spPr>
+          <a:xfrm>
+            <a:off x="3282049" y="3431987"/>
+            <a:ext cx="364545" cy="1342173"/>
+          </a:xfrm>
+          <a:prstGeom prst="ellipse">
+            <a:avLst/>
+          </a:prstGeom>
+          <a:solidFill>
+            <a:schemeClr val="accent3">
+              <a:alpha val="39000"/>
+            </a:schemeClr>
+          </a:solidFill>
+          <a:ln>
+            <a:prstDash val="dashDot"/>
+          </a:ln>
+        </p:spPr>
+        <p:style>
+          <a:lnRef idx="2">
+            <a:schemeClr val="accent1">
+              <a:shade val="50000"/>
+            </a:schemeClr>
+          </a:lnRef>
+          <a:fillRef idx="1">
+            <a:schemeClr val="accent1"/>
+          </a:fillRef>
+          <a:effectRef idx="0">
+            <a:schemeClr val="accent1"/>
+          </a:effectRef>
+          <a:fontRef idx="minor">
+            <a:schemeClr val="lt1"/>
+          </a:fontRef>
+        </p:style>
+        <p:txBody>
+          <a:bodyPr rtlCol="0" anchor="ctr"/>
+          <a:lstStyle/>
+          <a:p>
+            <a:pPr algn="ctr"/>
+            <a:endParaRPr lang="en-US"/>
+          </a:p>
+        </p:txBody>
+      </p:sp>
+      <p:sp>
+        <p:nvSpPr>
+          <p:cNvPr id="11" name="Speech Bubble: Rectangle 10">
+            <a:extLst>
+              <a:ext uri="{FF2B5EF4-FFF2-40B4-BE49-F238E27FC236}">
+                <a16:creationId xmlns:a16="http://schemas.microsoft.com/office/drawing/2014/main" id="{44176033-8149-4151-907B-37F59F32ED5C}"/>
+              </a:ext>
+            </a:extLst>
+          </p:cNvPr>
+          <p:cNvSpPr/>
+          <p:nvPr/>
+        </p:nvSpPr>
+        <p:spPr>
+          <a:xfrm>
+            <a:off x="1393820" y="2298521"/>
+            <a:ext cx="1888229" cy="968936"/>
+          </a:xfrm>
+          <a:prstGeom prst="wedgeRectCallout">
+            <a:avLst>
+              <a:gd name="adj1" fmla="val 32269"/>
+              <a:gd name="adj2" fmla="val 36668"/>
+            </a:avLst>
+          </a:prstGeom>
+          <a:solidFill>
+            <a:schemeClr val="bg2"/>
+          </a:solidFill>
+          <a:ln w="9525" cap="flat" cmpd="sng" algn="ctr">
+            <a:solidFill>
+              <a:schemeClr val="accent1"/>
+            </a:solidFill>
+            <a:prstDash val="solid"/>
+            <a:round/>
+            <a:headEnd type="none" w="med" len="med"/>
+            <a:tailEnd type="none" w="med" len="med"/>
+          </a:ln>
+        </p:spPr>
+        <p:style>
+          <a:lnRef idx="0">
+            <a:scrgbClr r="0" g="0" b="0"/>
+          </a:lnRef>
+          <a:fillRef idx="0">
+            <a:scrgbClr r="0" g="0" b="0"/>
+          </a:fillRef>
+          <a:effectRef idx="0">
+            <a:scrgbClr r="0" g="0" b="0"/>
+          </a:effectRef>
+          <a:fontRef idx="minor">
+            <a:schemeClr val="accent1"/>
+          </a:fontRef>
+        </p:style>
+        <p:txBody>
+          <a:bodyPr rtlCol="0" anchor="ctr"/>
+          <a:lstStyle/>
+          <a:p>
+            <a:r>
+              <a:rPr lang="en-US" sz="1200" b="1" dirty="0"/>
+              <a:t>Sales representative have the highest attrition at 40%. </a:t>
+            </a:r>
+            <a:r>
+              <a:rPr lang="en-US" sz="1200" dirty="0"/>
+              <a:t>Then HR and Lab Tech. at 23% and 24% respectively</a:t>
+            </a:r>
+          </a:p>
+        </p:txBody>
+      </p:sp>
+      <p:sp>
+        <p:nvSpPr>
+          <p:cNvPr id="12" name="Oval 11">
+            <a:extLst>
+              <a:ext uri="{FF2B5EF4-FFF2-40B4-BE49-F238E27FC236}">
+                <a16:creationId xmlns:a16="http://schemas.microsoft.com/office/drawing/2014/main" id="{42B50F67-E138-4345-8125-EB57487E8192}"/>
+              </a:ext>
+            </a:extLst>
+          </p:cNvPr>
+          <p:cNvSpPr/>
+          <p:nvPr/>
+        </p:nvSpPr>
+        <p:spPr>
+          <a:xfrm>
+            <a:off x="1237466" y="3879423"/>
+            <a:ext cx="745573" cy="906106"/>
+          </a:xfrm>
+          <a:prstGeom prst="ellipse">
+            <a:avLst/>
+          </a:prstGeom>
+          <a:solidFill>
+            <a:schemeClr val="accent3">
+              <a:alpha val="39000"/>
+            </a:schemeClr>
+          </a:solidFill>
+          <a:ln>
+            <a:prstDash val="dashDot"/>
+          </a:ln>
+        </p:spPr>
+        <p:style>
+          <a:lnRef idx="2">
+            <a:schemeClr val="accent1">
+              <a:shade val="50000"/>
+            </a:schemeClr>
+          </a:lnRef>
+          <a:fillRef idx="1">
+            <a:schemeClr val="accent1"/>
+          </a:fillRef>
+          <a:effectRef idx="0">
+            <a:schemeClr val="accent1"/>
+          </a:effectRef>
+          <a:fontRef idx="minor">
+            <a:schemeClr val="lt1"/>
+          </a:fontRef>
+        </p:style>
+        <p:txBody>
+          <a:bodyPr rtlCol="0" anchor="ctr"/>
+          <a:lstStyle/>
+          <a:p>
+            <a:pPr algn="ctr"/>
+            <a:endParaRPr lang="en-US"/>
+          </a:p>
+        </p:txBody>
+      </p:sp>
+      <p:cxnSp>
+        <p:nvCxnSpPr>
+          <p:cNvPr id="13" name="Straight Arrow Connector 12">
+            <a:extLst>
+              <a:ext uri="{FF2B5EF4-FFF2-40B4-BE49-F238E27FC236}">
+                <a16:creationId xmlns:a16="http://schemas.microsoft.com/office/drawing/2014/main" id="{76850AD3-B3CD-472B-A912-D4323550A8CF}"/>
+              </a:ext>
+            </a:extLst>
+          </p:cNvPr>
+          <p:cNvCxnSpPr>
+            <a:cxnSpLocks/>
+            <a:stCxn id="11" idx="2"/>
+          </p:cNvCxnSpPr>
+          <p:nvPr/>
+        </p:nvCxnSpPr>
+        <p:spPr>
+          <a:xfrm>
+            <a:off x="2337935" y="3267457"/>
+            <a:ext cx="805638" cy="262540"/>
+          </a:xfrm>
+          <a:prstGeom prst="straightConnector1">
+            <a:avLst/>
+          </a:prstGeom>
+          <a:ln>
+            <a:tailEnd type="triangle"/>
+          </a:ln>
+        </p:spPr>
+        <p:style>
+          <a:lnRef idx="1">
+            <a:schemeClr val="accent1"/>
+          </a:lnRef>
+          <a:fillRef idx="0">
+            <a:schemeClr val="accent1"/>
+          </a:fillRef>
+          <a:effectRef idx="0">
+            <a:schemeClr val="accent1"/>
+          </a:effectRef>
+          <a:fontRef idx="minor">
+            <a:schemeClr val="tx1"/>
+          </a:fontRef>
+        </p:style>
+      </p:cxnSp>
+      <p:cxnSp>
+        <p:nvCxnSpPr>
+          <p:cNvPr id="14" name="Straight Arrow Connector 13">
+            <a:extLst>
+              <a:ext uri="{FF2B5EF4-FFF2-40B4-BE49-F238E27FC236}">
+                <a16:creationId xmlns:a16="http://schemas.microsoft.com/office/drawing/2014/main" id="{F7BDFCA3-3251-4D11-B1CF-6AA549C501FE}"/>
+              </a:ext>
+            </a:extLst>
+          </p:cNvPr>
+          <p:cNvCxnSpPr>
+            <a:cxnSpLocks/>
+            <a:stCxn id="11" idx="2"/>
+          </p:cNvCxnSpPr>
+          <p:nvPr/>
+        </p:nvCxnSpPr>
+        <p:spPr>
+          <a:xfrm flipH="1">
+            <a:off x="1819599" y="3267457"/>
+            <a:ext cx="518336" cy="477614"/>
+          </a:xfrm>
+          <a:prstGeom prst="straightConnector1">
+            <a:avLst/>
+          </a:prstGeom>
+          <a:ln>
+            <a:tailEnd type="triangle"/>
+          </a:ln>
+        </p:spPr>
+        <p:style>
+          <a:lnRef idx="1">
+            <a:schemeClr val="accent1"/>
+          </a:lnRef>
+          <a:fillRef idx="0">
+            <a:schemeClr val="accent1"/>
+          </a:fillRef>
+          <a:effectRef idx="0">
+            <a:schemeClr val="accent1"/>
+          </a:effectRef>
+          <a:fontRef idx="minor">
+            <a:schemeClr val="tx1"/>
+          </a:fontRef>
+        </p:style>
+      </p:cxnSp>
+      <p:sp>
+        <p:nvSpPr>
+          <p:cNvPr id="15" name="TextBox 14">
+            <a:extLst>
+              <a:ext uri="{FF2B5EF4-FFF2-40B4-BE49-F238E27FC236}">
+                <a16:creationId xmlns:a16="http://schemas.microsoft.com/office/drawing/2014/main" id="{FABA3687-07CF-4507-B1D3-9EB48E5A8EDD}"/>
+              </a:ext>
+            </a:extLst>
+          </p:cNvPr>
+          <p:cNvSpPr txBox="1"/>
+          <p:nvPr/>
+        </p:nvSpPr>
+        <p:spPr>
+          <a:xfrm>
+            <a:off x="8670394" y="2271531"/>
+            <a:ext cx="3150511" cy="646331"/>
+          </a:xfrm>
+          <a:prstGeom prst="rect">
+            <a:avLst/>
+          </a:prstGeom>
+          <a:noFill/>
+        </p:spPr>
+        <p:txBody>
+          <a:bodyPr wrap="square" rtlCol="0">
+            <a:spAutoFit/>
+          </a:bodyPr>
+          <a:lstStyle/>
+          <a:p>
+            <a:pPr marL="91440" indent="-91440">
+              <a:buClr>
+                <a:schemeClr val="accent2"/>
+              </a:buClr>
+              <a:buFont typeface="Arial" panose="020B0604020202020204" pitchFamily="34" charset="0"/>
+              <a:buChar char="•"/>
+            </a:pPr>
+            <a:r>
+              <a:rPr lang="en-US" sz="1200" dirty="0"/>
+              <a:t>All job roles have a similar age range</a:t>
+            </a:r>
+          </a:p>
+          <a:p>
+            <a:pPr marL="91440" indent="-91440">
+              <a:buClr>
+                <a:schemeClr val="accent2"/>
+              </a:buClr>
+              <a:buFont typeface="Arial" panose="020B0604020202020204" pitchFamily="34" charset="0"/>
+              <a:buChar char="•"/>
+            </a:pPr>
+            <a:r>
+              <a:rPr lang="en-US" sz="1200" dirty="0"/>
+              <a:t>There is no a specific pattern between Age, Job Role and Attrition</a:t>
+            </a:r>
+          </a:p>
+        </p:txBody>
+      </p:sp>
+      <p:pic>
+        <p:nvPicPr>
+          <p:cNvPr id="17" name="Picture 16">
+            <a:extLst>
+              <a:ext uri="{FF2B5EF4-FFF2-40B4-BE49-F238E27FC236}">
+                <a16:creationId xmlns:a16="http://schemas.microsoft.com/office/drawing/2014/main" id="{82B33B7D-AB30-4659-82FC-43DFAE35CE82}"/>
+              </a:ext>
+            </a:extLst>
+          </p:cNvPr>
+          <p:cNvPicPr>
+            <a:picLocks noChangeAspect="1"/>
+          </p:cNvPicPr>
+          <p:nvPr/>
+        </p:nvPicPr>
+        <p:blipFill rotWithShape="1">
+          <a:blip r:embed="rId3"/>
+          <a:srcRect t="37525" b="34131"/>
+          <a:stretch/>
+        </p:blipFill>
+        <p:spPr>
+          <a:xfrm>
+            <a:off x="3926618" y="3469951"/>
+            <a:ext cx="4585669" cy="1242532"/>
+          </a:xfrm>
+          <a:prstGeom prst="rect">
+            <a:avLst/>
+          </a:prstGeom>
+        </p:spPr>
+      </p:pic>
+      <p:pic>
+        <p:nvPicPr>
+          <p:cNvPr id="18" name="Picture 17">
+            <a:extLst>
+              <a:ext uri="{FF2B5EF4-FFF2-40B4-BE49-F238E27FC236}">
+                <a16:creationId xmlns:a16="http://schemas.microsoft.com/office/drawing/2014/main" id="{D580AA46-A8DF-4D1A-9E75-2F2A79490D93}"/>
+              </a:ext>
+            </a:extLst>
+          </p:cNvPr>
+          <p:cNvPicPr>
+            <a:picLocks noChangeAspect="1"/>
+          </p:cNvPicPr>
+          <p:nvPr/>
+        </p:nvPicPr>
+        <p:blipFill rotWithShape="1">
+          <a:blip r:embed="rId3"/>
+          <a:srcRect t="65870" b="1"/>
+          <a:stretch/>
+        </p:blipFill>
+        <p:spPr>
+          <a:xfrm>
+            <a:off x="3926618" y="4712484"/>
+            <a:ext cx="4585669" cy="1496195"/>
+          </a:xfrm>
+          <a:prstGeom prst="rect">
+            <a:avLst/>
+          </a:prstGeom>
+        </p:spPr>
+      </p:pic>
+      <p:sp>
+        <p:nvSpPr>
+          <p:cNvPr id="20" name="Rectangle 19">
+            <a:extLst>
+              <a:ext uri="{FF2B5EF4-FFF2-40B4-BE49-F238E27FC236}">
+                <a16:creationId xmlns:a16="http://schemas.microsoft.com/office/drawing/2014/main" id="{8735C82B-9E40-4ABD-AD74-50F018F2CED5}"/>
+              </a:ext>
+            </a:extLst>
+          </p:cNvPr>
+          <p:cNvSpPr/>
+          <p:nvPr/>
+        </p:nvSpPr>
+        <p:spPr>
+          <a:xfrm>
+            <a:off x="8670395" y="1820756"/>
+            <a:ext cx="2543838" cy="338554"/>
+          </a:xfrm>
+          <a:prstGeom prst="rect">
+            <a:avLst/>
+          </a:prstGeom>
+        </p:spPr>
+        <p:txBody>
+          <a:bodyPr wrap="none">
+            <a:spAutoFit/>
+          </a:bodyPr>
+          <a:lstStyle/>
+          <a:p>
+            <a:r>
+              <a:rPr lang="en-US" sz="1600" b="1" dirty="0">
+                <a:solidFill>
+                  <a:schemeClr val="accent2"/>
+                </a:solidFill>
+              </a:rPr>
+              <a:t>Age / Job Role / Attrition</a:t>
+            </a:r>
+          </a:p>
+        </p:txBody>
+      </p:sp>
+      <p:pic>
+        <p:nvPicPr>
+          <p:cNvPr id="21" name="Picture 20">
+            <a:extLst>
+              <a:ext uri="{FF2B5EF4-FFF2-40B4-BE49-F238E27FC236}">
+                <a16:creationId xmlns:a16="http://schemas.microsoft.com/office/drawing/2014/main" id="{7F098498-BD7D-4799-8B4D-996278237D06}"/>
+              </a:ext>
+            </a:extLst>
+          </p:cNvPr>
+          <p:cNvPicPr>
+            <a:picLocks noChangeAspect="1"/>
+          </p:cNvPicPr>
+          <p:nvPr/>
+        </p:nvPicPr>
+        <p:blipFill rotWithShape="1">
+          <a:blip r:embed="rId5"/>
+          <a:srcRect l="81927" t="6383" r="8237" b="83715"/>
+          <a:stretch/>
+        </p:blipFill>
+        <p:spPr>
+          <a:xfrm>
+            <a:off x="11034965" y="6101851"/>
+            <a:ext cx="785941" cy="617320"/>
+          </a:xfrm>
+          <a:prstGeom prst="rect">
+            <a:avLst/>
+          </a:prstGeom>
+          <a:solidFill>
+            <a:schemeClr val="bg2"/>
+          </a:solidFill>
+          <a:ln>
+            <a:solidFill>
+              <a:schemeClr val="tx2"/>
+            </a:solidFill>
+          </a:ln>
+        </p:spPr>
+      </p:pic>
+      <p:sp>
+        <p:nvSpPr>
+          <p:cNvPr id="24" name="Rectangle 23">
+            <a:extLst>
+              <a:ext uri="{FF2B5EF4-FFF2-40B4-BE49-F238E27FC236}">
+                <a16:creationId xmlns:a16="http://schemas.microsoft.com/office/drawing/2014/main" id="{1E6A996C-045D-4728-80FD-F214608F400C}"/>
+              </a:ext>
+            </a:extLst>
+          </p:cNvPr>
+          <p:cNvSpPr/>
+          <p:nvPr/>
+        </p:nvSpPr>
+        <p:spPr>
+          <a:xfrm>
+            <a:off x="8670395" y="3180097"/>
+            <a:ext cx="2886752" cy="338554"/>
+          </a:xfrm>
+          <a:prstGeom prst="rect">
+            <a:avLst/>
+          </a:prstGeom>
+        </p:spPr>
+        <p:txBody>
+          <a:bodyPr wrap="none">
+            <a:spAutoFit/>
+          </a:bodyPr>
+          <a:lstStyle/>
+          <a:p>
+            <a:r>
+              <a:rPr lang="en-US" sz="1600" b="1" dirty="0">
+                <a:solidFill>
+                  <a:schemeClr val="accent2"/>
+                </a:solidFill>
+              </a:rPr>
+              <a:t>Income / Job Role / Attrition</a:t>
+            </a:r>
+          </a:p>
+        </p:txBody>
+      </p:sp>
+      <p:sp>
+        <p:nvSpPr>
+          <p:cNvPr id="25" name="Rectangle 24">
+            <a:extLst>
+              <a:ext uri="{FF2B5EF4-FFF2-40B4-BE49-F238E27FC236}">
+                <a16:creationId xmlns:a16="http://schemas.microsoft.com/office/drawing/2014/main" id="{899165DD-D20A-4C4D-8C34-331B2A1FDF74}"/>
+              </a:ext>
+            </a:extLst>
+          </p:cNvPr>
+          <p:cNvSpPr/>
+          <p:nvPr/>
+        </p:nvSpPr>
+        <p:spPr>
+          <a:xfrm>
+            <a:off x="8670395" y="4728702"/>
+            <a:ext cx="3539943" cy="338554"/>
+          </a:xfrm>
+          <a:prstGeom prst="rect">
+            <a:avLst/>
+          </a:prstGeom>
+        </p:spPr>
+        <p:txBody>
+          <a:bodyPr wrap="none">
+            <a:spAutoFit/>
+          </a:bodyPr>
+          <a:lstStyle/>
+          <a:p>
+            <a:r>
+              <a:rPr lang="en-US" sz="1600" b="1" dirty="0">
+                <a:solidFill>
+                  <a:schemeClr val="accent2"/>
+                </a:solidFill>
+              </a:rPr>
+              <a:t>Working Years / Job Role / Attrition</a:t>
+            </a:r>
+          </a:p>
+        </p:txBody>
+      </p:sp>
+      <p:sp>
+        <p:nvSpPr>
+          <p:cNvPr id="26" name="TextBox 25">
+            <a:extLst>
+              <a:ext uri="{FF2B5EF4-FFF2-40B4-BE49-F238E27FC236}">
+                <a16:creationId xmlns:a16="http://schemas.microsoft.com/office/drawing/2014/main" id="{5B3E7146-D481-49A2-99EE-808D11DCFA86}"/>
+              </a:ext>
+            </a:extLst>
+          </p:cNvPr>
+          <p:cNvSpPr txBox="1"/>
+          <p:nvPr/>
+        </p:nvSpPr>
+        <p:spPr>
+          <a:xfrm>
+            <a:off x="8670395" y="3602667"/>
+            <a:ext cx="3338725" cy="1015663"/>
+          </a:xfrm>
+          <a:prstGeom prst="rect">
+            <a:avLst/>
+          </a:prstGeom>
+          <a:noFill/>
+        </p:spPr>
+        <p:txBody>
+          <a:bodyPr wrap="square" rtlCol="0">
+            <a:spAutoFit/>
+          </a:bodyPr>
+          <a:lstStyle/>
+          <a:p>
+            <a:pPr marL="91440" indent="-91440">
+              <a:buClr>
+                <a:schemeClr val="accent2"/>
+              </a:buClr>
+              <a:buFont typeface="Arial" panose="020B0604020202020204" pitchFamily="34" charset="0"/>
+              <a:buChar char="•"/>
+            </a:pPr>
+            <a:r>
+              <a:rPr lang="en-US" sz="1200" dirty="0"/>
+              <a:t>Sales Reps, Lab Tech and Research Scientist are the lowest paid, which may explain the high attrition in this specific job role</a:t>
+            </a:r>
+          </a:p>
+          <a:p>
+            <a:pPr marL="91440" indent="-91440">
+              <a:buClr>
+                <a:schemeClr val="accent2"/>
+              </a:buClr>
+              <a:buFont typeface="Arial" panose="020B0604020202020204" pitchFamily="34" charset="0"/>
+              <a:buChar char="•"/>
+            </a:pPr>
+            <a:r>
+              <a:rPr lang="en-US" sz="1200" dirty="0"/>
+              <a:t>Job Roles with highest income have low attrition rates (e.g. Manager, Research Director)</a:t>
+            </a:r>
+          </a:p>
+        </p:txBody>
+      </p:sp>
+      <p:sp>
+        <p:nvSpPr>
+          <p:cNvPr id="27" name="TextBox 26">
+            <a:extLst>
+              <a:ext uri="{FF2B5EF4-FFF2-40B4-BE49-F238E27FC236}">
+                <a16:creationId xmlns:a16="http://schemas.microsoft.com/office/drawing/2014/main" id="{B1D3BAA9-4586-4860-A532-3D9A20079633}"/>
+              </a:ext>
+            </a:extLst>
+          </p:cNvPr>
+          <p:cNvSpPr txBox="1"/>
+          <p:nvPr/>
+        </p:nvSpPr>
+        <p:spPr>
+          <a:xfrm>
+            <a:off x="8792310" y="5169055"/>
+            <a:ext cx="3014327" cy="646331"/>
+          </a:xfrm>
+          <a:prstGeom prst="rect">
+            <a:avLst/>
+          </a:prstGeom>
+          <a:noFill/>
+        </p:spPr>
+        <p:txBody>
+          <a:bodyPr wrap="square" rtlCol="0">
+            <a:spAutoFit/>
+          </a:bodyPr>
+          <a:lstStyle/>
+          <a:p>
+            <a:pPr marL="91440" indent="-91440">
+              <a:buClr>
+                <a:schemeClr val="accent2"/>
+              </a:buClr>
+              <a:buFont typeface="Arial" panose="020B0604020202020204" pitchFamily="34" charset="0"/>
+              <a:buChar char="•"/>
+            </a:pPr>
+            <a:r>
+              <a:rPr lang="en-US" sz="1200" dirty="0"/>
+              <a:t>Irrespective of Job Role, it is expected for people to retire. After ~23 of working years, there is a more significant attrition</a:t>
+            </a:r>
+          </a:p>
+        </p:txBody>
+      </p:sp>
+      <p:pic>
+        <p:nvPicPr>
+          <p:cNvPr id="28" name="Picture 27">
+            <a:extLst>
+              <a:ext uri="{FF2B5EF4-FFF2-40B4-BE49-F238E27FC236}">
+                <a16:creationId xmlns:a16="http://schemas.microsoft.com/office/drawing/2014/main" id="{4B7E9381-9195-4905-BE65-2CBC79597F35}"/>
+              </a:ext>
+            </a:extLst>
+          </p:cNvPr>
+          <p:cNvPicPr>
+            <a:picLocks noChangeAspect="1"/>
+          </p:cNvPicPr>
+          <p:nvPr/>
+        </p:nvPicPr>
+        <p:blipFill rotWithShape="1">
+          <a:blip r:embed="rId3"/>
+          <a:srcRect t="94199" b="1"/>
+          <a:stretch/>
+        </p:blipFill>
+        <p:spPr>
+          <a:xfrm>
+            <a:off x="3926617" y="1982332"/>
+            <a:ext cx="4585669" cy="254289"/>
+          </a:xfrm>
+          <a:prstGeom prst="rect">
+            <a:avLst/>
+          </a:prstGeom>
+        </p:spPr>
+      </p:pic>
+    </p:spTree>
+    <p:extLst>
+      <p:ext uri="{BB962C8B-B14F-4D97-AF65-F5344CB8AC3E}">
+        <p14:creationId xmlns:p14="http://schemas.microsoft.com/office/powerpoint/2010/main" val="2562096445"/>
+      </p:ext>
+    </p:extLst>
+  </p:cSld>
+  <p:clrMapOvr>
+    <a:masterClrMapping/>
+  </p:clrMapOvr>
+  <p:timing>
+    <p:tnLst>
+      <p:par>
+        <p:cTn id="1" dur="indefinite" restart="never" nodeType="tmRoot">
+          <p:childTnLst>
+            <p:seq concurrent="1" nextAc="seek">
+              <p:cTn id="2" dur="indefinite" nodeType="mainSeq">
+                <p:childTnLst>
+                  <p:par>
+                    <p:cTn id="3" fill="hold">
+                      <p:stCondLst>
+                        <p:cond delay="indefinite"/>
+                      </p:stCondLst>
+                      <p:childTnLst>
+                        <p:par>
+                          <p:cTn id="4" fill="hold">
+                            <p:stCondLst>
+                              <p:cond delay="0"/>
+                            </p:stCondLst>
+                            <p:childTnLst>
+                              <p:par>
+                                <p:cTn id="5" presetID="1" presetClass="entr" presetSubtype="0" fill="hold" nodeType="clickEffect">
+                                  <p:stCondLst>
+                                    <p:cond delay="0"/>
+                                  </p:stCondLst>
+                                  <p:childTnLst>
+                                    <p:set>
+                                      <p:cBhvr>
+                                        <p:cTn id="6" dur="1" fill="hold">
+                                          <p:stCondLst>
+                                            <p:cond delay="0"/>
+                                          </p:stCondLst>
+                                        </p:cTn>
+                                        <p:tgtEl>
+                                          <p:spTgt spid="7"/>
+                                        </p:tgtEl>
+                                        <p:attrNameLst>
+                                          <p:attrName>style.visibility</p:attrName>
+                                        </p:attrNameLst>
+                                      </p:cBhvr>
+                                      <p:to>
+                                        <p:strVal val="visible"/>
+                                      </p:to>
+                                    </p:set>
+                                  </p:childTnLst>
+                                </p:cTn>
+                              </p:par>
+                              <p:par>
+                                <p:cTn id="7" presetID="1" presetClass="entr" presetSubtype="0" fill="hold" grpId="0" nodeType="withEffect">
+                                  <p:stCondLst>
+                                    <p:cond delay="0"/>
+                                  </p:stCondLst>
+                                  <p:childTnLst>
+                                    <p:set>
+                                      <p:cBhvr>
+                                        <p:cTn id="8" dur="1" fill="hold">
+                                          <p:stCondLst>
+                                            <p:cond delay="0"/>
+                                          </p:stCondLst>
+                                        </p:cTn>
+                                        <p:tgtEl>
+                                          <p:spTgt spid="15"/>
+                                        </p:tgtEl>
+                                        <p:attrNameLst>
+                                          <p:attrName>style.visibility</p:attrName>
+                                        </p:attrNameLst>
+                                      </p:cBhvr>
+                                      <p:to>
+                                        <p:strVal val="visible"/>
+                                      </p:to>
+                                    </p:set>
+                                  </p:childTnLst>
+                                </p:cTn>
+                              </p:par>
+                              <p:par>
+                                <p:cTn id="9" presetID="1" presetClass="entr" presetSubtype="0" fill="hold" grpId="0" nodeType="withEffect">
+                                  <p:stCondLst>
+                                    <p:cond delay="0"/>
+                                  </p:stCondLst>
+                                  <p:childTnLst>
+                                    <p:set>
+                                      <p:cBhvr>
+                                        <p:cTn id="10" dur="1" fill="hold">
+                                          <p:stCondLst>
+                                            <p:cond delay="0"/>
+                                          </p:stCondLst>
+                                        </p:cTn>
+                                        <p:tgtEl>
+                                          <p:spTgt spid="20"/>
+                                        </p:tgtEl>
+                                        <p:attrNameLst>
+                                          <p:attrName>style.visibility</p:attrName>
+                                        </p:attrNameLst>
+                                      </p:cBhvr>
+                                      <p:to>
+                                        <p:strVal val="visible"/>
+                                      </p:to>
+                                    </p:set>
+                                  </p:childTnLst>
+                                </p:cTn>
+                              </p:par>
+                              <p:par>
+                                <p:cTn id="11" presetID="1" presetClass="entr" presetSubtype="0" fill="hold" nodeType="withEffect">
+                                  <p:stCondLst>
+                                    <p:cond delay="0"/>
+                                  </p:stCondLst>
+                                  <p:childTnLst>
+                                    <p:set>
+                                      <p:cBhvr>
+                                        <p:cTn id="12" dur="1" fill="hold">
+                                          <p:stCondLst>
+                                            <p:cond delay="0"/>
+                                          </p:stCondLst>
+                                        </p:cTn>
+                                        <p:tgtEl>
+                                          <p:spTgt spid="28"/>
+                                        </p:tgtEl>
+                                        <p:attrNameLst>
+                                          <p:attrName>style.visibility</p:attrName>
+                                        </p:attrNameLst>
+                                      </p:cBhvr>
+                                      <p:to>
+                                        <p:strVal val="visible"/>
+                                      </p:to>
+                                    </p:set>
+                                  </p:childTnLst>
+                                </p:cTn>
+                              </p:par>
+                            </p:childTnLst>
+                          </p:cTn>
+                        </p:par>
+                      </p:childTnLst>
+                    </p:cTn>
+                  </p:par>
+                  <p:par>
+                    <p:cTn id="13" fill="hold">
+                      <p:stCondLst>
+                        <p:cond delay="indefinite"/>
+                      </p:stCondLst>
+                      <p:childTnLst>
+                        <p:par>
+                          <p:cTn id="14" fill="hold">
+                            <p:stCondLst>
+                              <p:cond delay="0"/>
+                            </p:stCondLst>
+                            <p:childTnLst>
+                              <p:par>
+                                <p:cTn id="15" presetID="1" presetClass="entr" presetSubtype="0" fill="hold" nodeType="clickEffect">
+                                  <p:stCondLst>
+                                    <p:cond delay="0"/>
+                                  </p:stCondLst>
+                                  <p:childTnLst>
+                                    <p:set>
+                                      <p:cBhvr>
+                                        <p:cTn id="16" dur="1" fill="hold">
+                                          <p:stCondLst>
+                                            <p:cond delay="0"/>
+                                          </p:stCondLst>
+                                        </p:cTn>
+                                        <p:tgtEl>
+                                          <p:spTgt spid="17"/>
+                                        </p:tgtEl>
+                                        <p:attrNameLst>
+                                          <p:attrName>style.visibility</p:attrName>
+                                        </p:attrNameLst>
+                                      </p:cBhvr>
+                                      <p:to>
+                                        <p:strVal val="visible"/>
+                                      </p:to>
+                                    </p:set>
+                                  </p:childTnLst>
+                                </p:cTn>
+                              </p:par>
+                              <p:par>
+                                <p:cTn id="17" presetID="1" presetClass="entr" presetSubtype="0" fill="hold" grpId="0" nodeType="withEffect">
+                                  <p:stCondLst>
+                                    <p:cond delay="0"/>
+                                  </p:stCondLst>
+                                  <p:childTnLst>
+                                    <p:set>
+                                      <p:cBhvr>
+                                        <p:cTn id="18" dur="1" fill="hold">
+                                          <p:stCondLst>
+                                            <p:cond delay="0"/>
+                                          </p:stCondLst>
+                                        </p:cTn>
+                                        <p:tgtEl>
+                                          <p:spTgt spid="26"/>
+                                        </p:tgtEl>
+                                        <p:attrNameLst>
+                                          <p:attrName>style.visibility</p:attrName>
+                                        </p:attrNameLst>
+                                      </p:cBhvr>
+                                      <p:to>
+                                        <p:strVal val="visible"/>
+                                      </p:to>
+                                    </p:set>
+                                  </p:childTnLst>
+                                </p:cTn>
+                              </p:par>
+                              <p:par>
+                                <p:cTn id="19" presetID="1" presetClass="entr" presetSubtype="0" fill="hold" grpId="0" nodeType="withEffect">
+                                  <p:stCondLst>
+                                    <p:cond delay="0"/>
+                                  </p:stCondLst>
+                                  <p:childTnLst>
+                                    <p:set>
+                                      <p:cBhvr>
+                                        <p:cTn id="20" dur="1" fill="hold">
+                                          <p:stCondLst>
+                                            <p:cond delay="0"/>
+                                          </p:stCondLst>
+                                        </p:cTn>
+                                        <p:tgtEl>
+                                          <p:spTgt spid="24"/>
+                                        </p:tgtEl>
+                                        <p:attrNameLst>
+                                          <p:attrName>style.visibility</p:attrName>
+                                        </p:attrNameLst>
+                                      </p:cBhvr>
+                                      <p:to>
+                                        <p:strVal val="visible"/>
+                                      </p:to>
+                                    </p:set>
+                                  </p:childTnLst>
+                                </p:cTn>
+                              </p:par>
+                            </p:childTnLst>
+                          </p:cTn>
+                        </p:par>
+                      </p:childTnLst>
+                    </p:cTn>
+                  </p:par>
+                  <p:par>
+                    <p:cTn id="21" fill="hold">
+                      <p:stCondLst>
+                        <p:cond delay="indefinite"/>
+                      </p:stCondLst>
+                      <p:childTnLst>
+                        <p:par>
+                          <p:cTn id="22" fill="hold">
+                            <p:stCondLst>
+                              <p:cond delay="0"/>
+                            </p:stCondLst>
+                            <p:childTnLst>
+                              <p:par>
+                                <p:cTn id="23" presetID="1" presetClass="entr" presetSubtype="0" fill="hold" nodeType="clickEffect">
+                                  <p:stCondLst>
+                                    <p:cond delay="0"/>
+                                  </p:stCondLst>
+                                  <p:childTnLst>
+                                    <p:set>
+                                      <p:cBhvr>
+                                        <p:cTn id="24" dur="1" fill="hold">
+                                          <p:stCondLst>
+                                            <p:cond delay="0"/>
+                                          </p:stCondLst>
+                                        </p:cTn>
+                                        <p:tgtEl>
+                                          <p:spTgt spid="18"/>
+                                        </p:tgtEl>
+                                        <p:attrNameLst>
+                                          <p:attrName>style.visibility</p:attrName>
+                                        </p:attrNameLst>
+                                      </p:cBhvr>
+                                      <p:to>
+                                        <p:strVal val="visible"/>
+                                      </p:to>
+                                    </p:set>
+                                  </p:childTnLst>
+                                </p:cTn>
+                              </p:par>
+                              <p:par>
+                                <p:cTn id="25" presetID="1" presetClass="entr" presetSubtype="0" fill="hold" grpId="0" nodeType="withEffect">
+                                  <p:stCondLst>
+                                    <p:cond delay="0"/>
+                                  </p:stCondLst>
+                                  <p:childTnLst>
+                                    <p:set>
+                                      <p:cBhvr>
+                                        <p:cTn id="26" dur="1" fill="hold">
+                                          <p:stCondLst>
+                                            <p:cond delay="0"/>
+                                          </p:stCondLst>
+                                        </p:cTn>
+                                        <p:tgtEl>
+                                          <p:spTgt spid="25"/>
+                                        </p:tgtEl>
+                                        <p:attrNameLst>
+                                          <p:attrName>style.visibility</p:attrName>
+                                        </p:attrNameLst>
+                                      </p:cBhvr>
+                                      <p:to>
+                                        <p:strVal val="visible"/>
+                                      </p:to>
+                                    </p:set>
+                                  </p:childTnLst>
+                                </p:cTn>
+                              </p:par>
+                              <p:par>
+                                <p:cTn id="27" presetID="1" presetClass="entr" presetSubtype="0" fill="hold" grpId="0" nodeType="withEffect">
+                                  <p:stCondLst>
+                                    <p:cond delay="0"/>
+                                  </p:stCondLst>
+                                  <p:childTnLst>
+                                    <p:set>
+                                      <p:cBhvr>
+                                        <p:cTn id="28" dur="1" fill="hold">
+                                          <p:stCondLst>
+                                            <p:cond delay="0"/>
+                                          </p:stCondLst>
+                                        </p:cTn>
+                                        <p:tgtEl>
+                                          <p:spTgt spid="27"/>
+                                        </p:tgtEl>
+                                        <p:attrNameLst>
+                                          <p:attrName>style.visibility</p:attrName>
+                                        </p:attrNameLst>
+                                      </p:cBhvr>
+                                      <p:to>
+                                        <p:strVal val="visible"/>
+                                      </p:to>
+                                    </p:set>
+                                  </p:childTnLst>
+                                </p:cTn>
+                              </p:par>
+                            </p:childTnLst>
+                          </p:cTn>
+                        </p:par>
+                      </p:childTnLst>
+                    </p:cTn>
+                  </p:par>
+                </p:childTnLst>
+              </p:cTn>
+              <p:prevCondLst>
+                <p:cond evt="onPrev" delay="0">
+                  <p:tgtEl>
+                    <p:sldTgt/>
+                  </p:tgtEl>
+                </p:cond>
+              </p:prevCondLst>
+              <p:nextCondLst>
+                <p:cond evt="onNext" delay="0">
+                  <p:tgtEl>
+                    <p:sldTgt/>
+                  </p:tgtEl>
+                </p:cond>
+              </p:nextCondLst>
+            </p:seq>
+          </p:childTnLst>
+        </p:cTn>
+      </p:par>
+    </p:tnLst>
+    <p:bldLst>
+      <p:bldP spid="15" grpId="0"/>
+      <p:bldP spid="20" grpId="0"/>
+      <p:bldP spid="24" grpId="0"/>
+      <p:bldP spid="25" grpId="0"/>
+      <p:bldP spid="26" grpId="0"/>
+      <p:bldP spid="27" grpId="0"/>
+    </p:bldLst>
+  </p:timing>
+</p:sld>
+</file>
+
+<file path=ppt/slides/slide8.xml><?xml version="1.0" encoding="utf-8"?>
 <p:sld xmlns:a="http://schemas.openxmlformats.org/drawingml/2006/main" xmlns:r="http://schemas.openxmlformats.org/officeDocument/2006/relationships" xmlns:p="http://schemas.openxmlformats.org/presentationml/2006/main">
   <p:cSld>
     <p:spTree>
@@ -18818,109 +20314,6 @@
 </p:sld>
 </file>
 
-<file path=ppt/slides/slide8.xml><?xml version="1.0" encoding="utf-8"?>
-<p:sld xmlns:a="http://schemas.openxmlformats.org/drawingml/2006/main" xmlns:r="http://schemas.openxmlformats.org/officeDocument/2006/relationships" xmlns:p="http://schemas.openxmlformats.org/presentationml/2006/main">
-  <p:cSld>
-    <p:spTree>
-      <p:nvGrpSpPr>
-        <p:cNvPr id="1" name=""/>
-        <p:cNvGrpSpPr/>
-        <p:nvPr/>
-      </p:nvGrpSpPr>
-      <p:grpSpPr>
-        <a:xfrm>
-          <a:off x="0" y="0"/>
-          <a:ext cx="0" cy="0"/>
-          <a:chOff x="0" y="0"/>
-          <a:chExt cx="0" cy="0"/>
-        </a:xfrm>
-      </p:grpSpPr>
-      <p:sp>
-        <p:nvSpPr>
-          <p:cNvPr id="2" name="Title 1">
-            <a:extLst>
-              <a:ext uri="{FF2B5EF4-FFF2-40B4-BE49-F238E27FC236}">
-                <a16:creationId xmlns:a16="http://schemas.microsoft.com/office/drawing/2014/main" id="{4D47171A-6325-4B30-B4C6-E7881E72E0FB}"/>
-              </a:ext>
-            </a:extLst>
-          </p:cNvPr>
-          <p:cNvSpPr>
-            <a:spLocks noGrp="1"/>
-          </p:cNvSpPr>
-          <p:nvPr>
-            <p:ph type="title"/>
-          </p:nvPr>
-        </p:nvSpPr>
-        <p:spPr/>
-        <p:txBody>
-          <a:bodyPr>
-            <a:normAutofit fontScale="90000"/>
-          </a:bodyPr>
-          <a:lstStyle/>
-          <a:p>
-            <a:r>
-              <a:rPr lang="en-US" dirty="0"/>
-              <a:t>Importance of a predictive model</a:t>
-            </a:r>
-          </a:p>
-        </p:txBody>
-      </p:sp>
-      <p:sp>
-        <p:nvSpPr>
-          <p:cNvPr id="3" name="TextBox 2">
-            <a:extLst>
-              <a:ext uri="{FF2B5EF4-FFF2-40B4-BE49-F238E27FC236}">
-                <a16:creationId xmlns:a16="http://schemas.microsoft.com/office/drawing/2014/main" id="{D7B83EF1-AEA5-4A25-B572-B38DF410AE85}"/>
-              </a:ext>
-            </a:extLst>
-          </p:cNvPr>
-          <p:cNvSpPr txBox="1"/>
-          <p:nvPr/>
-        </p:nvSpPr>
-        <p:spPr>
-          <a:xfrm>
-            <a:off x="709613" y="1966913"/>
-            <a:ext cx="5742021" cy="369332"/>
-          </a:xfrm>
-          <a:prstGeom prst="rect">
-            <a:avLst/>
-          </a:prstGeom>
-          <a:noFill/>
-        </p:spPr>
-        <p:txBody>
-          <a:bodyPr wrap="none" rtlCol="0">
-            <a:spAutoFit/>
-          </a:bodyPr>
-          <a:lstStyle/>
-          <a:p>
-            <a:pPr marL="285750" indent="-285750">
-              <a:buFont typeface="Arial" panose="020B0604020202020204" pitchFamily="34" charset="0"/>
-              <a:buChar char="•"/>
-            </a:pPr>
-            <a:r>
-              <a:rPr lang="en-US" dirty="0"/>
-              <a:t>The predictive model allows to combine all </a:t>
-            </a:r>
-            <a:r>
-              <a:rPr lang="en-US"/>
-              <a:t>the variables</a:t>
-            </a:r>
-          </a:p>
-        </p:txBody>
-      </p:sp>
-    </p:spTree>
-    <p:extLst>
-      <p:ext uri="{BB962C8B-B14F-4D97-AF65-F5344CB8AC3E}">
-        <p14:creationId xmlns:p14="http://schemas.microsoft.com/office/powerpoint/2010/main" val="2727743056"/>
-      </p:ext>
-    </p:extLst>
-  </p:cSld>
-  <p:clrMapOvr>
-    <a:masterClrMapping/>
-  </p:clrMapOvr>
-</p:sld>
-</file>
-
 <file path=ppt/slides/slide9.xml><?xml version="1.0" encoding="utf-8"?>
 <p:sld xmlns:a="http://schemas.openxmlformats.org/drawingml/2006/main" xmlns:r="http://schemas.openxmlformats.org/officeDocument/2006/relationships" xmlns:p="http://schemas.openxmlformats.org/presentationml/2006/main">
   <p:cSld>
@@ -18985,14 +20378,14 @@
               <p:nvPr>
                 <p:extLst>
                   <p:ext uri="{D42A27DB-BD31-4B8C-83A1-F6EECF244321}">
-                    <p14:modId xmlns:p14="http://schemas.microsoft.com/office/powerpoint/2010/main" val="2803165228"/>
+                    <p14:modId xmlns:p14="http://schemas.microsoft.com/office/powerpoint/2010/main" val="505360017"/>
                   </p:ext>
                 </p:extLst>
               </p:nvPr>
             </p:nvGraphicFramePr>
             <p:xfrm>
-              <a:off x="1120022" y="3038397"/>
-              <a:ext cx="10039483" cy="2878805"/>
+              <a:off x="1076258" y="3784058"/>
+              <a:ext cx="10039483" cy="2338687"/>
             </p:xfrm>
             <a:graphic>
               <a:graphicData uri="http://schemas.openxmlformats.org/drawingml/2006/table">
@@ -19030,14 +20423,14 @@
                       </a:extLst>
                     </a:gridCol>
                   </a:tblGrid>
-                  <a:tr h="794207">
+                  <a:tr h="662287">
                     <a:tc>
                       <a:txBody>
                         <a:bodyPr/>
                         <a:lstStyle/>
                         <a:p>
                           <a:r>
-                            <a:rPr lang="en-US" sz="1600" dirty="0"/>
+                            <a:rPr lang="en-US" sz="1200" dirty="0"/>
                             <a:t>Requirements</a:t>
                           </a:r>
                         </a:p>
@@ -19055,7 +20448,7 @@
                         <a:p>
                           <a:pPr algn="ctr"/>
                           <a:r>
-                            <a:rPr lang="en-US" sz="1600" dirty="0"/>
+                            <a:rPr lang="en-US" sz="1200" dirty="0"/>
                             <a:t>Logistic Regression Analysis</a:t>
                           </a:r>
                         </a:p>
@@ -19073,7 +20466,7 @@
                         <a:p>
                           <a:pPr algn="ctr"/>
                           <a:r>
-                            <a:rPr lang="en-US" sz="1600" dirty="0"/>
+                            <a:rPr lang="en-US" sz="1200" dirty="0"/>
                             <a:t>Forward, Backward, Stepwise Method</a:t>
                           </a:r>
                         </a:p>
@@ -19091,7 +20484,7 @@
                         <a:p>
                           <a:pPr algn="ctr"/>
                           <a:r>
-                            <a:rPr lang="en-US" sz="1600" dirty="0"/>
+                            <a:rPr lang="en-US" sz="1200" dirty="0"/>
                             <a:t>Linear Discriminant Analysis</a:t>
                           </a:r>
                         </a:p>
@@ -19108,14 +20501,14 @@
                       </a:ext>
                     </a:extLst>
                   </a:tr>
-                  <a:tr h="411169">
+                  <a:tr h="330893">
                     <a:tc>
                       <a:txBody>
                         <a:bodyPr/>
                         <a:lstStyle/>
                         <a:p>
                           <a:r>
-                            <a:rPr lang="en-US" dirty="0">
+                            <a:rPr lang="en-US" sz="1400" dirty="0">
                               <a:solidFill>
                                 <a:schemeClr val="tx2"/>
                               </a:solidFill>
@@ -19137,7 +20530,7 @@
                         <a:p>
                           <a:pPr algn="ctr"/>
                           <a:r>
-                            <a:rPr lang="en-US" sz="2000" b="1" dirty="0">
+                            <a:rPr lang="en-US" sz="1600" b="1" dirty="0">
                               <a:solidFill>
                                 <a:schemeClr val="accent6"/>
                               </a:solidFill>
@@ -19146,7 +20539,7 @@
                             </a:rPr>
                             <a:t></a:t>
                           </a:r>
-                          <a:endParaRPr lang="en-US" sz="2000" b="1" dirty="0">
+                          <a:endParaRPr lang="en-US" sz="1600" b="1" dirty="0">
                             <a:solidFill>
                               <a:schemeClr val="accent6"/>
                             </a:solidFill>
@@ -19183,7 +20576,7 @@
                             <a:defRPr/>
                           </a:pPr>
                           <a:r>
-                            <a:rPr kumimoji="0" lang="en-US" sz="2000" b="1" i="0" u="none" strike="noStrike" kern="1200" cap="none" spc="0" normalizeH="0" baseline="0" noProof="0">
+                            <a:rPr kumimoji="0" lang="en-US" sz="1600" b="1" i="0" u="none" strike="noStrike" kern="1200" cap="none" spc="0" normalizeH="0" baseline="0" noProof="0">
                               <a:ln>
                                 <a:noFill/>
                               </a:ln>
@@ -19200,7 +20593,7 @@
                             </a:rPr>
                             <a:t></a:t>
                           </a:r>
-                          <a:endParaRPr kumimoji="0" lang="en-US" sz="2000" b="1" i="0" u="none" strike="noStrike" kern="1200" cap="none" spc="0" normalizeH="0" baseline="0" noProof="0" dirty="0">
+                          <a:endParaRPr kumimoji="0" lang="en-US" sz="1600" b="1" i="0" u="none" strike="noStrike" kern="1200" cap="none" spc="0" normalizeH="0" baseline="0" noProof="0" dirty="0">
                             <a:ln>
                               <a:noFill/>
                             </a:ln>
@@ -19245,7 +20638,7 @@
                             <a:defRPr/>
                           </a:pPr>
                           <a:r>
-                            <a:rPr kumimoji="0" lang="en-US" sz="2000" b="1" i="0" u="none" strike="noStrike" kern="1200" cap="none" spc="0" normalizeH="0" baseline="0" noProof="0" dirty="0">
+                            <a:rPr kumimoji="0" lang="en-US" sz="1600" b="1" i="0" u="none" strike="noStrike" kern="1200" cap="none" spc="0" normalizeH="0" baseline="0" noProof="0" dirty="0">
                               <a:ln>
                                 <a:noFill/>
                               </a:ln>
@@ -19262,7 +20655,7 @@
                             </a:rPr>
                             <a:t></a:t>
                           </a:r>
-                          <a:endParaRPr kumimoji="0" lang="en-US" sz="2000" b="1" i="0" u="none" strike="noStrike" kern="1200" cap="none" spc="0" normalizeH="0" baseline="0" noProof="0" dirty="0">
+                          <a:endParaRPr kumimoji="0" lang="en-US" sz="1600" b="1" i="0" u="none" strike="noStrike" kern="1200" cap="none" spc="0" normalizeH="0" baseline="0" noProof="0" dirty="0">
                             <a:ln>
                               <a:noFill/>
                             </a:ln>
@@ -19290,14 +20683,14 @@
                       </a:ext>
                     </a:extLst>
                   </a:tr>
-                  <a:tr h="411169">
+                  <a:tr h="330893">
                     <a:tc>
                       <a:txBody>
                         <a:bodyPr/>
                         <a:lstStyle/>
                         <a:p>
                           <a:r>
-                            <a:rPr lang="en-US" dirty="0">
+                            <a:rPr lang="en-US" sz="1400" dirty="0">
                               <a:solidFill>
                                 <a:schemeClr val="tx2"/>
                               </a:solidFill>
@@ -19335,7 +20728,7 @@
                             <a:defRPr/>
                           </a:pPr>
                           <a:r>
-                            <a:rPr kumimoji="0" lang="en-US" sz="2000" b="1" i="0" u="none" strike="noStrike" kern="1200" cap="none" spc="0" normalizeH="0" baseline="0" noProof="0" dirty="0">
+                            <a:rPr kumimoji="0" lang="en-US" sz="1600" b="1" i="0" u="none" strike="noStrike" kern="1200" cap="none" spc="0" normalizeH="0" baseline="0" noProof="0" dirty="0">
                               <a:ln>
                                 <a:noFill/>
                               </a:ln>
@@ -19352,7 +20745,7 @@
                             </a:rPr>
                             <a:t></a:t>
                           </a:r>
-                          <a:endParaRPr kumimoji="0" lang="en-US" sz="2000" b="1" i="0" u="none" strike="noStrike" kern="1200" cap="none" spc="0" normalizeH="0" baseline="0" noProof="0" dirty="0">
+                          <a:endParaRPr kumimoji="0" lang="en-US" sz="1600" b="1" i="0" u="none" strike="noStrike" kern="1200" cap="none" spc="0" normalizeH="0" baseline="0" noProof="0" dirty="0">
                             <a:ln>
                               <a:noFill/>
                             </a:ln>
@@ -19397,7 +20790,7 @@
                             <a:defRPr/>
                           </a:pPr>
                           <a:r>
-                            <a:rPr kumimoji="0" lang="en-US" sz="2000" b="1" i="0" u="none" strike="noStrike" kern="1200" cap="none" spc="0" normalizeH="0" baseline="0" noProof="0">
+                            <a:rPr kumimoji="0" lang="en-US" sz="1600" b="1" i="0" u="none" strike="noStrike" kern="1200" cap="none" spc="0" normalizeH="0" baseline="0" noProof="0">
                               <a:ln>
                                 <a:noFill/>
                               </a:ln>
@@ -19414,7 +20807,7 @@
                             </a:rPr>
                             <a:t></a:t>
                           </a:r>
-                          <a:endParaRPr kumimoji="0" lang="en-US" sz="2000" b="1" i="0" u="none" strike="noStrike" kern="1200" cap="none" spc="0" normalizeH="0" baseline="0" noProof="0" dirty="0">
+                          <a:endParaRPr kumimoji="0" lang="en-US" sz="1600" b="1" i="0" u="none" strike="noStrike" kern="1200" cap="none" spc="0" normalizeH="0" baseline="0" noProof="0" dirty="0">
                             <a:ln>
                               <a:noFill/>
                             </a:ln>
@@ -19459,7 +20852,7 @@
                             <a:defRPr/>
                           </a:pPr>
                           <a:r>
-                            <a:rPr kumimoji="0" lang="en-US" sz="2000" b="1" i="0" u="none" strike="noStrike" kern="1200" cap="none" spc="0" normalizeH="0" baseline="0" noProof="0" dirty="0">
+                            <a:rPr kumimoji="0" lang="en-US" sz="1600" b="1" i="0" u="none" strike="noStrike" kern="1200" cap="none" spc="0" normalizeH="0" baseline="0" noProof="0" dirty="0">
                               <a:ln>
                                 <a:noFill/>
                               </a:ln>
@@ -19476,7 +20869,7 @@
                             </a:rPr>
                             <a:t></a:t>
                           </a:r>
-                          <a:endParaRPr kumimoji="0" lang="en-US" sz="2000" b="1" i="0" u="none" strike="noStrike" kern="1200" cap="none" spc="0" normalizeH="0" baseline="0" noProof="0" dirty="0">
+                          <a:endParaRPr kumimoji="0" lang="en-US" sz="1600" b="1" i="0" u="none" strike="noStrike" kern="1200" cap="none" spc="0" normalizeH="0" baseline="0" noProof="0" dirty="0">
                             <a:ln>
                               <a:noFill/>
                             </a:ln>
@@ -19504,14 +20897,14 @@
                       </a:ext>
                     </a:extLst>
                   </a:tr>
-                  <a:tr h="411169">
+                  <a:tr h="330893">
                     <a:tc>
                       <a:txBody>
                         <a:bodyPr/>
                         <a:lstStyle/>
                         <a:p>
                           <a:r>
-                            <a:rPr lang="en-US" dirty="0">
+                            <a:rPr lang="en-US" sz="1400" dirty="0">
                               <a:solidFill>
                                 <a:schemeClr val="tx2"/>
                               </a:solidFill>
@@ -19549,7 +20942,7 @@
                             <a:defRPr/>
                           </a:pPr>
                           <a:r>
-                            <a:rPr kumimoji="0" lang="en-US" sz="2000" b="1" i="0" u="none" strike="noStrike" kern="1200" cap="none" spc="0" normalizeH="0" baseline="0" noProof="0" dirty="0">
+                            <a:rPr kumimoji="0" lang="en-US" sz="1600" b="1" i="0" u="none" strike="noStrike" kern="1200" cap="none" spc="0" normalizeH="0" baseline="0" noProof="0" dirty="0">
                               <a:ln>
                                 <a:noFill/>
                               </a:ln>
@@ -19566,7 +20959,7 @@
                             </a:rPr>
                             <a:t></a:t>
                           </a:r>
-                          <a:endParaRPr kumimoji="0" lang="en-US" sz="2000" b="1" i="0" u="none" strike="noStrike" kern="1200" cap="none" spc="0" normalizeH="0" baseline="0" noProof="0" dirty="0">
+                          <a:endParaRPr kumimoji="0" lang="en-US" sz="1600" b="1" i="0" u="none" strike="noStrike" kern="1200" cap="none" spc="0" normalizeH="0" baseline="0" noProof="0" dirty="0">
                             <a:ln>
                               <a:noFill/>
                             </a:ln>
@@ -19611,7 +21004,7 @@
                             <a:defRPr/>
                           </a:pPr>
                           <a:r>
-                            <a:rPr kumimoji="0" lang="en-US" sz="2000" b="1" i="0" u="none" strike="noStrike" kern="1200" cap="none" spc="0" normalizeH="0" baseline="0" noProof="0" dirty="0">
+                            <a:rPr kumimoji="0" lang="en-US" sz="1600" b="1" i="0" u="none" strike="noStrike" kern="1200" cap="none" spc="0" normalizeH="0" baseline="0" noProof="0" dirty="0">
                               <a:ln>
                                 <a:noFill/>
                               </a:ln>
@@ -19628,7 +21021,7 @@
                             </a:rPr>
                             <a:t></a:t>
                           </a:r>
-                          <a:endParaRPr kumimoji="0" lang="en-US" sz="2000" b="1" i="0" u="none" strike="noStrike" kern="1200" cap="none" spc="0" normalizeH="0" baseline="0" noProof="0" dirty="0">
+                          <a:endParaRPr kumimoji="0" lang="en-US" sz="1600" b="1" i="0" u="none" strike="noStrike" kern="1200" cap="none" spc="0" normalizeH="0" baseline="0" noProof="0" dirty="0">
                             <a:ln>
                               <a:noFill/>
                             </a:ln>
@@ -19673,7 +21066,7 @@
                             <a:defRPr/>
                           </a:pPr>
                           <a:r>
-                            <a:rPr kumimoji="0" lang="en-US" sz="2000" b="1" i="0" u="none" strike="noStrike" kern="1200" cap="none" spc="0" normalizeH="0" baseline="0" noProof="0" dirty="0">
+                            <a:rPr kumimoji="0" lang="en-US" sz="1600" b="1" i="0" u="none" strike="noStrike" kern="1200" cap="none" spc="0" normalizeH="0" baseline="0" noProof="0" dirty="0">
                               <a:ln>
                                 <a:noFill/>
                               </a:ln>
@@ -19690,7 +21083,7 @@
                             </a:rPr>
                             <a:t></a:t>
                           </a:r>
-                          <a:endParaRPr kumimoji="0" lang="en-US" sz="2000" b="1" i="0" u="none" strike="noStrike" kern="1200" cap="none" spc="0" normalizeH="0" baseline="0" noProof="0" dirty="0">
+                          <a:endParaRPr kumimoji="0" lang="en-US" sz="1600" b="1" i="0" u="none" strike="noStrike" kern="1200" cap="none" spc="0" normalizeH="0" baseline="0" noProof="0" dirty="0">
                             <a:ln>
                               <a:noFill/>
                             </a:ln>
@@ -19718,7 +21111,7 @@
                       </a:ext>
                     </a:extLst>
                   </a:tr>
-                  <a:tr h="411169">
+                  <a:tr h="330893">
                     <a:tc>
                       <a:txBody>
                         <a:bodyPr/>
@@ -19742,7 +21135,7 @@
                             <a:defRPr/>
                           </a:pPr>
                           <a:r>
-                            <a:rPr lang="en-US" dirty="0">
+                            <a:rPr lang="en-US" sz="1400" dirty="0">
                               <a:solidFill>
                                 <a:schemeClr val="tx2"/>
                               </a:solidFill>
@@ -19780,7 +21173,7 @@
                             <a:defRPr/>
                           </a:pPr>
                           <a:r>
-                            <a:rPr kumimoji="0" lang="en-US" sz="2000" b="1" i="0" u="none" strike="noStrike" kern="1200" cap="none" spc="0" normalizeH="0" baseline="0" noProof="0" dirty="0">
+                            <a:rPr kumimoji="0" lang="en-US" sz="1600" b="1" i="0" u="none" strike="noStrike" kern="1200" cap="none" spc="0" normalizeH="0" baseline="0" noProof="0" dirty="0">
                               <a:ln>
                                 <a:noFill/>
                               </a:ln>
@@ -19797,7 +21190,7 @@
                             </a:rPr>
                             <a:t></a:t>
                           </a:r>
-                          <a:endParaRPr kumimoji="0" lang="en-US" sz="2000" b="1" i="0" u="none" strike="noStrike" kern="1200" cap="none" spc="0" normalizeH="0" baseline="0" noProof="0" dirty="0">
+                          <a:endParaRPr kumimoji="0" lang="en-US" sz="1600" b="1" i="0" u="none" strike="noStrike" kern="1200" cap="none" spc="0" normalizeH="0" baseline="0" noProof="0" dirty="0">
                             <a:ln>
                               <a:noFill/>
                             </a:ln>
@@ -19842,7 +21235,7 @@
                             <a:defRPr/>
                           </a:pPr>
                           <a:r>
-                            <a:rPr kumimoji="0" lang="en-US" sz="2000" b="1" i="0" u="none" strike="noStrike" kern="1200" cap="none" spc="0" normalizeH="0" baseline="0" noProof="0" dirty="0">
+                            <a:rPr kumimoji="0" lang="en-US" sz="1600" b="1" i="0" u="none" strike="noStrike" kern="1200" cap="none" spc="0" normalizeH="0" baseline="0" noProof="0" dirty="0">
                               <a:ln>
                                 <a:noFill/>
                               </a:ln>
@@ -19859,7 +21252,7 @@
                             </a:rPr>
                             <a:t></a:t>
                           </a:r>
-                          <a:endParaRPr kumimoji="0" lang="en-US" sz="2000" b="1" i="0" u="none" strike="noStrike" kern="1200" cap="none" spc="0" normalizeH="0" baseline="0" noProof="0" dirty="0">
+                          <a:endParaRPr kumimoji="0" lang="en-US" sz="1600" b="1" i="0" u="none" strike="noStrike" kern="1200" cap="none" spc="0" normalizeH="0" baseline="0" noProof="0" dirty="0">
                             <a:ln>
                               <a:noFill/>
                             </a:ln>
@@ -19896,7 +21289,7 @@
                                 <m:sSup>
                                   <m:sSupPr>
                                     <m:ctrlPr>
-                                      <a:rPr lang="en-US" sz="2000" i="1" dirty="0" smtClean="0">
+                                      <a:rPr lang="en-US" sz="1600" i="1" dirty="0" smtClean="0">
                                         <a:solidFill>
                                           <a:srgbClr val="C00000"/>
                                         </a:solidFill>
@@ -19907,7 +21300,7 @@
                                   </m:sSupPr>
                                   <m:e>
                                     <m:r>
-                                      <a:rPr lang="en-US" sz="2000" i="1" dirty="0" smtClean="0">
+                                      <a:rPr lang="en-US" sz="1600" i="1" dirty="0" smtClean="0">
                                         <a:solidFill>
                                           <a:srgbClr val="C00000"/>
                                         </a:solidFill>
@@ -19919,7 +21312,7 @@
                                   </m:e>
                                   <m:sup>
                                     <m:r>
-                                      <a:rPr lang="en-US" sz="2000" b="0" i="1" dirty="0" smtClean="0">
+                                      <a:rPr lang="en-US" sz="1600" b="0" i="1" dirty="0" smtClean="0">
                                         <a:solidFill>
                                           <a:srgbClr val="C00000"/>
                                         </a:solidFill>
@@ -19933,7 +21326,7 @@
                               </m:oMath>
                             </m:oMathPara>
                           </a14:m>
-                          <a:endParaRPr lang="en-US" sz="900" dirty="0"/>
+                          <a:endParaRPr lang="en-US" sz="700" dirty="0"/>
                         </a:p>
                       </a:txBody>
                       <a:tcPr>
@@ -19948,7 +21341,7 @@
                       </a:ext>
                     </a:extLst>
                   </a:tr>
-                  <a:tr h="411169">
+                  <a:tr h="330893">
                     <a:tc>
                       <a:txBody>
                         <a:bodyPr/>
@@ -19972,7 +21365,7 @@
                             <a:defRPr/>
                           </a:pPr>
                           <a:r>
-                            <a:rPr lang="en-US" dirty="0">
+                            <a:rPr lang="en-US" sz="1400" dirty="0">
                               <a:solidFill>
                                 <a:schemeClr val="tx2"/>
                               </a:solidFill>
@@ -20010,7 +21403,7 @@
                             <a:defRPr/>
                           </a:pPr>
                           <a:r>
-                            <a:rPr kumimoji="0" lang="en-US" sz="2000" b="1" i="0" u="none" strike="noStrike" kern="1200" cap="none" spc="0" normalizeH="0" baseline="0" noProof="0" dirty="0">
+                            <a:rPr kumimoji="0" lang="en-US" sz="1600" b="1" i="0" u="none" strike="noStrike" kern="1200" cap="none" spc="0" normalizeH="0" baseline="0" noProof="0" dirty="0">
                               <a:ln>
                                 <a:noFill/>
                               </a:ln>
@@ -20027,7 +21420,7 @@
                             </a:rPr>
                             <a:t></a:t>
                           </a:r>
-                          <a:endParaRPr kumimoji="0" lang="en-US" sz="2000" b="1" i="0" u="none" strike="noStrike" kern="1200" cap="none" spc="0" normalizeH="0" baseline="0" noProof="0" dirty="0">
+                          <a:endParaRPr kumimoji="0" lang="en-US" sz="1600" b="1" i="0" u="none" strike="noStrike" kern="1200" cap="none" spc="0" normalizeH="0" baseline="0" noProof="0" dirty="0">
                             <a:ln>
                               <a:noFill/>
                             </a:ln>
@@ -20072,7 +21465,7 @@
                             <a:defRPr/>
                           </a:pPr>
                           <a:r>
-                            <a:rPr kumimoji="0" lang="en-US" sz="2000" b="1" i="0" u="none" strike="noStrike" kern="1200" cap="none" spc="0" normalizeH="0" baseline="0" noProof="0" dirty="0">
+                            <a:rPr kumimoji="0" lang="en-US" sz="1600" b="1" i="0" u="none" strike="noStrike" kern="1200" cap="none" spc="0" normalizeH="0" baseline="0" noProof="0" dirty="0">
                               <a:ln>
                                 <a:noFill/>
                               </a:ln>
@@ -20089,7 +21482,7 @@
                             </a:rPr>
                             <a:t></a:t>
                           </a:r>
-                          <a:endParaRPr kumimoji="0" lang="en-US" sz="2000" b="1" i="0" u="none" strike="noStrike" kern="1200" cap="none" spc="0" normalizeH="0" baseline="0" noProof="0" dirty="0">
+                          <a:endParaRPr kumimoji="0" lang="en-US" sz="1600" b="1" i="0" u="none" strike="noStrike" kern="1200" cap="none" spc="0" normalizeH="0" baseline="0" noProof="0" dirty="0">
                             <a:ln>
                               <a:noFill/>
                             </a:ln>
@@ -20134,7 +21527,7 @@
                             <a:defRPr/>
                           </a:pPr>
                           <a:r>
-                            <a:rPr lang="en-US" sz="2000" b="1" dirty="0">
+                            <a:rPr lang="en-US" sz="1600" b="1" dirty="0">
                               <a:solidFill>
                                 <a:schemeClr val="accent6"/>
                               </a:solidFill>
@@ -20143,7 +21536,7 @@
                             </a:rPr>
                             <a:t></a:t>
                           </a:r>
-                          <a:endParaRPr lang="en-US" sz="2000" b="1" dirty="0">
+                          <a:endParaRPr lang="en-US" sz="1600" b="1" dirty="0">
                             <a:solidFill>
                               <a:schemeClr val="accent6"/>
                             </a:solidFill>
@@ -20184,14 +21577,14 @@
               <p:nvPr>
                 <p:extLst>
                   <p:ext uri="{D42A27DB-BD31-4B8C-83A1-F6EECF244321}">
-                    <p14:modId xmlns:p14="http://schemas.microsoft.com/office/powerpoint/2010/main" val="2803165228"/>
+                    <p14:modId xmlns:p14="http://schemas.microsoft.com/office/powerpoint/2010/main" val="505360017"/>
                   </p:ext>
                 </p:extLst>
               </p:nvPr>
             </p:nvGraphicFramePr>
             <p:xfrm>
-              <a:off x="1120022" y="3038397"/>
-              <a:ext cx="10039483" cy="2878805"/>
+              <a:off x="1076258" y="3784058"/>
+              <a:ext cx="10039483" cy="2338687"/>
             </p:xfrm>
             <a:graphic>
               <a:graphicData uri="http://schemas.openxmlformats.org/drawingml/2006/table">
@@ -20229,14 +21622,14 @@
                       </a:extLst>
                     </a:gridCol>
                   </a:tblGrid>
-                  <a:tr h="822960">
+                  <a:tr h="662287">
                     <a:tc>
                       <a:txBody>
                         <a:bodyPr/>
                         <a:lstStyle/>
                         <a:p>
                           <a:r>
-                            <a:rPr lang="en-US" sz="1600" dirty="0"/>
+                            <a:rPr lang="en-US" sz="1200" dirty="0"/>
                             <a:t>Requirements</a:t>
                           </a:r>
                         </a:p>
@@ -20254,7 +21647,7 @@
                         <a:p>
                           <a:pPr algn="ctr"/>
                           <a:r>
-                            <a:rPr lang="en-US" sz="1600" dirty="0"/>
+                            <a:rPr lang="en-US" sz="1200" dirty="0"/>
                             <a:t>Logistic Regression Analysis</a:t>
                           </a:r>
                         </a:p>
@@ -20272,7 +21665,7 @@
                         <a:p>
                           <a:pPr algn="ctr"/>
                           <a:r>
-                            <a:rPr lang="en-US" sz="1600" dirty="0"/>
+                            <a:rPr lang="en-US" sz="1200" dirty="0"/>
                             <a:t>Forward, Backward, Stepwise Method</a:t>
                           </a:r>
                         </a:p>
@@ -20290,7 +21683,7 @@
                         <a:p>
                           <a:pPr algn="ctr"/>
                           <a:r>
-                            <a:rPr lang="en-US" sz="1600" dirty="0"/>
+                            <a:rPr lang="en-US" sz="1200" dirty="0"/>
                             <a:t>Linear Discriminant Analysis</a:t>
                           </a:r>
                         </a:p>
@@ -20307,14 +21700,14 @@
                       </a:ext>
                     </a:extLst>
                   </a:tr>
-                  <a:tr h="411169">
+                  <a:tr h="335280">
                     <a:tc>
                       <a:txBody>
                         <a:bodyPr/>
                         <a:lstStyle/>
                         <a:p>
                           <a:r>
-                            <a:rPr lang="en-US" dirty="0">
+                            <a:rPr lang="en-US" sz="1400" dirty="0">
                               <a:solidFill>
                                 <a:schemeClr val="tx2"/>
                               </a:solidFill>
@@ -20336,7 +21729,7 @@
                         <a:p>
                           <a:pPr algn="ctr"/>
                           <a:r>
-                            <a:rPr lang="en-US" sz="2000" b="1" dirty="0">
+                            <a:rPr lang="en-US" sz="1600" b="1" dirty="0">
                               <a:solidFill>
                                 <a:schemeClr val="accent6"/>
                               </a:solidFill>
@@ -20345,7 +21738,7 @@
                             </a:rPr>
                             <a:t></a:t>
                           </a:r>
-                          <a:endParaRPr lang="en-US" sz="2000" b="1" dirty="0">
+                          <a:endParaRPr lang="en-US" sz="1600" b="1" dirty="0">
                             <a:solidFill>
                               <a:schemeClr val="accent6"/>
                             </a:solidFill>
@@ -20382,7 +21775,7 @@
                             <a:defRPr/>
                           </a:pPr>
                           <a:r>
-                            <a:rPr kumimoji="0" lang="en-US" sz="2000" b="1" i="0" u="none" strike="noStrike" kern="1200" cap="none" spc="0" normalizeH="0" baseline="0" noProof="0">
+                            <a:rPr kumimoji="0" lang="en-US" sz="1600" b="1" i="0" u="none" strike="noStrike" kern="1200" cap="none" spc="0" normalizeH="0" baseline="0" noProof="0">
                               <a:ln>
                                 <a:noFill/>
                               </a:ln>
@@ -20399,7 +21792,7 @@
                             </a:rPr>
                             <a:t></a:t>
                           </a:r>
-                          <a:endParaRPr kumimoji="0" lang="en-US" sz="2000" b="1" i="0" u="none" strike="noStrike" kern="1200" cap="none" spc="0" normalizeH="0" baseline="0" noProof="0" dirty="0">
+                          <a:endParaRPr kumimoji="0" lang="en-US" sz="1600" b="1" i="0" u="none" strike="noStrike" kern="1200" cap="none" spc="0" normalizeH="0" baseline="0" noProof="0" dirty="0">
                             <a:ln>
                               <a:noFill/>
                             </a:ln>
@@ -20444,7 +21837,7 @@
                             <a:defRPr/>
                           </a:pPr>
                           <a:r>
-                            <a:rPr kumimoji="0" lang="en-US" sz="2000" b="1" i="0" u="none" strike="noStrike" kern="1200" cap="none" spc="0" normalizeH="0" baseline="0" noProof="0" dirty="0">
+                            <a:rPr kumimoji="0" lang="en-US" sz="1600" b="1" i="0" u="none" strike="noStrike" kern="1200" cap="none" spc="0" normalizeH="0" baseline="0" noProof="0" dirty="0">
                               <a:ln>
                                 <a:noFill/>
                               </a:ln>
@@ -20461,7 +21854,7 @@
                             </a:rPr>
                             <a:t></a:t>
                           </a:r>
-                          <a:endParaRPr kumimoji="0" lang="en-US" sz="2000" b="1" i="0" u="none" strike="noStrike" kern="1200" cap="none" spc="0" normalizeH="0" baseline="0" noProof="0" dirty="0">
+                          <a:endParaRPr kumimoji="0" lang="en-US" sz="1600" b="1" i="0" u="none" strike="noStrike" kern="1200" cap="none" spc="0" normalizeH="0" baseline="0" noProof="0" dirty="0">
                             <a:ln>
                               <a:noFill/>
                             </a:ln>
@@ -20489,14 +21882,14 @@
                       </a:ext>
                     </a:extLst>
                   </a:tr>
-                  <a:tr h="411169">
+                  <a:tr h="335280">
                     <a:tc>
                       <a:txBody>
                         <a:bodyPr/>
                         <a:lstStyle/>
                         <a:p>
                           <a:r>
-                            <a:rPr lang="en-US" dirty="0">
+                            <a:rPr lang="en-US" sz="1400" dirty="0">
                               <a:solidFill>
                                 <a:schemeClr val="tx2"/>
                               </a:solidFill>
@@ -20534,7 +21927,7 @@
                             <a:defRPr/>
                           </a:pPr>
                           <a:r>
-                            <a:rPr kumimoji="0" lang="en-US" sz="2000" b="1" i="0" u="none" strike="noStrike" kern="1200" cap="none" spc="0" normalizeH="0" baseline="0" noProof="0" dirty="0">
+                            <a:rPr kumimoji="0" lang="en-US" sz="1600" b="1" i="0" u="none" strike="noStrike" kern="1200" cap="none" spc="0" normalizeH="0" baseline="0" noProof="0" dirty="0">
                               <a:ln>
                                 <a:noFill/>
                               </a:ln>
@@ -20551,7 +21944,7 @@
                             </a:rPr>
                             <a:t></a:t>
                           </a:r>
-                          <a:endParaRPr kumimoji="0" lang="en-US" sz="2000" b="1" i="0" u="none" strike="noStrike" kern="1200" cap="none" spc="0" normalizeH="0" baseline="0" noProof="0" dirty="0">
+                          <a:endParaRPr kumimoji="0" lang="en-US" sz="1600" b="1" i="0" u="none" strike="noStrike" kern="1200" cap="none" spc="0" normalizeH="0" baseline="0" noProof="0" dirty="0">
                             <a:ln>
                               <a:noFill/>
                             </a:ln>
@@ -20596,7 +21989,7 @@
                             <a:defRPr/>
                           </a:pPr>
                           <a:r>
-                            <a:rPr kumimoji="0" lang="en-US" sz="2000" b="1" i="0" u="none" strike="noStrike" kern="1200" cap="none" spc="0" normalizeH="0" baseline="0" noProof="0">
+                            <a:rPr kumimoji="0" lang="en-US" sz="1600" b="1" i="0" u="none" strike="noStrike" kern="1200" cap="none" spc="0" normalizeH="0" baseline="0" noProof="0">
                               <a:ln>
                                 <a:noFill/>
                               </a:ln>
@@ -20613,7 +22006,7 @@
                             </a:rPr>
                             <a:t></a:t>
                           </a:r>
-                          <a:endParaRPr kumimoji="0" lang="en-US" sz="2000" b="1" i="0" u="none" strike="noStrike" kern="1200" cap="none" spc="0" normalizeH="0" baseline="0" noProof="0" dirty="0">
+                          <a:endParaRPr kumimoji="0" lang="en-US" sz="1600" b="1" i="0" u="none" strike="noStrike" kern="1200" cap="none" spc="0" normalizeH="0" baseline="0" noProof="0" dirty="0">
                             <a:ln>
                               <a:noFill/>
                             </a:ln>
@@ -20658,7 +22051,7 @@
                             <a:defRPr/>
                           </a:pPr>
                           <a:r>
-                            <a:rPr kumimoji="0" lang="en-US" sz="2000" b="1" i="0" u="none" strike="noStrike" kern="1200" cap="none" spc="0" normalizeH="0" baseline="0" noProof="0" dirty="0">
+                            <a:rPr kumimoji="0" lang="en-US" sz="1600" b="1" i="0" u="none" strike="noStrike" kern="1200" cap="none" spc="0" normalizeH="0" baseline="0" noProof="0" dirty="0">
                               <a:ln>
                                 <a:noFill/>
                               </a:ln>
@@ -20675,7 +22068,7 @@
                             </a:rPr>
                             <a:t></a:t>
                           </a:r>
-                          <a:endParaRPr kumimoji="0" lang="en-US" sz="2000" b="1" i="0" u="none" strike="noStrike" kern="1200" cap="none" spc="0" normalizeH="0" baseline="0" noProof="0" dirty="0">
+                          <a:endParaRPr kumimoji="0" lang="en-US" sz="1600" b="1" i="0" u="none" strike="noStrike" kern="1200" cap="none" spc="0" normalizeH="0" baseline="0" noProof="0" dirty="0">
                             <a:ln>
                               <a:noFill/>
                             </a:ln>
@@ -20703,14 +22096,14 @@
                       </a:ext>
                     </a:extLst>
                   </a:tr>
-                  <a:tr h="411169">
+                  <a:tr h="335280">
                     <a:tc>
                       <a:txBody>
                         <a:bodyPr/>
                         <a:lstStyle/>
                         <a:p>
                           <a:r>
-                            <a:rPr lang="en-US" dirty="0">
+                            <a:rPr lang="en-US" sz="1400" dirty="0">
                               <a:solidFill>
                                 <a:schemeClr val="tx2"/>
                               </a:solidFill>
@@ -20748,7 +22141,7 @@
                             <a:defRPr/>
                           </a:pPr>
                           <a:r>
-                            <a:rPr kumimoji="0" lang="en-US" sz="2000" b="1" i="0" u="none" strike="noStrike" kern="1200" cap="none" spc="0" normalizeH="0" baseline="0" noProof="0" dirty="0">
+                            <a:rPr kumimoji="0" lang="en-US" sz="1600" b="1" i="0" u="none" strike="noStrike" kern="1200" cap="none" spc="0" normalizeH="0" baseline="0" noProof="0" dirty="0">
                               <a:ln>
                                 <a:noFill/>
                               </a:ln>
@@ -20765,7 +22158,7 @@
                             </a:rPr>
                             <a:t></a:t>
                           </a:r>
-                          <a:endParaRPr kumimoji="0" lang="en-US" sz="2000" b="1" i="0" u="none" strike="noStrike" kern="1200" cap="none" spc="0" normalizeH="0" baseline="0" noProof="0" dirty="0">
+                          <a:endParaRPr kumimoji="0" lang="en-US" sz="1600" b="1" i="0" u="none" strike="noStrike" kern="1200" cap="none" spc="0" normalizeH="0" baseline="0" noProof="0" dirty="0">
                             <a:ln>
                               <a:noFill/>
                             </a:ln>
@@ -20810,7 +22203,7 @@
                             <a:defRPr/>
                           </a:pPr>
                           <a:r>
-                            <a:rPr kumimoji="0" lang="en-US" sz="2000" b="1" i="0" u="none" strike="noStrike" kern="1200" cap="none" spc="0" normalizeH="0" baseline="0" noProof="0" dirty="0">
+                            <a:rPr kumimoji="0" lang="en-US" sz="1600" b="1" i="0" u="none" strike="noStrike" kern="1200" cap="none" spc="0" normalizeH="0" baseline="0" noProof="0" dirty="0">
                               <a:ln>
                                 <a:noFill/>
                               </a:ln>
@@ -20827,7 +22220,7 @@
                             </a:rPr>
                             <a:t></a:t>
                           </a:r>
-                          <a:endParaRPr kumimoji="0" lang="en-US" sz="2000" b="1" i="0" u="none" strike="noStrike" kern="1200" cap="none" spc="0" normalizeH="0" baseline="0" noProof="0" dirty="0">
+                          <a:endParaRPr kumimoji="0" lang="en-US" sz="1600" b="1" i="0" u="none" strike="noStrike" kern="1200" cap="none" spc="0" normalizeH="0" baseline="0" noProof="0" dirty="0">
                             <a:ln>
                               <a:noFill/>
                             </a:ln>
@@ -20872,7 +22265,7 @@
                             <a:defRPr/>
                           </a:pPr>
                           <a:r>
-                            <a:rPr kumimoji="0" lang="en-US" sz="2000" b="1" i="0" u="none" strike="noStrike" kern="1200" cap="none" spc="0" normalizeH="0" baseline="0" noProof="0" dirty="0">
+                            <a:rPr kumimoji="0" lang="en-US" sz="1600" b="1" i="0" u="none" strike="noStrike" kern="1200" cap="none" spc="0" normalizeH="0" baseline="0" noProof="0" dirty="0">
                               <a:ln>
                                 <a:noFill/>
                               </a:ln>
@@ -20889,7 +22282,7 @@
                             </a:rPr>
                             <a:t></a:t>
                           </a:r>
-                          <a:endParaRPr kumimoji="0" lang="en-US" sz="2000" b="1" i="0" u="none" strike="noStrike" kern="1200" cap="none" spc="0" normalizeH="0" baseline="0" noProof="0" dirty="0">
+                          <a:endParaRPr kumimoji="0" lang="en-US" sz="1600" b="1" i="0" u="none" strike="noStrike" kern="1200" cap="none" spc="0" normalizeH="0" baseline="0" noProof="0" dirty="0">
                             <a:ln>
                               <a:noFill/>
                             </a:ln>
@@ -20917,7 +22310,7 @@
                       </a:ext>
                     </a:extLst>
                   </a:tr>
-                  <a:tr h="411169">
+                  <a:tr h="335280">
                     <a:tc>
                       <a:txBody>
                         <a:bodyPr/>
@@ -20941,7 +22334,7 @@
                             <a:defRPr/>
                           </a:pPr>
                           <a:r>
-                            <a:rPr lang="en-US" dirty="0">
+                            <a:rPr lang="en-US" sz="1400" dirty="0">
                               <a:solidFill>
                                 <a:schemeClr val="tx2"/>
                               </a:solidFill>
@@ -20979,7 +22372,7 @@
                             <a:defRPr/>
                           </a:pPr>
                           <a:r>
-                            <a:rPr kumimoji="0" lang="en-US" sz="2000" b="1" i="0" u="none" strike="noStrike" kern="1200" cap="none" spc="0" normalizeH="0" baseline="0" noProof="0" dirty="0">
+                            <a:rPr kumimoji="0" lang="en-US" sz="1600" b="1" i="0" u="none" strike="noStrike" kern="1200" cap="none" spc="0" normalizeH="0" baseline="0" noProof="0" dirty="0">
                               <a:ln>
                                 <a:noFill/>
                               </a:ln>
@@ -20996,7 +22389,7 @@
                             </a:rPr>
                             <a:t></a:t>
                           </a:r>
-                          <a:endParaRPr kumimoji="0" lang="en-US" sz="2000" b="1" i="0" u="none" strike="noStrike" kern="1200" cap="none" spc="0" normalizeH="0" baseline="0" noProof="0" dirty="0">
+                          <a:endParaRPr kumimoji="0" lang="en-US" sz="1600" b="1" i="0" u="none" strike="noStrike" kern="1200" cap="none" spc="0" normalizeH="0" baseline="0" noProof="0" dirty="0">
                             <a:ln>
                               <a:noFill/>
                             </a:ln>
@@ -21041,7 +22434,7 @@
                             <a:defRPr/>
                           </a:pPr>
                           <a:r>
-                            <a:rPr kumimoji="0" lang="en-US" sz="2000" b="1" i="0" u="none" strike="noStrike" kern="1200" cap="none" spc="0" normalizeH="0" baseline="0" noProof="0" dirty="0">
+                            <a:rPr kumimoji="0" lang="en-US" sz="1600" b="1" i="0" u="none" strike="noStrike" kern="1200" cap="none" spc="0" normalizeH="0" baseline="0" noProof="0" dirty="0">
                               <a:ln>
                                 <a:noFill/>
                               </a:ln>
@@ -21058,7 +22451,7 @@
                             </a:rPr>
                             <a:t></a:t>
                           </a:r>
-                          <a:endParaRPr kumimoji="0" lang="en-US" sz="2000" b="1" i="0" u="none" strike="noStrike" kern="1200" cap="none" spc="0" normalizeH="0" baseline="0" noProof="0" dirty="0">
+                          <a:endParaRPr kumimoji="0" lang="en-US" sz="1600" b="1" i="0" u="none" strike="noStrike" kern="1200" cap="none" spc="0" normalizeH="0" baseline="0" noProof="0" dirty="0">
                             <a:ln>
                               <a:noFill/>
                             </a:ln>
@@ -21092,7 +22485,7 @@
                         <a:blipFill>
                           <a:blip r:embed="rId3"/>
                           <a:stretch>
-                            <a:fillRect l="-449667" t="-508955" r="-1333" b="-125373"/>
+                            <a:fillRect l="-449667" t="-501818" r="-1333" b="-121818"/>
                           </a:stretch>
                         </a:blipFill>
                       </a:tcPr>
@@ -21103,7 +22496,7 @@
                       </a:ext>
                     </a:extLst>
                   </a:tr>
-                  <a:tr h="411169">
+                  <a:tr h="335280">
                     <a:tc>
                       <a:txBody>
                         <a:bodyPr/>
@@ -21127,7 +22520,7 @@
                             <a:defRPr/>
                           </a:pPr>
                           <a:r>
-                            <a:rPr lang="en-US" dirty="0">
+                            <a:rPr lang="en-US" sz="1400" dirty="0">
                               <a:solidFill>
                                 <a:schemeClr val="tx2"/>
                               </a:solidFill>
@@ -21165,7 +22558,7 @@
                             <a:defRPr/>
                           </a:pPr>
                           <a:r>
-                            <a:rPr kumimoji="0" lang="en-US" sz="2000" b="1" i="0" u="none" strike="noStrike" kern="1200" cap="none" spc="0" normalizeH="0" baseline="0" noProof="0" dirty="0">
+                            <a:rPr kumimoji="0" lang="en-US" sz="1600" b="1" i="0" u="none" strike="noStrike" kern="1200" cap="none" spc="0" normalizeH="0" baseline="0" noProof="0" dirty="0">
                               <a:ln>
                                 <a:noFill/>
                               </a:ln>
@@ -21182,7 +22575,7 @@
                             </a:rPr>
                             <a:t></a:t>
                           </a:r>
-                          <a:endParaRPr kumimoji="0" lang="en-US" sz="2000" b="1" i="0" u="none" strike="noStrike" kern="1200" cap="none" spc="0" normalizeH="0" baseline="0" noProof="0" dirty="0">
+                          <a:endParaRPr kumimoji="0" lang="en-US" sz="1600" b="1" i="0" u="none" strike="noStrike" kern="1200" cap="none" spc="0" normalizeH="0" baseline="0" noProof="0" dirty="0">
                             <a:ln>
                               <a:noFill/>
                             </a:ln>
@@ -21227,7 +22620,7 @@
                             <a:defRPr/>
                           </a:pPr>
                           <a:r>
-                            <a:rPr kumimoji="0" lang="en-US" sz="2000" b="1" i="0" u="none" strike="noStrike" kern="1200" cap="none" spc="0" normalizeH="0" baseline="0" noProof="0" dirty="0">
+                            <a:rPr kumimoji="0" lang="en-US" sz="1600" b="1" i="0" u="none" strike="noStrike" kern="1200" cap="none" spc="0" normalizeH="0" baseline="0" noProof="0" dirty="0">
                               <a:ln>
                                 <a:noFill/>
                               </a:ln>
@@ -21244,7 +22637,7 @@
                             </a:rPr>
                             <a:t></a:t>
                           </a:r>
-                          <a:endParaRPr kumimoji="0" lang="en-US" sz="2000" b="1" i="0" u="none" strike="noStrike" kern="1200" cap="none" spc="0" normalizeH="0" baseline="0" noProof="0" dirty="0">
+                          <a:endParaRPr kumimoji="0" lang="en-US" sz="1600" b="1" i="0" u="none" strike="noStrike" kern="1200" cap="none" spc="0" normalizeH="0" baseline="0" noProof="0" dirty="0">
                             <a:ln>
                               <a:noFill/>
                             </a:ln>
@@ -21289,7 +22682,7 @@
                             <a:defRPr/>
                           </a:pPr>
                           <a:r>
-                            <a:rPr lang="en-US" sz="2000" b="1" dirty="0">
+                            <a:rPr lang="en-US" sz="1600" b="1" dirty="0">
                               <a:solidFill>
                                 <a:schemeClr val="accent6"/>
                               </a:solidFill>
@@ -21298,7 +22691,7 @@
                             </a:rPr>
                             <a:t></a:t>
                           </a:r>
-                          <a:endParaRPr lang="en-US" sz="2000" b="1" dirty="0">
+                          <a:endParaRPr lang="en-US" sz="1600" b="1" dirty="0">
                             <a:solidFill>
                               <a:schemeClr val="accent6"/>
                             </a:solidFill>
@@ -21377,8 +22770,8 @@
         </p:nvSpPr>
         <p:spPr>
           <a:xfrm flipH="1">
-            <a:off x="1062872" y="1814346"/>
-            <a:ext cx="9381291" cy="892552"/>
+            <a:off x="1425195" y="2904164"/>
+            <a:ext cx="9381291" cy="769441"/>
           </a:xfrm>
           <a:prstGeom prst="rect">
             <a:avLst/>
@@ -21391,12 +22784,13 @@
           </a:bodyPr>
           <a:lstStyle/>
           <a:p>
+            <a:pPr algn="ctr"/>
             <a:r>
-              <a:rPr lang="en-US" sz="2400" dirty="0"/>
-              <a:t>Multiple models were reviewed and 3 of them met the met most of the requirements. </a:t>
+              <a:rPr lang="en-US" sz="2000" dirty="0"/>
+              <a:t>Multiple models were reviewed and 3 of them met the met most of the requirements. Selected </a:t>
             </a:r>
             <a:r>
-              <a:rPr lang="en-US" sz="2800" b="1" dirty="0">
+              <a:rPr lang="en-US" sz="2400" b="1" dirty="0">
                 <a:solidFill>
                   <a:schemeClr val="accent6"/>
                 </a:solidFill>
@@ -21404,8 +22798,50 @@
               <a:t>Logistic Regression Analysis </a:t>
             </a:r>
             <a:r>
-              <a:rPr lang="en-US" sz="2400" dirty="0"/>
-              <a:t>gave the best results</a:t>
+              <a:rPr lang="en-US" sz="2000" dirty="0"/>
+              <a:t>to model attrition</a:t>
+            </a:r>
+          </a:p>
+        </p:txBody>
+      </p:sp>
+      <p:sp>
+        <p:nvSpPr>
+          <p:cNvPr id="3" name="Rectangle 2">
+            <a:extLst>
+              <a:ext uri="{FF2B5EF4-FFF2-40B4-BE49-F238E27FC236}">
+                <a16:creationId xmlns:a16="http://schemas.microsoft.com/office/drawing/2014/main" id="{EBD4FD38-BE81-4939-8718-985DEBC31B98}"/>
+              </a:ext>
+            </a:extLst>
+          </p:cNvPr>
+          <p:cNvSpPr/>
+          <p:nvPr/>
+        </p:nvSpPr>
+        <p:spPr>
+          <a:xfrm>
+            <a:off x="1076258" y="1616197"/>
+            <a:ext cx="9730228" cy="461665"/>
+          </a:xfrm>
+          <a:prstGeom prst="rect">
+            <a:avLst/>
+          </a:prstGeom>
+        </p:spPr>
+        <p:txBody>
+          <a:bodyPr wrap="none">
+            <a:spAutoFit/>
+          </a:bodyPr>
+          <a:lstStyle/>
+          <a:p>
+            <a:r>
+              <a:rPr lang="en-US" sz="2400" dirty="0">
+                <a:solidFill>
+                  <a:schemeClr val="accent6"/>
+                </a:solidFill>
+              </a:rPr>
+              <a:t>Importance of a predictive model: </a:t>
+            </a:r>
+            <a:r>
+              <a:rPr lang="en-US" dirty="0"/>
+              <a:t>The predictive model allows to combine all the variables</a:t>
             </a:r>
           </a:p>
         </p:txBody>

--- a/Case Study 2.pptx
+++ b/Case Study 2.pptx
@@ -5,7 +5,7 @@
     <p:sldMasterId id="2147483990" r:id="rId1"/>
   </p:sldMasterIdLst>
   <p:notesMasterIdLst>
-    <p:notesMasterId r:id="rId16"/>
+    <p:notesMasterId r:id="rId14"/>
   </p:notesMasterIdLst>
   <p:sldIdLst>
     <p:sldId id="256" r:id="rId2"/>
@@ -18,10 +18,8 @@
     <p:sldId id="281" r:id="rId9"/>
     <p:sldId id="282" r:id="rId10"/>
     <p:sldId id="284" r:id="rId11"/>
-    <p:sldId id="289" r:id="rId12"/>
-    <p:sldId id="290" r:id="rId13"/>
-    <p:sldId id="285" r:id="rId14"/>
-    <p:sldId id="278" r:id="rId15"/>
+    <p:sldId id="290" r:id="rId12"/>
+    <p:sldId id="278" r:id="rId13"/>
   </p:sldIdLst>
   <p:sldSz cx="12192000" cy="6858000"/>
   <p:notesSz cx="6858000" cy="9144000"/>
@@ -123,11 +121,6 @@
   <p:extLst>
     <p:ext uri="{EFAFB233-063F-42B5-8137-9DF3F51BA10A}">
       <p15:sldGuideLst xmlns:p15="http://schemas.microsoft.com/office/powerpoint/2012/main">
-        <p15:guide id="1" orient="horz" pos="2184" userDrawn="1">
-          <p15:clr>
-            <a:srgbClr val="A4A3A4"/>
-          </p15:clr>
-        </p15:guide>
         <p15:guide id="2" pos="3816" userDrawn="1">
           <p15:clr>
             <a:srgbClr val="A4A3A4"/>
@@ -12238,14 +12231,14 @@
           <p:nvPr>
             <p:extLst>
               <p:ext uri="{D42A27DB-BD31-4B8C-83A1-F6EECF244321}">
-                <p14:modId xmlns:p14="http://schemas.microsoft.com/office/powerpoint/2010/main" val="2918131971"/>
+                <p14:modId xmlns:p14="http://schemas.microsoft.com/office/powerpoint/2010/main" val="2213959340"/>
               </p:ext>
             </p:extLst>
           </p:nvPr>
         </p:nvGraphicFramePr>
         <p:xfrm>
-          <a:off x="2454384" y="2856503"/>
-          <a:ext cx="3381521" cy="3383280"/>
+          <a:off x="1724919" y="2874732"/>
+          <a:ext cx="3262718" cy="3383280"/>
         </p:xfrm>
         <a:graphic>
           <a:graphicData uri="http://schemas.openxmlformats.org/drawingml/2006/table">
@@ -12254,21 +12247,21 @@
                 <a:tableStyleId>{68D230F3-CF80-4859-8CE7-A43EE81993B5}</a:tableStyleId>
               </a:tblPr>
               <a:tblGrid>
-                <a:gridCol w="1763898">
+                <a:gridCol w="1701927">
                   <a:extLst>
                     <a:ext uri="{9D8B030D-6E8A-4147-A177-3AD203B41FA5}">
                       <a16:colId xmlns:a16="http://schemas.microsoft.com/office/drawing/2014/main" val="2140873009"/>
                     </a:ext>
                   </a:extLst>
                 </a:gridCol>
-                <a:gridCol w="709286">
+                <a:gridCol w="684367">
                   <a:extLst>
                     <a:ext uri="{9D8B030D-6E8A-4147-A177-3AD203B41FA5}">
                       <a16:colId xmlns:a16="http://schemas.microsoft.com/office/drawing/2014/main" val="421182900"/>
                     </a:ext>
                   </a:extLst>
                 </a:gridCol>
-                <a:gridCol w="908337">
+                <a:gridCol w="876424">
                   <a:extLst>
                     <a:ext uri="{9D8B030D-6E8A-4147-A177-3AD203B41FA5}">
                       <a16:colId xmlns:a16="http://schemas.microsoft.com/office/drawing/2014/main" val="2135523426"/>
@@ -12822,12 +12815,12 @@
                     <a:p>
                       <a:pPr algn="ctr" fontAlgn="b"/>
                       <a:r>
-                        <a:rPr lang="en-US" sz="1000" u="none" strike="noStrike">
+                        <a:rPr lang="en-US" sz="1000" u="none" strike="noStrike" dirty="0">
                           <a:effectLst/>
                         </a:rPr>
                         <a:t>4.23E-05</a:t>
                       </a:r>
-                      <a:endParaRPr lang="en-US" sz="1000" b="0" i="0" u="none" strike="noStrike">
+                      <a:endParaRPr lang="en-US" sz="1000" b="0" i="0" u="none" strike="noStrike" dirty="0">
                         <a:solidFill>
                           <a:srgbClr val="000000"/>
                         </a:solidFill>
@@ -13753,14 +13746,14 @@
           <p:nvPr>
             <p:extLst>
               <p:ext uri="{D42A27DB-BD31-4B8C-83A1-F6EECF244321}">
-                <p14:modId xmlns:p14="http://schemas.microsoft.com/office/powerpoint/2010/main" val="969735119"/>
+                <p14:modId xmlns:p14="http://schemas.microsoft.com/office/powerpoint/2010/main" val="2778913089"/>
               </p:ext>
             </p:extLst>
           </p:nvPr>
         </p:nvGraphicFramePr>
         <p:xfrm>
-          <a:off x="6297671" y="2860744"/>
-          <a:ext cx="3505567" cy="3383280"/>
+          <a:off x="5294600" y="2868655"/>
+          <a:ext cx="3505567" cy="3420293"/>
         </p:xfrm>
         <a:graphic>
           <a:graphicData uri="http://schemas.openxmlformats.org/drawingml/2006/table">
@@ -14371,7 +14364,7 @@
                   </a:ext>
                 </a:extLst>
               </a:tr>
-              <a:tr h="182880">
+              <a:tr h="219893">
                 <a:tc>
                   <a:txBody>
                     <a:bodyPr/>
@@ -15279,8 +15272,8 @@
         </p:nvSpPr>
         <p:spPr>
           <a:xfrm rot="5400000">
-            <a:off x="6004684" y="-1064870"/>
-            <a:ext cx="248244" cy="7348846"/>
+            <a:off x="5160296" y="-919139"/>
+            <a:ext cx="248244" cy="7118999"/>
           </a:xfrm>
           <a:prstGeom prst="leftBrace">
             <a:avLst/>
@@ -15323,8 +15316,8 @@
         </p:nvSpPr>
         <p:spPr>
           <a:xfrm>
-            <a:off x="3886512" y="1706021"/>
-            <a:ext cx="4484587" cy="646331"/>
+            <a:off x="2947303" y="1876338"/>
+            <a:ext cx="4484587" cy="584775"/>
           </a:xfrm>
           <a:prstGeom prst="rect">
             <a:avLst/>
@@ -15341,10 +15334,21 @@
             <a:r>
               <a:rPr lang="en-US" b="1" dirty="0">
                 <a:solidFill>
-                  <a:schemeClr val="accent6"/>
+                  <a:schemeClr val="accent2"/>
                 </a:solidFill>
               </a:rPr>
-              <a:t>Final Reduced LRA Model to determine attrition probability for employees</a:t>
+              <a:t>Final Attrition Model</a:t>
+            </a:r>
+          </a:p>
+          <a:p>
+            <a:pPr algn="ctr"/>
+            <a:r>
+              <a:rPr lang="en-US" sz="1400" dirty="0">
+                <a:solidFill>
+                  <a:schemeClr val="accent2"/>
+                </a:solidFill>
+              </a:rPr>
+              <a:t>Reduced LRA Model</a:t>
             </a:r>
           </a:p>
         </p:txBody>
@@ -15363,7 +15367,7 @@
         </p:nvCxnSpPr>
         <p:spPr>
           <a:xfrm>
-            <a:off x="2172580" y="3211616"/>
+            <a:off x="1526937" y="3211616"/>
             <a:ext cx="0" cy="2924313"/>
           </a:xfrm>
           <a:prstGeom prst="straightConnector1">
@@ -15405,8 +15409,8 @@
         </p:nvSpPr>
         <p:spPr>
           <a:xfrm>
-            <a:off x="159227" y="3778583"/>
-            <a:ext cx="1926739" cy="1169551"/>
+            <a:off x="159228" y="3778583"/>
+            <a:ext cx="1321230" cy="1600438"/>
           </a:xfrm>
           <a:prstGeom prst="rect">
             <a:avLst/>
@@ -15445,7 +15449,7 @@
         </p:nvCxnSpPr>
         <p:spPr>
           <a:xfrm>
-            <a:off x="6099690" y="3211616"/>
+            <a:off x="5128415" y="3176615"/>
             <a:ext cx="0" cy="2924313"/>
           </a:xfrm>
           <a:prstGeom prst="straightConnector1">
@@ -15473,6 +15477,172 @@
           </a:fontRef>
         </p:style>
       </p:cxnSp>
+      <p:sp>
+        <p:nvSpPr>
+          <p:cNvPr id="12" name="TextBox 11">
+            <a:extLst>
+              <a:ext uri="{FF2B5EF4-FFF2-40B4-BE49-F238E27FC236}">
+                <a16:creationId xmlns:a16="http://schemas.microsoft.com/office/drawing/2014/main" id="{E7503BC8-4E44-4542-BECE-65E7E5E0628A}"/>
+              </a:ext>
+            </a:extLst>
+          </p:cNvPr>
+          <p:cNvSpPr txBox="1"/>
+          <p:nvPr/>
+        </p:nvSpPr>
+        <p:spPr>
+          <a:xfrm>
+            <a:off x="8966351" y="3840558"/>
+            <a:ext cx="2798347" cy="2092881"/>
+          </a:xfrm>
+          <a:prstGeom prst="rect">
+            <a:avLst/>
+          </a:prstGeom>
+          <a:noFill/>
+        </p:spPr>
+        <p:txBody>
+          <a:bodyPr wrap="square" rtlCol="0">
+            <a:spAutoFit/>
+          </a:bodyPr>
+          <a:lstStyle/>
+          <a:p>
+            <a:pPr marL="91440" indent="-91440">
+              <a:spcAft>
+                <a:spcPts val="600"/>
+              </a:spcAft>
+              <a:buClr>
+                <a:schemeClr val="accent2"/>
+              </a:buClr>
+              <a:buFont typeface="Arial" panose="020B0604020202020204" pitchFamily="34" charset="0"/>
+              <a:buChar char="•"/>
+            </a:pPr>
+            <a:r>
+              <a:rPr lang="en-US" sz="1200" dirty="0"/>
+              <a:t>The lower the probability of a variable within the model, the higher statistically significant the variable is, in the context of the model</a:t>
+            </a:r>
+          </a:p>
+          <a:p>
+            <a:pPr marL="91440" indent="-91440">
+              <a:spcAft>
+                <a:spcPts val="600"/>
+              </a:spcAft>
+              <a:buClr>
+                <a:schemeClr val="accent2"/>
+              </a:buClr>
+              <a:buFont typeface="Arial" panose="020B0604020202020204" pitchFamily="34" charset="0"/>
+              <a:buChar char="•"/>
+            </a:pPr>
+            <a:r>
+              <a:rPr lang="en-US" sz="1200" dirty="0"/>
+              <a:t>Final Reduced Model AIC is 841, improved from original full model’s AIC of 853</a:t>
+            </a:r>
+          </a:p>
+          <a:p>
+            <a:pPr marL="91440" indent="-91440">
+              <a:spcAft>
+                <a:spcPts val="600"/>
+              </a:spcAft>
+              <a:buClr>
+                <a:schemeClr val="accent2"/>
+              </a:buClr>
+              <a:buFont typeface="Arial" panose="020B0604020202020204" pitchFamily="34" charset="0"/>
+              <a:buChar char="•"/>
+            </a:pPr>
+            <a:r>
+              <a:rPr lang="en-US" sz="1200" dirty="0"/>
+              <a:t>The model was created based on a ‘training’ data split. Cross validation was performed on the ‘testing’ data split</a:t>
+            </a:r>
+          </a:p>
+        </p:txBody>
+      </p:sp>
+      <p:sp>
+        <p:nvSpPr>
+          <p:cNvPr id="13" name="Rectangle 12">
+            <a:extLst>
+              <a:ext uri="{FF2B5EF4-FFF2-40B4-BE49-F238E27FC236}">
+                <a16:creationId xmlns:a16="http://schemas.microsoft.com/office/drawing/2014/main" id="{074FFA7C-7A71-454F-8D4E-A7087F7A779F}"/>
+              </a:ext>
+            </a:extLst>
+          </p:cNvPr>
+          <p:cNvSpPr/>
+          <p:nvPr/>
+        </p:nvSpPr>
+        <p:spPr>
+          <a:xfrm>
+            <a:off x="9164402" y="3389783"/>
+            <a:ext cx="2217274" cy="338554"/>
+          </a:xfrm>
+          <a:prstGeom prst="rect">
+            <a:avLst/>
+          </a:prstGeom>
+        </p:spPr>
+        <p:txBody>
+          <a:bodyPr wrap="none">
+            <a:spAutoFit/>
+          </a:bodyPr>
+          <a:lstStyle/>
+          <a:p>
+            <a:r>
+              <a:rPr lang="en-US" sz="1600" b="1" dirty="0">
+                <a:solidFill>
+                  <a:schemeClr val="accent2"/>
+                </a:solidFill>
+              </a:rPr>
+              <a:t>Other Model Insights</a:t>
+            </a:r>
+          </a:p>
+        </p:txBody>
+      </p:sp>
+      <p:sp>
+        <p:nvSpPr>
+          <p:cNvPr id="3" name="Rectangle 2">
+            <a:extLst>
+              <a:ext uri="{FF2B5EF4-FFF2-40B4-BE49-F238E27FC236}">
+                <a16:creationId xmlns:a16="http://schemas.microsoft.com/office/drawing/2014/main" id="{880D4791-1510-43A5-9968-B1A6235EE9D2}"/>
+              </a:ext>
+            </a:extLst>
+          </p:cNvPr>
+          <p:cNvSpPr/>
+          <p:nvPr/>
+        </p:nvSpPr>
+        <p:spPr>
+          <a:xfrm>
+            <a:off x="9067907" y="1632448"/>
+            <a:ext cx="2798347" cy="1384995"/>
+          </a:xfrm>
+          <a:prstGeom prst="rect">
+            <a:avLst/>
+          </a:prstGeom>
+          <a:solidFill>
+            <a:schemeClr val="bg2"/>
+          </a:solidFill>
+          <a:ln>
+            <a:solidFill>
+              <a:schemeClr val="accent6"/>
+            </a:solidFill>
+          </a:ln>
+        </p:spPr>
+        <p:txBody>
+          <a:bodyPr wrap="square">
+            <a:spAutoFit/>
+          </a:bodyPr>
+          <a:lstStyle/>
+          <a:p>
+            <a:pPr algn="ctr">
+              <a:buClr>
+                <a:schemeClr val="accent2"/>
+              </a:buClr>
+            </a:pPr>
+            <a:r>
+              <a:rPr lang="en-US" sz="1400" b="1" dirty="0">
+                <a:solidFill>
+                  <a:schemeClr val="accent6"/>
+                </a:solidFill>
+              </a:rPr>
+              <a:t>With this model, new employees data with respective profile can be introduced and the model will output an attrition probability for each employee </a:t>
+            </a:r>
+          </a:p>
+        </p:txBody>
+      </p:sp>
     </p:spTree>
     <p:extLst>
       <p:ext uri="{BB962C8B-B14F-4D97-AF65-F5344CB8AC3E}">
@@ -15584,6 +15754,60 @@
                                   </p:childTnLst>
                                 </p:cTn>
                               </p:par>
+                              <p:par>
+                                <p:cTn id="11" presetID="1" presetClass="entr" presetSubtype="0" fill="hold" grpId="0" nodeType="withEffect">
+                                  <p:stCondLst>
+                                    <p:cond delay="0"/>
+                                  </p:stCondLst>
+                                  <p:childTnLst>
+                                    <p:set>
+                                      <p:cBhvr>
+                                        <p:cTn id="12" dur="1" fill="hold">
+                                          <p:stCondLst>
+                                            <p:cond delay="0"/>
+                                          </p:stCondLst>
+                                        </p:cTn>
+                                        <p:tgtEl>
+                                          <p:spTgt spid="12"/>
+                                        </p:tgtEl>
+                                        <p:attrNameLst>
+                                          <p:attrName>style.visibility</p:attrName>
+                                        </p:attrNameLst>
+                                      </p:cBhvr>
+                                      <p:to>
+                                        <p:strVal val="visible"/>
+                                      </p:to>
+                                    </p:set>
+                                  </p:childTnLst>
+                                </p:cTn>
+                              </p:par>
+                              <p:par>
+                                <p:cTn id="13" presetID="1" presetClass="entr" presetSubtype="0" fill="hold" grpId="0" nodeType="withEffect">
+                                  <p:stCondLst>
+                                    <p:cond delay="0"/>
+                                  </p:stCondLst>
+                                  <p:childTnLst>
+                                    <p:set>
+                                      <p:cBhvr>
+                                        <p:cTn id="14" dur="1" fill="hold">
+                                          <p:stCondLst>
+                                            <p:cond delay="0"/>
+                                          </p:stCondLst>
+                                        </p:cTn>
+                                        <p:tgtEl>
+                                          <p:spTgt spid="13"/>
+                                        </p:tgtEl>
+                                        <p:attrNameLst>
+                                          <p:attrName>style.visibility</p:attrName>
+                                        </p:attrNameLst>
+                                      </p:cBhvr>
+                                      <p:to>
+                                        <p:strVal val="visible"/>
+                                      </p:to>
+                                    </p:set>
+                                  </p:childTnLst>
+                                </p:cTn>
+                              </p:par>
                             </p:childTnLst>
                           </p:cTn>
                         </p:par>
@@ -15613,95 +15837,14 @@
     </p:tnLst>
     <p:bldLst>
       <p:bldP spid="10" grpId="0"/>
+      <p:bldP spid="12" grpId="0"/>
+      <p:bldP spid="13" grpId="0"/>
     </p:bldLst>
   </p:timing>
 </p:sld>
 </file>
 
 <file path=ppt/slides/slide11.xml><?xml version="1.0" encoding="utf-8"?>
-<p:sld xmlns:a="http://schemas.openxmlformats.org/drawingml/2006/main" xmlns:r="http://schemas.openxmlformats.org/officeDocument/2006/relationships" xmlns:p="http://schemas.openxmlformats.org/presentationml/2006/main">
-  <p:cSld>
-    <p:spTree>
-      <p:nvGrpSpPr>
-        <p:cNvPr id="1" name=""/>
-        <p:cNvGrpSpPr/>
-        <p:nvPr/>
-      </p:nvGrpSpPr>
-      <p:grpSpPr>
-        <a:xfrm>
-          <a:off x="0" y="0"/>
-          <a:ext cx="0" cy="0"/>
-          <a:chOff x="0" y="0"/>
-          <a:chExt cx="0" cy="0"/>
-        </a:xfrm>
-      </p:grpSpPr>
-      <p:sp>
-        <p:nvSpPr>
-          <p:cNvPr id="2" name="Title 1">
-            <a:extLst>
-              <a:ext uri="{FF2B5EF4-FFF2-40B4-BE49-F238E27FC236}">
-                <a16:creationId xmlns:a16="http://schemas.microsoft.com/office/drawing/2014/main" id="{86274AB9-DA7A-4630-B9A6-8B6BB1752342}"/>
-              </a:ext>
-            </a:extLst>
-          </p:cNvPr>
-          <p:cNvSpPr>
-            <a:spLocks noGrp="1"/>
-          </p:cNvSpPr>
-          <p:nvPr>
-            <p:ph type="title"/>
-          </p:nvPr>
-        </p:nvSpPr>
-        <p:spPr/>
-        <p:txBody>
-          <a:bodyPr/>
-          <a:lstStyle/>
-          <a:p>
-            <a:r>
-              <a:rPr lang="en-US" dirty="0"/>
-              <a:t>cross validation results</a:t>
-            </a:r>
-          </a:p>
-        </p:txBody>
-      </p:sp>
-      <p:sp>
-        <p:nvSpPr>
-          <p:cNvPr id="3" name="Text Placeholder 2">
-            <a:extLst>
-              <a:ext uri="{FF2B5EF4-FFF2-40B4-BE49-F238E27FC236}">
-                <a16:creationId xmlns:a16="http://schemas.microsoft.com/office/drawing/2014/main" id="{A05C094E-36BB-4CC7-AA38-D1DD38A69DD8}"/>
-              </a:ext>
-            </a:extLst>
-          </p:cNvPr>
-          <p:cNvSpPr>
-            <a:spLocks noGrp="1"/>
-          </p:cNvSpPr>
-          <p:nvPr>
-            <p:ph type="body" idx="1"/>
-          </p:nvPr>
-        </p:nvSpPr>
-        <p:spPr/>
-        <p:txBody>
-          <a:bodyPr/>
-          <a:lstStyle/>
-          <a:p>
-            <a:endParaRPr lang="en-US"/>
-          </a:p>
-        </p:txBody>
-      </p:sp>
-    </p:spTree>
-    <p:extLst>
-      <p:ext uri="{BB962C8B-B14F-4D97-AF65-F5344CB8AC3E}">
-        <p14:creationId xmlns:p14="http://schemas.microsoft.com/office/powerpoint/2010/main" val="4184466029"/>
-      </p:ext>
-    </p:extLst>
-  </p:cSld>
-  <p:clrMapOvr>
-    <a:masterClrMapping/>
-  </p:clrMapOvr>
-</p:sld>
-</file>
-
-<file path=ppt/slides/slide12.xml><?xml version="1.0" encoding="utf-8"?>
 <p:sld xmlns:a="http://schemas.openxmlformats.org/drawingml/2006/main" xmlns:r="http://schemas.openxmlformats.org/officeDocument/2006/relationships" xmlns:p="http://schemas.openxmlformats.org/presentationml/2006/main">
   <p:cSld>
     <p:spTree>
@@ -15739,7 +15882,10 @@
           <a:bodyPr/>
           <a:lstStyle/>
           <a:p>
-            <a:endParaRPr lang="en-US"/>
+            <a:r>
+              <a:rPr lang="en-US" dirty="0"/>
+              <a:t>Cross validation and model results</a:t>
+            </a:r>
           </a:p>
         </p:txBody>
       </p:sp>
@@ -15756,90 +15902,7 @@
 </p:sld>
 </file>
 
-<file path=ppt/slides/slide13.xml><?xml version="1.0" encoding="utf-8"?>
-<p:sld xmlns:a="http://schemas.openxmlformats.org/drawingml/2006/main" xmlns:r="http://schemas.openxmlformats.org/officeDocument/2006/relationships" xmlns:p="http://schemas.openxmlformats.org/presentationml/2006/main">
-  <p:cSld>
-    <p:spTree>
-      <p:nvGrpSpPr>
-        <p:cNvPr id="1" name=""/>
-        <p:cNvGrpSpPr/>
-        <p:nvPr/>
-      </p:nvGrpSpPr>
-      <p:grpSpPr>
-        <a:xfrm>
-          <a:off x="0" y="0"/>
-          <a:ext cx="0" cy="0"/>
-          <a:chOff x="0" y="0"/>
-          <a:chExt cx="0" cy="0"/>
-        </a:xfrm>
-      </p:grpSpPr>
-      <p:sp>
-        <p:nvSpPr>
-          <p:cNvPr id="2" name="Title 1">
-            <a:extLst>
-              <a:ext uri="{FF2B5EF4-FFF2-40B4-BE49-F238E27FC236}">
-                <a16:creationId xmlns:a16="http://schemas.microsoft.com/office/drawing/2014/main" id="{86274AB9-DA7A-4630-B9A6-8B6BB1752342}"/>
-              </a:ext>
-            </a:extLst>
-          </p:cNvPr>
-          <p:cNvSpPr>
-            <a:spLocks noGrp="1"/>
-          </p:cNvSpPr>
-          <p:nvPr>
-            <p:ph type="title"/>
-          </p:nvPr>
-        </p:nvSpPr>
-        <p:spPr/>
-        <p:txBody>
-          <a:bodyPr/>
-          <a:lstStyle/>
-          <a:p>
-            <a:r>
-              <a:rPr lang="en-US" dirty="0"/>
-              <a:t>appendix</a:t>
-            </a:r>
-          </a:p>
-        </p:txBody>
-      </p:sp>
-      <p:sp>
-        <p:nvSpPr>
-          <p:cNvPr id="3" name="Text Placeholder 2">
-            <a:extLst>
-              <a:ext uri="{FF2B5EF4-FFF2-40B4-BE49-F238E27FC236}">
-                <a16:creationId xmlns:a16="http://schemas.microsoft.com/office/drawing/2014/main" id="{A05C094E-36BB-4CC7-AA38-D1DD38A69DD8}"/>
-              </a:ext>
-            </a:extLst>
-          </p:cNvPr>
-          <p:cNvSpPr>
-            <a:spLocks noGrp="1"/>
-          </p:cNvSpPr>
-          <p:nvPr>
-            <p:ph type="body" idx="1"/>
-          </p:nvPr>
-        </p:nvSpPr>
-        <p:spPr/>
-        <p:txBody>
-          <a:bodyPr/>
-          <a:lstStyle/>
-          <a:p>
-            <a:endParaRPr lang="en-US"/>
-          </a:p>
-        </p:txBody>
-      </p:sp>
-    </p:spTree>
-    <p:extLst>
-      <p:ext uri="{BB962C8B-B14F-4D97-AF65-F5344CB8AC3E}">
-        <p14:creationId xmlns:p14="http://schemas.microsoft.com/office/powerpoint/2010/main" val="2574946965"/>
-      </p:ext>
-    </p:extLst>
-  </p:cSld>
-  <p:clrMapOvr>
-    <a:masterClrMapping/>
-  </p:clrMapOvr>
-</p:sld>
-</file>
-
-<file path=ppt/slides/slide14.xml><?xml version="1.0" encoding="utf-8"?>
+<file path=ppt/slides/slide12.xml><?xml version="1.0" encoding="utf-8"?>
 <p:sld xmlns:a="http://schemas.openxmlformats.org/drawingml/2006/main" xmlns:r="http://schemas.openxmlformats.org/officeDocument/2006/relationships" xmlns:p="http://schemas.openxmlformats.org/presentationml/2006/main">
   <p:cSld>
     <p:spTree>
@@ -15881,7 +15944,7 @@
           <a:p>
             <a:r>
               <a:rPr lang="en-US" dirty="0"/>
-              <a:t>Executive summary</a:t>
+              <a:t>Conclusion and summary</a:t>
             </a:r>
           </a:p>
         </p:txBody>
@@ -15949,6 +16012,46 @@
               <a:t>Analysis Repository</a:t>
             </a:r>
             <a:endParaRPr lang="en-US" dirty="0"/>
+          </a:p>
+        </p:txBody>
+      </p:sp>
+      <p:sp>
+        <p:nvSpPr>
+          <p:cNvPr id="5" name="TextBox 4">
+            <a:extLst>
+              <a:ext uri="{FF2B5EF4-FFF2-40B4-BE49-F238E27FC236}">
+                <a16:creationId xmlns:a16="http://schemas.microsoft.com/office/drawing/2014/main" id="{E1B20BBC-7125-416C-8A90-93B6E5D7B9B9}"/>
+              </a:ext>
+            </a:extLst>
+          </p:cNvPr>
+          <p:cNvSpPr txBox="1"/>
+          <p:nvPr/>
+        </p:nvSpPr>
+        <p:spPr>
+          <a:xfrm rot="20194777">
+            <a:off x="4536558" y="3013501"/>
+            <a:ext cx="3213100" cy="830997"/>
+          </a:xfrm>
+          <a:prstGeom prst="rect">
+            <a:avLst/>
+          </a:prstGeom>
+          <a:noFill/>
+        </p:spPr>
+        <p:txBody>
+          <a:bodyPr wrap="square" rtlCol="0">
+            <a:spAutoFit/>
+          </a:bodyPr>
+          <a:lstStyle/>
+          <a:p>
+            <a:pPr algn="ctr"/>
+            <a:r>
+              <a:rPr lang="en-US" sz="4800" dirty="0">
+                <a:solidFill>
+                  <a:srgbClr val="FF0000"/>
+                </a:solidFill>
+              </a:rPr>
+              <a:t>In Progress</a:t>
+            </a:r>
           </a:p>
         </p:txBody>
       </p:sp>
@@ -16526,7 +16629,7 @@
           <a:p>
             <a:r>
               <a:rPr lang="en-US" dirty="0"/>
-              <a:t>Methodology used to approach attrition</a:t>
+              <a:t>Methodology and framework used to study attrition</a:t>
             </a:r>
           </a:p>
         </p:txBody>
@@ -16612,7 +16715,7 @@
         </p:nvSpPr>
         <p:spPr>
           <a:xfrm>
-            <a:off x="5219246" y="2306921"/>
+            <a:off x="5114243" y="2306921"/>
             <a:ext cx="2053447" cy="400110"/>
           </a:xfrm>
           <a:prstGeom prst="rect">
@@ -19480,7 +19583,7 @@
         </p:nvSpPr>
         <p:spPr>
           <a:xfrm>
-            <a:off x="8670394" y="2271531"/>
+            <a:off x="8670394" y="2264551"/>
             <a:ext cx="3150511" cy="646331"/>
           </a:xfrm>
           <a:prstGeom prst="rect">
@@ -19593,7 +19696,7 @@
         </p:nvSpPr>
         <p:spPr>
           <a:xfrm>
-            <a:off x="8670395" y="1820756"/>
+            <a:off x="8670395" y="1813776"/>
             <a:ext cx="2543838" cy="338554"/>
           </a:xfrm>
           <a:prstGeom prst="rect">
@@ -20271,7 +20374,7 @@
           <a:p>
             <a:r>
               <a:rPr lang="en-US" dirty="0"/>
-              <a:t>Model creation</a:t>
+              <a:t>Model creation and cross validation</a:t>
             </a:r>
           </a:p>
         </p:txBody>
@@ -20356,7 +20459,7 @@
           <a:p>
             <a:r>
               <a:rPr lang="en-US" dirty="0"/>
-              <a:t>model Requirements, evaluation and comparison</a:t>
+              <a:t>model importance, Requirements and model evaluation</a:t>
             </a:r>
           </a:p>
         </p:txBody>
@@ -20378,13 +20481,13 @@
               <p:nvPr>
                 <p:extLst>
                   <p:ext uri="{D42A27DB-BD31-4B8C-83A1-F6EECF244321}">
-                    <p14:modId xmlns:p14="http://schemas.microsoft.com/office/powerpoint/2010/main" val="505360017"/>
+                    <p14:modId xmlns:p14="http://schemas.microsoft.com/office/powerpoint/2010/main" val="1640153713"/>
                   </p:ext>
                 </p:extLst>
               </p:nvPr>
             </p:nvGraphicFramePr>
             <p:xfrm>
-              <a:off x="1076258" y="3784058"/>
+              <a:off x="1038161" y="3862736"/>
               <a:ext cx="10039483" cy="2338687"/>
             </p:xfrm>
             <a:graphic>
@@ -21341,7 +21444,7 @@
                       </a:ext>
                     </a:extLst>
                   </a:tr>
-                  <a:tr h="330893">
+                  <a:tr h="302690">
                     <a:tc>
                       <a:txBody>
                         <a:bodyPr/>
@@ -21577,13 +21680,13 @@
               <p:nvPr>
                 <p:extLst>
                   <p:ext uri="{D42A27DB-BD31-4B8C-83A1-F6EECF244321}">
-                    <p14:modId xmlns:p14="http://schemas.microsoft.com/office/powerpoint/2010/main" val="505360017"/>
+                    <p14:modId xmlns:p14="http://schemas.microsoft.com/office/powerpoint/2010/main" val="1640153713"/>
                   </p:ext>
                 </p:extLst>
               </p:nvPr>
             </p:nvGraphicFramePr>
             <p:xfrm>
-              <a:off x="1076258" y="3784058"/>
+              <a:off x="1038161" y="3862736"/>
               <a:ext cx="10039483" cy="2338687"/>
             </p:xfrm>
             <a:graphic>
@@ -22731,7 +22834,7 @@
         </p:nvSpPr>
         <p:spPr>
           <a:xfrm>
-            <a:off x="385763" y="6343650"/>
+            <a:off x="385763" y="6431150"/>
             <a:ext cx="6771405" cy="246221"/>
           </a:xfrm>
           <a:prstGeom prst="rect">
@@ -22770,8 +22873,8 @@
         </p:nvSpPr>
         <p:spPr>
           <a:xfrm flipH="1">
-            <a:off x="1425195" y="2904164"/>
-            <a:ext cx="9381291" cy="769441"/>
+            <a:off x="1038158" y="3459778"/>
+            <a:ext cx="10039484" cy="369332"/>
           </a:xfrm>
           <a:prstGeom prst="rect">
             <a:avLst/>
@@ -22784,22 +22887,13 @@
           </a:bodyPr>
           <a:lstStyle/>
           <a:p>
-            <a:pPr algn="ctr"/>
             <a:r>
-              <a:rPr lang="en-US" sz="2000" dirty="0"/>
-              <a:t>Multiple models were reviewed and 3 of them met the met most of the requirements. Selected </a:t>
-            </a:r>
-            <a:r>
-              <a:rPr lang="en-US" sz="2400" b="1" dirty="0">
+              <a:rPr lang="en-US" dirty="0">
                 <a:solidFill>
-                  <a:schemeClr val="accent6"/>
+                  <a:schemeClr val="accent2"/>
                 </a:solidFill>
               </a:rPr>
-              <a:t>Logistic Regression Analysis </a:t>
-            </a:r>
-            <a:r>
-              <a:rPr lang="en-US" sz="2000" dirty="0"/>
-              <a:t>to model attrition</a:t>
+              <a:t>Evaluated Models</a:t>
             </a:r>
           </a:p>
         </p:txBody>
@@ -22818,15 +22912,15 @@
         </p:nvSpPr>
         <p:spPr>
           <a:xfrm>
-            <a:off x="1076258" y="1616197"/>
-            <a:ext cx="9730228" cy="461665"/>
+            <a:off x="462029" y="1660177"/>
+            <a:ext cx="7715184" cy="1492716"/>
           </a:xfrm>
           <a:prstGeom prst="rect">
             <a:avLst/>
           </a:prstGeom>
         </p:spPr>
         <p:txBody>
-          <a:bodyPr wrap="none">
+          <a:bodyPr wrap="square">
             <a:spAutoFit/>
           </a:bodyPr>
           <a:lstStyle/>
@@ -22834,14 +22928,164 @@
             <a:r>
               <a:rPr lang="en-US" sz="2400" dirty="0">
                 <a:solidFill>
+                  <a:schemeClr val="accent2"/>
+                </a:solidFill>
+              </a:rPr>
+              <a:t>Importance of attrition predictive model</a:t>
+            </a:r>
+          </a:p>
+          <a:p>
+            <a:endParaRPr lang="en-US" sz="800" dirty="0">
+              <a:solidFill>
+                <a:schemeClr val="accent2"/>
+              </a:solidFill>
+            </a:endParaRPr>
+          </a:p>
+          <a:p>
+            <a:pPr marL="342900" indent="-342900">
+              <a:spcAft>
+                <a:spcPts val="600"/>
+              </a:spcAft>
+              <a:buFont typeface="+mj-lt"/>
+              <a:buAutoNum type="arabicPeriod"/>
+            </a:pPr>
+            <a:r>
+              <a:rPr lang="en-US" dirty="0"/>
+              <a:t>The predictive model </a:t>
+            </a:r>
+            <a:r>
+              <a:rPr lang="en-US" b="1" dirty="0">
+                <a:solidFill>
                   <a:schemeClr val="accent6"/>
                 </a:solidFill>
               </a:rPr>
-              <a:t>Importance of a predictive model: </a:t>
+              <a:t>combines insight</a:t>
             </a:r>
             <a:r>
               <a:rPr lang="en-US" dirty="0"/>
-              <a:t>The predictive model allows to combine all the variables</a:t>
+              <a:t> from all the variables to make a more robust prediction than if using single variables</a:t>
+            </a:r>
+          </a:p>
+          <a:p>
+            <a:pPr marL="342900" indent="-342900">
+              <a:spcAft>
+                <a:spcPts val="600"/>
+              </a:spcAft>
+              <a:buFont typeface="+mj-lt"/>
+              <a:buAutoNum type="arabicPeriod"/>
+            </a:pPr>
+            <a:r>
+              <a:rPr lang="en-US" b="1" dirty="0">
+                <a:solidFill>
+                  <a:schemeClr val="accent6"/>
+                </a:solidFill>
+              </a:rPr>
+              <a:t>Identifies the most significant variables</a:t>
+            </a:r>
+            <a:r>
+              <a:rPr lang="en-US" dirty="0"/>
+              <a:t> in the context of prediction</a:t>
+            </a:r>
+          </a:p>
+        </p:txBody>
+      </p:sp>
+      <p:sp>
+        <p:nvSpPr>
+          <p:cNvPr id="7" name="Rectangle 6">
+            <a:extLst>
+              <a:ext uri="{FF2B5EF4-FFF2-40B4-BE49-F238E27FC236}">
+                <a16:creationId xmlns:a16="http://schemas.microsoft.com/office/drawing/2014/main" id="{F792BEEE-B221-4FB1-99B3-641FF7EFFA26}"/>
+              </a:ext>
+            </a:extLst>
+          </p:cNvPr>
+          <p:cNvSpPr/>
+          <p:nvPr/>
+        </p:nvSpPr>
+        <p:spPr>
+          <a:xfrm>
+            <a:off x="5711372" y="3871913"/>
+            <a:ext cx="1608592" cy="2524125"/>
+          </a:xfrm>
+          <a:prstGeom prst="rect">
+            <a:avLst/>
+          </a:prstGeom>
+          <a:solidFill>
+            <a:schemeClr val="accent6">
+              <a:lumMod val="20000"/>
+              <a:lumOff val="80000"/>
+              <a:alpha val="24000"/>
+            </a:schemeClr>
+          </a:solidFill>
+          <a:ln w="12700">
+            <a:solidFill>
+              <a:schemeClr val="accent6"/>
+            </a:solidFill>
+            <a:prstDash val="dash"/>
+          </a:ln>
+        </p:spPr>
+        <p:style>
+          <a:lnRef idx="2">
+            <a:schemeClr val="accent1">
+              <a:shade val="50000"/>
+            </a:schemeClr>
+          </a:lnRef>
+          <a:fillRef idx="1">
+            <a:schemeClr val="accent1"/>
+          </a:fillRef>
+          <a:effectRef idx="0">
+            <a:schemeClr val="accent1"/>
+          </a:effectRef>
+          <a:fontRef idx="minor">
+            <a:schemeClr val="lt1"/>
+          </a:fontRef>
+        </p:style>
+        <p:txBody>
+          <a:bodyPr rtlCol="0" anchor="ctr"/>
+          <a:lstStyle/>
+          <a:p>
+            <a:pPr algn="ctr"/>
+            <a:endParaRPr lang="en-US"/>
+          </a:p>
+        </p:txBody>
+      </p:sp>
+      <p:sp>
+        <p:nvSpPr>
+          <p:cNvPr id="8" name="TextBox 7">
+            <a:extLst>
+              <a:ext uri="{FF2B5EF4-FFF2-40B4-BE49-F238E27FC236}">
+                <a16:creationId xmlns:a16="http://schemas.microsoft.com/office/drawing/2014/main" id="{20BD4271-8C3C-4586-82EC-0BAB6F2F3255}"/>
+              </a:ext>
+            </a:extLst>
+          </p:cNvPr>
+          <p:cNvSpPr txBox="1"/>
+          <p:nvPr/>
+        </p:nvSpPr>
+        <p:spPr>
+          <a:xfrm>
+            <a:off x="5711371" y="3507959"/>
+            <a:ext cx="1608591" cy="369332"/>
+          </a:xfrm>
+          <a:prstGeom prst="rect">
+            <a:avLst/>
+          </a:prstGeom>
+          <a:solidFill>
+            <a:schemeClr val="accent6"/>
+          </a:solidFill>
+        </p:spPr>
+        <p:txBody>
+          <a:bodyPr wrap="square" rtlCol="0">
+            <a:spAutoFit/>
+          </a:bodyPr>
+          <a:lstStyle/>
+          <a:p>
+            <a:pPr algn="ctr"/>
+            <a:r>
+              <a:rPr lang="en-US" b="1" dirty="0">
+                <a:solidFill>
+                  <a:schemeClr val="bg2"/>
+                </a:solidFill>
+              </a:rPr>
+              <a:t>Selected</a:t>
             </a:r>
           </a:p>
         </p:txBody>
@@ -22856,6 +23100,213 @@
   <p:clrMapOvr>
     <a:masterClrMapping/>
   </p:clrMapOvr>
+  <p:timing>
+    <p:tnLst>
+      <p:par>
+        <p:cTn id="1" dur="indefinite" restart="never" nodeType="tmRoot">
+          <p:childTnLst>
+            <p:seq concurrent="1" nextAc="seek">
+              <p:cTn id="2" dur="indefinite" nodeType="mainSeq">
+                <p:childTnLst>
+                  <p:par>
+                    <p:cTn id="3" fill="hold">
+                      <p:stCondLst>
+                        <p:cond delay="indefinite"/>
+                      </p:stCondLst>
+                      <p:childTnLst>
+                        <p:par>
+                          <p:cTn id="4" fill="hold">
+                            <p:stCondLst>
+                              <p:cond delay="0"/>
+                            </p:stCondLst>
+                            <p:childTnLst>
+                              <p:par>
+                                <p:cTn id="5" presetID="1" presetClass="entr" presetSubtype="0" fill="hold" grpId="0" nodeType="clickEffect">
+                                  <p:stCondLst>
+                                    <p:cond delay="0"/>
+                                  </p:stCondLst>
+                                  <p:childTnLst>
+                                    <p:set>
+                                      <p:cBhvr>
+                                        <p:cTn id="6" dur="1" fill="hold">
+                                          <p:stCondLst>
+                                            <p:cond delay="0"/>
+                                          </p:stCondLst>
+                                        </p:cTn>
+                                        <p:tgtEl>
+                                          <p:spTgt spid="6"/>
+                                        </p:tgtEl>
+                                        <p:attrNameLst>
+                                          <p:attrName>style.visibility</p:attrName>
+                                        </p:attrNameLst>
+                                      </p:cBhvr>
+                                      <p:to>
+                                        <p:strVal val="visible"/>
+                                      </p:to>
+                                    </p:set>
+                                  </p:childTnLst>
+                                </p:cTn>
+                              </p:par>
+                              <p:par>
+                                <p:cTn id="7" presetID="1" presetClass="entr" presetSubtype="0" fill="hold" nodeType="withEffect">
+                                  <p:stCondLst>
+                                    <p:cond delay="0"/>
+                                  </p:stCondLst>
+                                  <p:childTnLst>
+                                    <p:set>
+                                      <p:cBhvr>
+                                        <p:cTn id="8" dur="1" fill="hold">
+                                          <p:stCondLst>
+                                            <p:cond delay="0"/>
+                                          </p:stCondLst>
+                                        </p:cTn>
+                                        <p:tgtEl>
+                                          <p:spTgt spid="4"/>
+                                        </p:tgtEl>
+                                        <p:attrNameLst>
+                                          <p:attrName>style.visibility</p:attrName>
+                                        </p:attrNameLst>
+                                      </p:cBhvr>
+                                      <p:to>
+                                        <p:strVal val="visible"/>
+                                      </p:to>
+                                    </p:set>
+                                  </p:childTnLst>
+                                </p:cTn>
+                              </p:par>
+                              <p:par>
+                                <p:cTn id="9" presetID="1" presetClass="entr" presetSubtype="0" fill="hold" grpId="0" nodeType="withEffect">
+                                  <p:stCondLst>
+                                    <p:cond delay="0"/>
+                                  </p:stCondLst>
+                                  <p:childTnLst>
+                                    <p:set>
+                                      <p:cBhvr>
+                                        <p:cTn id="10" dur="1" fill="hold">
+                                          <p:stCondLst>
+                                            <p:cond delay="0"/>
+                                          </p:stCondLst>
+                                        </p:cTn>
+                                        <p:tgtEl>
+                                          <p:spTgt spid="5"/>
+                                        </p:tgtEl>
+                                        <p:attrNameLst>
+                                          <p:attrName>style.visibility</p:attrName>
+                                        </p:attrNameLst>
+                                      </p:cBhvr>
+                                      <p:to>
+                                        <p:strVal val="visible"/>
+                                      </p:to>
+                                    </p:set>
+                                  </p:childTnLst>
+                                </p:cTn>
+                              </p:par>
+                            </p:childTnLst>
+                          </p:cTn>
+                        </p:par>
+                      </p:childTnLst>
+                    </p:cTn>
+                  </p:par>
+                  <p:par>
+                    <p:cTn id="11" fill="hold">
+                      <p:stCondLst>
+                        <p:cond delay="indefinite"/>
+                      </p:stCondLst>
+                      <p:childTnLst>
+                        <p:par>
+                          <p:cTn id="12" fill="hold">
+                            <p:stCondLst>
+                              <p:cond delay="0"/>
+                            </p:stCondLst>
+                            <p:childTnLst>
+                              <p:par>
+                                <p:cTn id="13" presetID="1" presetClass="entr" presetSubtype="0" fill="hold" grpId="0" nodeType="clickEffect">
+                                  <p:stCondLst>
+                                    <p:cond delay="0"/>
+                                  </p:stCondLst>
+                                  <p:childTnLst>
+                                    <p:set>
+                                      <p:cBhvr>
+                                        <p:cTn id="14" dur="1" fill="hold">
+                                          <p:stCondLst>
+                                            <p:cond delay="0"/>
+                                          </p:stCondLst>
+                                        </p:cTn>
+                                        <p:tgtEl>
+                                          <p:spTgt spid="8"/>
+                                        </p:tgtEl>
+                                        <p:attrNameLst>
+                                          <p:attrName>style.visibility</p:attrName>
+                                        </p:attrNameLst>
+                                      </p:cBhvr>
+                                      <p:to>
+                                        <p:strVal val="visible"/>
+                                      </p:to>
+                                    </p:set>
+                                  </p:childTnLst>
+                                </p:cTn>
+                              </p:par>
+                              <p:par>
+                                <p:cTn id="15" presetID="1" presetClass="entr" presetSubtype="0" fill="hold" grpId="0" nodeType="withEffect">
+                                  <p:stCondLst>
+                                    <p:cond delay="0"/>
+                                  </p:stCondLst>
+                                  <p:childTnLst>
+                                    <p:set>
+                                      <p:cBhvr>
+                                        <p:cTn id="16" dur="1" fill="hold">
+                                          <p:stCondLst>
+                                            <p:cond delay="0"/>
+                                          </p:stCondLst>
+                                        </p:cTn>
+                                        <p:tgtEl>
+                                          <p:spTgt spid="7"/>
+                                        </p:tgtEl>
+                                        <p:attrNameLst>
+                                          <p:attrName>style.visibility</p:attrName>
+                                        </p:attrNameLst>
+                                      </p:cBhvr>
+                                      <p:to>
+                                        <p:strVal val="visible"/>
+                                      </p:to>
+                                    </p:set>
+                                  </p:childTnLst>
+                                </p:cTn>
+                              </p:par>
+                            </p:childTnLst>
+                          </p:cTn>
+                        </p:par>
+                      </p:childTnLst>
+                    </p:cTn>
+                  </p:par>
+                </p:childTnLst>
+              </p:cTn>
+              <p:prevCondLst>
+                <p:cond evt="onPrev" delay="0">
+                  <p:tgtEl>
+                    <p:sldTgt/>
+                  </p:tgtEl>
+                </p:cond>
+              </p:prevCondLst>
+              <p:nextCondLst>
+                <p:cond evt="onNext" delay="0">
+                  <p:tgtEl>
+                    <p:sldTgt/>
+                  </p:tgtEl>
+                </p:cond>
+              </p:nextCondLst>
+            </p:seq>
+          </p:childTnLst>
+        </p:cTn>
+      </p:par>
+    </p:tnLst>
+    <p:bldLst>
+      <p:bldP spid="5" grpId="0"/>
+      <p:bldP spid="6" grpId="0"/>
+      <p:bldP spid="7" grpId="0" animBg="1"/>
+      <p:bldP spid="8" grpId="0" animBg="1"/>
+    </p:bldLst>
+  </p:timing>
 </p:sld>
 </file>
 

--- a/Case Study 2.pptx
+++ b/Case Study 2.pptx
@@ -122,6 +122,11 @@
     <p:ext uri="{EFAFB233-063F-42B5-8137-9DF3F51BA10A}">
       <p15:sldGuideLst xmlns:p15="http://schemas.microsoft.com/office/powerpoint/2012/main">
         <p15:guide id="2" pos="3816" userDrawn="1">
+          <p15:clr>
+            <a:srgbClr val="A4A3A4"/>
+          </p15:clr>
+        </p15:guide>
+        <p15:guide id="3" orient="horz" pos="2160">
           <p15:clr>
             <a:srgbClr val="A4A3A4"/>
           </p15:clr>
@@ -2695,7 +2700,7 @@
         <a:p>
           <a:r>
             <a:rPr lang="en-US" dirty="0"/>
-            <a:t>Analysis</a:t>
+            <a:t>Prediction Model</a:t>
           </a:r>
         </a:p>
       </dgm:t>
@@ -2731,7 +2736,7 @@
         <a:p>
           <a:r>
             <a:rPr lang="en-US" dirty="0"/>
-            <a:t>Please see analysis repository in R, for details</a:t>
+            <a:t>87% accuracy when cross validation was performed</a:t>
           </a:r>
         </a:p>
       </dgm:t>
@@ -2759,13 +2764,16 @@
       </dgm:t>
     </dgm:pt>
     <dgm:pt modelId="{190558E6-E8C3-4183-AC24-BF337432A697}">
-      <dgm:prSet phldrT="[Text]" phldr="1"/>
+      <dgm:prSet phldrT="[Text]"/>
       <dgm:spPr/>
       <dgm:t>
         <a:bodyPr/>
         <a:lstStyle/>
         <a:p>
-          <a:endParaRPr lang="en-US" dirty="0"/>
+          <a:r>
+            <a:rPr lang="en-US" dirty="0"/>
+            <a:t>The most statistically significant variables in the model are: Over Time – Yes, Job Satisfaction – 4, Marital Status – Single, Environment Satisfaction - 4,  Years Since Last Promotion</a:t>
+          </a:r>
         </a:p>
       </dgm:t>
     </dgm:pt>
@@ -2781,75 +2789,6 @@
       </dgm:t>
     </dgm:pt>
     <dgm:pt modelId="{58356A0C-9FB6-4CB0-BB3C-66DD5711D85D}" type="sibTrans" cxnId="{24E15C9D-9287-473F-B975-C3FFD61E654D}">
-      <dgm:prSet/>
-      <dgm:spPr/>
-      <dgm:t>
-        <a:bodyPr/>
-        <a:lstStyle/>
-        <a:p>
-          <a:endParaRPr lang="en-US"/>
-        </a:p>
-      </dgm:t>
-    </dgm:pt>
-    <dgm:pt modelId="{DF9BB248-D58E-4948-AAAA-165E9197D898}">
-      <dgm:prSet phldrT="[Text]"/>
-      <dgm:spPr/>
-      <dgm:t>
-        <a:bodyPr/>
-        <a:lstStyle/>
-        <a:p>
-          <a:r>
-            <a:rPr lang="en-US" dirty="0"/>
-            <a:t>Predictive Model</a:t>
-          </a:r>
-        </a:p>
-      </dgm:t>
-    </dgm:pt>
-    <dgm:pt modelId="{7BAE8714-DC4F-4B9B-A343-97E901777FA3}" type="parTrans" cxnId="{7794CC01-ECE5-4F8D-9D36-8211DE8873B0}">
-      <dgm:prSet/>
-      <dgm:spPr/>
-      <dgm:t>
-        <a:bodyPr/>
-        <a:lstStyle/>
-        <a:p>
-          <a:endParaRPr lang="en-US"/>
-        </a:p>
-      </dgm:t>
-    </dgm:pt>
-    <dgm:pt modelId="{6D56209C-654A-4925-8FB0-FDD6645BD28B}" type="sibTrans" cxnId="{7794CC01-ECE5-4F8D-9D36-8211DE8873B0}">
-      <dgm:prSet/>
-      <dgm:spPr/>
-      <dgm:t>
-        <a:bodyPr/>
-        <a:lstStyle/>
-        <a:p>
-          <a:endParaRPr lang="en-US"/>
-        </a:p>
-      </dgm:t>
-    </dgm:pt>
-    <dgm:pt modelId="{6E85BF7F-C86A-4AE5-9F16-3F08EF3A74CB}">
-      <dgm:prSet phldrT="[Text]" phldr="1"/>
-      <dgm:spPr/>
-      <dgm:t>
-        <a:bodyPr/>
-        <a:lstStyle/>
-        <a:p>
-          <a:endParaRPr lang="en-US" dirty="0"/>
-        </a:p>
-      </dgm:t>
-    </dgm:pt>
-    <dgm:pt modelId="{CEEBEE61-5DEB-4756-869E-F576B8391E46}" type="parTrans" cxnId="{D34DF498-FA21-4FB5-AD1D-0E1174193247}">
-      <dgm:prSet/>
-      <dgm:spPr/>
-      <dgm:t>
-        <a:bodyPr/>
-        <a:lstStyle/>
-        <a:p>
-          <a:endParaRPr lang="en-US"/>
-        </a:p>
-      </dgm:t>
-    </dgm:pt>
-    <dgm:pt modelId="{E3649F79-C8A2-4D23-B1FA-133CBA4F6946}" type="sibTrans" cxnId="{D34DF498-FA21-4FB5-AD1D-0E1174193247}">
       <dgm:prSet/>
       <dgm:spPr/>
       <dgm:t>
@@ -2932,7 +2871,159 @@
         </a:p>
       </dgm:t>
     </dgm:pt>
-    <dgm:pt modelId="{F9FAFBC7-3171-4C0C-A37F-90A0D0FC7381}">
+    <dgm:pt modelId="{F9246AD8-B0A9-4805-9A76-8F3822C0ABD0}">
+      <dgm:prSet phldrT="[Text]"/>
+      <dgm:spPr/>
+      <dgm:t>
+        <a:bodyPr/>
+        <a:lstStyle/>
+        <a:p>
+          <a:r>
+            <a:rPr lang="en-US" b="1" dirty="0">
+              <a:solidFill>
+                <a:schemeClr val="accent6"/>
+              </a:solidFill>
+            </a:rPr>
+            <a:t>Logistic Regression Model</a:t>
+          </a:r>
+          <a:r>
+            <a:rPr lang="en-US" dirty="0"/>
+            <a:t> met all the data set requirements</a:t>
+          </a:r>
+        </a:p>
+      </dgm:t>
+    </dgm:pt>
+    <dgm:pt modelId="{96EDE5C5-F6F0-42AC-ADB4-F399A5F36F19}" type="parTrans" cxnId="{BA09B88C-9182-4891-8C06-6356420E156B}">
+      <dgm:prSet/>
+      <dgm:spPr/>
+      <dgm:t>
+        <a:bodyPr/>
+        <a:lstStyle/>
+        <a:p>
+          <a:endParaRPr lang="en-US"/>
+        </a:p>
+      </dgm:t>
+    </dgm:pt>
+    <dgm:pt modelId="{89CBC5B3-D209-4218-A6F2-B937B99D32E0}" type="sibTrans" cxnId="{BA09B88C-9182-4891-8C06-6356420E156B}">
+      <dgm:prSet/>
+      <dgm:spPr/>
+      <dgm:t>
+        <a:bodyPr/>
+        <a:lstStyle/>
+        <a:p>
+          <a:endParaRPr lang="en-US"/>
+        </a:p>
+      </dgm:t>
+    </dgm:pt>
+    <dgm:pt modelId="{B2FB97FA-9D53-490F-B867-491BE6E65465}">
+      <dgm:prSet phldrT="[Text]"/>
+      <dgm:spPr/>
+      <dgm:t>
+        <a:bodyPr/>
+        <a:lstStyle/>
+        <a:p>
+          <a:r>
+            <a:rPr lang="en-US" dirty="0"/>
+            <a:t>Insights</a:t>
+          </a:r>
+        </a:p>
+      </dgm:t>
+    </dgm:pt>
+    <dgm:pt modelId="{34AEAB6A-7F9C-4E9F-828A-3A81FFBCEF4F}" type="parTrans" cxnId="{ECCD3F00-7230-4D16-BDF6-34EA2547800F}">
+      <dgm:prSet/>
+      <dgm:spPr/>
+      <dgm:t>
+        <a:bodyPr/>
+        <a:lstStyle/>
+        <a:p>
+          <a:endParaRPr lang="en-US"/>
+        </a:p>
+      </dgm:t>
+    </dgm:pt>
+    <dgm:pt modelId="{C6B88A68-F500-44B6-B1B0-A45668225FE5}" type="sibTrans" cxnId="{ECCD3F00-7230-4D16-BDF6-34EA2547800F}">
+      <dgm:prSet/>
+      <dgm:spPr/>
+      <dgm:t>
+        <a:bodyPr/>
+        <a:lstStyle/>
+        <a:p>
+          <a:endParaRPr lang="en-US"/>
+        </a:p>
+      </dgm:t>
+    </dgm:pt>
+    <dgm:pt modelId="{75B74464-300D-46B7-B660-8668E183603A}">
+      <dgm:prSet phldrT="[Text]"/>
+      <dgm:spPr/>
+      <dgm:t>
+        <a:bodyPr/>
+        <a:lstStyle/>
+        <a:p>
+          <a:r>
+            <a:rPr lang="en-US" dirty="0"/>
+            <a:t>The most highly correlated variables (absolutes), according to ‘Pearson’s correlation”, with Attrition are: Overtime, Total working years and Job Level</a:t>
+          </a:r>
+        </a:p>
+      </dgm:t>
+    </dgm:pt>
+    <dgm:pt modelId="{9E84FF64-99B9-4F8C-8681-EE03DB8F1B53}" type="parTrans" cxnId="{F6AAF03E-6CD8-47B4-813A-20315832CC63}">
+      <dgm:prSet/>
+      <dgm:spPr/>
+      <dgm:t>
+        <a:bodyPr/>
+        <a:lstStyle/>
+        <a:p>
+          <a:endParaRPr lang="en-US"/>
+        </a:p>
+      </dgm:t>
+    </dgm:pt>
+    <dgm:pt modelId="{33FC7629-25F4-49D6-ACA3-6432758B6217}" type="sibTrans" cxnId="{F6AAF03E-6CD8-47B4-813A-20315832CC63}">
+      <dgm:prSet/>
+      <dgm:spPr/>
+      <dgm:t>
+        <a:bodyPr/>
+        <a:lstStyle/>
+        <a:p>
+          <a:endParaRPr lang="en-US"/>
+        </a:p>
+      </dgm:t>
+    </dgm:pt>
+    <dgm:pt modelId="{FCD917E5-725C-4AAE-BF32-DCA7399BF4E4}">
+      <dgm:prSet phldrT="[Text]"/>
+      <dgm:spPr/>
+      <dgm:t>
+        <a:bodyPr/>
+        <a:lstStyle/>
+        <a:p>
+          <a:r>
+            <a:rPr lang="en-US" dirty="0"/>
+            <a:t>Attrition was calculated at 16% for the entire company</a:t>
+          </a:r>
+        </a:p>
+      </dgm:t>
+    </dgm:pt>
+    <dgm:pt modelId="{DFA5A52F-9FAB-45B4-9F91-014D3FAC3321}" type="parTrans" cxnId="{B2E519B0-7EF7-4379-8568-BF320A5AC32A}">
+      <dgm:prSet/>
+      <dgm:spPr/>
+      <dgm:t>
+        <a:bodyPr/>
+        <a:lstStyle/>
+        <a:p>
+          <a:endParaRPr lang="en-US"/>
+        </a:p>
+      </dgm:t>
+    </dgm:pt>
+    <dgm:pt modelId="{C1B6760B-F9F1-4244-8D1B-CD0296374B5E}" type="sibTrans" cxnId="{B2E519B0-7EF7-4379-8568-BF320A5AC32A}">
+      <dgm:prSet/>
+      <dgm:spPr/>
+      <dgm:t>
+        <a:bodyPr/>
+        <a:lstStyle/>
+        <a:p>
+          <a:endParaRPr lang="en-US"/>
+        </a:p>
+      </dgm:t>
+    </dgm:pt>
+    <dgm:pt modelId="{52CE6550-B5F0-40A9-9B49-5A9114A56A24}">
       <dgm:prSet phldrT="[Text]"/>
       <dgm:spPr/>
       <dgm:t>
@@ -2946,7 +3037,7 @@
         </a:p>
       </dgm:t>
     </dgm:pt>
-    <dgm:pt modelId="{378C4B73-DBC0-4F6B-9D6C-30D1171DAFB9}" type="parTrans" cxnId="{E43A060D-AFBB-4C18-9A98-05FE5CAB68CA}">
+    <dgm:pt modelId="{F0E4DE11-7BAD-46A7-80D5-84C6A5D138E7}" type="parTrans" cxnId="{9737616A-14E0-457B-B297-238D3C0B6AD6}">
       <dgm:prSet/>
       <dgm:spPr/>
       <dgm:t>
@@ -2957,7 +3048,79 @@
         </a:p>
       </dgm:t>
     </dgm:pt>
-    <dgm:pt modelId="{EFF6D749-A534-4463-A258-2B59C3FD481B}" type="sibTrans" cxnId="{E43A060D-AFBB-4C18-9A98-05FE5CAB68CA}">
+    <dgm:pt modelId="{5E5C2D5C-3C13-4FEE-B566-EB5D91896EE3}" type="sibTrans" cxnId="{9737616A-14E0-457B-B297-238D3C0B6AD6}">
+      <dgm:prSet/>
+      <dgm:spPr/>
+      <dgm:t>
+        <a:bodyPr/>
+        <a:lstStyle/>
+        <a:p>
+          <a:endParaRPr lang="en-US"/>
+        </a:p>
+      </dgm:t>
+    </dgm:pt>
+    <dgm:pt modelId="{42BC9CFF-BDD7-4654-81BB-40290BA5FE9A}">
+      <dgm:prSet phldrT="[Text]"/>
+      <dgm:spPr/>
+      <dgm:t>
+        <a:bodyPr/>
+        <a:lstStyle/>
+        <a:p>
+          <a:r>
+            <a:rPr lang="en-US" dirty="0"/>
+            <a:t>Sales Reps, Lab Tech and Research Scientist are the lowest paid, which may explain the high attrition in these specific job roles</a:t>
+          </a:r>
+        </a:p>
+      </dgm:t>
+    </dgm:pt>
+    <dgm:pt modelId="{C31C1097-3741-4F4D-9797-DD19E4B31FB6}" type="parTrans" cxnId="{C46DA401-401B-494E-8A13-4E42A691F52D}">
+      <dgm:prSet/>
+      <dgm:spPr/>
+      <dgm:t>
+        <a:bodyPr/>
+        <a:lstStyle/>
+        <a:p>
+          <a:endParaRPr lang="en-US"/>
+        </a:p>
+      </dgm:t>
+    </dgm:pt>
+    <dgm:pt modelId="{9C265A57-A1EA-4A1C-87D5-07571739DE92}" type="sibTrans" cxnId="{C46DA401-401B-494E-8A13-4E42A691F52D}">
+      <dgm:prSet/>
+      <dgm:spPr/>
+      <dgm:t>
+        <a:bodyPr/>
+        <a:lstStyle/>
+        <a:p>
+          <a:endParaRPr lang="en-US"/>
+        </a:p>
+      </dgm:t>
+    </dgm:pt>
+    <dgm:pt modelId="{409A1B4C-DB0C-43CF-A402-7FD089011B9B}">
+      <dgm:prSet phldrT="[Text]"/>
+      <dgm:spPr/>
+      <dgm:t>
+        <a:bodyPr/>
+        <a:lstStyle/>
+        <a:p>
+          <a:r>
+            <a:rPr lang="en-US" dirty="0"/>
+            <a:t>Larger attrition in younger employees than older employees</a:t>
+          </a:r>
+        </a:p>
+      </dgm:t>
+    </dgm:pt>
+    <dgm:pt modelId="{F1904B43-89B7-4F3A-BE70-8D22D95212B1}" type="parTrans" cxnId="{9C3D76A9-56FD-4478-A1BF-5A9344999BDB}">
+      <dgm:prSet/>
+      <dgm:spPr/>
+      <dgm:t>
+        <a:bodyPr/>
+        <a:lstStyle/>
+        <a:p>
+          <a:endParaRPr lang="en-US"/>
+        </a:p>
+      </dgm:t>
+    </dgm:pt>
+    <dgm:pt modelId="{5DBCB4CD-AF26-474D-8600-DBC80604D323}" type="sibTrans" cxnId="{9C3D76A9-56FD-4478-A1BF-5A9344999BDB}">
       <dgm:prSet/>
       <dgm:spPr/>
       <dgm:t>
@@ -3004,12 +3167,38 @@
       <dgm:prSet presAssocID="{8ADE73A4-3F68-49AA-A1D1-DFD009521484}" presName="space" presStyleCnt="0"/>
       <dgm:spPr/>
     </dgm:pt>
+    <dgm:pt modelId="{4CA021DA-61DE-450A-89F4-1536347BD6F6}" type="pres">
+      <dgm:prSet presAssocID="{B2FB97FA-9D53-490F-B867-491BE6E65465}" presName="composite" presStyleCnt="0"/>
+      <dgm:spPr/>
+    </dgm:pt>
+    <dgm:pt modelId="{CE6E3086-6048-4023-9BFD-357202C925D7}" type="pres">
+      <dgm:prSet presAssocID="{B2FB97FA-9D53-490F-B867-491BE6E65465}" presName="parTx" presStyleLbl="alignNode1" presStyleIdx="1" presStyleCnt="3">
+        <dgm:presLayoutVars>
+          <dgm:chMax val="0"/>
+          <dgm:chPref val="0"/>
+          <dgm:bulletEnabled val="1"/>
+        </dgm:presLayoutVars>
+      </dgm:prSet>
+      <dgm:spPr/>
+    </dgm:pt>
+    <dgm:pt modelId="{86683CB1-3F21-4FC6-BE2B-30D5BC09E500}" type="pres">
+      <dgm:prSet presAssocID="{B2FB97FA-9D53-490F-B867-491BE6E65465}" presName="desTx" presStyleLbl="alignAccFollowNode1" presStyleIdx="1" presStyleCnt="3">
+        <dgm:presLayoutVars>
+          <dgm:bulletEnabled val="1"/>
+        </dgm:presLayoutVars>
+      </dgm:prSet>
+      <dgm:spPr/>
+    </dgm:pt>
+    <dgm:pt modelId="{11C350A1-E246-468C-924B-A43FCB42727C}" type="pres">
+      <dgm:prSet presAssocID="{C6B88A68-F500-44B6-B1B0-A45668225FE5}" presName="space" presStyleCnt="0"/>
+      <dgm:spPr/>
+    </dgm:pt>
     <dgm:pt modelId="{4F8F0BF2-746E-46B3-99F5-E8A8EC05F586}" type="pres">
       <dgm:prSet presAssocID="{89F20FF5-E13E-415E-BD98-4ADB5133959F}" presName="composite" presStyleCnt="0"/>
       <dgm:spPr/>
     </dgm:pt>
     <dgm:pt modelId="{D21FF0A0-57F6-4D4A-88C5-52BDC01CAF5C}" type="pres">
-      <dgm:prSet presAssocID="{89F20FF5-E13E-415E-BD98-4ADB5133959F}" presName="parTx" presStyleLbl="alignNode1" presStyleIdx="1" presStyleCnt="3">
+      <dgm:prSet presAssocID="{89F20FF5-E13E-415E-BD98-4ADB5133959F}" presName="parTx" presStyleLbl="alignNode1" presStyleIdx="2" presStyleCnt="3">
         <dgm:presLayoutVars>
           <dgm:chMax val="0"/>
           <dgm:chPref val="0"/>
@@ -3019,33 +3208,7 @@
       <dgm:spPr/>
     </dgm:pt>
     <dgm:pt modelId="{5EA6EC88-4256-4709-A590-D32E64F7AFA7}" type="pres">
-      <dgm:prSet presAssocID="{89F20FF5-E13E-415E-BD98-4ADB5133959F}" presName="desTx" presStyleLbl="alignAccFollowNode1" presStyleIdx="1" presStyleCnt="3">
-        <dgm:presLayoutVars>
-          <dgm:bulletEnabled val="1"/>
-        </dgm:presLayoutVars>
-      </dgm:prSet>
-      <dgm:spPr/>
-    </dgm:pt>
-    <dgm:pt modelId="{013D5921-FAF0-4E07-AFE3-E0AEE28B75E8}" type="pres">
-      <dgm:prSet presAssocID="{44253313-6C72-4659-BA4E-3A78B2D1E7CE}" presName="space" presStyleCnt="0"/>
-      <dgm:spPr/>
-    </dgm:pt>
-    <dgm:pt modelId="{5EFDBB7C-75C7-42C4-8AA0-4DB417710D2A}" type="pres">
-      <dgm:prSet presAssocID="{DF9BB248-D58E-4948-AAAA-165E9197D898}" presName="composite" presStyleCnt="0"/>
-      <dgm:spPr/>
-    </dgm:pt>
-    <dgm:pt modelId="{702D8F8D-9150-441E-96A5-AA9CC765A1DF}" type="pres">
-      <dgm:prSet presAssocID="{DF9BB248-D58E-4948-AAAA-165E9197D898}" presName="parTx" presStyleLbl="alignNode1" presStyleIdx="2" presStyleCnt="3">
-        <dgm:presLayoutVars>
-          <dgm:chMax val="0"/>
-          <dgm:chPref val="0"/>
-          <dgm:bulletEnabled val="1"/>
-        </dgm:presLayoutVars>
-      </dgm:prSet>
-      <dgm:spPr/>
-    </dgm:pt>
-    <dgm:pt modelId="{8F45C727-17F4-4E62-9242-AECCAFBA5A74}" type="pres">
-      <dgm:prSet presAssocID="{DF9BB248-D58E-4948-AAAA-165E9197D898}" presName="desTx" presStyleLbl="alignAccFollowNode1" presStyleIdx="2" presStyleCnt="3">
+      <dgm:prSet presAssocID="{89F20FF5-E13E-415E-BD98-4ADB5133959F}" presName="desTx" presStyleLbl="alignAccFollowNode1" presStyleIdx="2" presStyleCnt="3">
         <dgm:presLayoutVars>
           <dgm:bulletEnabled val="1"/>
         </dgm:presLayoutVars>
@@ -3054,38 +3217,46 @@
     </dgm:pt>
   </dgm:ptLst>
   <dgm:cxnLst>
-    <dgm:cxn modelId="{7794CC01-ECE5-4F8D-9D36-8211DE8873B0}" srcId="{B8475966-3411-4F2F-A46B-E63EFF40EB7F}" destId="{DF9BB248-D58E-4948-AAAA-165E9197D898}" srcOrd="2" destOrd="0" parTransId="{7BAE8714-DC4F-4B9B-A343-97E901777FA3}" sibTransId="{6D56209C-654A-4925-8FB0-FDD6645BD28B}"/>
-    <dgm:cxn modelId="{E43A060D-AFBB-4C18-9A98-05FE5CAB68CA}" srcId="{D7DCCAAF-1A65-42AF-B4D8-A6AB5AEEEA1F}" destId="{F9FAFBC7-3171-4C0C-A37F-90A0D0FC7381}" srcOrd="0" destOrd="0" parTransId="{378C4B73-DBC0-4F6B-9D6C-30D1171DAFB9}" sibTransId="{EFF6D749-A534-4463-A258-2B59C3FD481B}"/>
-    <dgm:cxn modelId="{A5FC1B11-7E2A-40C1-A24A-718864A98389}" type="presOf" srcId="{190558E6-E8C3-4183-AC24-BF337432A697}" destId="{5EA6EC88-4256-4709-A590-D32E64F7AFA7}" srcOrd="0" destOrd="1" presId="urn:microsoft.com/office/officeart/2005/8/layout/hList1"/>
+    <dgm:cxn modelId="{ECCD3F00-7230-4D16-BDF6-34EA2547800F}" srcId="{B8475966-3411-4F2F-A46B-E63EFF40EB7F}" destId="{B2FB97FA-9D53-490F-B867-491BE6E65465}" srcOrd="1" destOrd="0" parTransId="{34AEAB6A-7F9C-4E9F-828A-3A81FFBCEF4F}" sibTransId="{C6B88A68-F500-44B6-B1B0-A45668225FE5}"/>
+    <dgm:cxn modelId="{C46DA401-401B-494E-8A13-4E42A691F52D}" srcId="{B2FB97FA-9D53-490F-B867-491BE6E65465}" destId="{42BC9CFF-BDD7-4654-81BB-40290BA5FE9A}" srcOrd="1" destOrd="0" parTransId="{C31C1097-3741-4F4D-9797-DD19E4B31FB6}" sibTransId="{9C265A57-A1EA-4A1C-87D5-07571739DE92}"/>
+    <dgm:cxn modelId="{A5FC1B11-7E2A-40C1-A24A-718864A98389}" type="presOf" srcId="{190558E6-E8C3-4183-AC24-BF337432A697}" destId="{5EA6EC88-4256-4709-A590-D32E64F7AFA7}" srcOrd="0" destOrd="2" presId="urn:microsoft.com/office/officeart/2005/8/layout/hList1"/>
     <dgm:cxn modelId="{8D245D12-CB67-4C93-9880-DBB5A409D55B}" type="presOf" srcId="{89F20FF5-E13E-415E-BD98-4ADB5133959F}" destId="{D21FF0A0-57F6-4D4A-88C5-52BDC01CAF5C}" srcOrd="0" destOrd="0" presId="urn:microsoft.com/office/officeart/2005/8/layout/hList1"/>
     <dgm:cxn modelId="{B734A919-E0A3-4664-B8EE-429B19F35DD9}" srcId="{FB7F220A-6D49-43E4-AC18-789A20BF1CBA}" destId="{8C412012-9ADF-42F6-AE7A-4E26961D9E49}" srcOrd="1" destOrd="0" parTransId="{4BE9262B-3F05-49D5-AE0B-BAD72C5A289C}" sibTransId="{909C21F4-9EB0-45E7-B641-708844217DE6}"/>
     <dgm:cxn modelId="{777EC31A-AF78-46C7-B184-7329DBD381C4}" type="presOf" srcId="{D7DCCAAF-1A65-42AF-B4D8-A6AB5AEEEA1F}" destId="{467101B3-5067-4F11-8B23-4F2BCB3219D2}" srcOrd="0" destOrd="2" presId="urn:microsoft.com/office/officeart/2005/8/layout/hList1"/>
+    <dgm:cxn modelId="{46793C29-4542-4C19-A802-33D7BA874A98}" type="presOf" srcId="{FCD917E5-725C-4AAE-BF32-DCA7399BF4E4}" destId="{467101B3-5067-4F11-8B23-4F2BCB3219D2}" srcOrd="0" destOrd="4" presId="urn:microsoft.com/office/officeart/2005/8/layout/hList1"/>
+    <dgm:cxn modelId="{93116239-A827-4E32-B555-098FBB95C428}" type="presOf" srcId="{B2FB97FA-9D53-490F-B867-491BE6E65465}" destId="{CE6E3086-6048-4023-9BFD-357202C925D7}" srcOrd="0" destOrd="0" presId="urn:microsoft.com/office/officeart/2005/8/layout/hList1"/>
+    <dgm:cxn modelId="{F6AAF03E-6CD8-47B4-813A-20315832CC63}" srcId="{B2FB97FA-9D53-490F-B867-491BE6E65465}" destId="{75B74464-300D-46B7-B660-8668E183603A}" srcOrd="0" destOrd="0" parTransId="{9E84FF64-99B9-4F8C-8681-EE03DB8F1B53}" sibTransId="{33FC7629-25F4-49D6-ACA3-6432758B6217}"/>
+    <dgm:cxn modelId="{1252A45C-4189-4030-87C7-572E4645826B}" type="presOf" srcId="{75B74464-300D-46B7-B660-8668E183603A}" destId="{86683CB1-3F21-4FC6-BE2B-30D5BC09E500}" srcOrd="0" destOrd="0" presId="urn:microsoft.com/office/officeart/2005/8/layout/hList1"/>
     <dgm:cxn modelId="{2E2FF15E-086D-495B-A364-36375C8E3F1C}" type="presOf" srcId="{803A50E3-4D0D-49F0-9A6A-97A4290FB10A}" destId="{467101B3-5067-4F11-8B23-4F2BCB3219D2}" srcOrd="0" destOrd="0" presId="urn:microsoft.com/office/officeart/2005/8/layout/hList1"/>
-    <dgm:cxn modelId="{02F55662-E48B-44A1-AD08-DADA06CED32F}" srcId="{89F20FF5-E13E-415E-BD98-4ADB5133959F}" destId="{6671D40E-40D8-447F-B5A8-2380B8DFC083}" srcOrd="0" destOrd="0" parTransId="{7BEA1F57-9FBB-46DF-AECC-F613155CCB05}" sibTransId="{C1607CB7-25E5-4842-9BAF-6BFC53C3E001}"/>
+    <dgm:cxn modelId="{BAAAA960-1497-443F-9801-28A9EF293DA0}" type="presOf" srcId="{52CE6550-B5F0-40A9-9B49-5A9114A56A24}" destId="{467101B3-5067-4F11-8B23-4F2BCB3219D2}" srcOrd="0" destOrd="3" presId="urn:microsoft.com/office/officeart/2005/8/layout/hList1"/>
+    <dgm:cxn modelId="{02F55662-E48B-44A1-AD08-DADA06CED32F}" srcId="{89F20FF5-E13E-415E-BD98-4ADB5133959F}" destId="{6671D40E-40D8-447F-B5A8-2380B8DFC083}" srcOrd="1" destOrd="0" parTransId="{7BEA1F57-9FBB-46DF-AECC-F613155CCB05}" sibTransId="{C1607CB7-25E5-4842-9BAF-6BFC53C3E001}"/>
     <dgm:cxn modelId="{98A38967-EB4C-4AFC-BA4D-DED93B53669B}" type="presOf" srcId="{8C412012-9ADF-42F6-AE7A-4E26961D9E49}" destId="{467101B3-5067-4F11-8B23-4F2BCB3219D2}" srcOrd="0" destOrd="1" presId="urn:microsoft.com/office/officeart/2005/8/layout/hList1"/>
-    <dgm:cxn modelId="{D052AF4D-8199-44CE-B7A5-AA2F8FAEC0B2}" type="presOf" srcId="{6671D40E-40D8-447F-B5A8-2380B8DFC083}" destId="{5EA6EC88-4256-4709-A590-D32E64F7AFA7}" srcOrd="0" destOrd="0" presId="urn:microsoft.com/office/officeart/2005/8/layout/hList1"/>
+    <dgm:cxn modelId="{1CC5D349-2A11-45CC-870A-67A8FA1B93B4}" type="presOf" srcId="{409A1B4C-DB0C-43CF-A402-7FD089011B9B}" destId="{86683CB1-3F21-4FC6-BE2B-30D5BC09E500}" srcOrd="0" destOrd="2" presId="urn:microsoft.com/office/officeart/2005/8/layout/hList1"/>
+    <dgm:cxn modelId="{9737616A-14E0-457B-B297-238D3C0B6AD6}" srcId="{FB7F220A-6D49-43E4-AC18-789A20BF1CBA}" destId="{52CE6550-B5F0-40A9-9B49-5A9114A56A24}" srcOrd="3" destOrd="0" parTransId="{F0E4DE11-7BAD-46A7-80D5-84C6A5D138E7}" sibTransId="{5E5C2D5C-3C13-4FEE-B566-EB5D91896EE3}"/>
+    <dgm:cxn modelId="{D052AF4D-8199-44CE-B7A5-AA2F8FAEC0B2}" type="presOf" srcId="{6671D40E-40D8-447F-B5A8-2380B8DFC083}" destId="{5EA6EC88-4256-4709-A590-D32E64F7AFA7}" srcOrd="0" destOrd="1" presId="urn:microsoft.com/office/officeart/2005/8/layout/hList1"/>
     <dgm:cxn modelId="{45DC824F-DAE4-4CCE-95E3-3F528A620C05}" type="presOf" srcId="{FB7F220A-6D49-43E4-AC18-789A20BF1CBA}" destId="{0B723347-79B0-48FB-B54C-3C4A532B30CB}" srcOrd="0" destOrd="0" presId="urn:microsoft.com/office/officeart/2005/8/layout/hList1"/>
-    <dgm:cxn modelId="{ECF59D50-B68F-429C-9ADE-BCCA4C7FE40B}" type="presOf" srcId="{DF9BB248-D58E-4948-AAAA-165E9197D898}" destId="{702D8F8D-9150-441E-96A5-AA9CC765A1DF}" srcOrd="0" destOrd="0" presId="urn:microsoft.com/office/officeart/2005/8/layout/hList1"/>
-    <dgm:cxn modelId="{14DAA888-4582-4290-98BF-BA1FE3863E20}" srcId="{B8475966-3411-4F2F-A46B-E63EFF40EB7F}" destId="{89F20FF5-E13E-415E-BD98-4ADB5133959F}" srcOrd="1" destOrd="0" parTransId="{28C7DD42-0A48-438E-B99C-85C12E95D81F}" sibTransId="{44253313-6C72-4659-BA4E-3A78B2D1E7CE}"/>
-    <dgm:cxn modelId="{FFB2B393-15D0-4590-B9E8-792EF9A0C311}" type="presOf" srcId="{F9FAFBC7-3171-4C0C-A37F-90A0D0FC7381}" destId="{467101B3-5067-4F11-8B23-4F2BCB3219D2}" srcOrd="0" destOrd="3" presId="urn:microsoft.com/office/officeart/2005/8/layout/hList1"/>
-    <dgm:cxn modelId="{D34DF498-FA21-4FB5-AD1D-0E1174193247}" srcId="{DF9BB248-D58E-4948-AAAA-165E9197D898}" destId="{6E85BF7F-C86A-4AE5-9F16-3F08EF3A74CB}" srcOrd="0" destOrd="0" parTransId="{CEEBEE61-5DEB-4756-869E-F576B8391E46}" sibTransId="{E3649F79-C8A2-4D23-B1FA-133CBA4F6946}"/>
-    <dgm:cxn modelId="{24E15C9D-9287-473F-B975-C3FFD61E654D}" srcId="{89F20FF5-E13E-415E-BD98-4ADB5133959F}" destId="{190558E6-E8C3-4183-AC24-BF337432A697}" srcOrd="1" destOrd="0" parTransId="{E86391BC-1E40-4F2D-A803-D605DC418390}" sibTransId="{58356A0C-9FB6-4CB0-BB3C-66DD5711D85D}"/>
+    <dgm:cxn modelId="{55B9E681-DB1E-463A-AE5A-CE9549AB55BF}" type="presOf" srcId="{F9246AD8-B0A9-4805-9A76-8F3822C0ABD0}" destId="{5EA6EC88-4256-4709-A590-D32E64F7AFA7}" srcOrd="0" destOrd="0" presId="urn:microsoft.com/office/officeart/2005/8/layout/hList1"/>
+    <dgm:cxn modelId="{14DAA888-4582-4290-98BF-BA1FE3863E20}" srcId="{B8475966-3411-4F2F-A46B-E63EFF40EB7F}" destId="{89F20FF5-E13E-415E-BD98-4ADB5133959F}" srcOrd="2" destOrd="0" parTransId="{28C7DD42-0A48-438E-B99C-85C12E95D81F}" sibTransId="{44253313-6C72-4659-BA4E-3A78B2D1E7CE}"/>
+    <dgm:cxn modelId="{BA09B88C-9182-4891-8C06-6356420E156B}" srcId="{89F20FF5-E13E-415E-BD98-4ADB5133959F}" destId="{F9246AD8-B0A9-4805-9A76-8F3822C0ABD0}" srcOrd="0" destOrd="0" parTransId="{96EDE5C5-F6F0-42AC-ADB4-F399A5F36F19}" sibTransId="{89CBC5B3-D209-4218-A6F2-B937B99D32E0}"/>
+    <dgm:cxn modelId="{24E15C9D-9287-473F-B975-C3FFD61E654D}" srcId="{89F20FF5-E13E-415E-BD98-4ADB5133959F}" destId="{190558E6-E8C3-4183-AC24-BF337432A697}" srcOrd="2" destOrd="0" parTransId="{E86391BC-1E40-4F2D-A803-D605DC418390}" sibTransId="{58356A0C-9FB6-4CB0-BB3C-66DD5711D85D}"/>
+    <dgm:cxn modelId="{9C3D76A9-56FD-4478-A1BF-5A9344999BDB}" srcId="{B2FB97FA-9D53-490F-B867-491BE6E65465}" destId="{409A1B4C-DB0C-43CF-A402-7FD089011B9B}" srcOrd="2" destOrd="0" parTransId="{F1904B43-89B7-4F3A-BE70-8D22D95212B1}" sibTransId="{5DBCB4CD-AF26-474D-8600-DBC80604D323}"/>
+    <dgm:cxn modelId="{B2E519B0-7EF7-4379-8568-BF320A5AC32A}" srcId="{FB7F220A-6D49-43E4-AC18-789A20BF1CBA}" destId="{FCD917E5-725C-4AAE-BF32-DCA7399BF4E4}" srcOrd="4" destOrd="0" parTransId="{DFA5A52F-9FAB-45B4-9F91-014D3FAC3321}" sibTransId="{C1B6760B-F9F1-4244-8D1B-CD0296374B5E}"/>
     <dgm:cxn modelId="{6CF311B4-0773-43A7-9664-73B22F6BAB0D}" srcId="{FB7F220A-6D49-43E4-AC18-789A20BF1CBA}" destId="{803A50E3-4D0D-49F0-9A6A-97A4290FB10A}" srcOrd="0" destOrd="0" parTransId="{F05DB40F-EA56-42B7-8EA2-CE13D9BE7F68}" sibTransId="{C4B55EBA-45CC-4B0E-B3F6-712123A011B2}"/>
     <dgm:cxn modelId="{049F34BD-41B7-49B1-9561-9577099BB59C}" srcId="{FB7F220A-6D49-43E4-AC18-789A20BF1CBA}" destId="{D7DCCAAF-1A65-42AF-B4D8-A6AB5AEEEA1F}" srcOrd="2" destOrd="0" parTransId="{A44EAFDE-4FA6-4104-9CCC-26C949689BB3}" sibTransId="{D69713E9-710A-462D-B834-AA34DB287E85}"/>
-    <dgm:cxn modelId="{4864DEC4-0333-4F75-AE52-9CAE972D04DA}" type="presOf" srcId="{6E85BF7F-C86A-4AE5-9F16-3F08EF3A74CB}" destId="{8F45C727-17F4-4E62-9242-AECCAFBA5A74}" srcOrd="0" destOrd="0" presId="urn:microsoft.com/office/officeart/2005/8/layout/hList1"/>
+    <dgm:cxn modelId="{5C30CDC9-ED0E-45C7-AE7E-8A00A5B493C1}" type="presOf" srcId="{42BC9CFF-BDD7-4654-81BB-40290BA5FE9A}" destId="{86683CB1-3F21-4FC6-BE2B-30D5BC09E500}" srcOrd="0" destOrd="1" presId="urn:microsoft.com/office/officeart/2005/8/layout/hList1"/>
     <dgm:cxn modelId="{4EE42ADC-7855-4705-82C6-8E3292C48ED9}" srcId="{B8475966-3411-4F2F-A46B-E63EFF40EB7F}" destId="{FB7F220A-6D49-43E4-AC18-789A20BF1CBA}" srcOrd="0" destOrd="0" parTransId="{47409505-BF58-47FC-B36D-24870B561EAE}" sibTransId="{8ADE73A4-3F68-49AA-A1D1-DFD009521484}"/>
     <dgm:cxn modelId="{7F1B1DF5-96AE-40FA-B621-88711D81D2B4}" type="presOf" srcId="{B8475966-3411-4F2F-A46B-E63EFF40EB7F}" destId="{03A320C2-83B7-4ACB-B2CF-0B98DE19400D}" srcOrd="0" destOrd="0" presId="urn:microsoft.com/office/officeart/2005/8/layout/hList1"/>
     <dgm:cxn modelId="{7AE1BA18-D040-41CA-B108-CE0D9CA50F22}" type="presParOf" srcId="{03A320C2-83B7-4ACB-B2CF-0B98DE19400D}" destId="{2F645A36-1930-43FD-927F-1A00C2C9D4F4}" srcOrd="0" destOrd="0" presId="urn:microsoft.com/office/officeart/2005/8/layout/hList1"/>
     <dgm:cxn modelId="{F5700EC6-4427-45EE-821B-510B3CF3D1A7}" type="presParOf" srcId="{2F645A36-1930-43FD-927F-1A00C2C9D4F4}" destId="{0B723347-79B0-48FB-B54C-3C4A532B30CB}" srcOrd="0" destOrd="0" presId="urn:microsoft.com/office/officeart/2005/8/layout/hList1"/>
     <dgm:cxn modelId="{6B28E5A9-052B-41DC-94E0-86420CEB151F}" type="presParOf" srcId="{2F645A36-1930-43FD-927F-1A00C2C9D4F4}" destId="{467101B3-5067-4F11-8B23-4F2BCB3219D2}" srcOrd="1" destOrd="0" presId="urn:microsoft.com/office/officeart/2005/8/layout/hList1"/>
     <dgm:cxn modelId="{D99AF375-0687-4A3E-B924-06E0C9E657C4}" type="presParOf" srcId="{03A320C2-83B7-4ACB-B2CF-0B98DE19400D}" destId="{838164B2-1A57-4F30-9F5B-003F921D75E0}" srcOrd="1" destOrd="0" presId="urn:microsoft.com/office/officeart/2005/8/layout/hList1"/>
-    <dgm:cxn modelId="{5DE454F2-8092-407B-994D-7C20924AB1A9}" type="presParOf" srcId="{03A320C2-83B7-4ACB-B2CF-0B98DE19400D}" destId="{4F8F0BF2-746E-46B3-99F5-E8A8EC05F586}" srcOrd="2" destOrd="0" presId="urn:microsoft.com/office/officeart/2005/8/layout/hList1"/>
+    <dgm:cxn modelId="{2E32A167-E5CB-480F-B5D4-12C7179D01EC}" type="presParOf" srcId="{03A320C2-83B7-4ACB-B2CF-0B98DE19400D}" destId="{4CA021DA-61DE-450A-89F4-1536347BD6F6}" srcOrd="2" destOrd="0" presId="urn:microsoft.com/office/officeart/2005/8/layout/hList1"/>
+    <dgm:cxn modelId="{9E3ADBD6-B8C2-4477-AE70-889CB35854C7}" type="presParOf" srcId="{4CA021DA-61DE-450A-89F4-1536347BD6F6}" destId="{CE6E3086-6048-4023-9BFD-357202C925D7}" srcOrd="0" destOrd="0" presId="urn:microsoft.com/office/officeart/2005/8/layout/hList1"/>
+    <dgm:cxn modelId="{87BD713A-7335-4FFC-8E68-B9E7A86C57EE}" type="presParOf" srcId="{4CA021DA-61DE-450A-89F4-1536347BD6F6}" destId="{86683CB1-3F21-4FC6-BE2B-30D5BC09E500}" srcOrd="1" destOrd="0" presId="urn:microsoft.com/office/officeart/2005/8/layout/hList1"/>
+    <dgm:cxn modelId="{1B47F5CF-36BE-481E-ACD6-59449FC647B5}" type="presParOf" srcId="{03A320C2-83B7-4ACB-B2CF-0B98DE19400D}" destId="{11C350A1-E246-468C-924B-A43FCB42727C}" srcOrd="3" destOrd="0" presId="urn:microsoft.com/office/officeart/2005/8/layout/hList1"/>
+    <dgm:cxn modelId="{5DE454F2-8092-407B-994D-7C20924AB1A9}" type="presParOf" srcId="{03A320C2-83B7-4ACB-B2CF-0B98DE19400D}" destId="{4F8F0BF2-746E-46B3-99F5-E8A8EC05F586}" srcOrd="4" destOrd="0" presId="urn:microsoft.com/office/officeart/2005/8/layout/hList1"/>
     <dgm:cxn modelId="{BAB1299B-B1BD-49D4-8B23-2189858E2CEB}" type="presParOf" srcId="{4F8F0BF2-746E-46B3-99F5-E8A8EC05F586}" destId="{D21FF0A0-57F6-4D4A-88C5-52BDC01CAF5C}" srcOrd="0" destOrd="0" presId="urn:microsoft.com/office/officeart/2005/8/layout/hList1"/>
     <dgm:cxn modelId="{6297A3DC-273A-416A-914B-5B3CF4F4537B}" type="presParOf" srcId="{4F8F0BF2-746E-46B3-99F5-E8A8EC05F586}" destId="{5EA6EC88-4256-4709-A590-D32E64F7AFA7}" srcOrd="1" destOrd="0" presId="urn:microsoft.com/office/officeart/2005/8/layout/hList1"/>
-    <dgm:cxn modelId="{5BE107CE-A590-474F-8FE2-45F0C1517D99}" type="presParOf" srcId="{03A320C2-83B7-4ACB-B2CF-0B98DE19400D}" destId="{013D5921-FAF0-4E07-AFE3-E0AEE28B75E8}" srcOrd="3" destOrd="0" presId="urn:microsoft.com/office/officeart/2005/8/layout/hList1"/>
-    <dgm:cxn modelId="{2AED05D1-2CA3-4467-9F02-77D0AB7DE290}" type="presParOf" srcId="{03A320C2-83B7-4ACB-B2CF-0B98DE19400D}" destId="{5EFDBB7C-75C7-42C4-8AA0-4DB417710D2A}" srcOrd="4" destOrd="0" presId="urn:microsoft.com/office/officeart/2005/8/layout/hList1"/>
-    <dgm:cxn modelId="{20926413-9559-4055-A430-CE6BC0451853}" type="presParOf" srcId="{5EFDBB7C-75C7-42C4-8AA0-4DB417710D2A}" destId="{702D8F8D-9150-441E-96A5-AA9CC765A1DF}" srcOrd="0" destOrd="0" presId="urn:microsoft.com/office/officeart/2005/8/layout/hList1"/>
-    <dgm:cxn modelId="{86E38799-97BD-40E9-887D-DEEFF9485C4B}" type="presParOf" srcId="{5EFDBB7C-75C7-42C4-8AA0-4DB417710D2A}" destId="{8F45C727-17F4-4E62-9242-AECCAFBA5A74}" srcOrd="1" destOrd="0" presId="urn:microsoft.com/office/officeart/2005/8/layout/hList1"/>
   </dgm:cxnLst>
   <dgm:bg/>
   <dgm:whole/>
@@ -4340,8 +4511,8 @@
       </dsp:nvSpPr>
       <dsp:spPr>
         <a:xfrm>
-          <a:off x="3446" y="95470"/>
-          <a:ext cx="3360586" cy="633600"/>
+          <a:off x="3446" y="190803"/>
+          <a:ext cx="3360586" cy="489600"/>
         </a:xfrm>
         <a:prstGeom prst="rect">
           <a:avLst/>
@@ -4382,12 +4553,12 @@
         </a:fontRef>
       </dsp:style>
       <dsp:txBody>
-        <a:bodyPr spcFirstLastPara="0" vert="horz" wrap="square" lIns="156464" tIns="89408" rIns="156464" bIns="89408" numCol="1" spcCol="1270" anchor="ctr" anchorCtr="0">
+        <a:bodyPr spcFirstLastPara="0" vert="horz" wrap="square" lIns="120904" tIns="69088" rIns="120904" bIns="69088" numCol="1" spcCol="1270" anchor="ctr" anchorCtr="0">
           <a:noAutofit/>
         </a:bodyPr>
         <a:lstStyle/>
         <a:p>
-          <a:pPr marL="0" lvl="0" indent="0" algn="ctr" defTabSz="977900">
+          <a:pPr marL="0" lvl="0" indent="0" algn="ctr" defTabSz="755650">
             <a:lnSpc>
               <a:spcPct val="90000"/>
             </a:lnSpc>
@@ -4400,14 +4571,14 @@
             <a:buNone/>
           </a:pPr>
           <a:r>
-            <a:rPr lang="en-US" sz="2200" kern="1200" dirty="0"/>
+            <a:rPr lang="en-US" sz="1700" kern="1200" dirty="0"/>
             <a:t>Data Set</a:t>
           </a:r>
         </a:p>
       </dsp:txBody>
       <dsp:txXfrm>
-        <a:off x="3446" y="95470"/>
-        <a:ext cx="3360586" cy="633600"/>
+        <a:off x="3446" y="190803"/>
+        <a:ext cx="3360586" cy="489600"/>
       </dsp:txXfrm>
     </dsp:sp>
     <dsp:sp modelId="{467101B3-5067-4F11-8B23-4F2BCB3219D2}">
@@ -4417,8 +4588,8 @@
       </dsp:nvSpPr>
       <dsp:spPr>
         <a:xfrm>
-          <a:off x="3446" y="729071"/>
-          <a:ext cx="3360586" cy="3079890"/>
+          <a:off x="3446" y="680403"/>
+          <a:ext cx="3360586" cy="3033224"/>
         </a:xfrm>
         <a:prstGeom prst="rect">
           <a:avLst/>
@@ -4461,12 +4632,12 @@
         <a:fontRef idx="minor"/>
       </dsp:style>
       <dsp:txBody>
-        <a:bodyPr spcFirstLastPara="0" vert="horz" wrap="square" lIns="117348" tIns="117348" rIns="156464" bIns="176022" numCol="1" spcCol="1270" anchor="t" anchorCtr="0">
+        <a:bodyPr spcFirstLastPara="0" vert="horz" wrap="square" lIns="90678" tIns="90678" rIns="120904" bIns="136017" numCol="1" spcCol="1270" anchor="t" anchorCtr="0">
           <a:noAutofit/>
         </a:bodyPr>
         <a:lstStyle/>
         <a:p>
-          <a:pPr marL="228600" lvl="1" indent="-228600" algn="l" defTabSz="977900">
+          <a:pPr marL="171450" lvl="1" indent="-171450" algn="l" defTabSz="755650">
             <a:lnSpc>
               <a:spcPct val="90000"/>
             </a:lnSpc>
@@ -4479,12 +4650,12 @@
             <a:buChar char="•"/>
           </a:pPr>
           <a:r>
-            <a:rPr lang="en-US" sz="2200" kern="1200" dirty="0"/>
+            <a:rPr lang="en-US" sz="1700" kern="1200" dirty="0"/>
             <a:t>1,470 observations</a:t>
           </a:r>
         </a:p>
         <a:p>
-          <a:pPr marL="228600" lvl="1" indent="-228600" algn="l" defTabSz="977900">
+          <a:pPr marL="171450" lvl="1" indent="-171450" algn="l" defTabSz="755650">
             <a:lnSpc>
               <a:spcPct val="90000"/>
             </a:lnSpc>
@@ -4497,12 +4668,12 @@
             <a:buChar char="•"/>
           </a:pPr>
           <a:r>
-            <a:rPr lang="en-US" sz="2200" kern="1200" dirty="0"/>
+            <a:rPr lang="en-US" sz="1700" kern="1200" dirty="0"/>
             <a:t>Data set contains 32 variables (including attrition)</a:t>
           </a:r>
         </a:p>
         <a:p>
-          <a:pPr marL="228600" lvl="1" indent="-228600" algn="l" defTabSz="977900">
+          <a:pPr marL="171450" lvl="1" indent="-171450" algn="l" defTabSz="755650">
             <a:lnSpc>
               <a:spcPct val="90000"/>
             </a:lnSpc>
@@ -4515,12 +4686,12 @@
             <a:buChar char="•"/>
           </a:pPr>
           <a:r>
-            <a:rPr lang="en-US" sz="2200" kern="1200" dirty="0"/>
+            <a:rPr lang="en-US" sz="1700" kern="1200" dirty="0"/>
             <a:t>The data set contains discrete, continuous and categorical variables</a:t>
           </a:r>
         </a:p>
         <a:p>
-          <a:pPr marL="457200" lvl="2" indent="-228600" algn="l" defTabSz="977900">
+          <a:pPr marL="171450" lvl="1" indent="-171450" algn="l" defTabSz="755650">
             <a:lnSpc>
               <a:spcPct val="90000"/>
             </a:lnSpc>
@@ -4533,25 +4704,43 @@
             <a:buChar char="•"/>
           </a:pPr>
           <a:r>
-            <a:rPr lang="en-US" sz="2200" kern="1200" dirty="0"/>
+            <a:rPr lang="en-US" sz="1700" kern="1200" dirty="0"/>
             <a:t>17 variables are categorical</a:t>
+          </a:r>
+        </a:p>
+        <a:p>
+          <a:pPr marL="171450" lvl="1" indent="-171450" algn="l" defTabSz="755650">
+            <a:lnSpc>
+              <a:spcPct val="90000"/>
+            </a:lnSpc>
+            <a:spcBef>
+              <a:spcPct val="0"/>
+            </a:spcBef>
+            <a:spcAft>
+              <a:spcPct val="15000"/>
+            </a:spcAft>
+            <a:buChar char="•"/>
+          </a:pPr>
+          <a:r>
+            <a:rPr lang="en-US" sz="1700" kern="1200" dirty="0"/>
+            <a:t>Attrition was calculated at 16% for the entire company</a:t>
           </a:r>
         </a:p>
       </dsp:txBody>
       <dsp:txXfrm>
-        <a:off x="3446" y="729071"/>
-        <a:ext cx="3360586" cy="3079890"/>
+        <a:off x="3446" y="680403"/>
+        <a:ext cx="3360586" cy="3033224"/>
       </dsp:txXfrm>
     </dsp:sp>
-    <dsp:sp modelId="{D21FF0A0-57F6-4D4A-88C5-52BDC01CAF5C}">
+    <dsp:sp modelId="{CE6E3086-6048-4023-9BFD-357202C925D7}">
       <dsp:nvSpPr>
         <dsp:cNvPr id="0" name=""/>
         <dsp:cNvSpPr/>
       </dsp:nvSpPr>
       <dsp:spPr>
         <a:xfrm>
-          <a:off x="3834514" y="95470"/>
-          <a:ext cx="3360586" cy="633600"/>
+          <a:off x="3834514" y="190803"/>
+          <a:ext cx="3360586" cy="489600"/>
         </a:xfrm>
         <a:prstGeom prst="rect">
           <a:avLst/>
@@ -4592,12 +4781,12 @@
         </a:fontRef>
       </dsp:style>
       <dsp:txBody>
-        <a:bodyPr spcFirstLastPara="0" vert="horz" wrap="square" lIns="156464" tIns="89408" rIns="156464" bIns="89408" numCol="1" spcCol="1270" anchor="ctr" anchorCtr="0">
+        <a:bodyPr spcFirstLastPara="0" vert="horz" wrap="square" lIns="120904" tIns="69088" rIns="120904" bIns="69088" numCol="1" spcCol="1270" anchor="ctr" anchorCtr="0">
           <a:noAutofit/>
         </a:bodyPr>
         <a:lstStyle/>
         <a:p>
-          <a:pPr marL="0" lvl="0" indent="0" algn="ctr" defTabSz="977900">
+          <a:pPr marL="0" lvl="0" indent="0" algn="ctr" defTabSz="755650">
             <a:lnSpc>
               <a:spcPct val="90000"/>
             </a:lnSpc>
@@ -4610,25 +4799,25 @@
             <a:buNone/>
           </a:pPr>
           <a:r>
-            <a:rPr lang="en-US" sz="2200" kern="1200" dirty="0"/>
-            <a:t>Analysis</a:t>
+            <a:rPr lang="en-US" sz="1700" kern="1200" dirty="0"/>
+            <a:t>Insights</a:t>
           </a:r>
         </a:p>
       </dsp:txBody>
       <dsp:txXfrm>
-        <a:off x="3834514" y="95470"/>
-        <a:ext cx="3360586" cy="633600"/>
+        <a:off x="3834514" y="190803"/>
+        <a:ext cx="3360586" cy="489600"/>
       </dsp:txXfrm>
     </dsp:sp>
-    <dsp:sp modelId="{5EA6EC88-4256-4709-A590-D32E64F7AFA7}">
+    <dsp:sp modelId="{86683CB1-3F21-4FC6-BE2B-30D5BC09E500}">
       <dsp:nvSpPr>
         <dsp:cNvPr id="0" name=""/>
         <dsp:cNvSpPr/>
       </dsp:nvSpPr>
       <dsp:spPr>
         <a:xfrm>
-          <a:off x="3834514" y="729071"/>
-          <a:ext cx="3360586" cy="3079890"/>
+          <a:off x="3834514" y="680403"/>
+          <a:ext cx="3360586" cy="3033224"/>
         </a:xfrm>
         <a:prstGeom prst="rect">
           <a:avLst/>
@@ -4671,12 +4860,12 @@
         <a:fontRef idx="minor"/>
       </dsp:style>
       <dsp:txBody>
-        <a:bodyPr spcFirstLastPara="0" vert="horz" wrap="square" lIns="117348" tIns="117348" rIns="156464" bIns="176022" numCol="1" spcCol="1270" anchor="t" anchorCtr="0">
+        <a:bodyPr spcFirstLastPara="0" vert="horz" wrap="square" lIns="90678" tIns="90678" rIns="120904" bIns="136017" numCol="1" spcCol="1270" anchor="t" anchorCtr="0">
           <a:noAutofit/>
         </a:bodyPr>
         <a:lstStyle/>
         <a:p>
-          <a:pPr marL="228600" lvl="1" indent="-228600" algn="l" defTabSz="977900">
+          <a:pPr marL="171450" lvl="1" indent="-171450" algn="l" defTabSz="755650">
             <a:lnSpc>
               <a:spcPct val="90000"/>
             </a:lnSpc>
@@ -4689,12 +4878,12 @@
             <a:buChar char="•"/>
           </a:pPr>
           <a:r>
-            <a:rPr lang="en-US" sz="2200" kern="1200" dirty="0"/>
-            <a:t>Please see analysis repository in R, for details</a:t>
+            <a:rPr lang="en-US" sz="1700" kern="1200" dirty="0"/>
+            <a:t>The most highly correlated variables (absolutes), according to ‘Pearson’s correlation”, with Attrition are: Overtime, Total working years and Job Level</a:t>
           </a:r>
         </a:p>
         <a:p>
-          <a:pPr marL="228600" lvl="1" indent="-228600" algn="l" defTabSz="977900">
+          <a:pPr marL="171450" lvl="1" indent="-171450" algn="l" defTabSz="755650">
             <a:lnSpc>
               <a:spcPct val="90000"/>
             </a:lnSpc>
@@ -4706,23 +4895,44 @@
             </a:spcAft>
             <a:buChar char="•"/>
           </a:pPr>
-          <a:endParaRPr lang="en-US" sz="2200" kern="1200" dirty="0"/>
+          <a:r>
+            <a:rPr lang="en-US" sz="1700" kern="1200" dirty="0"/>
+            <a:t>Sales Reps, Lab Tech and Research Scientist are the lowest paid, which may explain the high attrition in these specific job roles</a:t>
+          </a:r>
+        </a:p>
+        <a:p>
+          <a:pPr marL="171450" lvl="1" indent="-171450" algn="l" defTabSz="755650">
+            <a:lnSpc>
+              <a:spcPct val="90000"/>
+            </a:lnSpc>
+            <a:spcBef>
+              <a:spcPct val="0"/>
+            </a:spcBef>
+            <a:spcAft>
+              <a:spcPct val="15000"/>
+            </a:spcAft>
+            <a:buChar char="•"/>
+          </a:pPr>
+          <a:r>
+            <a:rPr lang="en-US" sz="1700" kern="1200" dirty="0"/>
+            <a:t>Larger attrition in younger employees than older employees</a:t>
+          </a:r>
         </a:p>
       </dsp:txBody>
       <dsp:txXfrm>
-        <a:off x="3834514" y="729071"/>
-        <a:ext cx="3360586" cy="3079890"/>
+        <a:off x="3834514" y="680403"/>
+        <a:ext cx="3360586" cy="3033224"/>
       </dsp:txXfrm>
     </dsp:sp>
-    <dsp:sp modelId="{702D8F8D-9150-441E-96A5-AA9CC765A1DF}">
+    <dsp:sp modelId="{D21FF0A0-57F6-4D4A-88C5-52BDC01CAF5C}">
       <dsp:nvSpPr>
         <dsp:cNvPr id="0" name=""/>
         <dsp:cNvSpPr/>
       </dsp:nvSpPr>
       <dsp:spPr>
         <a:xfrm>
-          <a:off x="7665583" y="95470"/>
-          <a:ext cx="3360586" cy="633600"/>
+          <a:off x="7665583" y="190803"/>
+          <a:ext cx="3360586" cy="489600"/>
         </a:xfrm>
         <a:prstGeom prst="rect">
           <a:avLst/>
@@ -4763,12 +4973,12 @@
         </a:fontRef>
       </dsp:style>
       <dsp:txBody>
-        <a:bodyPr spcFirstLastPara="0" vert="horz" wrap="square" lIns="156464" tIns="89408" rIns="156464" bIns="89408" numCol="1" spcCol="1270" anchor="ctr" anchorCtr="0">
+        <a:bodyPr spcFirstLastPara="0" vert="horz" wrap="square" lIns="120904" tIns="69088" rIns="120904" bIns="69088" numCol="1" spcCol="1270" anchor="ctr" anchorCtr="0">
           <a:noAutofit/>
         </a:bodyPr>
         <a:lstStyle/>
         <a:p>
-          <a:pPr marL="0" lvl="0" indent="0" algn="ctr" defTabSz="977900">
+          <a:pPr marL="0" lvl="0" indent="0" algn="ctr" defTabSz="755650">
             <a:lnSpc>
               <a:spcPct val="90000"/>
             </a:lnSpc>
@@ -4781,25 +4991,25 @@
             <a:buNone/>
           </a:pPr>
           <a:r>
-            <a:rPr lang="en-US" sz="2200" kern="1200" dirty="0"/>
-            <a:t>Predictive Model</a:t>
+            <a:rPr lang="en-US" sz="1700" kern="1200" dirty="0"/>
+            <a:t>Prediction Model</a:t>
           </a:r>
         </a:p>
       </dsp:txBody>
       <dsp:txXfrm>
-        <a:off x="7665583" y="95470"/>
-        <a:ext cx="3360586" cy="633600"/>
+        <a:off x="7665583" y="190803"/>
+        <a:ext cx="3360586" cy="489600"/>
       </dsp:txXfrm>
     </dsp:sp>
-    <dsp:sp modelId="{8F45C727-17F4-4E62-9242-AECCAFBA5A74}">
+    <dsp:sp modelId="{5EA6EC88-4256-4709-A590-D32E64F7AFA7}">
       <dsp:nvSpPr>
         <dsp:cNvPr id="0" name=""/>
         <dsp:cNvSpPr/>
       </dsp:nvSpPr>
       <dsp:spPr>
         <a:xfrm>
-          <a:off x="7665583" y="729071"/>
-          <a:ext cx="3360586" cy="3079890"/>
+          <a:off x="7665583" y="680403"/>
+          <a:ext cx="3360586" cy="3033224"/>
         </a:xfrm>
         <a:prstGeom prst="rect">
           <a:avLst/>
@@ -4842,12 +5052,12 @@
         <a:fontRef idx="minor"/>
       </dsp:style>
       <dsp:txBody>
-        <a:bodyPr spcFirstLastPara="0" vert="horz" wrap="square" lIns="117348" tIns="117348" rIns="156464" bIns="176022" numCol="1" spcCol="1270" anchor="t" anchorCtr="0">
+        <a:bodyPr spcFirstLastPara="0" vert="horz" wrap="square" lIns="90678" tIns="90678" rIns="120904" bIns="136017" numCol="1" spcCol="1270" anchor="t" anchorCtr="0">
           <a:noAutofit/>
         </a:bodyPr>
         <a:lstStyle/>
         <a:p>
-          <a:pPr marL="228600" lvl="1" indent="-228600" algn="l" defTabSz="977900">
+          <a:pPr marL="171450" lvl="1" indent="-171450" algn="l" defTabSz="755650">
             <a:lnSpc>
               <a:spcPct val="90000"/>
             </a:lnSpc>
@@ -4859,12 +5069,59 @@
             </a:spcAft>
             <a:buChar char="•"/>
           </a:pPr>
-          <a:endParaRPr lang="en-US" sz="2200" kern="1200" dirty="0"/>
+          <a:r>
+            <a:rPr lang="en-US" sz="1700" b="1" kern="1200" dirty="0">
+              <a:solidFill>
+                <a:schemeClr val="accent6"/>
+              </a:solidFill>
+            </a:rPr>
+            <a:t>Logistic Regression Model</a:t>
+          </a:r>
+          <a:r>
+            <a:rPr lang="en-US" sz="1700" kern="1200" dirty="0"/>
+            <a:t> met all the data set requirements</a:t>
+          </a:r>
+        </a:p>
+        <a:p>
+          <a:pPr marL="171450" lvl="1" indent="-171450" algn="l" defTabSz="755650">
+            <a:lnSpc>
+              <a:spcPct val="90000"/>
+            </a:lnSpc>
+            <a:spcBef>
+              <a:spcPct val="0"/>
+            </a:spcBef>
+            <a:spcAft>
+              <a:spcPct val="15000"/>
+            </a:spcAft>
+            <a:buChar char="•"/>
+          </a:pPr>
+          <a:r>
+            <a:rPr lang="en-US" sz="1700" kern="1200" dirty="0"/>
+            <a:t>87% accuracy when cross validation was performed</a:t>
+          </a:r>
+        </a:p>
+        <a:p>
+          <a:pPr marL="171450" lvl="1" indent="-171450" algn="l" defTabSz="755650">
+            <a:lnSpc>
+              <a:spcPct val="90000"/>
+            </a:lnSpc>
+            <a:spcBef>
+              <a:spcPct val="0"/>
+            </a:spcBef>
+            <a:spcAft>
+              <a:spcPct val="15000"/>
+            </a:spcAft>
+            <a:buChar char="•"/>
+          </a:pPr>
+          <a:r>
+            <a:rPr lang="en-US" sz="1700" kern="1200" dirty="0"/>
+            <a:t>The most statistically significant variables in the model are: Over Time – Yes, Job Satisfaction – 4, Marital Status – Single, Environment Satisfaction - 4,  Years Since Last Promotion</a:t>
+          </a:r>
         </a:p>
       </dsp:txBody>
       <dsp:txXfrm>
-        <a:off x="7665583" y="729071"/>
-        <a:ext cx="3360586" cy="3079890"/>
+        <a:off x="7665583" y="680403"/>
+        <a:ext cx="3360586" cy="3033224"/>
       </dsp:txXfrm>
     </dsp:sp>
   </dsp:spTree>
@@ -12716,12 +12973,12 @@
                     <a:p>
                       <a:pPr algn="ctr" fontAlgn="b"/>
                       <a:r>
-                        <a:rPr lang="en-US" sz="1000" u="none" strike="noStrike">
+                        <a:rPr lang="en-US" sz="1000" u="none" strike="noStrike" dirty="0">
                           <a:effectLst/>
                         </a:rPr>
                         <a:t>0.2028</a:t>
                       </a:r>
-                      <a:endParaRPr lang="en-US" sz="1000" b="0" i="0" u="none" strike="noStrike">
+                      <a:endParaRPr lang="en-US" sz="1000" b="0" i="0" u="none" strike="noStrike" dirty="0">
                         <a:solidFill>
                           <a:srgbClr val="000000"/>
                         </a:solidFill>
@@ -15861,6 +16118,40 @@
           <a:chExt cx="0" cy="0"/>
         </a:xfrm>
       </p:grpSpPr>
+      <p:pic>
+        <p:nvPicPr>
+          <p:cNvPr id="98" name="Picture 97">
+            <a:extLst>
+              <a:ext uri="{FF2B5EF4-FFF2-40B4-BE49-F238E27FC236}">
+                <a16:creationId xmlns:a16="http://schemas.microsoft.com/office/drawing/2014/main" id="{7E1C4385-AE08-4C43-9B8E-800E5F50791A}"/>
+              </a:ext>
+            </a:extLst>
+          </p:cNvPr>
+          <p:cNvPicPr/>
+          <p:nvPr/>
+        </p:nvPicPr>
+        <p:blipFill>
+          <a:blip r:embed="rId2">
+            <a:extLst>
+              <a:ext uri="{28A0092B-C50C-407E-A947-70E740481C1C}">
+                <a14:useLocalDpi xmlns:a14="http://schemas.microsoft.com/office/drawing/2010/main" val="0"/>
+              </a:ext>
+            </a:extLst>
+          </a:blip>
+          <a:stretch>
+            <a:fillRect/>
+          </a:stretch>
+        </p:blipFill>
+        <p:spPr>
+          <a:xfrm>
+            <a:off x="4865005" y="1920503"/>
+            <a:ext cx="3124356" cy="1565433"/>
+          </a:xfrm>
+          <a:prstGeom prst="rect">
+            <a:avLst/>
+          </a:prstGeom>
+        </p:spPr>
+      </p:pic>
       <p:sp>
         <p:nvSpPr>
           <p:cNvPr id="2" name="Title 1">
@@ -15889,6 +16180,1308 @@
           </a:p>
         </p:txBody>
       </p:sp>
+      <p:sp>
+        <p:nvSpPr>
+          <p:cNvPr id="3" name="Rectangle 2">
+            <a:extLst>
+              <a:ext uri="{FF2B5EF4-FFF2-40B4-BE49-F238E27FC236}">
+                <a16:creationId xmlns:a16="http://schemas.microsoft.com/office/drawing/2014/main" id="{97D2B981-071A-481A-BD47-FBCB788DC8B1}"/>
+              </a:ext>
+            </a:extLst>
+          </p:cNvPr>
+          <p:cNvSpPr/>
+          <p:nvPr/>
+        </p:nvSpPr>
+        <p:spPr>
+          <a:xfrm>
+            <a:off x="2672637" y="4563237"/>
+            <a:ext cx="1368795" cy="1415701"/>
+          </a:xfrm>
+          <a:prstGeom prst="rect">
+            <a:avLst/>
+          </a:prstGeom>
+        </p:spPr>
+        <p:style>
+          <a:lnRef idx="1">
+            <a:schemeClr val="accent6"/>
+          </a:lnRef>
+          <a:fillRef idx="3">
+            <a:schemeClr val="accent6"/>
+          </a:fillRef>
+          <a:effectRef idx="2">
+            <a:schemeClr val="accent6"/>
+          </a:effectRef>
+          <a:fontRef idx="minor">
+            <a:schemeClr val="lt1"/>
+          </a:fontRef>
+        </p:style>
+        <p:txBody>
+          <a:bodyPr rtlCol="0" anchor="ctr"/>
+          <a:lstStyle/>
+          <a:p>
+            <a:pPr algn="ctr"/>
+            <a:r>
+              <a:rPr lang="en-US" dirty="0"/>
+              <a:t>Testing</a:t>
+            </a:r>
+          </a:p>
+          <a:p>
+            <a:pPr algn="ctr"/>
+            <a:r>
+              <a:rPr lang="en-US" dirty="0"/>
+              <a:t>147 Obs.</a:t>
+            </a:r>
+          </a:p>
+          <a:p>
+            <a:pPr algn="ctr"/>
+            <a:r>
+              <a:rPr lang="en-US" dirty="0"/>
+              <a:t>(10%)</a:t>
+            </a:r>
+          </a:p>
+        </p:txBody>
+      </p:sp>
+      <p:sp>
+        <p:nvSpPr>
+          <p:cNvPr id="4" name="Rectangle 3">
+            <a:extLst>
+              <a:ext uri="{FF2B5EF4-FFF2-40B4-BE49-F238E27FC236}">
+                <a16:creationId xmlns:a16="http://schemas.microsoft.com/office/drawing/2014/main" id="{2CC7A52A-8398-4591-B81F-0993E3B95F7F}"/>
+              </a:ext>
+            </a:extLst>
+          </p:cNvPr>
+          <p:cNvSpPr/>
+          <p:nvPr/>
+        </p:nvSpPr>
+        <p:spPr>
+          <a:xfrm>
+            <a:off x="2672637" y="2386690"/>
+            <a:ext cx="1368795" cy="1451031"/>
+          </a:xfrm>
+          <a:prstGeom prst="rect">
+            <a:avLst/>
+          </a:prstGeom>
+        </p:spPr>
+        <p:style>
+          <a:lnRef idx="1">
+            <a:schemeClr val="accent4"/>
+          </a:lnRef>
+          <a:fillRef idx="3">
+            <a:schemeClr val="accent4"/>
+          </a:fillRef>
+          <a:effectRef idx="2">
+            <a:schemeClr val="accent4"/>
+          </a:effectRef>
+          <a:fontRef idx="minor">
+            <a:schemeClr val="lt1"/>
+          </a:fontRef>
+        </p:style>
+        <p:txBody>
+          <a:bodyPr rtlCol="0" anchor="ctr"/>
+          <a:lstStyle/>
+          <a:p>
+            <a:pPr algn="ctr"/>
+            <a:r>
+              <a:rPr lang="en-US" dirty="0"/>
+              <a:t>Training</a:t>
+            </a:r>
+          </a:p>
+          <a:p>
+            <a:pPr algn="ctr"/>
+            <a:r>
+              <a:rPr lang="en-US" dirty="0"/>
+              <a:t>1,323 Obs.</a:t>
+            </a:r>
+          </a:p>
+          <a:p>
+            <a:pPr algn="ctr"/>
+            <a:r>
+              <a:rPr lang="en-US" dirty="0"/>
+              <a:t>(90%)</a:t>
+            </a:r>
+          </a:p>
+        </p:txBody>
+      </p:sp>
+      <p:sp>
+        <p:nvSpPr>
+          <p:cNvPr id="5" name="Rectangle 4">
+            <a:extLst>
+              <a:ext uri="{FF2B5EF4-FFF2-40B4-BE49-F238E27FC236}">
+                <a16:creationId xmlns:a16="http://schemas.microsoft.com/office/drawing/2014/main" id="{9F4F3F51-FDBE-41C8-9BB6-636F8D0FCE79}"/>
+              </a:ext>
+            </a:extLst>
+          </p:cNvPr>
+          <p:cNvSpPr/>
+          <p:nvPr/>
+        </p:nvSpPr>
+        <p:spPr>
+          <a:xfrm>
+            <a:off x="631680" y="2386690"/>
+            <a:ext cx="1595417" cy="3592248"/>
+          </a:xfrm>
+          <a:prstGeom prst="rect">
+            <a:avLst/>
+          </a:prstGeom>
+        </p:spPr>
+        <p:style>
+          <a:lnRef idx="1">
+            <a:schemeClr val="accent2"/>
+          </a:lnRef>
+          <a:fillRef idx="3">
+            <a:schemeClr val="accent2"/>
+          </a:fillRef>
+          <a:effectRef idx="2">
+            <a:schemeClr val="accent2"/>
+          </a:effectRef>
+          <a:fontRef idx="minor">
+            <a:schemeClr val="lt1"/>
+          </a:fontRef>
+        </p:style>
+        <p:txBody>
+          <a:bodyPr rtlCol="0" anchor="ctr"/>
+          <a:lstStyle/>
+          <a:p>
+            <a:pPr algn="ctr"/>
+            <a:r>
+              <a:rPr lang="en-US" dirty="0"/>
+              <a:t>Full Data Set</a:t>
+            </a:r>
+          </a:p>
+          <a:p>
+            <a:pPr algn="ctr"/>
+            <a:r>
+              <a:rPr lang="en-US" dirty="0"/>
+              <a:t>1,470 Obs.</a:t>
+            </a:r>
+          </a:p>
+        </p:txBody>
+      </p:sp>
+      <p:cxnSp>
+        <p:nvCxnSpPr>
+          <p:cNvPr id="7" name="Straight Arrow Connector 6">
+            <a:extLst>
+              <a:ext uri="{FF2B5EF4-FFF2-40B4-BE49-F238E27FC236}">
+                <a16:creationId xmlns:a16="http://schemas.microsoft.com/office/drawing/2014/main" id="{7A8F880F-E441-42A6-B69F-A2FA71F61168}"/>
+              </a:ext>
+            </a:extLst>
+          </p:cNvPr>
+          <p:cNvCxnSpPr>
+            <a:cxnSpLocks/>
+            <a:stCxn id="5" idx="3"/>
+            <a:endCxn id="4" idx="1"/>
+          </p:cNvCxnSpPr>
+          <p:nvPr/>
+        </p:nvCxnSpPr>
+        <p:spPr>
+          <a:xfrm flipV="1">
+            <a:off x="2227097" y="3112206"/>
+            <a:ext cx="445540" cy="1070608"/>
+          </a:xfrm>
+          <a:prstGeom prst="straightConnector1">
+            <a:avLst/>
+          </a:prstGeom>
+          <a:ln>
+            <a:solidFill>
+              <a:schemeClr val="accent1"/>
+            </a:solidFill>
+            <a:prstDash val="dash"/>
+            <a:headEnd w="lg" len="lg"/>
+            <a:tailEnd type="triangle" w="lg" len="lg"/>
+          </a:ln>
+        </p:spPr>
+        <p:style>
+          <a:lnRef idx="1">
+            <a:schemeClr val="accent1"/>
+          </a:lnRef>
+          <a:fillRef idx="0">
+            <a:schemeClr val="accent1"/>
+          </a:fillRef>
+          <a:effectRef idx="0">
+            <a:schemeClr val="accent1"/>
+          </a:effectRef>
+          <a:fontRef idx="minor">
+            <a:schemeClr val="tx1"/>
+          </a:fontRef>
+        </p:style>
+      </p:cxnSp>
+      <p:cxnSp>
+        <p:nvCxnSpPr>
+          <p:cNvPr id="9" name="Straight Arrow Connector 8">
+            <a:extLst>
+              <a:ext uri="{FF2B5EF4-FFF2-40B4-BE49-F238E27FC236}">
+                <a16:creationId xmlns:a16="http://schemas.microsoft.com/office/drawing/2014/main" id="{A2FA0983-C80C-4309-BB07-9CF2712C70DB}"/>
+              </a:ext>
+            </a:extLst>
+          </p:cNvPr>
+          <p:cNvCxnSpPr>
+            <a:cxnSpLocks/>
+            <a:stCxn id="5" idx="3"/>
+            <a:endCxn id="3" idx="1"/>
+          </p:cNvCxnSpPr>
+          <p:nvPr/>
+        </p:nvCxnSpPr>
+        <p:spPr>
+          <a:xfrm>
+            <a:off x="2227097" y="4182814"/>
+            <a:ext cx="445540" cy="1088274"/>
+          </a:xfrm>
+          <a:prstGeom prst="straightConnector1">
+            <a:avLst/>
+          </a:prstGeom>
+          <a:ln>
+            <a:solidFill>
+              <a:schemeClr val="accent1"/>
+            </a:solidFill>
+            <a:prstDash val="dash"/>
+            <a:tailEnd type="triangle" w="lg" len="lg"/>
+          </a:ln>
+        </p:spPr>
+        <p:style>
+          <a:lnRef idx="1">
+            <a:schemeClr val="accent1"/>
+          </a:lnRef>
+          <a:fillRef idx="0">
+            <a:schemeClr val="accent1"/>
+          </a:fillRef>
+          <a:effectRef idx="0">
+            <a:schemeClr val="accent1"/>
+          </a:effectRef>
+          <a:fontRef idx="minor">
+            <a:schemeClr val="tx1"/>
+          </a:fontRef>
+        </p:style>
+      </p:cxnSp>
+      <p:sp>
+        <p:nvSpPr>
+          <p:cNvPr id="14" name="TextBox 13">
+            <a:extLst>
+              <a:ext uri="{FF2B5EF4-FFF2-40B4-BE49-F238E27FC236}">
+                <a16:creationId xmlns:a16="http://schemas.microsoft.com/office/drawing/2014/main" id="{C39A8335-CF2C-4A63-BAFC-B0B3D7C02C15}"/>
+              </a:ext>
+            </a:extLst>
+          </p:cNvPr>
+          <p:cNvSpPr txBox="1"/>
+          <p:nvPr/>
+        </p:nvSpPr>
+        <p:spPr>
+          <a:xfrm>
+            <a:off x="2898635" y="1821397"/>
+            <a:ext cx="952505" cy="523220"/>
+          </a:xfrm>
+          <a:prstGeom prst="rect">
+            <a:avLst/>
+          </a:prstGeom>
+          <a:noFill/>
+        </p:spPr>
+        <p:txBody>
+          <a:bodyPr wrap="none" rtlCol="0">
+            <a:spAutoFit/>
+          </a:bodyPr>
+          <a:lstStyle/>
+          <a:p>
+            <a:r>
+              <a:rPr lang="en-US" sz="2800" b="1" dirty="0">
+                <a:solidFill>
+                  <a:schemeClr val="accent2"/>
+                </a:solidFill>
+              </a:rPr>
+              <a:t>Split</a:t>
+            </a:r>
+          </a:p>
+        </p:txBody>
+      </p:sp>
+      <p:cxnSp>
+        <p:nvCxnSpPr>
+          <p:cNvPr id="16" name="Straight Arrow Connector 15">
+            <a:extLst>
+              <a:ext uri="{FF2B5EF4-FFF2-40B4-BE49-F238E27FC236}">
+                <a16:creationId xmlns:a16="http://schemas.microsoft.com/office/drawing/2014/main" id="{1DB81C37-8F61-455D-B1D2-49E5ABB52AC3}"/>
+              </a:ext>
+            </a:extLst>
+          </p:cNvPr>
+          <p:cNvCxnSpPr>
+            <a:cxnSpLocks/>
+            <a:stCxn id="4" idx="3"/>
+            <a:endCxn id="98" idx="1"/>
+          </p:cNvCxnSpPr>
+          <p:nvPr/>
+        </p:nvCxnSpPr>
+        <p:spPr>
+          <a:xfrm flipV="1">
+            <a:off x="4041432" y="2703220"/>
+            <a:ext cx="823573" cy="408986"/>
+          </a:xfrm>
+          <a:prstGeom prst="straightConnector1">
+            <a:avLst/>
+          </a:prstGeom>
+          <a:ln>
+            <a:solidFill>
+              <a:schemeClr val="accent1"/>
+            </a:solidFill>
+            <a:prstDash val="dash"/>
+            <a:tailEnd type="triangle" w="lg" len="lg"/>
+          </a:ln>
+        </p:spPr>
+        <p:style>
+          <a:lnRef idx="1">
+            <a:schemeClr val="accent1"/>
+          </a:lnRef>
+          <a:fillRef idx="0">
+            <a:schemeClr val="accent1"/>
+          </a:fillRef>
+          <a:effectRef idx="0">
+            <a:schemeClr val="accent1"/>
+          </a:effectRef>
+          <a:fontRef idx="minor">
+            <a:schemeClr val="tx1"/>
+          </a:fontRef>
+        </p:style>
+      </p:cxnSp>
+      <p:cxnSp>
+        <p:nvCxnSpPr>
+          <p:cNvPr id="19" name="Straight Arrow Connector 18">
+            <a:extLst>
+              <a:ext uri="{FF2B5EF4-FFF2-40B4-BE49-F238E27FC236}">
+                <a16:creationId xmlns:a16="http://schemas.microsoft.com/office/drawing/2014/main" id="{B9D1B4A5-528C-48EB-A8A4-923EE5C249AC}"/>
+              </a:ext>
+            </a:extLst>
+          </p:cNvPr>
+          <p:cNvCxnSpPr>
+            <a:cxnSpLocks/>
+            <a:stCxn id="98" idx="2"/>
+            <a:endCxn id="3" idx="0"/>
+          </p:cNvCxnSpPr>
+          <p:nvPr/>
+        </p:nvCxnSpPr>
+        <p:spPr>
+          <a:xfrm flipH="1">
+            <a:off x="3357035" y="3485936"/>
+            <a:ext cx="3070148" cy="1077301"/>
+          </a:xfrm>
+          <a:prstGeom prst="straightConnector1">
+            <a:avLst/>
+          </a:prstGeom>
+          <a:ln>
+            <a:solidFill>
+              <a:schemeClr val="accent1"/>
+            </a:solidFill>
+            <a:prstDash val="dash"/>
+            <a:tailEnd type="triangle" w="lg" len="lg"/>
+          </a:ln>
+        </p:spPr>
+        <p:style>
+          <a:lnRef idx="1">
+            <a:schemeClr val="accent1"/>
+          </a:lnRef>
+          <a:fillRef idx="0">
+            <a:schemeClr val="accent1"/>
+          </a:fillRef>
+          <a:effectRef idx="0">
+            <a:schemeClr val="accent1"/>
+          </a:effectRef>
+          <a:fontRef idx="minor">
+            <a:schemeClr val="tx1"/>
+          </a:fontRef>
+        </p:style>
+      </p:cxnSp>
+      <p:cxnSp>
+        <p:nvCxnSpPr>
+          <p:cNvPr id="23" name="Straight Arrow Connector 22">
+            <a:extLst>
+              <a:ext uri="{FF2B5EF4-FFF2-40B4-BE49-F238E27FC236}">
+                <a16:creationId xmlns:a16="http://schemas.microsoft.com/office/drawing/2014/main" id="{0FB86431-7A63-4DF8-8C3E-F5BCB09563C4}"/>
+              </a:ext>
+            </a:extLst>
+          </p:cNvPr>
+          <p:cNvCxnSpPr>
+            <a:cxnSpLocks/>
+            <a:endCxn id="65" idx="1"/>
+          </p:cNvCxnSpPr>
+          <p:nvPr/>
+        </p:nvCxnSpPr>
+        <p:spPr>
+          <a:xfrm>
+            <a:off x="4291807" y="5271088"/>
+            <a:ext cx="4097227" cy="824"/>
+          </a:xfrm>
+          <a:prstGeom prst="straightConnector1">
+            <a:avLst/>
+          </a:prstGeom>
+          <a:ln>
+            <a:solidFill>
+              <a:schemeClr val="accent1"/>
+            </a:solidFill>
+            <a:prstDash val="dash"/>
+            <a:tailEnd type="triangle" w="lg" len="lg"/>
+          </a:ln>
+        </p:spPr>
+        <p:style>
+          <a:lnRef idx="1">
+            <a:schemeClr val="accent1"/>
+          </a:lnRef>
+          <a:fillRef idx="0">
+            <a:schemeClr val="accent1"/>
+          </a:fillRef>
+          <a:effectRef idx="0">
+            <a:schemeClr val="accent1"/>
+          </a:effectRef>
+          <a:fontRef idx="minor">
+            <a:schemeClr val="tx1"/>
+          </a:fontRef>
+        </p:style>
+      </p:cxnSp>
+      <p:sp>
+        <p:nvSpPr>
+          <p:cNvPr id="34" name="TextBox 33">
+            <a:extLst>
+              <a:ext uri="{FF2B5EF4-FFF2-40B4-BE49-F238E27FC236}">
+                <a16:creationId xmlns:a16="http://schemas.microsoft.com/office/drawing/2014/main" id="{E47715E6-CC4E-4E24-BA8A-5CAF6840B057}"/>
+              </a:ext>
+            </a:extLst>
+          </p:cNvPr>
+          <p:cNvSpPr txBox="1"/>
+          <p:nvPr/>
+        </p:nvSpPr>
+        <p:spPr>
+          <a:xfrm rot="20472281">
+            <a:off x="4196275" y="3883142"/>
+            <a:ext cx="1363906" cy="307777"/>
+          </a:xfrm>
+          <a:prstGeom prst="rect">
+            <a:avLst/>
+          </a:prstGeom>
+          <a:solidFill>
+            <a:schemeClr val="accent3"/>
+          </a:solidFill>
+        </p:spPr>
+        <p:txBody>
+          <a:bodyPr wrap="square" rtlCol="0">
+            <a:spAutoFit/>
+          </a:bodyPr>
+          <a:lstStyle/>
+          <a:p>
+            <a:pPr algn="ctr"/>
+            <a:r>
+              <a:rPr lang="en-US" sz="1400" dirty="0"/>
+              <a:t>Cross Validation</a:t>
+            </a:r>
+          </a:p>
+        </p:txBody>
+      </p:sp>
+      <p:graphicFrame>
+        <p:nvGraphicFramePr>
+          <p:cNvPr id="65" name="Table 64">
+            <a:extLst>
+              <a:ext uri="{FF2B5EF4-FFF2-40B4-BE49-F238E27FC236}">
+                <a16:creationId xmlns:a16="http://schemas.microsoft.com/office/drawing/2014/main" id="{EA9FACCA-5CEA-489A-8D89-7F19C49BCA68}"/>
+              </a:ext>
+            </a:extLst>
+          </p:cNvPr>
+          <p:cNvGraphicFramePr>
+            <a:graphicFrameLocks noGrp="1"/>
+          </p:cNvGraphicFramePr>
+          <p:nvPr>
+            <p:extLst>
+              <p:ext uri="{D42A27DB-BD31-4B8C-83A1-F6EECF244321}">
+                <p14:modId xmlns:p14="http://schemas.microsoft.com/office/powerpoint/2010/main" val="514091831"/>
+              </p:ext>
+            </p:extLst>
+          </p:nvPr>
+        </p:nvGraphicFramePr>
+        <p:xfrm>
+          <a:off x="8389034" y="4451060"/>
+          <a:ext cx="3383115" cy="1641704"/>
+        </p:xfrm>
+        <a:graphic>
+          <a:graphicData uri="http://schemas.openxmlformats.org/drawingml/2006/table">
+            <a:tbl>
+              <a:tblPr firstRow="1" bandRow="1">
+                <a:tableStyleId>{5C22544A-7EE6-4342-B048-85BDC9FD1C3A}</a:tableStyleId>
+              </a:tblPr>
+              <a:tblGrid>
+                <a:gridCol w="623990">
+                  <a:extLst>
+                    <a:ext uri="{9D8B030D-6E8A-4147-A177-3AD203B41FA5}">
+                      <a16:colId xmlns:a16="http://schemas.microsoft.com/office/drawing/2014/main" val="1473234356"/>
+                    </a:ext>
+                  </a:extLst>
+                </a:gridCol>
+                <a:gridCol w="908418">
+                  <a:extLst>
+                    <a:ext uri="{9D8B030D-6E8A-4147-A177-3AD203B41FA5}">
+                      <a16:colId xmlns:a16="http://schemas.microsoft.com/office/drawing/2014/main" val="4228097960"/>
+                    </a:ext>
+                  </a:extLst>
+                </a:gridCol>
+                <a:gridCol w="1234238">
+                  <a:extLst>
+                    <a:ext uri="{9D8B030D-6E8A-4147-A177-3AD203B41FA5}">
+                      <a16:colId xmlns:a16="http://schemas.microsoft.com/office/drawing/2014/main" val="2556815090"/>
+                    </a:ext>
+                  </a:extLst>
+                </a:gridCol>
+                <a:gridCol w="616469">
+                  <a:extLst>
+                    <a:ext uri="{9D8B030D-6E8A-4147-A177-3AD203B41FA5}">
+                      <a16:colId xmlns:a16="http://schemas.microsoft.com/office/drawing/2014/main" val="2233924439"/>
+                    </a:ext>
+                  </a:extLst>
+                </a:gridCol>
+              </a:tblGrid>
+              <a:tr h="410426">
+                <a:tc>
+                  <a:txBody>
+                    <a:bodyPr/>
+                    <a:lstStyle/>
+                    <a:p>
+                      <a:pPr algn="ctr"/>
+                      <a:endParaRPr lang="en-US" sz="1400" dirty="0"/>
+                    </a:p>
+                  </a:txBody>
+                  <a:tcPr anchor="ctr"/>
+                </a:tc>
+                <a:tc>
+                  <a:txBody>
+                    <a:bodyPr/>
+                    <a:lstStyle/>
+                    <a:p>
+                      <a:pPr algn="ctr"/>
+                      <a:r>
+                        <a:rPr lang="en-US" sz="1400" dirty="0"/>
+                        <a:t>Correct</a:t>
+                      </a:r>
+                    </a:p>
+                  </a:txBody>
+                  <a:tcPr anchor="ctr"/>
+                </a:tc>
+                <a:tc>
+                  <a:txBody>
+                    <a:bodyPr/>
+                    <a:lstStyle/>
+                    <a:p>
+                      <a:pPr algn="ctr"/>
+                      <a:r>
+                        <a:rPr lang="en-US" sz="1400" dirty="0"/>
+                        <a:t>Misclassified</a:t>
+                      </a:r>
+                    </a:p>
+                  </a:txBody>
+                  <a:tcPr anchor="ctr"/>
+                </a:tc>
+                <a:tc>
+                  <a:txBody>
+                    <a:bodyPr/>
+                    <a:lstStyle/>
+                    <a:p>
+                      <a:pPr algn="ctr"/>
+                      <a:r>
+                        <a:rPr lang="en-US" sz="1400" b="1" dirty="0"/>
+                        <a:t>Total</a:t>
+                      </a:r>
+                    </a:p>
+                  </a:txBody>
+                  <a:tcPr anchor="ctr"/>
+                </a:tc>
+                <a:extLst>
+                  <a:ext uri="{0D108BD9-81ED-4DB2-BD59-A6C34878D82A}">
+                    <a16:rowId xmlns:a16="http://schemas.microsoft.com/office/drawing/2014/main" val="3522233960"/>
+                  </a:ext>
+                </a:extLst>
+              </a:tr>
+              <a:tr h="410426">
+                <a:tc>
+                  <a:txBody>
+                    <a:bodyPr/>
+                    <a:lstStyle/>
+                    <a:p>
+                      <a:pPr algn="ctr"/>
+                      <a:r>
+                        <a:rPr lang="en-US" sz="1400" dirty="0"/>
+                        <a:t>NO</a:t>
+                      </a:r>
+                    </a:p>
+                  </a:txBody>
+                  <a:tcPr anchor="ctr"/>
+                </a:tc>
+                <a:tc>
+                  <a:txBody>
+                    <a:bodyPr/>
+                    <a:lstStyle/>
+                    <a:p>
+                      <a:pPr algn="ctr"/>
+                      <a:r>
+                        <a:rPr lang="en-US" sz="1400" dirty="0"/>
+                        <a:t>114</a:t>
+                      </a:r>
+                    </a:p>
+                  </a:txBody>
+                  <a:tcPr anchor="ctr"/>
+                </a:tc>
+                <a:tc>
+                  <a:txBody>
+                    <a:bodyPr/>
+                    <a:lstStyle/>
+                    <a:p>
+                      <a:pPr algn="ctr"/>
+                      <a:r>
+                        <a:rPr lang="en-US" sz="1400" dirty="0"/>
+                        <a:t>6</a:t>
+                      </a:r>
+                    </a:p>
+                  </a:txBody>
+                  <a:tcPr anchor="ctr"/>
+                </a:tc>
+                <a:tc>
+                  <a:txBody>
+                    <a:bodyPr/>
+                    <a:lstStyle/>
+                    <a:p>
+                      <a:pPr algn="ctr"/>
+                      <a:r>
+                        <a:rPr lang="en-US" sz="1400" b="1" dirty="0"/>
+                        <a:t>120</a:t>
+                      </a:r>
+                    </a:p>
+                  </a:txBody>
+                  <a:tcPr anchor="ctr"/>
+                </a:tc>
+                <a:extLst>
+                  <a:ext uri="{0D108BD9-81ED-4DB2-BD59-A6C34878D82A}">
+                    <a16:rowId xmlns:a16="http://schemas.microsoft.com/office/drawing/2014/main" val="2707825519"/>
+                  </a:ext>
+                </a:extLst>
+              </a:tr>
+              <a:tr h="410426">
+                <a:tc>
+                  <a:txBody>
+                    <a:bodyPr/>
+                    <a:lstStyle/>
+                    <a:p>
+                      <a:pPr algn="ctr"/>
+                      <a:r>
+                        <a:rPr lang="en-US" sz="1400" dirty="0"/>
+                        <a:t>YES</a:t>
+                      </a:r>
+                    </a:p>
+                  </a:txBody>
+                  <a:tcPr anchor="ctr"/>
+                </a:tc>
+                <a:tc>
+                  <a:txBody>
+                    <a:bodyPr/>
+                    <a:lstStyle/>
+                    <a:p>
+                      <a:pPr algn="ctr"/>
+                      <a:r>
+                        <a:rPr lang="en-US" sz="1400" dirty="0"/>
+                        <a:t>14</a:t>
+                      </a:r>
+                    </a:p>
+                  </a:txBody>
+                  <a:tcPr anchor="ctr"/>
+                </a:tc>
+                <a:tc>
+                  <a:txBody>
+                    <a:bodyPr/>
+                    <a:lstStyle/>
+                    <a:p>
+                      <a:pPr algn="ctr"/>
+                      <a:r>
+                        <a:rPr lang="en-US" sz="1400" dirty="0"/>
+                        <a:t>13</a:t>
+                      </a:r>
+                    </a:p>
+                  </a:txBody>
+                  <a:tcPr anchor="ctr"/>
+                </a:tc>
+                <a:tc>
+                  <a:txBody>
+                    <a:bodyPr/>
+                    <a:lstStyle/>
+                    <a:p>
+                      <a:pPr algn="ctr"/>
+                      <a:r>
+                        <a:rPr lang="en-US" sz="1400" b="1" dirty="0"/>
+                        <a:t>27</a:t>
+                      </a:r>
+                    </a:p>
+                  </a:txBody>
+                  <a:tcPr anchor="ctr"/>
+                </a:tc>
+                <a:extLst>
+                  <a:ext uri="{0D108BD9-81ED-4DB2-BD59-A6C34878D82A}">
+                    <a16:rowId xmlns:a16="http://schemas.microsoft.com/office/drawing/2014/main" val="1286077954"/>
+                  </a:ext>
+                </a:extLst>
+              </a:tr>
+              <a:tr h="410426">
+                <a:tc gridSpan="3">
+                  <a:txBody>
+                    <a:bodyPr/>
+                    <a:lstStyle/>
+                    <a:p>
+                      <a:pPr algn="ctr"/>
+                      <a:r>
+                        <a:rPr lang="en-US" sz="1400" b="1" dirty="0"/>
+                        <a:t>Totals</a:t>
+                      </a:r>
+                    </a:p>
+                  </a:txBody>
+                  <a:tcPr anchor="ctr"/>
+                </a:tc>
+                <a:tc hMerge="1">
+                  <a:txBody>
+                    <a:bodyPr/>
+                    <a:lstStyle/>
+                    <a:p>
+                      <a:endParaRPr lang="en-US" dirty="0"/>
+                    </a:p>
+                  </a:txBody>
+                  <a:tcPr/>
+                </a:tc>
+                <a:tc hMerge="1">
+                  <a:txBody>
+                    <a:bodyPr/>
+                    <a:lstStyle/>
+                    <a:p>
+                      <a:endParaRPr lang="en-US" dirty="0"/>
+                    </a:p>
+                  </a:txBody>
+                  <a:tcPr/>
+                </a:tc>
+                <a:tc>
+                  <a:txBody>
+                    <a:bodyPr/>
+                    <a:lstStyle/>
+                    <a:p>
+                      <a:pPr algn="ctr"/>
+                      <a:r>
+                        <a:rPr lang="en-US" sz="1400" b="1" dirty="0"/>
+                        <a:t>147</a:t>
+                      </a:r>
+                    </a:p>
+                  </a:txBody>
+                  <a:tcPr anchor="ctr"/>
+                </a:tc>
+                <a:extLst>
+                  <a:ext uri="{0D108BD9-81ED-4DB2-BD59-A6C34878D82A}">
+                    <a16:rowId xmlns:a16="http://schemas.microsoft.com/office/drawing/2014/main" val="1373955314"/>
+                  </a:ext>
+                </a:extLst>
+              </a:tr>
+            </a:tbl>
+          </a:graphicData>
+        </a:graphic>
+      </p:graphicFrame>
+      <p:sp>
+        <p:nvSpPr>
+          <p:cNvPr id="77" name="TextBox 76">
+            <a:extLst>
+              <a:ext uri="{FF2B5EF4-FFF2-40B4-BE49-F238E27FC236}">
+                <a16:creationId xmlns:a16="http://schemas.microsoft.com/office/drawing/2014/main" id="{9945B481-EFA7-4405-9867-980485B8BDF9}"/>
+              </a:ext>
+            </a:extLst>
+          </p:cNvPr>
+          <p:cNvSpPr txBox="1"/>
+          <p:nvPr/>
+        </p:nvSpPr>
+        <p:spPr>
+          <a:xfrm>
+            <a:off x="9073431" y="4031660"/>
+            <a:ext cx="1813317" cy="400110"/>
+          </a:xfrm>
+          <a:prstGeom prst="rect">
+            <a:avLst/>
+          </a:prstGeom>
+          <a:noFill/>
+        </p:spPr>
+        <p:txBody>
+          <a:bodyPr wrap="none" rtlCol="0">
+            <a:spAutoFit/>
+          </a:bodyPr>
+          <a:lstStyle>
+            <a:defPPr>
+              <a:defRPr lang="en-US"/>
+            </a:defPPr>
+            <a:lvl1pPr>
+              <a:defRPr sz="2800" b="1">
+                <a:solidFill>
+                  <a:schemeClr val="accent2"/>
+                </a:solidFill>
+              </a:defRPr>
+            </a:lvl1pPr>
+          </a:lstStyle>
+          <a:p>
+            <a:r>
+              <a:rPr lang="en-US" sz="2000" dirty="0"/>
+              <a:t>87% Accuracy</a:t>
+            </a:r>
+          </a:p>
+        </p:txBody>
+      </p:sp>
+      <p:graphicFrame>
+        <p:nvGraphicFramePr>
+          <p:cNvPr id="81" name="Table 80">
+            <a:extLst>
+              <a:ext uri="{FF2B5EF4-FFF2-40B4-BE49-F238E27FC236}">
+                <a16:creationId xmlns:a16="http://schemas.microsoft.com/office/drawing/2014/main" id="{BA2D5901-218D-4275-A609-162F155CEB33}"/>
+              </a:ext>
+            </a:extLst>
+          </p:cNvPr>
+          <p:cNvGraphicFramePr>
+            <a:graphicFrameLocks noGrp="1"/>
+          </p:cNvGraphicFramePr>
+          <p:nvPr>
+            <p:extLst>
+              <p:ext uri="{D42A27DB-BD31-4B8C-83A1-F6EECF244321}">
+                <p14:modId xmlns:p14="http://schemas.microsoft.com/office/powerpoint/2010/main" val="494461277"/>
+              </p:ext>
+            </p:extLst>
+          </p:nvPr>
+        </p:nvGraphicFramePr>
+        <p:xfrm>
+          <a:off x="8389034" y="2127669"/>
+          <a:ext cx="3383116" cy="1710050"/>
+        </p:xfrm>
+        <a:graphic>
+          <a:graphicData uri="http://schemas.openxmlformats.org/drawingml/2006/table">
+            <a:tbl>
+              <a:tblPr firstRow="1" bandRow="1">
+                <a:tableStyleId>{7DF18680-E054-41AD-8BC1-D1AEF772440D}</a:tableStyleId>
+              </a:tblPr>
+              <a:tblGrid>
+                <a:gridCol w="801264">
+                  <a:extLst>
+                    <a:ext uri="{9D8B030D-6E8A-4147-A177-3AD203B41FA5}">
+                      <a16:colId xmlns:a16="http://schemas.microsoft.com/office/drawing/2014/main" val="1473234356"/>
+                    </a:ext>
+                  </a:extLst>
+                </a:gridCol>
+                <a:gridCol w="1166496">
+                  <a:extLst>
+                    <a:ext uri="{9D8B030D-6E8A-4147-A177-3AD203B41FA5}">
+                      <a16:colId xmlns:a16="http://schemas.microsoft.com/office/drawing/2014/main" val="4228097960"/>
+                    </a:ext>
+                  </a:extLst>
+                </a:gridCol>
+                <a:gridCol w="1415356">
+                  <a:extLst>
+                    <a:ext uri="{9D8B030D-6E8A-4147-A177-3AD203B41FA5}">
+                      <a16:colId xmlns:a16="http://schemas.microsoft.com/office/drawing/2014/main" val="2556815090"/>
+                    </a:ext>
+                  </a:extLst>
+                </a:gridCol>
+              </a:tblGrid>
+              <a:tr h="555083">
+                <a:tc>
+                  <a:txBody>
+                    <a:bodyPr/>
+                    <a:lstStyle/>
+                    <a:p>
+                      <a:pPr algn="ctr"/>
+                      <a:r>
+                        <a:rPr lang="en-US" sz="1400" dirty="0" err="1"/>
+                        <a:t>EmpID</a:t>
+                      </a:r>
+                      <a:endParaRPr lang="en-US" sz="1400" dirty="0"/>
+                    </a:p>
+                  </a:txBody>
+                  <a:tcPr anchor="ctr"/>
+                </a:tc>
+                <a:tc>
+                  <a:txBody>
+                    <a:bodyPr/>
+                    <a:lstStyle/>
+                    <a:p>
+                      <a:pPr algn="ctr"/>
+                      <a:r>
+                        <a:rPr lang="en-US" sz="1400" dirty="0"/>
+                        <a:t>Attrition Probability</a:t>
+                      </a:r>
+                    </a:p>
+                  </a:txBody>
+                  <a:tcPr anchor="ctr"/>
+                </a:tc>
+                <a:tc>
+                  <a:txBody>
+                    <a:bodyPr/>
+                    <a:lstStyle/>
+                    <a:p>
+                      <a:pPr algn="ctr"/>
+                      <a:r>
+                        <a:rPr lang="en-US" sz="1400" dirty="0"/>
+                        <a:t>Attrition Interpretation</a:t>
+                      </a:r>
+                    </a:p>
+                  </a:txBody>
+                  <a:tcPr anchor="ctr"/>
+                </a:tc>
+                <a:extLst>
+                  <a:ext uri="{0D108BD9-81ED-4DB2-BD59-A6C34878D82A}">
+                    <a16:rowId xmlns:a16="http://schemas.microsoft.com/office/drawing/2014/main" val="3522233960"/>
+                  </a:ext>
+                </a:extLst>
+              </a:tr>
+              <a:tr h="384989">
+                <a:tc>
+                  <a:txBody>
+                    <a:bodyPr/>
+                    <a:lstStyle/>
+                    <a:p>
+                      <a:pPr algn="ctr"/>
+                      <a:r>
+                        <a:rPr lang="en-US" sz="1400" dirty="0"/>
+                        <a:t>1</a:t>
+                      </a:r>
+                    </a:p>
+                  </a:txBody>
+                  <a:tcPr anchor="ctr"/>
+                </a:tc>
+                <a:tc>
+                  <a:txBody>
+                    <a:bodyPr/>
+                    <a:lstStyle/>
+                    <a:p>
+                      <a:pPr algn="ctr"/>
+                      <a:r>
+                        <a:rPr lang="en-US" sz="1400" dirty="0"/>
+                        <a:t>30%</a:t>
+                      </a:r>
+                    </a:p>
+                  </a:txBody>
+                  <a:tcPr anchor="ctr"/>
+                </a:tc>
+                <a:tc>
+                  <a:txBody>
+                    <a:bodyPr/>
+                    <a:lstStyle/>
+                    <a:p>
+                      <a:pPr algn="ctr"/>
+                      <a:r>
+                        <a:rPr lang="en-US" sz="1400" b="1" dirty="0">
+                          <a:solidFill>
+                            <a:schemeClr val="bg1"/>
+                          </a:solidFill>
+                        </a:rPr>
+                        <a:t>No</a:t>
+                      </a:r>
+                    </a:p>
+                  </a:txBody>
+                  <a:tcPr anchor="ctr">
+                    <a:solidFill>
+                      <a:schemeClr val="accent6"/>
+                    </a:solidFill>
+                  </a:tcPr>
+                </a:tc>
+                <a:extLst>
+                  <a:ext uri="{0D108BD9-81ED-4DB2-BD59-A6C34878D82A}">
+                    <a16:rowId xmlns:a16="http://schemas.microsoft.com/office/drawing/2014/main" val="2707825519"/>
+                  </a:ext>
+                </a:extLst>
+              </a:tr>
+              <a:tr h="384989">
+                <a:tc>
+                  <a:txBody>
+                    <a:bodyPr/>
+                    <a:lstStyle/>
+                    <a:p>
+                      <a:pPr algn="ctr"/>
+                      <a:r>
+                        <a:rPr lang="en-US" sz="1400" dirty="0"/>
+                        <a:t>2</a:t>
+                      </a:r>
+                    </a:p>
+                  </a:txBody>
+                  <a:tcPr anchor="ctr"/>
+                </a:tc>
+                <a:tc>
+                  <a:txBody>
+                    <a:bodyPr/>
+                    <a:lstStyle/>
+                    <a:p>
+                      <a:pPr algn="ctr"/>
+                      <a:r>
+                        <a:rPr lang="en-US" sz="1400" dirty="0"/>
+                        <a:t>75%</a:t>
+                      </a:r>
+                    </a:p>
+                  </a:txBody>
+                  <a:tcPr anchor="ctr"/>
+                </a:tc>
+                <a:tc>
+                  <a:txBody>
+                    <a:bodyPr/>
+                    <a:lstStyle/>
+                    <a:p>
+                      <a:pPr algn="ctr"/>
+                      <a:r>
+                        <a:rPr lang="en-US" sz="1400" b="1" dirty="0">
+                          <a:solidFill>
+                            <a:schemeClr val="bg1"/>
+                          </a:solidFill>
+                        </a:rPr>
+                        <a:t>Yes</a:t>
+                      </a:r>
+                    </a:p>
+                  </a:txBody>
+                  <a:tcPr anchor="ctr">
+                    <a:solidFill>
+                      <a:srgbClr val="C00000"/>
+                    </a:solidFill>
+                  </a:tcPr>
+                </a:tc>
+                <a:extLst>
+                  <a:ext uri="{0D108BD9-81ED-4DB2-BD59-A6C34878D82A}">
+                    <a16:rowId xmlns:a16="http://schemas.microsoft.com/office/drawing/2014/main" val="1286077954"/>
+                  </a:ext>
+                </a:extLst>
+              </a:tr>
+              <a:tr h="384989">
+                <a:tc>
+                  <a:txBody>
+                    <a:bodyPr/>
+                    <a:lstStyle/>
+                    <a:p>
+                      <a:pPr algn="ctr"/>
+                      <a:r>
+                        <a:rPr lang="en-US" sz="1400" dirty="0"/>
+                        <a:t>...147</a:t>
+                      </a:r>
+                    </a:p>
+                  </a:txBody>
+                  <a:tcPr anchor="ctr"/>
+                </a:tc>
+                <a:tc>
+                  <a:txBody>
+                    <a:bodyPr/>
+                    <a:lstStyle/>
+                    <a:p>
+                      <a:pPr algn="ctr"/>
+                      <a:r>
+                        <a:rPr lang="en-US" sz="1400" dirty="0"/>
+                        <a:t>20%</a:t>
+                      </a:r>
+                    </a:p>
+                  </a:txBody>
+                  <a:tcPr anchor="ctr"/>
+                </a:tc>
+                <a:tc>
+                  <a:txBody>
+                    <a:bodyPr/>
+                    <a:lstStyle/>
+                    <a:p>
+                      <a:pPr algn="ctr"/>
+                      <a:r>
+                        <a:rPr lang="en-US" sz="1400" b="1" dirty="0">
+                          <a:solidFill>
+                            <a:schemeClr val="bg1"/>
+                          </a:solidFill>
+                        </a:rPr>
+                        <a:t>No</a:t>
+                      </a:r>
+                    </a:p>
+                  </a:txBody>
+                  <a:tcPr anchor="ctr">
+                    <a:solidFill>
+                      <a:schemeClr val="accent6"/>
+                    </a:solidFill>
+                  </a:tcPr>
+                </a:tc>
+                <a:extLst>
+                  <a:ext uri="{0D108BD9-81ED-4DB2-BD59-A6C34878D82A}">
+                    <a16:rowId xmlns:a16="http://schemas.microsoft.com/office/drawing/2014/main" val="3353022848"/>
+                  </a:ext>
+                </a:extLst>
+              </a:tr>
+            </a:tbl>
+          </a:graphicData>
+        </a:graphic>
+      </p:graphicFrame>
+      <p:cxnSp>
+        <p:nvCxnSpPr>
+          <p:cNvPr id="82" name="Straight Arrow Connector 81">
+            <a:extLst>
+              <a:ext uri="{FF2B5EF4-FFF2-40B4-BE49-F238E27FC236}">
+                <a16:creationId xmlns:a16="http://schemas.microsoft.com/office/drawing/2014/main" id="{6C5A2CE5-372D-409B-B71D-9EF5ECAC0BF7}"/>
+              </a:ext>
+            </a:extLst>
+          </p:cNvPr>
+          <p:cNvCxnSpPr>
+            <a:cxnSpLocks/>
+            <a:stCxn id="3" idx="3"/>
+            <a:endCxn id="81" idx="1"/>
+          </p:cNvCxnSpPr>
+          <p:nvPr/>
+        </p:nvCxnSpPr>
+        <p:spPr>
+          <a:xfrm flipV="1">
+            <a:off x="4041432" y="2982694"/>
+            <a:ext cx="4347602" cy="2288394"/>
+          </a:xfrm>
+          <a:prstGeom prst="straightConnector1">
+            <a:avLst/>
+          </a:prstGeom>
+          <a:ln>
+            <a:solidFill>
+              <a:schemeClr val="accent1"/>
+            </a:solidFill>
+            <a:prstDash val="dash"/>
+            <a:tailEnd type="triangle" w="lg" len="lg"/>
+          </a:ln>
+        </p:spPr>
+        <p:style>
+          <a:lnRef idx="1">
+            <a:schemeClr val="accent1"/>
+          </a:lnRef>
+          <a:fillRef idx="0">
+            <a:schemeClr val="accent1"/>
+          </a:fillRef>
+          <a:effectRef idx="0">
+            <a:schemeClr val="accent1"/>
+          </a:effectRef>
+          <a:fontRef idx="minor">
+            <a:schemeClr val="tx1"/>
+          </a:fontRef>
+        </p:style>
+      </p:cxnSp>
+      <p:sp>
+        <p:nvSpPr>
+          <p:cNvPr id="56" name="TextBox 55">
+            <a:extLst>
+              <a:ext uri="{FF2B5EF4-FFF2-40B4-BE49-F238E27FC236}">
+                <a16:creationId xmlns:a16="http://schemas.microsoft.com/office/drawing/2014/main" id="{126DDAA0-99ED-47B2-BAD3-8BB1D7C4F5EA}"/>
+              </a:ext>
+            </a:extLst>
+          </p:cNvPr>
+          <p:cNvSpPr txBox="1"/>
+          <p:nvPr/>
+        </p:nvSpPr>
+        <p:spPr>
+          <a:xfrm rot="19966597">
+            <a:off x="4913874" y="4077827"/>
+            <a:ext cx="2178817" cy="307777"/>
+          </a:xfrm>
+          <a:prstGeom prst="rect">
+            <a:avLst/>
+          </a:prstGeom>
+          <a:solidFill>
+            <a:schemeClr val="accent5"/>
+          </a:solidFill>
+        </p:spPr>
+        <p:txBody>
+          <a:bodyPr wrap="square" rtlCol="0">
+            <a:spAutoFit/>
+          </a:bodyPr>
+          <a:lstStyle/>
+          <a:p>
+            <a:pPr algn="ctr"/>
+            <a:r>
+              <a:rPr lang="en-US" sz="1400" dirty="0">
+                <a:solidFill>
+                  <a:schemeClr val="bg2"/>
+                </a:solidFill>
+              </a:rPr>
+              <a:t>Examples of Results</a:t>
+            </a:r>
+          </a:p>
+        </p:txBody>
+      </p:sp>
+      <p:sp>
+        <p:nvSpPr>
+          <p:cNvPr id="91" name="TextBox 90">
+            <a:extLst>
+              <a:ext uri="{FF2B5EF4-FFF2-40B4-BE49-F238E27FC236}">
+                <a16:creationId xmlns:a16="http://schemas.microsoft.com/office/drawing/2014/main" id="{2F51CF3C-A494-432E-88BB-7BE5D4AB76D3}"/>
+              </a:ext>
+            </a:extLst>
+          </p:cNvPr>
+          <p:cNvSpPr txBox="1"/>
+          <p:nvPr/>
+        </p:nvSpPr>
+        <p:spPr>
+          <a:xfrm>
+            <a:off x="4675163" y="5084730"/>
+            <a:ext cx="3263705" cy="307777"/>
+          </a:xfrm>
+          <a:prstGeom prst="rect">
+            <a:avLst/>
+          </a:prstGeom>
+          <a:solidFill>
+            <a:schemeClr val="tx2"/>
+          </a:solidFill>
+        </p:spPr>
+        <p:txBody>
+          <a:bodyPr wrap="square" rtlCol="0">
+            <a:spAutoFit/>
+          </a:bodyPr>
+          <a:lstStyle/>
+          <a:p>
+            <a:pPr algn="ctr"/>
+            <a:r>
+              <a:rPr lang="en-US" sz="1400" dirty="0">
+                <a:solidFill>
+                  <a:schemeClr val="bg2"/>
+                </a:solidFill>
+              </a:rPr>
+              <a:t>Accuracy Results – Compared to Actuals</a:t>
+            </a:r>
+          </a:p>
+        </p:txBody>
+      </p:sp>
+      <p:sp>
+        <p:nvSpPr>
+          <p:cNvPr id="15" name="Oval 14">
+            <a:extLst>
+              <a:ext uri="{FF2B5EF4-FFF2-40B4-BE49-F238E27FC236}">
+                <a16:creationId xmlns:a16="http://schemas.microsoft.com/office/drawing/2014/main" id="{8E6500BC-A505-4D21-8684-E168B9405F38}"/>
+              </a:ext>
+            </a:extLst>
+          </p:cNvPr>
+          <p:cNvSpPr/>
+          <p:nvPr/>
+        </p:nvSpPr>
+        <p:spPr>
+          <a:xfrm>
+            <a:off x="4323444" y="1541498"/>
+            <a:ext cx="683450" cy="646298"/>
+          </a:xfrm>
+          <a:prstGeom prst="ellipse">
+            <a:avLst/>
+          </a:prstGeom>
+          <a:solidFill>
+            <a:schemeClr val="accent3"/>
+          </a:solidFill>
+        </p:spPr>
+        <p:style>
+          <a:lnRef idx="1">
+            <a:schemeClr val="accent4"/>
+          </a:lnRef>
+          <a:fillRef idx="3">
+            <a:schemeClr val="accent4"/>
+          </a:fillRef>
+          <a:effectRef idx="2">
+            <a:schemeClr val="accent4"/>
+          </a:effectRef>
+          <a:fontRef idx="minor">
+            <a:schemeClr val="lt1"/>
+          </a:fontRef>
+        </p:style>
+        <p:txBody>
+          <a:bodyPr rtlCol="0" anchor="ctr"/>
+          <a:lstStyle/>
+          <a:p>
+            <a:pPr algn="ctr"/>
+            <a:r>
+              <a:rPr lang="en-US" sz="1000" dirty="0">
+                <a:solidFill>
+                  <a:schemeClr val="accent1"/>
+                </a:solidFill>
+              </a:rPr>
+              <a:t>LRM</a:t>
+            </a:r>
+          </a:p>
+        </p:txBody>
+      </p:sp>
     </p:spTree>
     <p:extLst>
       <p:ext uri="{BB962C8B-B14F-4D97-AF65-F5344CB8AC3E}">
@@ -15899,6 +17492,595 @@
   <p:clrMapOvr>
     <a:masterClrMapping/>
   </p:clrMapOvr>
+  <p:timing>
+    <p:tnLst>
+      <p:par>
+        <p:cTn id="1" dur="indefinite" restart="never" nodeType="tmRoot">
+          <p:childTnLst>
+            <p:seq concurrent="1" nextAc="seek">
+              <p:cTn id="2" dur="indefinite" nodeType="mainSeq">
+                <p:childTnLst>
+                  <p:par>
+                    <p:cTn id="3" fill="hold">
+                      <p:stCondLst>
+                        <p:cond delay="indefinite"/>
+                      </p:stCondLst>
+                      <p:childTnLst>
+                        <p:par>
+                          <p:cTn id="4" fill="hold">
+                            <p:stCondLst>
+                              <p:cond delay="0"/>
+                            </p:stCondLst>
+                            <p:childTnLst>
+                              <p:par>
+                                <p:cTn id="5" presetID="1" presetClass="entr" presetSubtype="0" fill="hold" nodeType="clickEffect">
+                                  <p:stCondLst>
+                                    <p:cond delay="0"/>
+                                  </p:stCondLst>
+                                  <p:childTnLst>
+                                    <p:set>
+                                      <p:cBhvr>
+                                        <p:cTn id="6" dur="1" fill="hold">
+                                          <p:stCondLst>
+                                            <p:cond delay="0"/>
+                                          </p:stCondLst>
+                                        </p:cTn>
+                                        <p:tgtEl>
+                                          <p:spTgt spid="7"/>
+                                        </p:tgtEl>
+                                        <p:attrNameLst>
+                                          <p:attrName>style.visibility</p:attrName>
+                                        </p:attrNameLst>
+                                      </p:cBhvr>
+                                      <p:to>
+                                        <p:strVal val="visible"/>
+                                      </p:to>
+                                    </p:set>
+                                  </p:childTnLst>
+                                </p:cTn>
+                              </p:par>
+                              <p:par>
+                                <p:cTn id="7" presetID="1" presetClass="entr" presetSubtype="0" fill="hold" nodeType="withEffect">
+                                  <p:stCondLst>
+                                    <p:cond delay="0"/>
+                                  </p:stCondLst>
+                                  <p:childTnLst>
+                                    <p:set>
+                                      <p:cBhvr>
+                                        <p:cTn id="8" dur="1" fill="hold">
+                                          <p:stCondLst>
+                                            <p:cond delay="0"/>
+                                          </p:stCondLst>
+                                        </p:cTn>
+                                        <p:tgtEl>
+                                          <p:spTgt spid="9"/>
+                                        </p:tgtEl>
+                                        <p:attrNameLst>
+                                          <p:attrName>style.visibility</p:attrName>
+                                        </p:attrNameLst>
+                                      </p:cBhvr>
+                                      <p:to>
+                                        <p:strVal val="visible"/>
+                                      </p:to>
+                                    </p:set>
+                                  </p:childTnLst>
+                                </p:cTn>
+                              </p:par>
+                              <p:par>
+                                <p:cTn id="9" presetID="1" presetClass="entr" presetSubtype="0" fill="hold" grpId="0" nodeType="withEffect">
+                                  <p:stCondLst>
+                                    <p:cond delay="0"/>
+                                  </p:stCondLst>
+                                  <p:childTnLst>
+                                    <p:set>
+                                      <p:cBhvr>
+                                        <p:cTn id="10" dur="1" fill="hold">
+                                          <p:stCondLst>
+                                            <p:cond delay="0"/>
+                                          </p:stCondLst>
+                                        </p:cTn>
+                                        <p:tgtEl>
+                                          <p:spTgt spid="3"/>
+                                        </p:tgtEl>
+                                        <p:attrNameLst>
+                                          <p:attrName>style.visibility</p:attrName>
+                                        </p:attrNameLst>
+                                      </p:cBhvr>
+                                      <p:to>
+                                        <p:strVal val="visible"/>
+                                      </p:to>
+                                    </p:set>
+                                  </p:childTnLst>
+                                </p:cTn>
+                              </p:par>
+                              <p:par>
+                                <p:cTn id="11" presetID="1" presetClass="entr" presetSubtype="0" fill="hold" grpId="0" nodeType="withEffect">
+                                  <p:stCondLst>
+                                    <p:cond delay="0"/>
+                                  </p:stCondLst>
+                                  <p:childTnLst>
+                                    <p:set>
+                                      <p:cBhvr>
+                                        <p:cTn id="12" dur="1" fill="hold">
+                                          <p:stCondLst>
+                                            <p:cond delay="0"/>
+                                          </p:stCondLst>
+                                        </p:cTn>
+                                        <p:tgtEl>
+                                          <p:spTgt spid="4"/>
+                                        </p:tgtEl>
+                                        <p:attrNameLst>
+                                          <p:attrName>style.visibility</p:attrName>
+                                        </p:attrNameLst>
+                                      </p:cBhvr>
+                                      <p:to>
+                                        <p:strVal val="visible"/>
+                                      </p:to>
+                                    </p:set>
+                                  </p:childTnLst>
+                                </p:cTn>
+                              </p:par>
+                              <p:par>
+                                <p:cTn id="13" presetID="1" presetClass="entr" presetSubtype="0" fill="hold" grpId="0" nodeType="withEffect">
+                                  <p:stCondLst>
+                                    <p:cond delay="0"/>
+                                  </p:stCondLst>
+                                  <p:childTnLst>
+                                    <p:set>
+                                      <p:cBhvr>
+                                        <p:cTn id="14" dur="1" fill="hold">
+                                          <p:stCondLst>
+                                            <p:cond delay="0"/>
+                                          </p:stCondLst>
+                                        </p:cTn>
+                                        <p:tgtEl>
+                                          <p:spTgt spid="14"/>
+                                        </p:tgtEl>
+                                        <p:attrNameLst>
+                                          <p:attrName>style.visibility</p:attrName>
+                                        </p:attrNameLst>
+                                      </p:cBhvr>
+                                      <p:to>
+                                        <p:strVal val="visible"/>
+                                      </p:to>
+                                    </p:set>
+                                  </p:childTnLst>
+                                </p:cTn>
+                              </p:par>
+                            </p:childTnLst>
+                          </p:cTn>
+                        </p:par>
+                      </p:childTnLst>
+                    </p:cTn>
+                  </p:par>
+                  <p:par>
+                    <p:cTn id="15" fill="hold">
+                      <p:stCondLst>
+                        <p:cond delay="indefinite"/>
+                      </p:stCondLst>
+                      <p:childTnLst>
+                        <p:par>
+                          <p:cTn id="16" fill="hold">
+                            <p:stCondLst>
+                              <p:cond delay="0"/>
+                            </p:stCondLst>
+                            <p:childTnLst>
+                              <p:par>
+                                <p:cTn id="17" presetID="1" presetClass="entr" presetSubtype="0" fill="hold" nodeType="clickEffect">
+                                  <p:stCondLst>
+                                    <p:cond delay="0"/>
+                                  </p:stCondLst>
+                                  <p:childTnLst>
+                                    <p:set>
+                                      <p:cBhvr>
+                                        <p:cTn id="18" dur="1" fill="hold">
+                                          <p:stCondLst>
+                                            <p:cond delay="0"/>
+                                          </p:stCondLst>
+                                        </p:cTn>
+                                        <p:tgtEl>
+                                          <p:spTgt spid="16"/>
+                                        </p:tgtEl>
+                                        <p:attrNameLst>
+                                          <p:attrName>style.visibility</p:attrName>
+                                        </p:attrNameLst>
+                                      </p:cBhvr>
+                                      <p:to>
+                                        <p:strVal val="visible"/>
+                                      </p:to>
+                                    </p:set>
+                                  </p:childTnLst>
+                                </p:cTn>
+                              </p:par>
+                              <p:par>
+                                <p:cTn id="19" presetID="1" presetClass="entr" presetSubtype="0" fill="hold" grpId="0" nodeType="withEffect">
+                                  <p:stCondLst>
+                                    <p:cond delay="0"/>
+                                  </p:stCondLst>
+                                  <p:childTnLst>
+                                    <p:set>
+                                      <p:cBhvr>
+                                        <p:cTn id="20" dur="1" fill="hold">
+                                          <p:stCondLst>
+                                            <p:cond delay="0"/>
+                                          </p:stCondLst>
+                                        </p:cTn>
+                                        <p:tgtEl>
+                                          <p:spTgt spid="15"/>
+                                        </p:tgtEl>
+                                        <p:attrNameLst>
+                                          <p:attrName>style.visibility</p:attrName>
+                                        </p:attrNameLst>
+                                      </p:cBhvr>
+                                      <p:to>
+                                        <p:strVal val="visible"/>
+                                      </p:to>
+                                    </p:set>
+                                  </p:childTnLst>
+                                </p:cTn>
+                              </p:par>
+                              <p:par>
+                                <p:cTn id="21" presetID="1" presetClass="entr" presetSubtype="0" fill="hold" nodeType="withEffect">
+                                  <p:stCondLst>
+                                    <p:cond delay="0"/>
+                                  </p:stCondLst>
+                                  <p:childTnLst>
+                                    <p:set>
+                                      <p:cBhvr>
+                                        <p:cTn id="22" dur="1" fill="hold">
+                                          <p:stCondLst>
+                                            <p:cond delay="0"/>
+                                          </p:stCondLst>
+                                        </p:cTn>
+                                        <p:tgtEl>
+                                          <p:spTgt spid="98"/>
+                                        </p:tgtEl>
+                                        <p:attrNameLst>
+                                          <p:attrName>style.visibility</p:attrName>
+                                        </p:attrNameLst>
+                                      </p:cBhvr>
+                                      <p:to>
+                                        <p:strVal val="visible"/>
+                                      </p:to>
+                                    </p:set>
+                                  </p:childTnLst>
+                                </p:cTn>
+                              </p:par>
+                            </p:childTnLst>
+                          </p:cTn>
+                        </p:par>
+                      </p:childTnLst>
+                    </p:cTn>
+                  </p:par>
+                  <p:par>
+                    <p:cTn id="23" fill="hold">
+                      <p:stCondLst>
+                        <p:cond delay="indefinite"/>
+                      </p:stCondLst>
+                      <p:childTnLst>
+                        <p:par>
+                          <p:cTn id="24" fill="hold">
+                            <p:stCondLst>
+                              <p:cond delay="0"/>
+                            </p:stCondLst>
+                            <p:childTnLst>
+                              <p:par>
+                                <p:cTn id="25" presetID="1" presetClass="entr" presetSubtype="0" fill="hold" nodeType="clickEffect">
+                                  <p:stCondLst>
+                                    <p:cond delay="0"/>
+                                  </p:stCondLst>
+                                  <p:childTnLst>
+                                    <p:set>
+                                      <p:cBhvr>
+                                        <p:cTn id="26" dur="1" fill="hold">
+                                          <p:stCondLst>
+                                            <p:cond delay="0"/>
+                                          </p:stCondLst>
+                                        </p:cTn>
+                                        <p:tgtEl>
+                                          <p:spTgt spid="19"/>
+                                        </p:tgtEl>
+                                        <p:attrNameLst>
+                                          <p:attrName>style.visibility</p:attrName>
+                                        </p:attrNameLst>
+                                      </p:cBhvr>
+                                      <p:to>
+                                        <p:strVal val="visible"/>
+                                      </p:to>
+                                    </p:set>
+                                  </p:childTnLst>
+                                </p:cTn>
+                              </p:par>
+                              <p:par>
+                                <p:cTn id="27" presetID="1" presetClass="entr" presetSubtype="0" fill="hold" grpId="0" nodeType="withEffect">
+                                  <p:stCondLst>
+                                    <p:cond delay="0"/>
+                                  </p:stCondLst>
+                                  <p:childTnLst>
+                                    <p:set>
+                                      <p:cBhvr>
+                                        <p:cTn id="28" dur="1" fill="hold">
+                                          <p:stCondLst>
+                                            <p:cond delay="0"/>
+                                          </p:stCondLst>
+                                        </p:cTn>
+                                        <p:tgtEl>
+                                          <p:spTgt spid="34"/>
+                                        </p:tgtEl>
+                                        <p:attrNameLst>
+                                          <p:attrName>style.visibility</p:attrName>
+                                        </p:attrNameLst>
+                                      </p:cBhvr>
+                                      <p:to>
+                                        <p:strVal val="visible"/>
+                                      </p:to>
+                                    </p:set>
+                                  </p:childTnLst>
+                                </p:cTn>
+                              </p:par>
+                            </p:childTnLst>
+                          </p:cTn>
+                        </p:par>
+                      </p:childTnLst>
+                    </p:cTn>
+                  </p:par>
+                  <p:par>
+                    <p:cTn id="29" fill="hold">
+                      <p:stCondLst>
+                        <p:cond delay="indefinite"/>
+                      </p:stCondLst>
+                      <p:childTnLst>
+                        <p:par>
+                          <p:cTn id="30" fill="hold">
+                            <p:stCondLst>
+                              <p:cond delay="0"/>
+                            </p:stCondLst>
+                            <p:childTnLst>
+                              <p:par>
+                                <p:cTn id="31" presetID="1" presetClass="entr" presetSubtype="0" fill="hold" nodeType="clickEffect">
+                                  <p:stCondLst>
+                                    <p:cond delay="0"/>
+                                  </p:stCondLst>
+                                  <p:childTnLst>
+                                    <p:set>
+                                      <p:cBhvr>
+                                        <p:cTn id="32" dur="1" fill="hold">
+                                          <p:stCondLst>
+                                            <p:cond delay="0"/>
+                                          </p:stCondLst>
+                                        </p:cTn>
+                                        <p:tgtEl>
+                                          <p:spTgt spid="82"/>
+                                        </p:tgtEl>
+                                        <p:attrNameLst>
+                                          <p:attrName>style.visibility</p:attrName>
+                                        </p:attrNameLst>
+                                      </p:cBhvr>
+                                      <p:to>
+                                        <p:strVal val="visible"/>
+                                      </p:to>
+                                    </p:set>
+                                  </p:childTnLst>
+                                </p:cTn>
+                              </p:par>
+                              <p:par>
+                                <p:cTn id="33" presetID="1" presetClass="entr" presetSubtype="0" fill="hold" grpId="0" nodeType="withEffect">
+                                  <p:stCondLst>
+                                    <p:cond delay="0"/>
+                                  </p:stCondLst>
+                                  <p:childTnLst>
+                                    <p:set>
+                                      <p:cBhvr>
+                                        <p:cTn id="34" dur="1" fill="hold">
+                                          <p:stCondLst>
+                                            <p:cond delay="0"/>
+                                          </p:stCondLst>
+                                        </p:cTn>
+                                        <p:tgtEl>
+                                          <p:spTgt spid="56"/>
+                                        </p:tgtEl>
+                                        <p:attrNameLst>
+                                          <p:attrName>style.visibility</p:attrName>
+                                        </p:attrNameLst>
+                                      </p:cBhvr>
+                                      <p:to>
+                                        <p:strVal val="visible"/>
+                                      </p:to>
+                                    </p:set>
+                                  </p:childTnLst>
+                                </p:cTn>
+                              </p:par>
+                              <p:par>
+                                <p:cTn id="35" presetID="1" presetClass="entr" presetSubtype="0" fill="hold" nodeType="withEffect">
+                                  <p:stCondLst>
+                                    <p:cond delay="0"/>
+                                  </p:stCondLst>
+                                  <p:childTnLst>
+                                    <p:set>
+                                      <p:cBhvr>
+                                        <p:cTn id="36" dur="1" fill="hold">
+                                          <p:stCondLst>
+                                            <p:cond delay="0"/>
+                                          </p:stCondLst>
+                                        </p:cTn>
+                                        <p:tgtEl>
+                                          <p:spTgt spid="81"/>
+                                        </p:tgtEl>
+                                        <p:attrNameLst>
+                                          <p:attrName>style.visibility</p:attrName>
+                                        </p:attrNameLst>
+                                      </p:cBhvr>
+                                      <p:to>
+                                        <p:strVal val="visible"/>
+                                      </p:to>
+                                    </p:set>
+                                  </p:childTnLst>
+                                </p:cTn>
+                              </p:par>
+                            </p:childTnLst>
+                          </p:cTn>
+                        </p:par>
+                      </p:childTnLst>
+                    </p:cTn>
+                  </p:par>
+                  <p:par>
+                    <p:cTn id="37" fill="hold">
+                      <p:stCondLst>
+                        <p:cond delay="indefinite"/>
+                      </p:stCondLst>
+                      <p:childTnLst>
+                        <p:par>
+                          <p:cTn id="38" fill="hold">
+                            <p:stCondLst>
+                              <p:cond delay="0"/>
+                            </p:stCondLst>
+                            <p:childTnLst>
+                              <p:par>
+                                <p:cTn id="39" presetID="1" presetClass="entr" presetSubtype="0" fill="hold" nodeType="clickEffect">
+                                  <p:stCondLst>
+                                    <p:cond delay="0"/>
+                                  </p:stCondLst>
+                                  <p:childTnLst>
+                                    <p:set>
+                                      <p:cBhvr>
+                                        <p:cTn id="40" dur="1" fill="hold">
+                                          <p:stCondLst>
+                                            <p:cond delay="0"/>
+                                          </p:stCondLst>
+                                        </p:cTn>
+                                        <p:tgtEl>
+                                          <p:spTgt spid="23"/>
+                                        </p:tgtEl>
+                                        <p:attrNameLst>
+                                          <p:attrName>style.visibility</p:attrName>
+                                        </p:attrNameLst>
+                                      </p:cBhvr>
+                                      <p:to>
+                                        <p:strVal val="visible"/>
+                                      </p:to>
+                                    </p:set>
+                                  </p:childTnLst>
+                                </p:cTn>
+                              </p:par>
+                              <p:par>
+                                <p:cTn id="41" presetID="1" presetClass="entr" presetSubtype="0" fill="hold" nodeType="withEffect">
+                                  <p:stCondLst>
+                                    <p:cond delay="0"/>
+                                  </p:stCondLst>
+                                  <p:childTnLst>
+                                    <p:set>
+                                      <p:cBhvr>
+                                        <p:cTn id="42" dur="1" fill="hold">
+                                          <p:stCondLst>
+                                            <p:cond delay="0"/>
+                                          </p:stCondLst>
+                                        </p:cTn>
+                                        <p:tgtEl>
+                                          <p:spTgt spid="65"/>
+                                        </p:tgtEl>
+                                        <p:attrNameLst>
+                                          <p:attrName>style.visibility</p:attrName>
+                                        </p:attrNameLst>
+                                      </p:cBhvr>
+                                      <p:to>
+                                        <p:strVal val="visible"/>
+                                      </p:to>
+                                    </p:set>
+                                  </p:childTnLst>
+                                </p:cTn>
+                              </p:par>
+                              <p:par>
+                                <p:cTn id="43" presetID="1" presetClass="entr" presetSubtype="0" fill="hold" grpId="0" nodeType="withEffect">
+                                  <p:stCondLst>
+                                    <p:cond delay="0"/>
+                                  </p:stCondLst>
+                                  <p:childTnLst>
+                                    <p:set>
+                                      <p:cBhvr>
+                                        <p:cTn id="44" dur="1" fill="hold">
+                                          <p:stCondLst>
+                                            <p:cond delay="0"/>
+                                          </p:stCondLst>
+                                        </p:cTn>
+                                        <p:tgtEl>
+                                          <p:spTgt spid="91"/>
+                                        </p:tgtEl>
+                                        <p:attrNameLst>
+                                          <p:attrName>style.visibility</p:attrName>
+                                        </p:attrNameLst>
+                                      </p:cBhvr>
+                                      <p:to>
+                                        <p:strVal val="visible"/>
+                                      </p:to>
+                                    </p:set>
+                                  </p:childTnLst>
+                                </p:cTn>
+                              </p:par>
+                              <p:par>
+                                <p:cTn id="45" presetID="1" presetClass="entr" presetSubtype="0" fill="hold" grpId="0" nodeType="withEffect">
+                                  <p:stCondLst>
+                                    <p:cond delay="0"/>
+                                  </p:stCondLst>
+                                  <p:childTnLst>
+                                    <p:set>
+                                      <p:cBhvr>
+                                        <p:cTn id="46" dur="1" fill="hold">
+                                          <p:stCondLst>
+                                            <p:cond delay="0"/>
+                                          </p:stCondLst>
+                                        </p:cTn>
+                                        <p:tgtEl>
+                                          <p:spTgt spid="77"/>
+                                        </p:tgtEl>
+                                        <p:attrNameLst>
+                                          <p:attrName>style.visibility</p:attrName>
+                                        </p:attrNameLst>
+                                      </p:cBhvr>
+                                      <p:to>
+                                        <p:strVal val="visible"/>
+                                      </p:to>
+                                    </p:set>
+                                  </p:childTnLst>
+                                </p:cTn>
+                              </p:par>
+                            </p:childTnLst>
+                          </p:cTn>
+                        </p:par>
+                      </p:childTnLst>
+                    </p:cTn>
+                  </p:par>
+                </p:childTnLst>
+              </p:cTn>
+              <p:prevCondLst>
+                <p:cond evt="onPrev" delay="0">
+                  <p:tgtEl>
+                    <p:sldTgt/>
+                  </p:tgtEl>
+                </p:cond>
+              </p:prevCondLst>
+              <p:nextCondLst>
+                <p:cond evt="onNext" delay="0">
+                  <p:tgtEl>
+                    <p:sldTgt/>
+                  </p:tgtEl>
+                </p:cond>
+              </p:nextCondLst>
+            </p:seq>
+          </p:childTnLst>
+        </p:cTn>
+      </p:par>
+    </p:tnLst>
+    <p:bldLst>
+      <p:bldP spid="3" grpId="0" animBg="1"/>
+      <p:bldP spid="4" grpId="0" animBg="1"/>
+      <p:bldP spid="14" grpId="0"/>
+      <p:bldP spid="34" grpId="0" animBg="1"/>
+      <p:bldP spid="77" grpId="0"/>
+      <p:bldP spid="56" grpId="0" animBg="1"/>
+      <p:bldP spid="91" grpId="0" animBg="1"/>
+      <p:bldP spid="15" grpId="0" animBg="1"/>
+    </p:bldLst>
+  </p:timing>
 </p:sld>
 </file>
 
@@ -15944,7 +18126,7 @@
           <a:p>
             <a:r>
               <a:rPr lang="en-US" dirty="0"/>
-              <a:t>Conclusion and summary</a:t>
+              <a:t>Attrition - Conclusion and summary</a:t>
             </a:r>
           </a:p>
         </p:txBody>
@@ -15962,7 +18144,7 @@
           <p:nvPr>
             <p:extLst>
               <p:ext uri="{D42A27DB-BD31-4B8C-83A1-F6EECF244321}">
-                <p14:modId xmlns:p14="http://schemas.microsoft.com/office/powerpoint/2010/main" val="3997052393"/>
+                <p14:modId xmlns:p14="http://schemas.microsoft.com/office/powerpoint/2010/main" val="1899842636"/>
               </p:ext>
             </p:extLst>
           </p:nvPr>
@@ -16012,46 +18194,6 @@
               <a:t>Analysis Repository</a:t>
             </a:r>
             <a:endParaRPr lang="en-US" dirty="0"/>
-          </a:p>
-        </p:txBody>
-      </p:sp>
-      <p:sp>
-        <p:nvSpPr>
-          <p:cNvPr id="5" name="TextBox 4">
-            <a:extLst>
-              <a:ext uri="{FF2B5EF4-FFF2-40B4-BE49-F238E27FC236}">
-                <a16:creationId xmlns:a16="http://schemas.microsoft.com/office/drawing/2014/main" id="{E1B20BBC-7125-416C-8A90-93B6E5D7B9B9}"/>
-              </a:ext>
-            </a:extLst>
-          </p:cNvPr>
-          <p:cNvSpPr txBox="1"/>
-          <p:nvPr/>
-        </p:nvSpPr>
-        <p:spPr>
-          <a:xfrm rot="20194777">
-            <a:off x="4536558" y="3013501"/>
-            <a:ext cx="3213100" cy="830997"/>
-          </a:xfrm>
-          <a:prstGeom prst="rect">
-            <a:avLst/>
-          </a:prstGeom>
-          <a:noFill/>
-        </p:spPr>
-        <p:txBody>
-          <a:bodyPr wrap="square" rtlCol="0">
-            <a:spAutoFit/>
-          </a:bodyPr>
-          <a:lstStyle/>
-          <a:p>
-            <a:pPr algn="ctr"/>
-            <a:r>
-              <a:rPr lang="en-US" sz="4800" dirty="0">
-                <a:solidFill>
-                  <a:srgbClr val="FF0000"/>
-                </a:solidFill>
-              </a:rPr>
-              <a:t>In Progress</a:t>
-            </a:r>
           </a:p>
         </p:txBody>
       </p:sp>
@@ -19903,7 +22045,7 @@
         <p:spPr>
           <a:xfrm>
             <a:off x="8792310" y="5169055"/>
-            <a:ext cx="3014327" cy="646331"/>
+            <a:ext cx="3014327" cy="461665"/>
           </a:xfrm>
           <a:prstGeom prst="rect">
             <a:avLst/>
@@ -19925,7 +22067,7 @@
             </a:pPr>
             <a:r>
               <a:rPr lang="en-US" sz="1200" dirty="0"/>
-              <a:t>Irrespective of Job Role, it is expected for people to retire. After ~23 of working years, there is a more significant attrition</a:t>
+              <a:t>Irrespective of Job Role, it is expected for people to retire. After ~23 of working years</a:t>
             </a:r>
           </a:p>
         </p:txBody>
@@ -20464,8 +22606,8 @@
           </a:p>
         </p:txBody>
       </p:sp>
-      <mc:AlternateContent xmlns:mc="http://schemas.openxmlformats.org/markup-compatibility/2006">
-        <mc:Choice xmlns:a14="http://schemas.microsoft.com/office/drawing/2010/main" Requires="a14">
+      <mc:AlternateContent xmlns:mc="http://schemas.openxmlformats.org/markup-compatibility/2006" xmlns:a14="http://schemas.microsoft.com/office/drawing/2010/main">
+        <mc:Choice Requires="a14">
           <p:graphicFrame>
             <p:nvGraphicFramePr>
               <p:cNvPr id="4" name="Table 3">
@@ -21664,7 +23806,7 @@
             </a:graphic>
           </p:graphicFrame>
         </mc:Choice>
-        <mc:Fallback>
+        <mc:Fallback xmlns="">
           <p:graphicFrame>
             <p:nvGraphicFramePr>
               <p:cNvPr id="4" name="Table 3">
